--- a/images/experiments/src/money.pptx
+++ b/images/experiments/src/money.pptx
@@ -190,7 +190,7 @@
     <inkml:brush xml:id="br0">
       <inkml:brushProperty name="width" value="0.1" units="cm"/>
       <inkml:brushProperty name="height" value="0.1" units="cm"/>
-      <inkml:brushProperty name="color" value="#E71224"/>
+      <inkml:brushProperty name="color" value="#C93431"/>
     </inkml:brush>
   </inkml:definitions>
   <inkml:trace contextRef="#ctx0" brushRef="#br0">1 471 24575,'19'0'0,"-1"0"0,-4 0 0,-1 0 0,1 0 0,12-7 0,-15 0 0,22-1 0,-23-12 0,11 11 0,9-14 0,-11 2 0,11 10 0,0-10 0,-12 6 0,20-2 0,-15-5 0,1 0 0,4 12 0,-4-10 0,6 11 0,-13-5 0,2 6 0,-10-12 0,4 17 0,1-11 0,-1 9 0,1-3 0,-1 1 0,-6-5 0,5 5 0,-4-1 0,-1-4 0,4 10 0,-4-4 0,7-7 0,-1 3 0,9-11 0,-6-1 0,5 12 0,-6-9 0,-2 17 0,-5-4 0,-2 6 0</inkml:trace>
@@ -218,7 +218,7 @@
     <inkml:brush xml:id="br0">
       <inkml:brushProperty name="width" value="0.1" units="cm"/>
       <inkml:brushProperty name="height" value="0.1" units="cm"/>
-      <inkml:brushProperty name="color" value="#E71224"/>
+      <inkml:brushProperty name="color" value="#C93431"/>
     </inkml:brush>
   </inkml:definitions>
   <inkml:trace contextRef="#ctx0" brushRef="#br0">384 0 24575,'-13'0'0,"0"0"0,-1 0 0,1 0 0,-8 0 0,-1 0 0,0 0 0,-5 0 0,11 0 0,-17 0 0,10 0 0,-4 6 0,8 1 0,11 7 0,-3-1 0,3 0 0,1 0 0,-5 1 0,4-1 0,1 1 0,-5-7 0,11 5 0,-5-5 0,0 6 0,5 0 0,-11-5 0,10 4 0,-10-5 0,10 7 0,-4-1 0,6 0 0,0 0 0,0 0 0,0 0 0,0 1 0,0-1 0,0 1 0,6-7 0,1-2 0,6-5 0,-5 6 0,3-4 0,-4 4 0,6-6 0,0 0 0,1 0 0,-1 0 0,0 0 0,0 0 0,0 0 0,-5-6 0,4-2 0,-4-5 0,5-1 0,1 0 0,0 7 0,-7-5 0,5 10 0,-10-10 0,10 11 0,-5-11 0,7 4 0,-2-4 0,2-2 0,-7 2 0,5 5 0,-11-5 0,11 4 0,-10-5 0,10-1 0,-11 0 0,12 1 0,-6-1 0,7 6 0,-7-4 0,5 5 0,-16 5 0,9 10 0,-17 6 0,5 6 0,-7-6 0,0-1 0,1 1 0,-1-1 0,0 1 0,1 0 0,-1-1 0,0 1 0,7 0 0,-5-1 0,10 1 0,-10 0 0,10-1 0,-4 0 0,6 0 0,0 1 0,0 0 0,-13 0 0,10 0 0,-11 0 0,14 0 0,0-1 0,0 1 0,0-1 0,6 0 0,2 0 0,-1 1 0,6-1 0,-6-5 0,6-2 0,0-6 0,0 0 0,0 0 0,1 0 0,-1 0 0,1 0 0,-1 0 0,1 0 0,-1 0 0,1 0 0,7 0 0,2 0 0,0 0 0,5-7 0,-12 6 0,5-12 0,-8 11 0,1-4 0,-1 0 0,1-1 0,-2-6 0,-4-7 0,4 4 0,-11-12 0,11 12 0,-10-12 0,4 5 0,0-7 0,-4 7 0,5 2 0,-7 7 0,0 1 0,0-1 0,0 0 0,0 1 0,-6 6 0,-9-5 0,0 10 0,-6-5 0,7 1 0,1 5 0,-1-5 0,0 6 0,1 0 0,0 0 0,0 0 0,6-6 0,-4 4 0,9-10 0,-9 11 0,4-5 0,-7 0 0,1-2 0,-1-5 0,-7 5 0,12-4 0,-11 4 0,12 1 0,1-5 0,-5 10 0,10-4 0,-4 6 0</inkml:trace>
@@ -274,7 +274,7 @@
     <inkml:brush xml:id="br0">
       <inkml:brushProperty name="width" value="0.1" units="cm"/>
       <inkml:brushProperty name="height" value="0.1" units="cm"/>
-      <inkml:brushProperty name="color" value="#E71224"/>
+      <inkml:brushProperty name="color" value="#C93431"/>
     </inkml:brush>
   </inkml:definitions>
   <inkml:trace contextRef="#ctx0" brushRef="#br0">0 0 24575,'13'0'0,"0"0"0,1 0 0,-1 0 0,17 0 0,-12 0 0,19 0 0,-14 7 0,0 8 0,15 2 0,-13 5 0,7 1 0,-3-6 0,-5-2 0,-1 5 0,-8-11 0,5 13 0,-10-8 0,11 0 0,-8 0 0,1 0 0,0-1 0,-1 1 0,1 0 0,0-1 0,-1 1 0,1 0 0,-1-7 0,0 5 0,0-11 0,0 5 0,0-6 0,-6 5 0,4-3 0,-4 9 0,6-9 0,1 10 0,0-4 0,-1-1 0,1 5 0,0-4 0,-1 5 0,1-5 0,0 4 0,-7-5 0,5 1 0,-10 3 0,10-9 0,-5 3 0,6-5 0,-6 6 0,5-4 0,-4 4 0,-1 0 0,5-5 0,-5 11 0,6-11 0,-7 11 0,6-11 0,-10 11 0,10-10 0,-5 3 0,1-5 0,-3 0 0</inkml:trace>
@@ -302,7 +302,7 @@
     <inkml:brush xml:id="br0">
       <inkml:brushProperty name="width" value="0.1" units="cm"/>
       <inkml:brushProperty name="height" value="0.1" units="cm"/>
-      <inkml:brushProperty name="color" value="#E71224"/>
+      <inkml:brushProperty name="color" value="#C93431"/>
     </inkml:brush>
   </inkml:definitions>
   <inkml:trace contextRef="#ctx0" brushRef="#br0">1 0 24575,'0'13'0,"0"7"0,0 3 0,0 0 0,0-2 0,0-7 0,0-1 0,0 8 0,0-5 0,0 5 0,0 0 0,0-5 0,0 12 0,0-5 0,0 0 0,0 5 0,0-5 0,6 26 0,-4-22 0,10 18 0,-11-30 0,5 5 0,-6-7 0,6 0 0,-4 0 0,10 1 0,-10 7 0,10 2 0,-10 7 0,12 0 0,-7-7 0,2 5 0,3-5 0,-4 0 0,0-2 0,5 0 0,-11-5 0,11 5 0,-12 0 0,11-6 0,-10 6 0,10-7 0,-11 7 0,5-5 0,1 5 0,-6-8 0,5 1 0,0 0 0,-4-1 0,4-6 0,-6-1 0</inkml:trace>
@@ -330,7 +330,7 @@
     <inkml:brush xml:id="br0">
       <inkml:brushProperty name="width" value="0.1" units="cm"/>
       <inkml:brushProperty name="height" value="0.1" units="cm"/>
-      <inkml:brushProperty name="color" value="#E71224"/>
+      <inkml:brushProperty name="color" value="#C93431"/>
     </inkml:brush>
   </inkml:definitions>
   <inkml:trace contextRef="#ctx0" brushRef="#br0">1 125 24575,'0'-20'0,"0"6"0,0-5 0,3 13 0,3-3 0,-1 5 0,3 3 0,-3-8 0,5 4 0,-1 0 0,-4-3 0,4 7 0,-4-4 0,0 1 0,4 3 0,-4-3 0,4 4 0,0 0 0,1 0 0,-5-5 0,4 4 0,-4-3 0,4 4 0,1 0 0,-2 0 0,7 0 0,1 0 0,0 0 0,4 0 0,-9 0 0,4 0 0,-6 0 0,1 0 0,-1 0 0,0 0 0,0 0 0,1 0 0,-1 0 0,1 0 0,-1 4 0,1-3 0,-1 4 0,1-1 0,-1 1 0,0 0 0,0 3 0,1-7 0,0 8 0,-1-4 0,1 0 0,-1 4 0,1-4 0,0 1 0,-5 2 0,4-7 0,-8 8 0,7-8 0,-7 8 0,3-4 0,0 4 0,-3 1 0,8-1 0,-3 6 0,-1-4 0,5 9 0,-9-4 0,8 0 0,-8 4 0,3-9 0,-4 4 0,0 0 0,0-4 0,0 4 0,0-6 0,0 0 0,0 0 0,0 0 0,-4 0 0,-1-4 0,-4-1 0,0-4 0,0 0 0,-1 0 0,1 0 0,0 0 0,0 0 0,-4 0 0,2 0 0,-7 0 0,2 0 0,-6 0 0,6-4 0,-4 3 0,9-3 0,-4-1 0,6 4 0,-1-3 0,5 0 0,-4 3 0,4-4 0,-3 5 0,-7-4 0,-1-2 0,-5-5 0,0 0 0,-1 1 0,1-1 0,5 1 0,-4 4 0,9-3 0,-4 8 0,10-7 0,-4 7 0,4-4 0,-4 5 0,0 0 0,0 0 0,0 0 0,0 0 0,-1 0 0,5-3 0,-3 2 0,7-3 0,-2 4 0</inkml:trace>
@@ -1552,7 +1552,7 @@
     <inkml:brush xml:id="br0">
       <inkml:brushProperty name="width" value="0.1" units="cm"/>
       <inkml:brushProperty name="height" value="0.1" units="cm"/>
-      <inkml:brushProperty name="color" value="#E71224"/>
+      <inkml:brushProperty name="color" value="#C93431"/>
     </inkml:brush>
   </inkml:definitions>
   <inkml:trace contextRef="#ctx0" brushRef="#br0">1 1021 24575,'0'-20'0,"0"-21"0,0-2 0,0-27 0,0 17 0,0-16 0,0 16 0,7-2 0,1-4 0,4-17 0,-4 14 0,1 3 0,-2 1 0,-7 6 0,0 22 0,0-1 0,0 1 0,7 0 0,-5 7 0,11-6 0,-11 14 0,4-6 0,0 7 0,-4 1 0,10 5 0,-11 2 0,5 6 0</inkml:trace>
@@ -1580,7 +1580,7 @@
     <inkml:brush xml:id="br0">
       <inkml:brushProperty name="width" value="0.1" units="cm"/>
       <inkml:brushProperty name="height" value="0.1" units="cm"/>
-      <inkml:brushProperty name="color" value="#E71224"/>
+      <inkml:brushProperty name="color" value="#C93431"/>
     </inkml:brush>
   </inkml:definitions>
   <inkml:trace contextRef="#ctx0" brushRef="#br0">1 471 24575,'19'0'0,"-1"0"0,-4 0 0,-1 0 0,1 0 0,12-7 0,-15 0 0,22-1 0,-23-12 0,11 11 0,9-14 0,-11 2 0,11 10 0,0-10 0,-12 6 0,20-2 0,-15-5 0,1 0 0,4 12 0,-4-10 0,6 11 0,-13-5 0,2 6 0,-10-12 0,4 17 0,1-11 0,-1 9 0,1-3 0,-1 1 0,-6-5 0,5 5 0,-4-1 0,-1-4 0,4 10 0,-4-4 0,7-7 0,-1 3 0,9-11 0,-6-1 0,5 12 0,-6-9 0,-2 17 0,-5-4 0,-2 6 0</inkml:trace>
@@ -1635,7 +1635,7 @@
     <inkml:brush xml:id="br0">
       <inkml:brushProperty name="width" value="0.1" units="cm"/>
       <inkml:brushProperty name="height" value="0.1" units="cm"/>
-      <inkml:brushProperty name="color" value="#E71224"/>
+      <inkml:brushProperty name="color" value="#C93431"/>
     </inkml:brush>
   </inkml:definitions>
   <inkml:trace contextRef="#ctx0" brushRef="#br0">384 0 24575,'-13'0'0,"0"0"0,-1 0 0,1 0 0,-8 0 0,-1 0 0,0 0 0,-5 0 0,11 0 0,-17 0 0,10 0 0,-4 6 0,8 1 0,11 7 0,-3-1 0,3 0 0,1 0 0,-5 1 0,4-1 0,1 1 0,-5-7 0,11 5 0,-5-5 0,0 6 0,5 0 0,-11-5 0,10 4 0,-10-5 0,10 7 0,-4-1 0,6 0 0,0 0 0,0 0 0,0 0 0,0 1 0,0-1 0,0 1 0,6-7 0,1-2 0,6-5 0,-5 6 0,3-4 0,-4 4 0,6-6 0,0 0 0,1 0 0,-1 0 0,0 0 0,0 0 0,0 0 0,-5-6 0,4-2 0,-4-5 0,5-1 0,1 0 0,0 7 0,-7-5 0,5 10 0,-10-10 0,10 11 0,-5-11 0,7 4 0,-2-4 0,2-2 0,-7 2 0,5 5 0,-11-5 0,11 4 0,-10-5 0,10-1 0,-11 0 0,12 1 0,-6-1 0,7 6 0,-7-4 0,5 5 0,-16 5 0,9 10 0,-17 6 0,5 6 0,-7-6 0,0-1 0,1 1 0,-1-1 0,0 1 0,1 0 0,-1-1 0,0 1 0,7 0 0,-5-1 0,10 1 0,-10 0 0,10-1 0,-4 0 0,6 0 0,0 1 0,0 0 0,-13 0 0,10 0 0,-11 0 0,14 0 0,0-1 0,0 1 0,0-1 0,6 0 0,2 0 0,-1 1 0,6-1 0,-6-5 0,6-2 0,0-6 0,0 0 0,0 0 0,1 0 0,-1 0 0,1 0 0,-1 0 0,1 0 0,-1 0 0,1 0 0,7 0 0,2 0 0,0 0 0,5-7 0,-12 6 0,5-12 0,-8 11 0,1-4 0,-1 0 0,1-1 0,-2-6 0,-4-7 0,4 4 0,-11-12 0,11 12 0,-10-12 0,4 5 0,0-7 0,-4 7 0,5 2 0,-7 7 0,0 1 0,0-1 0,0 0 0,0 1 0,-6 6 0,-9-5 0,0 10 0,-6-5 0,7 1 0,1 5 0,-1-5 0,0 6 0,1 0 0,0 0 0,0 0 0,6-6 0,-4 4 0,9-10 0,-9 11 0,4-5 0,-7 0 0,1-2 0,-1-5 0,-7 5 0,12-4 0,-11 4 0,12 1 0,1-5 0,-5 10 0,10-4 0,-4 6 0</inkml:trace>
@@ -1691,7 +1691,7 @@
     <inkml:brush xml:id="br0">
       <inkml:brushProperty name="width" value="0.1" units="cm"/>
       <inkml:brushProperty name="height" value="0.1" units="cm"/>
-      <inkml:brushProperty name="color" value="#E71224"/>
+      <inkml:brushProperty name="color" value="#C93431"/>
     </inkml:brush>
   </inkml:definitions>
   <inkml:trace contextRef="#ctx0" brushRef="#br0">0 0 24575,'13'0'0,"0"0"0,1 0 0,-1 0 0,17 0 0,-12 0 0,19 0 0,-14 7 0,0 8 0,15 2 0,-13 5 0,7 1 0,-3-6 0,-5-2 0,-1 5 0,-8-11 0,5 13 0,-10-8 0,11 0 0,-8 0 0,1 0 0,0-1 0,-1 1 0,1 0 0,0-1 0,-1 1 0,1 0 0,-1-7 0,0 5 0,0-11 0,0 5 0,0-6 0,-6 5 0,4-3 0,-4 9 0,6-9 0,1 10 0,0-4 0,-1-1 0,1 5 0,0-4 0,-1 5 0,1-5 0,0 4 0,-7-5 0,5 1 0,-10 3 0,10-9 0,-5 3 0,6-5 0,-6 6 0,5-4 0,-4 4 0,-1 0 0,5-5 0,-5 11 0,6-11 0,-7 11 0,6-11 0,-10 11 0,10-10 0,-5 3 0,1-5 0,-3 0 0</inkml:trace>
@@ -1719,7 +1719,7 @@
     <inkml:brush xml:id="br0">
       <inkml:brushProperty name="width" value="0.1" units="cm"/>
       <inkml:brushProperty name="height" value="0.1" units="cm"/>
-      <inkml:brushProperty name="color" value="#E71224"/>
+      <inkml:brushProperty name="color" value="#C93431"/>
     </inkml:brush>
   </inkml:definitions>
   <inkml:trace contextRef="#ctx0" brushRef="#br0">1 0 24575,'0'13'0,"0"7"0,0 3 0,0 0 0,0-2 0,0-7 0,0-1 0,0 8 0,0-5 0,0 5 0,0 0 0,0-5 0,0 12 0,0-5 0,0 0 0,0 5 0,0-5 0,6 26 0,-4-22 0,10 18 0,-11-30 0,5 5 0,-6-7 0,6 0 0,-4 0 0,10 1 0,-10 7 0,10 2 0,-10 7 0,12 0 0,-7-7 0,2 5 0,3-5 0,-4 0 0,0-2 0,5 0 0,-11-5 0,11 5 0,-12 0 0,11-6 0,-10 6 0,10-7 0,-11 7 0,5-5 0,1 5 0,-6-8 0,5 1 0,0 0 0,-4-1 0,4-6 0,-6-1 0</inkml:trace>
@@ -1747,7 +1747,7 @@
     <inkml:brush xml:id="br0">
       <inkml:brushProperty name="width" value="0.1" units="cm"/>
       <inkml:brushProperty name="height" value="0.1" units="cm"/>
-      <inkml:brushProperty name="color" value="#E71224"/>
+      <inkml:brushProperty name="color" value="#C93431"/>
     </inkml:brush>
   </inkml:definitions>
   <inkml:trace contextRef="#ctx0" brushRef="#br0">1 125 24575,'0'-20'0,"0"6"0,0-5 0,3 13 0,3-3 0,-1 5 0,3 3 0,-3-8 0,5 4 0,-1 0 0,-4-3 0,4 7 0,-4-4 0,0 1 0,4 3 0,-4-3 0,4 4 0,0 0 0,1 0 0,-5-5 0,4 4 0,-4-3 0,4 4 0,1 0 0,-2 0 0,7 0 0,1 0 0,0 0 0,4 0 0,-9 0 0,4 0 0,-6 0 0,1 0 0,-1 0 0,0 0 0,0 0 0,1 0 0,-1 0 0,1 0 0,-1 4 0,1-3 0,-1 4 0,1-1 0,-1 1 0,0 0 0,0 3 0,1-7 0,0 8 0,-1-4 0,1 0 0,-1 4 0,1-4 0,0 1 0,-5 2 0,4-7 0,-8 8 0,7-8 0,-7 8 0,3-4 0,0 4 0,-3 1 0,8-1 0,-3 6 0,-1-4 0,5 9 0,-9-4 0,8 0 0,-8 4 0,3-9 0,-4 4 0,0 0 0,0-4 0,0 4 0,0-6 0,0 0 0,0 0 0,0 0 0,-4 0 0,-1-4 0,-4-1 0,0-4 0,0 0 0,-1 0 0,1 0 0,0 0 0,0 0 0,-4 0 0,2 0 0,-7 0 0,2 0 0,-6 0 0,6-4 0,-4 3 0,9-3 0,-4-1 0,6 4 0,-1-3 0,5 0 0,-4 3 0,4-4 0,-3 5 0,-7-4 0,-1-2 0,-5-5 0,0 0 0,-1 1 0,1-1 0,5 1 0,-4 4 0,9-3 0,-4 8 0,10-7 0,-4 7 0,4-4 0,-4 5 0,0 0 0,0 0 0,0 0 0,0 0 0,-1 0 0,5-3 0,-3 2 0,7-3 0,-2 4 0</inkml:trace>
@@ -2022,7 +2022,7 @@
     <inkml:brush xml:id="br0">
       <inkml:brushProperty name="width" value="0.1" units="cm"/>
       <inkml:brushProperty name="height" value="0.1" units="cm"/>
-      <inkml:brushProperty name="color" value="#E71224"/>
+      <inkml:brushProperty name="color" value="#C93431"/>
     </inkml:brush>
   </inkml:definitions>
   <inkml:trace contextRef="#ctx0" brushRef="#br0">1 1021 24575,'0'-20'0,"0"-21"0,0-2 0,0-27 0,0 17 0,0-16 0,0 16 0,7-2 0,1-4 0,4-17 0,-4 14 0,1 3 0,-2 1 0,-7 6 0,0 22 0,0-1 0,0 1 0,7 0 0,-5 7 0,11-6 0,-11 14 0,4-6 0,0 7 0,-4 1 0,10 5 0,-11 2 0,5 6 0</inkml:trace>
@@ -2050,7 +2050,7 @@
     <inkml:brush xml:id="br0">
       <inkml:brushProperty name="width" value="0.1" units="cm"/>
       <inkml:brushProperty name="height" value="0.1" units="cm"/>
-      <inkml:brushProperty name="color" value="#E71224"/>
+      <inkml:brushProperty name="color" value="#C93431"/>
     </inkml:brush>
   </inkml:definitions>
   <inkml:trace contextRef="#ctx0" brushRef="#br0">1 471 24575,'19'0'0,"-1"0"0,-4 0 0,-1 0 0,1 0 0,12-7 0,-15 0 0,22-1 0,-23-12 0,11 11 0,9-14 0,-11 2 0,11 10 0,0-10 0,-12 6 0,20-2 0,-15-5 0,1 0 0,4 12 0,-4-10 0,6 11 0,-13-5 0,2 6 0,-10-12 0,4 17 0,1-11 0,-1 9 0,1-3 0,-1 1 0,-6-5 0,5 5 0,-4-1 0,-1-4 0,4 10 0,-4-4 0,7-7 0,-1 3 0,9-11 0,-6-1 0,5 12 0,-6-9 0,-2 17 0,-5-4 0,-2 6 0</inkml:trace>
@@ -2078,7 +2078,7 @@
     <inkml:brush xml:id="br0">
       <inkml:brushProperty name="width" value="0.1" units="cm"/>
       <inkml:brushProperty name="height" value="0.1" units="cm"/>
-      <inkml:brushProperty name="color" value="#E71224"/>
+      <inkml:brushProperty name="color" value="#C93431"/>
     </inkml:brush>
   </inkml:definitions>
   <inkml:trace contextRef="#ctx0" brushRef="#br0">384 0 24575,'-13'0'0,"0"0"0,-1 0 0,1 0 0,-8 0 0,-1 0 0,0 0 0,-5 0 0,11 0 0,-17 0 0,10 0 0,-4 6 0,8 1 0,11 7 0,-3-1 0,3 0 0,1 0 0,-5 1 0,4-1 0,1 1 0,-5-7 0,11 5 0,-5-5 0,0 6 0,5 0 0,-11-5 0,10 4 0,-10-5 0,10 7 0,-4-1 0,6 0 0,0 0 0,0 0 0,0 0 0,0 1 0,0-1 0,0 1 0,6-7 0,1-2 0,6-5 0,-5 6 0,3-4 0,-4 4 0,6-6 0,0 0 0,1 0 0,-1 0 0,0 0 0,0 0 0,0 0 0,-5-6 0,4-2 0,-4-5 0,5-1 0,1 0 0,0 7 0,-7-5 0,5 10 0,-10-10 0,10 11 0,-5-11 0,7 4 0,-2-4 0,2-2 0,-7 2 0,5 5 0,-11-5 0,11 4 0,-10-5 0,10-1 0,-11 0 0,12 1 0,-6-1 0,7 6 0,-7-4 0,5 5 0,-16 5 0,9 10 0,-17 6 0,5 6 0,-7-6 0,0-1 0,1 1 0,-1-1 0,0 1 0,1 0 0,-1-1 0,0 1 0,7 0 0,-5-1 0,10 1 0,-10 0 0,10-1 0,-4 0 0,6 0 0,0 1 0,0 0 0,-13 0 0,10 0 0,-11 0 0,14 0 0,0-1 0,0 1 0,0-1 0,6 0 0,2 0 0,-1 1 0,6-1 0,-6-5 0,6-2 0,0-6 0,0 0 0,0 0 0,1 0 0,-1 0 0,1 0 0,-1 0 0,1 0 0,-1 0 0,1 0 0,7 0 0,2 0 0,0 0 0,5-7 0,-12 6 0,5-12 0,-8 11 0,1-4 0,-1 0 0,1-1 0,-2-6 0,-4-7 0,4 4 0,-11-12 0,11 12 0,-10-12 0,4 5 0,0-7 0,-4 7 0,5 2 0,-7 7 0,0 1 0,0-1 0,0 0 0,0 1 0,-6 6 0,-9-5 0,0 10 0,-6-5 0,7 1 0,1 5 0,-1-5 0,0 6 0,1 0 0,0 0 0,0 0 0,6-6 0,-4 4 0,9-10 0,-9 11 0,4-5 0,-7 0 0,1-2 0,-1-5 0,-7 5 0,12-4 0,-11 4 0,12 1 0,1-5 0,-5 10 0,10-4 0,-4 6 0</inkml:trace>
@@ -2134,7 +2134,7 @@
     <inkml:brush xml:id="br0">
       <inkml:brushProperty name="width" value="0.1" units="cm"/>
       <inkml:brushProperty name="height" value="0.1" units="cm"/>
-      <inkml:brushProperty name="color" value="#E71224"/>
+      <inkml:brushProperty name="color" value="#C93431"/>
     </inkml:brush>
   </inkml:definitions>
   <inkml:trace contextRef="#ctx0" brushRef="#br0">0 0 24575,'13'0'0,"0"0"0,1 0 0,-1 0 0,17 0 0,-12 0 0,19 0 0,-14 7 0,0 8 0,15 2 0,-13 5 0,7 1 0,-3-6 0,-5-2 0,-1 5 0,-8-11 0,5 13 0,-10-8 0,11 0 0,-8 0 0,1 0 0,0-1 0,-1 1 0,1 0 0,0-1 0,-1 1 0,1 0 0,-1-7 0,0 5 0,0-11 0,0 5 0,0-6 0,-6 5 0,4-3 0,-4 9 0,6-9 0,1 10 0,0-4 0,-1-1 0,1 5 0,0-4 0,-1 5 0,1-5 0,0 4 0,-7-5 0,5 1 0,-10 3 0,10-9 0,-5 3 0,6-5 0,-6 6 0,5-4 0,-4 4 0,-1 0 0,5-5 0,-5 11 0,6-11 0,-7 11 0,6-11 0,-10 11 0,10-10 0,-5 3 0,1-5 0,-3 0 0</inkml:trace>
@@ -2162,7 +2162,7 @@
     <inkml:brush xml:id="br0">
       <inkml:brushProperty name="width" value="0.1" units="cm"/>
       <inkml:brushProperty name="height" value="0.1" units="cm"/>
-      <inkml:brushProperty name="color" value="#E71224"/>
+      <inkml:brushProperty name="color" value="#C93431"/>
     </inkml:brush>
   </inkml:definitions>
   <inkml:trace contextRef="#ctx0" brushRef="#br0">1 0 24575,'0'13'0,"0"7"0,0 3 0,0 0 0,0-2 0,0-7 0,0-1 0,0 8 0,0-5 0,0 5 0,0 0 0,0-5 0,0 12 0,0-5 0,0 0 0,0 5 0,0-5 0,6 26 0,-4-22 0,10 18 0,-11-30 0,5 5 0,-6-7 0,6 0 0,-4 0 0,10 1 0,-10 7 0,10 2 0,-10 7 0,12 0 0,-7-7 0,2 5 0,3-5 0,-4 0 0,0-2 0,5 0 0,-11-5 0,11 5 0,-12 0 0,11-6 0,-10 6 0,10-7 0,-11 7 0,5-5 0,1 5 0,-6-8 0,5 1 0,0 0 0,-4-1 0,4-6 0,-6-1 0</inkml:trace>
@@ -2190,7 +2190,7 @@
     <inkml:brush xml:id="br0">
       <inkml:brushProperty name="width" value="0.1" units="cm"/>
       <inkml:brushProperty name="height" value="0.1" units="cm"/>
-      <inkml:brushProperty name="color" value="#E71224"/>
+      <inkml:brushProperty name="color" value="#C93431"/>
     </inkml:brush>
   </inkml:definitions>
   <inkml:trace contextRef="#ctx0" brushRef="#br0">1 125 24575,'0'-20'0,"0"6"0,0-5 0,3 13 0,3-3 0,-1 5 0,3 3 0,-3-8 0,5 4 0,-1 0 0,-4-3 0,4 7 0,-4-4 0,0 1 0,4 3 0,-4-3 0,4 4 0,0 0 0,1 0 0,-5-5 0,4 4 0,-4-3 0,4 4 0,1 0 0,-2 0 0,7 0 0,1 0 0,0 0 0,4 0 0,-9 0 0,4 0 0,-6 0 0,1 0 0,-1 0 0,0 0 0,0 0 0,1 0 0,-1 0 0,1 0 0,-1 4 0,1-3 0,-1 4 0,1-1 0,-1 1 0,0 0 0,0 3 0,1-7 0,0 8 0,-1-4 0,1 0 0,-1 4 0,1-4 0,0 1 0,-5 2 0,4-7 0,-8 8 0,7-8 0,-7 8 0,3-4 0,0 4 0,-3 1 0,8-1 0,-3 6 0,-1-4 0,5 9 0,-9-4 0,8 0 0,-8 4 0,3-9 0,-4 4 0,0 0 0,0-4 0,0 4 0,0-6 0,0 0 0,0 0 0,0 0 0,-4 0 0,-1-4 0,-4-1 0,0-4 0,0 0 0,-1 0 0,1 0 0,0 0 0,0 0 0,-4 0 0,2 0 0,-7 0 0,2 0 0,-6 0 0,6-4 0,-4 3 0,9-3 0,-4-1 0,6 4 0,-1-3 0,5 0 0,-4 3 0,4-4 0,-3 5 0,-7-4 0,-1-2 0,-5-5 0,0 0 0,-1 1 0,1-1 0,5 1 0,-4 4 0,9-3 0,-4 8 0,10-7 0,-4 7 0,4-4 0,-4 5 0,0 0 0,0 0 0,0 0 0,0 0 0,-1 0 0,5-3 0,-3 2 0,7-3 0,-2 4 0</inkml:trace>
@@ -2548,7 +2548,7 @@
     <inkml:brush xml:id="br0">
       <inkml:brushProperty name="width" value="0.1" units="cm"/>
       <inkml:brushProperty name="height" value="0.1" units="cm"/>
-      <inkml:brushProperty name="color" value="#E71224"/>
+      <inkml:brushProperty name="color" value="#C93431"/>
     </inkml:brush>
   </inkml:definitions>
   <inkml:trace contextRef="#ctx0" brushRef="#br0">1 1021 24575,'0'-20'0,"0"-21"0,0-2 0,0-27 0,0 17 0,0-16 0,0 16 0,7-2 0,1-4 0,4-17 0,-4 14 0,1 3 0,-2 1 0,-7 6 0,0 22 0,0-1 0,0 1 0,7 0 0,-5 7 0,11-6 0,-11 14 0,4-6 0,0 7 0,-4 1 0,10 5 0,-11 2 0,5 6 0</inkml:trace>
@@ -2576,7 +2576,7 @@
     <inkml:brush xml:id="br0">
       <inkml:brushProperty name="width" value="0.1" units="cm"/>
       <inkml:brushProperty name="height" value="0.1" units="cm"/>
-      <inkml:brushProperty name="color" value="#E71224"/>
+      <inkml:brushProperty name="color" value="#C93431"/>
     </inkml:brush>
   </inkml:definitions>
   <inkml:trace contextRef="#ctx0" brushRef="#br0">1 471 24575,'19'0'0,"-1"0"0,-4 0 0,-1 0 0,1 0 0,12-7 0,-15 0 0,22-1 0,-23-12 0,11 11 0,9-14 0,-11 2 0,11 10 0,0-10 0,-12 6 0,20-2 0,-15-5 0,1 0 0,4 12 0,-4-10 0,6 11 0,-13-5 0,2 6 0,-10-12 0,4 17 0,1-11 0,-1 9 0,1-3 0,-1 1 0,-6-5 0,5 5 0,-4-1 0,-1-4 0,4 10 0,-4-4 0,7-7 0,-1 3 0,9-11 0,-6-1 0,5 12 0,-6-9 0,-2 17 0,-5-4 0,-2 6 0</inkml:trace>
@@ -2604,7 +2604,7 @@
     <inkml:brush xml:id="br0">
       <inkml:brushProperty name="width" value="0.1" units="cm"/>
       <inkml:brushProperty name="height" value="0.1" units="cm"/>
-      <inkml:brushProperty name="color" value="#E71224"/>
+      <inkml:brushProperty name="color" value="#C93431"/>
     </inkml:brush>
   </inkml:definitions>
   <inkml:trace contextRef="#ctx0" brushRef="#br0">384 0 24575,'-13'0'0,"0"0"0,-1 0 0,1 0 0,-8 0 0,-1 0 0,0 0 0,-5 0 0,11 0 0,-17 0 0,10 0 0,-4 6 0,8 1 0,11 7 0,-3-1 0,3 0 0,1 0 0,-5 1 0,4-1 0,1 1 0,-5-7 0,11 5 0,-5-5 0,0 6 0,5 0 0,-11-5 0,10 4 0,-10-5 0,10 7 0,-4-1 0,6 0 0,0 0 0,0 0 0,0 0 0,0 1 0,0-1 0,0 1 0,6-7 0,1-2 0,6-5 0,-5 6 0,3-4 0,-4 4 0,6-6 0,0 0 0,1 0 0,-1 0 0,0 0 0,0 0 0,0 0 0,-5-6 0,4-2 0,-4-5 0,5-1 0,1 0 0,0 7 0,-7-5 0,5 10 0,-10-10 0,10 11 0,-5-11 0,7 4 0,-2-4 0,2-2 0,-7 2 0,5 5 0,-11-5 0,11 4 0,-10-5 0,10-1 0,-11 0 0,12 1 0,-6-1 0,7 6 0,-7-4 0,5 5 0,-16 5 0,9 10 0,-17 6 0,5 6 0,-7-6 0,0-1 0,1 1 0,-1-1 0,0 1 0,1 0 0,-1-1 0,0 1 0,7 0 0,-5-1 0,10 1 0,-10 0 0,10-1 0,-4 0 0,6 0 0,0 1 0,0 0 0,-13 0 0,10 0 0,-11 0 0,14 0 0,0-1 0,0 1 0,0-1 0,6 0 0,2 0 0,-1 1 0,6-1 0,-6-5 0,6-2 0,0-6 0,0 0 0,0 0 0,1 0 0,-1 0 0,1 0 0,-1 0 0,1 0 0,-1 0 0,1 0 0,7 0 0,2 0 0,0 0 0,5-7 0,-12 6 0,5-12 0,-8 11 0,1-4 0,-1 0 0,1-1 0,-2-6 0,-4-7 0,4 4 0,-11-12 0,11 12 0,-10-12 0,4 5 0,0-7 0,-4 7 0,5 2 0,-7 7 0,0 1 0,0-1 0,0 0 0,0 1 0,-6 6 0,-9-5 0,0 10 0,-6-5 0,7 1 0,1 5 0,-1-5 0,0 6 0,1 0 0,0 0 0,0 0 0,6-6 0,-4 4 0,9-10 0,-9 11 0,4-5 0,-7 0 0,1-2 0,-1-5 0,-7 5 0,12-4 0,-11 4 0,12 1 0,1-5 0,-5 10 0,10-4 0,-4 6 0</inkml:trace>
@@ -2632,7 +2632,7 @@
     <inkml:brush xml:id="br0">
       <inkml:brushProperty name="width" value="0.1" units="cm"/>
       <inkml:brushProperty name="height" value="0.1" units="cm"/>
-      <inkml:brushProperty name="color" value="#E71224"/>
+      <inkml:brushProperty name="color" value="#C93431"/>
     </inkml:brush>
   </inkml:definitions>
   <inkml:trace contextRef="#ctx0" brushRef="#br0">10 1 24575,'0'14'0,"0"4"0,0-2 0,-5-4 0,4 2 0,-3-9 0,4 5 0,0-1 0,0 1 0,0-1 0,0 0 0,0 0 0,0 0 0,0 0 0,0 0 0,0 0 0,0 6 0,0-4 0,0 9 0,0-4 0,0 5 0,0 1 0,0-1 0,0 0 0,0-5 0,0-1 0,0-5 0,0 0 0,4-1 0,1 0 0,4 0 0,1 1 0,0 0 0,-1-1 0,1 1 0,0 0 0,-1-1 0,-3 1 0,2-5 0,-3 0 0,5-5 0,-1 0 0,1 0 0,0 0 0,4 0 0,-3 0 0,9 0 0,-9 0 0,4 0 0,-5 0 0,5 0 0,-4 0 0,3 0 0,-4 0 0,0 0 0,-1 0 0,1 0 0,0 0 0,-1 0 0,1 0 0,-1 0 0,1 0 0,-2 0 0,1 0 0,-4-9 0,-1 3 0,-4-7 0,0-2 0,5-1 0,-4 0 0,4 1 0,-5 0 0,0 4 0,0-3 0,-4 8 0,3-2 0,-7-2 0,-3-2 0,-1-8 0,-3 3 0,5 1 0,-6-4 0,5 9 0,-4-9 0,5 9 0,0-4 0,0 6 0,1-1 0,-1 1 0,1-1 0,-1 5 0,0-4 0,1 4 0,-1-1 0,0-2 0,1 2 0,-1-3 0,0 3 0,1-2 0,-1 2 0,1 1 0,-1 1 0,5 0 0,-2 2 0,6-10 0,-3 11 0,4-7 0</inkml:trace>
@@ -2660,7 +2660,7 @@
     <inkml:brush xml:id="br0">
       <inkml:brushProperty name="width" value="0.1" units="cm"/>
       <inkml:brushProperty name="height" value="0.1" units="cm"/>
-      <inkml:brushProperty name="color" value="#E71224"/>
+      <inkml:brushProperty name="color" value="#C93431"/>
     </inkml:brush>
   </inkml:definitions>
   <inkml:trace contextRef="#ctx0" brushRef="#br0">0 0 24575,'13'0'0,"0"0"0,1 0 0,-1 0 0,17 0 0,-12 0 0,19 0 0,-14 7 0,0 8 0,15 2 0,-13 5 0,7 1 0,-3-6 0,-5-2 0,-1 5 0,-8-11 0,5 13 0,-10-8 0,11 0 0,-8 0 0,1 0 0,0-1 0,-1 1 0,1 0 0,0-1 0,-1 1 0,1 0 0,-1-7 0,0 5 0,0-11 0,0 5 0,0-6 0,-6 5 0,4-3 0,-4 9 0,6-9 0,1 10 0,0-4 0,-1-1 0,1 5 0,0-4 0,-1 5 0,1-5 0,0 4 0,-7-5 0,5 1 0,-10 3 0,10-9 0,-5 3 0,6-5 0,-6 6 0,5-4 0,-4 4 0,-1 0 0,5-5 0,-5 11 0,6-11 0,-7 11 0,6-11 0,-10 11 0,10-10 0,-5 3 0,1-5 0,-3 0 0</inkml:trace>
@@ -2688,7 +2688,7 @@
     <inkml:brush xml:id="br0">
       <inkml:brushProperty name="width" value="0.1" units="cm"/>
       <inkml:brushProperty name="height" value="0.1" units="cm"/>
-      <inkml:brushProperty name="color" value="#E71224"/>
+      <inkml:brushProperty name="color" value="#C93431"/>
     </inkml:brush>
   </inkml:definitions>
   <inkml:trace contextRef="#ctx0" brushRef="#br0">1 0 24575,'0'13'0,"0"7"0,0 3 0,0 0 0,0-2 0,0-7 0,0-1 0,0 8 0,0-5 0,0 5 0,0 0 0,0-5 0,0 12 0,0-5 0,0 0 0,0 5 0,0-5 0,6 26 0,-4-22 0,10 18 0,-11-30 0,5 5 0,-6-7 0,6 0 0,-4 0 0,10 1 0,-10 7 0,10 2 0,-10 7 0,12 0 0,-7-7 0,2 5 0,3-5 0,-4 0 0,0-2 0,5 0 0,-11-5 0,11 5 0,-12 0 0,11-6 0,-10 6 0,10-7 0,-11 7 0,5-5 0,1 5 0,-6-8 0,5 1 0,0 0 0,-4-1 0,4-6 0,-6-1 0</inkml:trace>
@@ -2716,7 +2716,7 @@
     <inkml:brush xml:id="br0">
       <inkml:brushProperty name="width" value="0.1" units="cm"/>
       <inkml:brushProperty name="height" value="0.1" units="cm"/>
-      <inkml:brushProperty name="color" value="#E71224"/>
+      <inkml:brushProperty name="color" value="#C93431"/>
     </inkml:brush>
   </inkml:definitions>
   <inkml:trace contextRef="#ctx0" brushRef="#br0">1 125 24575,'0'-20'0,"0"6"0,0-5 0,3 13 0,3-3 0,-1 5 0,3 3 0,-3-8 0,5 4 0,-1 0 0,-4-3 0,4 7 0,-4-4 0,0 1 0,4 3 0,-4-3 0,4 4 0,0 0 0,1 0 0,-5-5 0,4 4 0,-4-3 0,4 4 0,1 0 0,-2 0 0,7 0 0,1 0 0,0 0 0,4 0 0,-9 0 0,4 0 0,-6 0 0,1 0 0,-1 0 0,0 0 0,0 0 0,1 0 0,-1 0 0,1 0 0,-1 4 0,1-3 0,-1 4 0,1-1 0,-1 1 0,0 0 0,0 3 0,1-7 0,0 8 0,-1-4 0,1 0 0,-1 4 0,1-4 0,0 1 0,-5 2 0,4-7 0,-8 8 0,7-8 0,-7 8 0,3-4 0,0 4 0,-3 1 0,8-1 0,-3 6 0,-1-4 0,5 9 0,-9-4 0,8 0 0,-8 4 0,3-9 0,-4 4 0,0 0 0,0-4 0,0 4 0,0-6 0,0 0 0,0 0 0,0 0 0,-4 0 0,-1-4 0,-4-1 0,0-4 0,0 0 0,-1 0 0,1 0 0,0 0 0,0 0 0,-4 0 0,2 0 0,-7 0 0,2 0 0,-6 0 0,6-4 0,-4 3 0,9-3 0,-4-1 0,6 4 0,-1-3 0,5 0 0,-4 3 0,4-4 0,-3 5 0,-7-4 0,-1-2 0,-5-5 0,0 0 0,-1 1 0,1-1 0,5 1 0,-4 4 0,9-3 0,-4 8 0,10-7 0,-4 7 0,4-4 0,-4 5 0,0 0 0,0 0 0,0 0 0,0 0 0,-1 0 0,5-3 0,-3 2 0,7-3 0,-2 4 0</inkml:trace>
@@ -2910,7 +2910,7 @@
     <inkml:brush xml:id="br0">
       <inkml:brushProperty name="width" value="0.1" units="cm"/>
       <inkml:brushProperty name="height" value="0.1" units="cm"/>
-      <inkml:brushProperty name="color" value="#E71224"/>
+      <inkml:brushProperty name="color" value="#C93431"/>
     </inkml:brush>
   </inkml:definitions>
   <inkml:trace contextRef="#ctx0" brushRef="#br0">10 1 24575,'0'14'0,"0"4"0,0-2 0,-5-4 0,4 2 0,-3-9 0,4 5 0,0-1 0,0 1 0,0-1 0,0 0 0,0 0 0,0 0 0,0 0 0,0 0 0,0 0 0,0 6 0,0-4 0,0 9 0,0-4 0,0 5 0,0 1 0,0-1 0,0 0 0,0-5 0,0-1 0,0-5 0,0 0 0,4-1 0,1 0 0,4 0 0,1 1 0,0 0 0,-1-1 0,1 1 0,0 0 0,-1-1 0,-3 1 0,2-5 0,-3 0 0,5-5 0,-1 0 0,1 0 0,0 0 0,4 0 0,-3 0 0,9 0 0,-9 0 0,4 0 0,-5 0 0,5 0 0,-4 0 0,3 0 0,-4 0 0,0 0 0,-1 0 0,1 0 0,0 0 0,-1 0 0,1 0 0,-1 0 0,1 0 0,-2 0 0,1 0 0,-4-9 0,-1 3 0,-4-7 0,0-2 0,5-1 0,-4 0 0,4 1 0,-5 0 0,0 4 0,0-3 0,-4 8 0,3-2 0,-7-2 0,-3-2 0,-1-8 0,-3 3 0,5 1 0,-6-4 0,5 9 0,-4-9 0,5 9 0,0-4 0,0 6 0,1-1 0,-1 1 0,1-1 0,-1 5 0,0-4 0,1 4 0,-1-1 0,0-2 0,1 2 0,-1-3 0,0 3 0,1-2 0,-1 2 0,1 1 0,-1 1 0,5 0 0,-2 2 0,6-10 0,-3 11 0,4-7 0</inkml:trace>
@@ -2938,7 +2938,7 @@
     <inkml:brush xml:id="br0">
       <inkml:brushProperty name="width" value="0.1" units="cm"/>
       <inkml:brushProperty name="height" value="0.1" units="cm"/>
-      <inkml:brushProperty name="color" value="#E71224"/>
+      <inkml:brushProperty name="color" value="#C93431"/>
     </inkml:brush>
   </inkml:definitions>
   <inkml:trace contextRef="#ctx0" brushRef="#br0">0 0 24575,'13'0'0,"0"0"0,1 0 0,-1 0 0,17 0 0,-12 0 0,19 0 0,-14 7 0,0 8 0,15 2 0,-13 5 0,7 1 0,-3-6 0,-5-2 0,-1 5 0,-8-11 0,5 13 0,-10-8 0,11 0 0,-8 0 0,1 0 0,0-1 0,-1 1 0,1 0 0,0-1 0,-1 1 0,1 0 0,-1-7 0,0 5 0,0-11 0,0 5 0,0-6 0,-6 5 0,4-3 0,-4 9 0,6-9 0,1 10 0,0-4 0,-1-1 0,1 5 0,0-4 0,-1 5 0,1-5 0,0 4 0,-7-5 0,5 1 0,-10 3 0,10-9 0,-5 3 0,6-5 0,-6 6 0,5-4 0,-4 4 0,-1 0 0,5-5 0,-5 11 0,6-11 0,-7 11 0,6-11 0,-10 11 0,10-10 0,-5 3 0,1-5 0,-3 0 0</inkml:trace>
@@ -2966,7 +2966,7 @@
     <inkml:brush xml:id="br0">
       <inkml:brushProperty name="width" value="0.1" units="cm"/>
       <inkml:brushProperty name="height" value="0.1" units="cm"/>
-      <inkml:brushProperty name="color" value="#E71224"/>
+      <inkml:brushProperty name="color" value="#C93431"/>
     </inkml:brush>
   </inkml:definitions>
   <inkml:trace contextRef="#ctx0" brushRef="#br0">1 0 24575,'0'13'0,"0"7"0,0 3 0,0 0 0,0-2 0,0-7 0,0-1 0,0 8 0,0-5 0,0 5 0,0 0 0,0-5 0,0 12 0,0-5 0,0 0 0,0 5 0,0-5 0,6 26 0,-4-22 0,10 18 0,-11-30 0,5 5 0,-6-7 0,6 0 0,-4 0 0,10 1 0,-10 7 0,10 2 0,-10 7 0,12 0 0,-7-7 0,2 5 0,3-5 0,-4 0 0,0-2 0,5 0 0,-11-5 0,11 5 0,-12 0 0,11-6 0,-10 6 0,10-7 0,-11 7 0,5-5 0,1 5 0,-6-8 0,5 1 0,0 0 0,-4-1 0,4-6 0,-6-1 0</inkml:trace>
@@ -2994,7 +2994,7 @@
     <inkml:brush xml:id="br0">
       <inkml:brushProperty name="width" value="0.1" units="cm"/>
       <inkml:brushProperty name="height" value="0.1" units="cm"/>
-      <inkml:brushProperty name="color" value="#E71224"/>
+      <inkml:brushProperty name="color" value="#C93431"/>
     </inkml:brush>
   </inkml:definitions>
   <inkml:trace contextRef="#ctx0" brushRef="#br0">1 125 24575,'0'-20'0,"0"6"0,0-5 0,3 13 0,3-3 0,-1 5 0,3 3 0,-3-8 0,5 4 0,-1 0 0,-4-3 0,4 7 0,-4-4 0,0 1 0,4 3 0,-4-3 0,4 4 0,0 0 0,1 0 0,-5-5 0,4 4 0,-4-3 0,4 4 0,1 0 0,-2 0 0,7 0 0,1 0 0,0 0 0,4 0 0,-9 0 0,4 0 0,-6 0 0,1 0 0,-1 0 0,0 0 0,0 0 0,1 0 0,-1 0 0,1 0 0,-1 4 0,1-3 0,-1 4 0,1-1 0,-1 1 0,0 0 0,0 3 0,1-7 0,0 8 0,-1-4 0,1 0 0,-1 4 0,1-4 0,0 1 0,-5 2 0,4-7 0,-8 8 0,7-8 0,-7 8 0,3-4 0,0 4 0,-3 1 0,8-1 0,-3 6 0,-1-4 0,5 9 0,-9-4 0,8 0 0,-8 4 0,3-9 0,-4 4 0,0 0 0,0-4 0,0 4 0,0-6 0,0 0 0,0 0 0,0 0 0,-4 0 0,-1-4 0,-4-1 0,0-4 0,0 0 0,-1 0 0,1 0 0,0 0 0,0 0 0,-4 0 0,2 0 0,-7 0 0,2 0 0,-6 0 0,6-4 0,-4 3 0,9-3 0,-4-1 0,6 4 0,-1-3 0,5 0 0,-4 3 0,4-4 0,-3 5 0,-7-4 0,-1-2 0,-5-5 0,0 0 0,-1 1 0,1-1 0,5 1 0,-4 4 0,9-3 0,-4 8 0,10-7 0,-4 7 0,4-4 0,-4 5 0,0 0 0,0 0 0,0 0 0,0 0 0,-1 0 0,5-3 0,-3 2 0,7-3 0,-2 4 0</inkml:trace>
@@ -3022,7 +3022,7 @@
     <inkml:brush xml:id="br0">
       <inkml:brushProperty name="width" value="0.1" units="cm"/>
       <inkml:brushProperty name="height" value="0.1" units="cm"/>
-      <inkml:brushProperty name="color" value="#E71224"/>
+      <inkml:brushProperty name="color" value="#C93431"/>
     </inkml:brush>
   </inkml:definitions>
   <inkml:trace contextRef="#ctx0" brushRef="#br0">1 1021 24575,'0'-20'0,"0"-21"0,0-2 0,0-27 0,0 17 0,0-16 0,0 16 0,7-2 0,1-4 0,4-17 0,-4 14 0,1 3 0,-2 1 0,-7 6 0,0 22 0,0-1 0,0 1 0,7 0 0,-5 7 0,11-6 0,-11 14 0,4-6 0,0 7 0,-4 1 0,10 5 0,-11 2 0,5 6 0</inkml:trace>
@@ -3050,7 +3050,7 @@
     <inkml:brush xml:id="br0">
       <inkml:brushProperty name="width" value="0.1" units="cm"/>
       <inkml:brushProperty name="height" value="0.1" units="cm"/>
-      <inkml:brushProperty name="color" value="#E71224"/>
+      <inkml:brushProperty name="color" value="#C93431"/>
     </inkml:brush>
   </inkml:definitions>
   <inkml:trace contextRef="#ctx0" brushRef="#br0">1 471 24575,'19'0'0,"-1"0"0,-4 0 0,-1 0 0,1 0 0,12-7 0,-15 0 0,22-1 0,-23-12 0,11 11 0,9-14 0,-11 2 0,11 10 0,0-10 0,-12 6 0,20-2 0,-15-5 0,1 0 0,4 12 0,-4-10 0,6 11 0,-13-5 0,2 6 0,-10-12 0,4 17 0,1-11 0,-1 9 0,1-3 0,-1 1 0,-6-5 0,5 5 0,-4-1 0,-1-4 0,4 10 0,-4-4 0,7-7 0,-1 3 0,9-11 0,-6-1 0,5 12 0,-6-9 0,-2 17 0,-5-4 0,-2 6 0</inkml:trace>
@@ -3078,7 +3078,7 @@
     <inkml:brush xml:id="br0">
       <inkml:brushProperty name="width" value="0.1" units="cm"/>
       <inkml:brushProperty name="height" value="0.1" units="cm"/>
-      <inkml:brushProperty name="color" value="#E71224"/>
+      <inkml:brushProperty name="color" value="#C93431"/>
     </inkml:brush>
   </inkml:definitions>
   <inkml:trace contextRef="#ctx0" brushRef="#br0">384 0 24575,'-13'0'0,"0"0"0,-1 0 0,1 0 0,-8 0 0,-1 0 0,0 0 0,-5 0 0,11 0 0,-17 0 0,10 0 0,-4 6 0,8 1 0,11 7 0,-3-1 0,3 0 0,1 0 0,-5 1 0,4-1 0,1 1 0,-5-7 0,11 5 0,-5-5 0,0 6 0,5 0 0,-11-5 0,10 4 0,-10-5 0,10 7 0,-4-1 0,6 0 0,0 0 0,0 0 0,0 0 0,0 1 0,0-1 0,0 1 0,6-7 0,1-2 0,6-5 0,-5 6 0,3-4 0,-4 4 0,6-6 0,0 0 0,1 0 0,-1 0 0,0 0 0,0 0 0,0 0 0,-5-6 0,4-2 0,-4-5 0,5-1 0,1 0 0,0 7 0,-7-5 0,5 10 0,-10-10 0,10 11 0,-5-11 0,7 4 0,-2-4 0,2-2 0,-7 2 0,5 5 0,-11-5 0,11 4 0,-10-5 0,10-1 0,-11 0 0,12 1 0,-6-1 0,7 6 0,-7-4 0,5 5 0,-16 5 0,9 10 0,-17 6 0,5 6 0,-7-6 0,0-1 0,1 1 0,-1-1 0,0 1 0,1 0 0,-1-1 0,0 1 0,7 0 0,-5-1 0,10 1 0,-10 0 0,10-1 0,-4 0 0,6 0 0,0 1 0,0 0 0,-13 0 0,10 0 0,-11 0 0,14 0 0,0-1 0,0 1 0,0-1 0,6 0 0,2 0 0,-1 1 0,6-1 0,-6-5 0,6-2 0,0-6 0,0 0 0,0 0 0,1 0 0,-1 0 0,1 0 0,-1 0 0,1 0 0,-1 0 0,1 0 0,7 0 0,2 0 0,0 0 0,5-7 0,-12 6 0,5-12 0,-8 11 0,1-4 0,-1 0 0,1-1 0,-2-6 0,-4-7 0,4 4 0,-11-12 0,11 12 0,-10-12 0,4 5 0,0-7 0,-4 7 0,5 2 0,-7 7 0,0 1 0,0-1 0,0 0 0,0 1 0,-6 6 0,-9-5 0,0 10 0,-6-5 0,7 1 0,1 5 0,-1-5 0,0 6 0,1 0 0,0 0 0,0 0 0,6-6 0,-4 4 0,9-10 0,-9 11 0,4-5 0,-7 0 0,1-2 0,-1-5 0,-7 5 0,12-4 0,-11 4 0,12 1 0,1-5 0,-5 10 0,10-4 0,-4 6 0</inkml:trace>
@@ -3409,7 +3409,7 @@
     <inkml:brush xml:id="br0">
       <inkml:brushProperty name="width" value="0.1" units="cm"/>
       <inkml:brushProperty name="height" value="0.1" units="cm"/>
-      <inkml:brushProperty name="color" value="#E71224"/>
+      <inkml:brushProperty name="color" value="#C93431"/>
     </inkml:brush>
   </inkml:definitions>
   <inkml:trace contextRef="#ctx0" brushRef="#br0">1 1021 24575,'0'-20'0,"0"-21"0,0-2 0,0-27 0,0 17 0,0-16 0,0 16 0,7-2 0,1-4 0,4-17 0,-4 14 0,1 3 0,-2 1 0,-7 6 0,0 22 0,0-1 0,0 1 0,7 0 0,-5 7 0,11-6 0,-11 14 0,4-6 0,0 7 0,-4 1 0,10 5 0,-11 2 0,5 6 0</inkml:trace>
@@ -3547,7 +3547,7 @@
           <a:p>
             <a:fld id="{5B15DD13-963A-5F46-82C4-D335A0D7E61E}" type="datetimeFigureOut">
               <a:rPr lang="en-US" smtClean="0"/>
-              <a:t>9/18/23</a:t>
+              <a:t>12/18/23</a:t>
             </a:fld>
             <a:endParaRPr lang="en-US"/>
           </a:p>
@@ -3717,7 +3717,7 @@
           <a:p>
             <a:fld id="{5B15DD13-963A-5F46-82C4-D335A0D7E61E}" type="datetimeFigureOut">
               <a:rPr lang="en-US" smtClean="0"/>
-              <a:t>9/18/23</a:t>
+              <a:t>12/18/23</a:t>
             </a:fld>
             <a:endParaRPr lang="en-US"/>
           </a:p>
@@ -3897,7 +3897,7 @@
           <a:p>
             <a:fld id="{5B15DD13-963A-5F46-82C4-D335A0D7E61E}" type="datetimeFigureOut">
               <a:rPr lang="en-US" smtClean="0"/>
-              <a:t>9/18/23</a:t>
+              <a:t>12/18/23</a:t>
             </a:fld>
             <a:endParaRPr lang="en-US"/>
           </a:p>
@@ -4067,7 +4067,7 @@
           <a:p>
             <a:fld id="{5B15DD13-963A-5F46-82C4-D335A0D7E61E}" type="datetimeFigureOut">
               <a:rPr lang="en-US" smtClean="0"/>
-              <a:t>9/18/23</a:t>
+              <a:t>12/18/23</a:t>
             </a:fld>
             <a:endParaRPr lang="en-US"/>
           </a:p>
@@ -4311,7 +4311,7 @@
           <a:p>
             <a:fld id="{5B15DD13-963A-5F46-82C4-D335A0D7E61E}" type="datetimeFigureOut">
               <a:rPr lang="en-US" smtClean="0"/>
-              <a:t>9/18/23</a:t>
+              <a:t>12/18/23</a:t>
             </a:fld>
             <a:endParaRPr lang="en-US"/>
           </a:p>
@@ -4543,7 +4543,7 @@
           <a:p>
             <a:fld id="{5B15DD13-963A-5F46-82C4-D335A0D7E61E}" type="datetimeFigureOut">
               <a:rPr lang="en-US" smtClean="0"/>
-              <a:t>9/18/23</a:t>
+              <a:t>12/18/23</a:t>
             </a:fld>
             <a:endParaRPr lang="en-US"/>
           </a:p>
@@ -4910,7 +4910,7 @@
           <a:p>
             <a:fld id="{5B15DD13-963A-5F46-82C4-D335A0D7E61E}" type="datetimeFigureOut">
               <a:rPr lang="en-US" smtClean="0"/>
-              <a:t>9/18/23</a:t>
+              <a:t>12/18/23</a:t>
             </a:fld>
             <a:endParaRPr lang="en-US"/>
           </a:p>
@@ -5028,7 +5028,7 @@
           <a:p>
             <a:fld id="{5B15DD13-963A-5F46-82C4-D335A0D7E61E}" type="datetimeFigureOut">
               <a:rPr lang="en-US" smtClean="0"/>
-              <a:t>9/18/23</a:t>
+              <a:t>12/18/23</a:t>
             </a:fld>
             <a:endParaRPr lang="en-US"/>
           </a:p>
@@ -5123,7 +5123,7 @@
           <a:p>
             <a:fld id="{5B15DD13-963A-5F46-82C4-D335A0D7E61E}" type="datetimeFigureOut">
               <a:rPr lang="en-US" smtClean="0"/>
-              <a:t>9/18/23</a:t>
+              <a:t>12/18/23</a:t>
             </a:fld>
             <a:endParaRPr lang="en-US"/>
           </a:p>
@@ -5400,7 +5400,7 @@
           <a:p>
             <a:fld id="{5B15DD13-963A-5F46-82C4-D335A0D7E61E}" type="datetimeFigureOut">
               <a:rPr lang="en-US" smtClean="0"/>
-              <a:t>9/18/23</a:t>
+              <a:t>12/18/23</a:t>
             </a:fld>
             <a:endParaRPr lang="en-US"/>
           </a:p>
@@ -5657,7 +5657,7 @@
           <a:p>
             <a:fld id="{5B15DD13-963A-5F46-82C4-D335A0D7E61E}" type="datetimeFigureOut">
               <a:rPr lang="en-US" smtClean="0"/>
-              <a:t>9/18/23</a:t>
+              <a:t>12/18/23</a:t>
             </a:fld>
             <a:endParaRPr lang="en-US"/>
           </a:p>
@@ -5870,7 +5870,7 @@
           <a:p>
             <a:fld id="{5B15DD13-963A-5F46-82C4-D335A0D7E61E}" type="datetimeFigureOut">
               <a:rPr lang="en-US" smtClean="0"/>
-              <a:t>9/18/23</a:t>
+              <a:t>12/18/23</a:t>
             </a:fld>
             <a:endParaRPr lang="en-US"/>
           </a:p>
@@ -6509,7 +6509,10 @@
           <a:p>
             <a:pPr algn="ctr"/>
             <a:r>
-              <a:rPr lang="en-US" sz="2400" dirty="0"/>
+              <a:rPr lang="en-US" sz="2400" dirty="0">
+                <a:latin typeface="Source Sans Pro" panose="020F0502020204030204" pitchFamily="34" charset="0"/>
+                <a:cs typeface="Source Sans Pro" panose="020F0502020204030204" pitchFamily="34" charset="0"/>
+              </a:rPr>
               <a:t>Money</a:t>
             </a:r>
           </a:p>
@@ -6545,7 +6548,10 @@
           <a:p>
             <a:pPr algn="ctr"/>
             <a:r>
-              <a:rPr lang="en-US" sz="2400" dirty="0"/>
+              <a:rPr lang="en-US" sz="2400" dirty="0">
+                <a:latin typeface="Source Sans Pro" panose="020F0502020204030204" pitchFamily="34" charset="0"/>
+                <a:cs typeface="Source Sans Pro" panose="020F0502020204030204" pitchFamily="34" charset="0"/>
+              </a:rPr>
               <a:t>Happiness</a:t>
             </a:r>
           </a:p>
@@ -6581,7 +6587,10 @@
           <a:p>
             <a:pPr algn="ctr"/>
             <a:r>
-              <a:rPr lang="en-US" sz="4000" dirty="0"/>
+              <a:rPr lang="en-US" sz="4000" dirty="0">
+                <a:latin typeface="Source Sans Pro" panose="020F0502020204030204" pitchFamily="34" charset="0"/>
+                <a:cs typeface="Source Sans Pro" panose="020F0502020204030204" pitchFamily="34" charset="0"/>
+              </a:rPr>
               <a:t>?</a:t>
             </a:r>
           </a:p>
@@ -6821,7 +6830,10 @@
           <a:p>
             <a:pPr algn="ctr"/>
             <a:r>
-              <a:rPr lang="en-US" sz="2400" dirty="0"/>
+              <a:rPr lang="en-US" sz="2400" dirty="0">
+                <a:latin typeface="Source Sans Pro" panose="020F0502020204030204" pitchFamily="34" charset="0"/>
+                <a:cs typeface="Source Sans Pro" panose="020F0502020204030204" pitchFamily="34" charset="0"/>
+              </a:rPr>
               <a:t>Money</a:t>
             </a:r>
           </a:p>
@@ -6857,7 +6869,10 @@
           <a:p>
             <a:pPr algn="ctr"/>
             <a:r>
-              <a:rPr lang="en-US" sz="2400" dirty="0"/>
+              <a:rPr lang="en-US" sz="2400" dirty="0">
+                <a:latin typeface="Source Sans Pro" panose="020F0502020204030204" pitchFamily="34" charset="0"/>
+                <a:cs typeface="Source Sans Pro" panose="020F0502020204030204" pitchFamily="34" charset="0"/>
+              </a:rPr>
               <a:t>Happiness</a:t>
             </a:r>
           </a:p>
@@ -7046,7 +7061,10 @@
           <a:p>
             <a:pPr algn="ctr"/>
             <a:r>
-              <a:rPr lang="en-US" sz="2400" dirty="0"/>
+              <a:rPr lang="en-US" sz="2400" dirty="0">
+                <a:latin typeface="Source Sans Pro" panose="020F0502020204030204" pitchFamily="34" charset="0"/>
+                <a:cs typeface="Source Sans Pro" panose="020F0502020204030204" pitchFamily="34" charset="0"/>
+              </a:rPr>
               <a:t>Money</a:t>
             </a:r>
           </a:p>
@@ -7082,7 +7100,10 @@
           <a:p>
             <a:pPr algn="ctr"/>
             <a:r>
-              <a:rPr lang="en-US" sz="2400" dirty="0"/>
+              <a:rPr lang="en-US" sz="2400" dirty="0">
+                <a:latin typeface="Source Sans Pro" panose="020F0502020204030204" pitchFamily="34" charset="0"/>
+                <a:cs typeface="Source Sans Pro" panose="020F0502020204030204" pitchFamily="34" charset="0"/>
+              </a:rPr>
               <a:t>Happiness</a:t>
             </a:r>
           </a:p>
@@ -7343,7 +7364,10 @@
           <a:p>
             <a:pPr algn="ctr"/>
             <a:r>
-              <a:rPr lang="en-US" sz="2400" dirty="0"/>
+              <a:rPr lang="en-US" sz="2400" dirty="0">
+                <a:latin typeface="Source Sans Pro" panose="020F0502020204030204" pitchFamily="34" charset="0"/>
+                <a:cs typeface="Source Sans Pro" panose="020F0502020204030204" pitchFamily="34" charset="0"/>
+              </a:rPr>
               <a:t>Money</a:t>
             </a:r>
           </a:p>
@@ -7379,7 +7403,10 @@
           <a:p>
             <a:pPr algn="ctr"/>
             <a:r>
-              <a:rPr lang="en-US" sz="2400" dirty="0"/>
+              <a:rPr lang="en-US" sz="2400" dirty="0">
+                <a:latin typeface="Source Sans Pro" panose="020F0502020204030204" pitchFamily="34" charset="0"/>
+                <a:cs typeface="Source Sans Pro" panose="020F0502020204030204" pitchFamily="34" charset="0"/>
+              </a:rPr>
               <a:t>Happiness</a:t>
             </a:r>
           </a:p>
@@ -7466,7 +7493,10 @@
           <a:p>
             <a:pPr algn="ctr"/>
             <a:r>
-              <a:rPr lang="en-US" sz="2400" dirty="0"/>
+              <a:rPr lang="en-US" sz="2400" dirty="0">
+                <a:latin typeface="Source Sans Pro" panose="020F0502020204030204" pitchFamily="34" charset="0"/>
+                <a:cs typeface="Source Sans Pro" panose="020F0502020204030204" pitchFamily="34" charset="0"/>
+              </a:rPr>
               <a:t>Friends</a:t>
             </a:r>
           </a:p>
@@ -7747,7 +7777,10 @@
           <a:lstStyle/>
           <a:p>
             <a:r>
-              <a:rPr lang="en-US" sz="3200" dirty="0"/>
+              <a:rPr lang="en-US" sz="3200" dirty="0">
+                <a:latin typeface="Source Sans Pro" panose="020F0502020204030204" pitchFamily="34" charset="0"/>
+                <a:cs typeface="Source Sans Pro" panose="020F0502020204030204" pitchFamily="34" charset="0"/>
+              </a:rPr>
               <a:t>1.</a:t>
             </a:r>
           </a:p>
@@ -7782,7 +7815,10 @@
           <a:lstStyle/>
           <a:p>
             <a:r>
-              <a:rPr lang="en-US" sz="3200" dirty="0"/>
+              <a:rPr lang="en-US" sz="3200" dirty="0">
+                <a:latin typeface="Source Sans Pro" panose="020F0502020204030204" pitchFamily="34" charset="0"/>
+                <a:cs typeface="Source Sans Pro" panose="020F0502020204030204" pitchFamily="34" charset="0"/>
+              </a:rPr>
               <a:t>2.</a:t>
             </a:r>
           </a:p>
@@ -7817,7 +7853,10 @@
           <a:lstStyle/>
           <a:p>
             <a:r>
-              <a:rPr lang="en-US" sz="3200" dirty="0"/>
+              <a:rPr lang="en-US" sz="3200" dirty="0">
+                <a:latin typeface="Source Sans Pro" panose="020F0502020204030204" pitchFamily="34" charset="0"/>
+                <a:cs typeface="Source Sans Pro" panose="020F0502020204030204" pitchFamily="34" charset="0"/>
+              </a:rPr>
               <a:t>3.</a:t>
             </a:r>
           </a:p>
@@ -7954,7 +7993,10 @@
           <a:lstStyle/>
           <a:p>
             <a:r>
-              <a:rPr lang="en-US" dirty="0"/>
+              <a:rPr lang="en-US" dirty="0">
+                <a:latin typeface="Source Sans Pro" panose="020F0502020204030204" pitchFamily="34" charset="0"/>
+                <a:cs typeface="Source Sans Pro" panose="020F0502020204030204" pitchFamily="34" charset="0"/>
+              </a:rPr>
               <a:t>Money</a:t>
             </a:r>
           </a:p>
@@ -7989,7 +8031,10 @@
           <a:lstStyle/>
           <a:p>
             <a:r>
-              <a:rPr lang="en-US" dirty="0"/>
+              <a:rPr lang="en-US" dirty="0">
+                <a:latin typeface="Source Sans Pro" panose="020F0502020204030204" pitchFamily="34" charset="0"/>
+                <a:cs typeface="Source Sans Pro" panose="020F0502020204030204" pitchFamily="34" charset="0"/>
+              </a:rPr>
               <a:t>Happiness</a:t>
             </a:r>
           </a:p>
@@ -8076,7 +8121,10 @@
           <a:p>
             <a:pPr algn="ctr"/>
             <a:r>
-              <a:rPr lang="en-US" sz="2400" dirty="0"/>
+              <a:rPr lang="en-US" sz="2400" dirty="0">
+                <a:latin typeface="Source Sans Pro" panose="020F0502020204030204" pitchFamily="34" charset="0"/>
+                <a:cs typeface="Source Sans Pro" panose="020F0502020204030204" pitchFamily="34" charset="0"/>
+              </a:rPr>
               <a:t>Social services sample</a:t>
             </a:r>
           </a:p>
@@ -8111,7 +8159,10 @@
           <a:lstStyle/>
           <a:p>
             <a:r>
-              <a:rPr lang="en-US" sz="3200" dirty="0"/>
+              <a:rPr lang="en-US" sz="3200" dirty="0">
+                <a:latin typeface="Source Sans Pro" panose="020F0502020204030204" pitchFamily="34" charset="0"/>
+                <a:cs typeface="Source Sans Pro" panose="020F0502020204030204" pitchFamily="34" charset="0"/>
+              </a:rPr>
               <a:t>4.</a:t>
             </a:r>
           </a:p>
@@ -8147,7 +8198,10 @@
           <a:p>
             <a:pPr algn="ctr"/>
             <a:r>
-              <a:rPr lang="en-US" sz="2400" dirty="0"/>
+              <a:rPr lang="en-US" sz="2400" dirty="0">
+                <a:latin typeface="Source Sans Pro" panose="020F0502020204030204" pitchFamily="34" charset="0"/>
+                <a:cs typeface="Source Sans Pro" panose="020F0502020204030204" pitchFamily="34" charset="0"/>
+              </a:rPr>
               <a:t>Happiness</a:t>
             </a:r>
           </a:p>
@@ -8408,7 +8462,10 @@
           <a:p>
             <a:pPr algn="ctr"/>
             <a:r>
-              <a:rPr lang="en-US" sz="2400" dirty="0"/>
+              <a:rPr lang="en-US" sz="2400" dirty="0">
+                <a:latin typeface="Source Sans Pro" panose="020F0502020204030204" pitchFamily="34" charset="0"/>
+                <a:cs typeface="Source Sans Pro" panose="020F0502020204030204" pitchFamily="34" charset="0"/>
+              </a:rPr>
               <a:t>Money</a:t>
             </a:r>
           </a:p>
@@ -8576,7 +8633,10 @@
           <a:p>
             <a:pPr algn="ctr"/>
             <a:r>
-              <a:rPr lang="en-US" sz="2400" dirty="0"/>
+              <a:rPr lang="en-US" sz="2400" dirty="0">
+                <a:latin typeface="Source Sans Pro" panose="020B0503030403020204" pitchFamily="34" charset="0"/>
+                <a:ea typeface="Source Sans Pro" panose="020B0503030403020204" pitchFamily="34" charset="0"/>
+              </a:rPr>
               <a:t>Money</a:t>
             </a:r>
           </a:p>
@@ -8596,8 +8656,8 @@
         </p:nvSpPr>
         <p:spPr>
           <a:xfrm>
-            <a:off x="6197438" y="6384374"/>
-            <a:ext cx="1475084" cy="461665"/>
+            <a:off x="6166981" y="6384374"/>
+            <a:ext cx="1535998" cy="461665"/>
           </a:xfrm>
           <a:prstGeom prst="rect">
             <a:avLst/>
@@ -8612,7 +8672,10 @@
           <a:p>
             <a:pPr algn="ctr"/>
             <a:r>
-              <a:rPr lang="en-US" sz="2400" dirty="0"/>
+              <a:rPr lang="en-US" sz="2400" dirty="0">
+                <a:latin typeface="Source Sans Pro" panose="020B0503030403020204" pitchFamily="34" charset="0"/>
+                <a:ea typeface="Source Sans Pro" panose="020B0503030403020204" pitchFamily="34" charset="0"/>
+              </a:rPr>
               <a:t>Happiness</a:t>
             </a:r>
           </a:p>
@@ -8683,8 +8746,8 @@
         </p:nvSpPr>
         <p:spPr>
           <a:xfrm>
-            <a:off x="4486989" y="4378422"/>
-            <a:ext cx="1101584" cy="461665"/>
+            <a:off x="4467753" y="4378422"/>
+            <a:ext cx="1140057" cy="461665"/>
           </a:xfrm>
           <a:prstGeom prst="rect">
             <a:avLst/>
@@ -8699,7 +8762,10 @@
           <a:p>
             <a:pPr algn="ctr"/>
             <a:r>
-              <a:rPr lang="en-US" sz="2400" dirty="0"/>
+              <a:rPr lang="en-US" sz="2400" dirty="0">
+                <a:latin typeface="Source Sans Pro" panose="020B0503030403020204" pitchFamily="34" charset="0"/>
+                <a:ea typeface="Source Sans Pro" panose="020B0503030403020204" pitchFamily="34" charset="0"/>
+              </a:rPr>
               <a:t>Friends</a:t>
             </a:r>
           </a:p>
@@ -8980,7 +9046,10 @@
           <a:lstStyle/>
           <a:p>
             <a:r>
-              <a:rPr lang="en-US" dirty="0"/>
+              <a:rPr lang="en-US" dirty="0">
+                <a:latin typeface="Source Sans Pro" panose="020B0503030403020204" pitchFamily="34" charset="0"/>
+                <a:ea typeface="Source Sans Pro" panose="020B0503030403020204" pitchFamily="34" charset="0"/>
+              </a:rPr>
               <a:t>Money</a:t>
             </a:r>
           </a:p>
@@ -9001,7 +9070,7 @@
         <p:spPr>
           <a:xfrm>
             <a:off x="10555527" y="16892027"/>
-            <a:ext cx="1152880" cy="369332"/>
+            <a:ext cx="1197764" cy="369332"/>
           </a:xfrm>
           <a:prstGeom prst="rect">
             <a:avLst/>
@@ -9015,7 +9084,10 @@
           <a:lstStyle/>
           <a:p>
             <a:r>
-              <a:rPr lang="en-US" dirty="0"/>
+              <a:rPr lang="en-US" dirty="0">
+                <a:latin typeface="Source Sans Pro" panose="020B0503030403020204" pitchFamily="34" charset="0"/>
+                <a:ea typeface="Source Sans Pro" panose="020B0503030403020204" pitchFamily="34" charset="0"/>
+              </a:rPr>
               <a:t>Happiness</a:t>
             </a:r>
           </a:p>
@@ -9625,7 +9697,8 @@
             <a:pPr algn="ctr"/>
             <a:r>
               <a:rPr lang="en-US" sz="2400" dirty="0">
-                <a:latin typeface="Times" pitchFamily="2" charset="0"/>
+                <a:latin typeface="Source Sans Pro" panose="020B0503030403020204" pitchFamily="34" charset="0"/>
+                <a:ea typeface="Source Sans Pro" panose="020B0503030403020204" pitchFamily="34" charset="0"/>
               </a:rPr>
               <a:t>Experimental intervention</a:t>
             </a:r>
@@ -9663,7 +9736,8 @@
             <a:pPr algn="ctr"/>
             <a:r>
               <a:rPr lang="en-US" sz="2400" dirty="0">
-                <a:latin typeface="Times" pitchFamily="2" charset="0"/>
+                <a:latin typeface="Source Sans Pro" panose="020B0503030403020204" pitchFamily="34" charset="0"/>
+                <a:ea typeface="Source Sans Pro" panose="020B0503030403020204" pitchFamily="34" charset="0"/>
               </a:rPr>
               <a:t>Randomization cuts causal connections </a:t>
             </a:r>
@@ -9853,7 +9927,10 @@
           <a:p>
             <a:pPr algn="ctr"/>
             <a:r>
-              <a:rPr lang="en-US" sz="2400" dirty="0"/>
+              <a:rPr lang="en-US" sz="2400" dirty="0">
+                <a:latin typeface="Source Sans Pro" panose="020B0503030403020204" pitchFamily="34" charset="0"/>
+                <a:ea typeface="Source Sans Pro" panose="020B0503030403020204" pitchFamily="34" charset="0"/>
+              </a:rPr>
               <a:t>Social services sample</a:t>
             </a:r>
           </a:p>
@@ -9873,8 +9950,8 @@
         </p:nvSpPr>
         <p:spPr>
           <a:xfrm>
-            <a:off x="7125893" y="11388875"/>
-            <a:ext cx="1475084" cy="461665"/>
+            <a:off x="7095436" y="11388875"/>
+            <a:ext cx="1535998" cy="461665"/>
           </a:xfrm>
           <a:prstGeom prst="rect">
             <a:avLst/>
@@ -9889,7 +9966,10 @@
           <a:p>
             <a:pPr algn="ctr"/>
             <a:r>
-              <a:rPr lang="en-US" sz="2400" dirty="0"/>
+              <a:rPr lang="en-US" sz="2400" dirty="0">
+                <a:latin typeface="Source Sans Pro" panose="020B0503030403020204" pitchFamily="34" charset="0"/>
+                <a:ea typeface="Source Sans Pro" panose="020B0503030403020204" pitchFamily="34" charset="0"/>
+              </a:rPr>
               <a:t>Happiness</a:t>
             </a:r>
           </a:p>
@@ -10150,7 +10230,10 @@
           <a:p>
             <a:pPr algn="ctr"/>
             <a:r>
-              <a:rPr lang="en-US" sz="2400" dirty="0"/>
+              <a:rPr lang="en-US" sz="2400" dirty="0">
+                <a:latin typeface="Source Sans Pro" panose="020B0503030403020204" pitchFamily="34" charset="0"/>
+                <a:ea typeface="Source Sans Pro" panose="020B0503030403020204" pitchFamily="34" charset="0"/>
+              </a:rPr>
               <a:t>Money</a:t>
             </a:r>
           </a:p>
@@ -10637,7 +10720,8 @@
             <a:pPr algn="ctr"/>
             <a:r>
               <a:rPr lang="en-US" sz="2400" dirty="0">
-                <a:latin typeface="Times" pitchFamily="2" charset="0"/>
+                <a:latin typeface="Source Sans Pro" panose="020B0503030403020204" pitchFamily="34" charset="0"/>
+                <a:ea typeface="Source Sans Pro" panose="020B0503030403020204" pitchFamily="34" charset="0"/>
               </a:rPr>
               <a:t>Experimental intervention</a:t>
             </a:r>
@@ -10806,7 +10890,10 @@
           <a:p>
             <a:pPr algn="ctr"/>
             <a:r>
-              <a:rPr lang="en-US" sz="2400" dirty="0"/>
+              <a:rPr lang="en-US" sz="2400" dirty="0">
+                <a:latin typeface="Source Sans Pro" panose="020B0503030403020204" pitchFamily="34" charset="0"/>
+                <a:ea typeface="Source Sans Pro" panose="020B0503030403020204" pitchFamily="34" charset="0"/>
+              </a:rPr>
               <a:t>Money</a:t>
             </a:r>
           </a:p>
@@ -10826,8 +10913,8 @@
         </p:nvSpPr>
         <p:spPr>
           <a:xfrm>
-            <a:off x="6197438" y="7870274"/>
-            <a:ext cx="1475084" cy="461665"/>
+            <a:off x="6166981" y="7870274"/>
+            <a:ext cx="1535998" cy="461665"/>
           </a:xfrm>
           <a:prstGeom prst="rect">
             <a:avLst/>
@@ -10842,7 +10929,10 @@
           <a:p>
             <a:pPr algn="ctr"/>
             <a:r>
-              <a:rPr lang="en-US" sz="2400" dirty="0"/>
+              <a:rPr lang="en-US" sz="2400" dirty="0">
+                <a:latin typeface="Source Sans Pro" panose="020B0503030403020204" pitchFamily="34" charset="0"/>
+                <a:ea typeface="Source Sans Pro" panose="020B0503030403020204" pitchFamily="34" charset="0"/>
+              </a:rPr>
               <a:t>Happiness</a:t>
             </a:r>
           </a:p>
@@ -10913,8 +11003,8 @@
         </p:nvSpPr>
         <p:spPr>
           <a:xfrm>
-            <a:off x="4486989" y="5864322"/>
-            <a:ext cx="1101584" cy="461665"/>
+            <a:off x="4467753" y="5864322"/>
+            <a:ext cx="1140057" cy="461665"/>
           </a:xfrm>
           <a:prstGeom prst="rect">
             <a:avLst/>
@@ -10929,7 +11019,10 @@
           <a:p>
             <a:pPr algn="ctr"/>
             <a:r>
-              <a:rPr lang="en-US" sz="2400" dirty="0"/>
+              <a:rPr lang="en-US" sz="2400" dirty="0">
+                <a:latin typeface="Source Sans Pro" panose="020B0503030403020204" pitchFamily="34" charset="0"/>
+                <a:ea typeface="Source Sans Pro" panose="020B0503030403020204" pitchFamily="34" charset="0"/>
+              </a:rPr>
               <a:t>Friends</a:t>
             </a:r>
           </a:p>
@@ -11210,7 +11303,10 @@
           <a:lstStyle/>
           <a:p>
             <a:r>
-              <a:rPr lang="en-US" dirty="0"/>
+              <a:rPr lang="en-US" dirty="0">
+                <a:latin typeface="Source Sans Pro" panose="020B0503030403020204" pitchFamily="34" charset="0"/>
+                <a:ea typeface="Source Sans Pro" panose="020B0503030403020204" pitchFamily="34" charset="0"/>
+              </a:rPr>
               <a:t>Money</a:t>
             </a:r>
           </a:p>
@@ -11231,7 +11327,7 @@
         <p:spPr>
           <a:xfrm>
             <a:off x="10555527" y="16892027"/>
-            <a:ext cx="1152880" cy="369332"/>
+            <a:ext cx="1197764" cy="369332"/>
           </a:xfrm>
           <a:prstGeom prst="rect">
             <a:avLst/>
@@ -11245,7 +11341,10 @@
           <a:lstStyle/>
           <a:p>
             <a:r>
-              <a:rPr lang="en-US" dirty="0"/>
+              <a:rPr lang="en-US" dirty="0">
+                <a:latin typeface="Source Sans Pro" panose="020B0503030403020204" pitchFamily="34" charset="0"/>
+                <a:ea typeface="Source Sans Pro" panose="020B0503030403020204" pitchFamily="34" charset="0"/>
+              </a:rPr>
               <a:t>Happiness</a:t>
             </a:r>
           </a:p>
@@ -11599,8 +11698,8 @@
           </mc:Fallback>
         </mc:AlternateContent>
       </p:grpSp>
-      <mc:AlternateContent xmlns:mc="http://schemas.openxmlformats.org/markup-compatibility/2006" xmlns:p14="http://schemas.microsoft.com/office/powerpoint/2010/main">
-        <mc:Choice Requires="p14">
+      <mc:AlternateContent xmlns:mc="http://schemas.openxmlformats.org/markup-compatibility/2006">
+        <mc:Choice xmlns:p14="http://schemas.microsoft.com/office/powerpoint/2010/main" Requires="p14">
           <p:contentPart p14:bwMode="auto" r:id="rId25">
             <p14:nvContentPartPr>
               <p14:cNvPr id="60" name="Ink 59">
@@ -11619,7 +11718,7 @@
             </p14:xfrm>
           </p:contentPart>
         </mc:Choice>
-        <mc:Fallback xmlns="">
+        <mc:Fallback>
           <p:pic>
             <p:nvPicPr>
               <p:cNvPr id="60" name="Ink 59">
@@ -11905,7 +12004,10 @@
           <a:p>
             <a:pPr algn="ctr"/>
             <a:r>
-              <a:rPr lang="en-US" sz="2400" dirty="0"/>
+              <a:rPr lang="en-US" sz="2400" dirty="0">
+                <a:latin typeface="Source Sans Pro" panose="020B0503030403020204" pitchFamily="34" charset="0"/>
+                <a:ea typeface="Source Sans Pro" panose="020B0503030403020204" pitchFamily="34" charset="0"/>
+              </a:rPr>
               <a:t>Education</a:t>
             </a:r>
           </a:p>
@@ -11942,19 +12044,22 @@
             <a:pPr algn="ctr"/>
             <a:r>
               <a:rPr lang="en-US" sz="2400" dirty="0">
-                <a:latin typeface="Times" pitchFamily="2" charset="0"/>
+                <a:latin typeface="Source Sans Pro" panose="020B0503030403020204" pitchFamily="34" charset="0"/>
+                <a:ea typeface="Source Sans Pro" panose="020B0503030403020204" pitchFamily="34" charset="0"/>
               </a:rPr>
               <a:t>Randomization removes </a:t>
             </a:r>
             <a:r>
               <a:rPr lang="en-US" sz="2400" b="1" dirty="0">
-                <a:latin typeface="Times" pitchFamily="2" charset="0"/>
+                <a:latin typeface="Source Sans Pro" panose="020B0503030403020204" pitchFamily="34" charset="0"/>
+                <a:ea typeface="Source Sans Pro" panose="020B0503030403020204" pitchFamily="34" charset="0"/>
               </a:rPr>
               <a:t>all </a:t>
             </a:r>
             <a:r>
               <a:rPr lang="en-US" sz="2400" dirty="0">
-                <a:latin typeface="Times" pitchFamily="2" charset="0"/>
+                <a:latin typeface="Source Sans Pro" panose="020B0503030403020204" pitchFamily="34" charset="0"/>
+                <a:ea typeface="Source Sans Pro" panose="020B0503030403020204" pitchFamily="34" charset="0"/>
               </a:rPr>
               <a:t>confounds, known and unknown</a:t>
             </a:r>
@@ -12165,8 +12270,8 @@
           </p:pic>
         </mc:Fallback>
       </mc:AlternateContent>
-      <mc:AlternateContent xmlns:mc="http://schemas.openxmlformats.org/markup-compatibility/2006" xmlns:p14="http://schemas.microsoft.com/office/powerpoint/2010/main">
-        <mc:Choice Requires="p14">
+      <mc:AlternateContent xmlns:mc="http://schemas.openxmlformats.org/markup-compatibility/2006">
+        <mc:Choice xmlns:p14="http://schemas.microsoft.com/office/powerpoint/2010/main" Requires="p14">
           <p:contentPart p14:bwMode="auto" r:id="rId42">
             <p14:nvContentPartPr>
               <p14:cNvPr id="55" name="Ink 54">
@@ -12185,7 +12290,7 @@
             </p14:xfrm>
           </p:contentPart>
         </mc:Choice>
-        <mc:Fallback xmlns="">
+        <mc:Fallback>
           <p:pic>
             <p:nvPicPr>
               <p:cNvPr id="55" name="Ink 54">
@@ -12726,7 +12831,10 @@
           <a:p>
             <a:pPr algn="ctr"/>
             <a:r>
-              <a:rPr lang="en-US" sz="2400" dirty="0"/>
+              <a:rPr lang="en-US" sz="2400" dirty="0">
+                <a:latin typeface="Source Sans Pro" panose="020B0503030403020204" pitchFamily="34" charset="0"/>
+                <a:ea typeface="Source Sans Pro" panose="020B0503030403020204" pitchFamily="34" charset="0"/>
+              </a:rPr>
               <a:t>Money</a:t>
             </a:r>
           </a:p>
@@ -12746,8 +12854,8 @@
         </p:nvSpPr>
         <p:spPr>
           <a:xfrm>
-            <a:off x="6197438" y="6384374"/>
-            <a:ext cx="1475084" cy="461665"/>
+            <a:off x="6166981" y="6384374"/>
+            <a:ext cx="1535998" cy="461665"/>
           </a:xfrm>
           <a:prstGeom prst="rect">
             <a:avLst/>
@@ -12762,7 +12870,10 @@
           <a:p>
             <a:pPr algn="ctr"/>
             <a:r>
-              <a:rPr lang="en-US" sz="2400" dirty="0"/>
+              <a:rPr lang="en-US" sz="2400" dirty="0">
+                <a:latin typeface="Source Sans Pro" panose="020B0503030403020204" pitchFamily="34" charset="0"/>
+                <a:ea typeface="Source Sans Pro" panose="020B0503030403020204" pitchFamily="34" charset="0"/>
+              </a:rPr>
               <a:t>Happiness</a:t>
             </a:r>
           </a:p>
@@ -12833,8 +12944,8 @@
         </p:nvSpPr>
         <p:spPr>
           <a:xfrm>
-            <a:off x="4486989" y="4378422"/>
-            <a:ext cx="1101584" cy="461665"/>
+            <a:off x="4467753" y="4378422"/>
+            <a:ext cx="1140057" cy="461665"/>
           </a:xfrm>
           <a:prstGeom prst="rect">
             <a:avLst/>
@@ -12849,7 +12960,10 @@
           <a:p>
             <a:pPr algn="ctr"/>
             <a:r>
-              <a:rPr lang="en-US" sz="2400" dirty="0"/>
+              <a:rPr lang="en-US" sz="2400" dirty="0">
+                <a:latin typeface="Source Sans Pro" panose="020B0503030403020204" pitchFamily="34" charset="0"/>
+                <a:ea typeface="Source Sans Pro" panose="020B0503030403020204" pitchFamily="34" charset="0"/>
+              </a:rPr>
               <a:t>Friends</a:t>
             </a:r>
           </a:p>
@@ -13130,7 +13244,10 @@
           <a:lstStyle/>
           <a:p>
             <a:r>
-              <a:rPr lang="en-US" dirty="0"/>
+              <a:rPr lang="en-US" dirty="0">
+                <a:latin typeface="Source Sans Pro" panose="020B0503030403020204" pitchFamily="34" charset="0"/>
+                <a:ea typeface="Source Sans Pro" panose="020B0503030403020204" pitchFamily="34" charset="0"/>
+              </a:rPr>
               <a:t>Money</a:t>
             </a:r>
           </a:p>
@@ -13151,7 +13268,7 @@
         <p:spPr>
           <a:xfrm>
             <a:off x="10555527" y="16892027"/>
-            <a:ext cx="1152880" cy="369332"/>
+            <a:ext cx="1197764" cy="369332"/>
           </a:xfrm>
           <a:prstGeom prst="rect">
             <a:avLst/>
@@ -13165,7 +13282,10 @@
           <a:lstStyle/>
           <a:p>
             <a:r>
-              <a:rPr lang="en-US" dirty="0"/>
+              <a:rPr lang="en-US" dirty="0">
+                <a:latin typeface="Source Sans Pro" panose="020B0503030403020204" pitchFamily="34" charset="0"/>
+                <a:ea typeface="Source Sans Pro" panose="020B0503030403020204" pitchFamily="34" charset="0"/>
+              </a:rPr>
               <a:t>Happiness</a:t>
             </a:r>
           </a:p>
@@ -13775,7 +13895,8 @@
             <a:pPr algn="ctr"/>
             <a:r>
               <a:rPr lang="en-US" sz="2400" dirty="0">
-                <a:latin typeface="Times" pitchFamily="2" charset="0"/>
+                <a:latin typeface="Source Sans Pro" panose="020B0503030403020204" pitchFamily="34" charset="0"/>
+                <a:ea typeface="Source Sans Pro" panose="020B0503030403020204" pitchFamily="34" charset="0"/>
               </a:rPr>
               <a:t>Experimental intervention</a:t>
             </a:r>
@@ -13814,17 +13935,18 @@
             <a:r>
               <a:rPr lang="en-US" sz="2400" dirty="0">
                 <a:solidFill>
-                  <a:srgbClr val="FF0000"/>
+                  <a:srgbClr val="C93431"/>
                 </a:solidFill>
-                <a:latin typeface="Times" pitchFamily="2" charset="0"/>
+                <a:latin typeface="Source Sans Pro" panose="020B0503030403020204" pitchFamily="34" charset="0"/>
+                <a:ea typeface="Source Sans Pro" panose="020B0503030403020204" pitchFamily="34" charset="0"/>
               </a:rPr>
               <a:t>Randomization cuts other causal connections </a:t>
             </a:r>
           </a:p>
         </p:txBody>
       </p:sp>
-      <mc:AlternateContent xmlns:mc="http://schemas.openxmlformats.org/markup-compatibility/2006">
-        <mc:Choice xmlns:p14="http://schemas.microsoft.com/office/powerpoint/2010/main" Requires="p14">
+      <mc:AlternateContent xmlns:mc="http://schemas.openxmlformats.org/markup-compatibility/2006" xmlns:p14="http://schemas.microsoft.com/office/powerpoint/2010/main">
+        <mc:Choice Requires="p14">
           <p:contentPart p14:bwMode="auto" r:id="rId33">
             <p14:nvContentPartPr>
               <p14:cNvPr id="31" name="Ink 30">
@@ -13843,7 +13965,7 @@
             </p14:xfrm>
           </p:contentPart>
         </mc:Choice>
-        <mc:Fallback>
+        <mc:Fallback xmlns="">
           <p:pic>
             <p:nvPicPr>
               <p:cNvPr id="31" name="Ink 30">
@@ -13874,8 +13996,8 @@
           </p:pic>
         </mc:Fallback>
       </mc:AlternateContent>
-      <mc:AlternateContent xmlns:mc="http://schemas.openxmlformats.org/markup-compatibility/2006">
-        <mc:Choice xmlns:p14="http://schemas.microsoft.com/office/powerpoint/2010/main" Requires="p14">
+      <mc:AlternateContent xmlns:mc="http://schemas.openxmlformats.org/markup-compatibility/2006" xmlns:p14="http://schemas.microsoft.com/office/powerpoint/2010/main">
+        <mc:Choice Requires="p14">
           <p:contentPart p14:bwMode="auto" r:id="rId35">
             <p14:nvContentPartPr>
               <p14:cNvPr id="32" name="Ink 31">
@@ -13894,7 +14016,7 @@
             </p14:xfrm>
           </p:contentPart>
         </mc:Choice>
-        <mc:Fallback>
+        <mc:Fallback xmlns="">
           <p:pic>
             <p:nvPicPr>
               <p:cNvPr id="32" name="Ink 31">
@@ -13945,8 +14067,8 @@
             <a:chExt cx="1753437" cy="1494000"/>
           </a:xfrm>
         </p:grpSpPr>
-        <mc:AlternateContent xmlns:mc="http://schemas.openxmlformats.org/markup-compatibility/2006">
-          <mc:Choice xmlns:p14="http://schemas.microsoft.com/office/powerpoint/2010/main" Requires="p14">
+        <mc:AlternateContent xmlns:mc="http://schemas.openxmlformats.org/markup-compatibility/2006" xmlns:p14="http://schemas.microsoft.com/office/powerpoint/2010/main">
+          <mc:Choice Requires="p14">
             <p:contentPart p14:bwMode="auto" r:id="rId36">
               <p14:nvContentPartPr>
                 <p14:cNvPr id="33" name="Ink 32">
@@ -13965,7 +14087,7 @@
               </p14:xfrm>
             </p:contentPart>
           </mc:Choice>
-          <mc:Fallback>
+          <mc:Fallback xmlns="">
             <p:pic>
               <p:nvPicPr>
                 <p:cNvPr id="33" name="Ink 32">
@@ -14026,7 +14148,10 @@
             <a:p>
               <a:pPr algn="ctr"/>
               <a:r>
-                <a:rPr lang="en-US" sz="2400" dirty="0"/>
+                <a:rPr lang="en-US" sz="2400" dirty="0">
+                  <a:latin typeface="Source Sans Pro" panose="020B0503030403020204" pitchFamily="34" charset="0"/>
+                  <a:ea typeface="Source Sans Pro" panose="020B0503030403020204" pitchFamily="34" charset="0"/>
+                </a:rPr>
                 <a:t>High math interest</a:t>
               </a:r>
             </a:p>
@@ -14063,7 +14188,10 @@
           <a:p>
             <a:pPr algn="ctr"/>
             <a:r>
-              <a:rPr lang="en-US" sz="2400" dirty="0"/>
+              <a:rPr lang="en-US" sz="2400" dirty="0">
+                <a:latin typeface="Source Sans Pro" panose="020B0503030403020204" pitchFamily="34" charset="0"/>
+                <a:ea typeface="Source Sans Pro" panose="020B0503030403020204" pitchFamily="34" charset="0"/>
+              </a:rPr>
               <a:t>Math scores</a:t>
             </a:r>
           </a:p>
@@ -14099,14 +14227,17 @@
           <a:p>
             <a:pPr algn="ctr"/>
             <a:r>
-              <a:rPr lang="en-US" sz="2400" dirty="0"/>
+              <a:rPr lang="en-US" sz="2400" dirty="0">
+                <a:latin typeface="Source Sans Pro" panose="020B0503030403020204" pitchFamily="34" charset="0"/>
+                <a:ea typeface="Source Sans Pro" panose="020B0503030403020204" pitchFamily="34" charset="0"/>
+              </a:rPr>
               <a:t>Curriculum intervention</a:t>
             </a:r>
           </a:p>
         </p:txBody>
       </p:sp>
-      <mc:AlternateContent xmlns:mc="http://schemas.openxmlformats.org/markup-compatibility/2006">
-        <mc:Choice xmlns:p14="http://schemas.microsoft.com/office/powerpoint/2010/main" Requires="p14">
+      <mc:AlternateContent xmlns:mc="http://schemas.openxmlformats.org/markup-compatibility/2006" xmlns:p14="http://schemas.microsoft.com/office/powerpoint/2010/main">
+        <mc:Choice Requires="p14">
           <p:contentPart p14:bwMode="auto" r:id="rId37">
             <p14:nvContentPartPr>
               <p14:cNvPr id="54" name="Ink 53">
@@ -14125,7 +14256,7 @@
             </p14:xfrm>
           </p:contentPart>
         </mc:Choice>
-        <mc:Fallback>
+        <mc:Fallback xmlns="">
           <p:pic>
             <p:nvPicPr>
               <p:cNvPr id="54" name="Ink 53">
@@ -14187,7 +14318,8 @@
             <a:pPr algn="ctr"/>
             <a:r>
               <a:rPr lang="en-US" sz="2400" dirty="0">
-                <a:latin typeface="Times" pitchFamily="2" charset="0"/>
+                <a:latin typeface="Source Sans Pro" panose="020B0503030403020204" pitchFamily="34" charset="0"/>
+                <a:ea typeface="Source Sans Pro" panose="020B0503030403020204" pitchFamily="34" charset="0"/>
               </a:rPr>
               <a:t>Experimental intervention</a:t>
             </a:r>
@@ -14209,7 +14341,7 @@
         <p:spPr>
           <a:xfrm>
             <a:off x="2880097" y="9677205"/>
-            <a:ext cx="2929951" cy="1938992"/>
+            <a:ext cx="2929951" cy="2308324"/>
           </a:xfrm>
           <a:prstGeom prst="rect">
             <a:avLst/>
@@ -14225,7 +14357,8 @@
             <a:pPr algn="r"/>
             <a:r>
               <a:rPr lang="en-US" sz="2400" dirty="0">
-                <a:latin typeface="Times" pitchFamily="2" charset="0"/>
+                <a:latin typeface="Source Sans Pro" panose="020B0503030403020204" pitchFamily="34" charset="0"/>
+                <a:ea typeface="Source Sans Pro" panose="020B0503030403020204" pitchFamily="34" charset="0"/>
               </a:rPr>
               <a:t>If an unobserved variable leads to selective attrition, even an experimental estimate can be biased</a:t>
             </a:r>
@@ -14252,8 +14385,8 @@
             <a:chExt cx="360" cy="231120"/>
           </a:xfrm>
         </p:grpSpPr>
-        <mc:AlternateContent xmlns:mc="http://schemas.openxmlformats.org/markup-compatibility/2006">
-          <mc:Choice xmlns:p14="http://schemas.microsoft.com/office/powerpoint/2010/main" Requires="p14">
+        <mc:AlternateContent xmlns:mc="http://schemas.openxmlformats.org/markup-compatibility/2006" xmlns:p14="http://schemas.microsoft.com/office/powerpoint/2010/main">
+          <mc:Choice Requires="p14">
             <p:contentPart p14:bwMode="auto" r:id="rId39">
               <p14:nvContentPartPr>
                 <p14:cNvPr id="29" name="Ink 28">
@@ -14272,7 +14405,7 @@
               </p14:xfrm>
             </p:contentPart>
           </mc:Choice>
-          <mc:Fallback>
+          <mc:Fallback xmlns="">
             <p:pic>
               <p:nvPicPr>
                 <p:cNvPr id="29" name="Ink 28">
@@ -14303,8 +14436,8 @@
             </p:pic>
           </mc:Fallback>
         </mc:AlternateContent>
-        <mc:AlternateContent xmlns:mc="http://schemas.openxmlformats.org/markup-compatibility/2006">
-          <mc:Choice xmlns:p14="http://schemas.microsoft.com/office/powerpoint/2010/main" Requires="p14">
+        <mc:AlternateContent xmlns:mc="http://schemas.openxmlformats.org/markup-compatibility/2006" xmlns:p14="http://schemas.microsoft.com/office/powerpoint/2010/main">
+          <mc:Choice Requires="p14">
             <p:contentPart p14:bwMode="auto" r:id="rId41">
               <p14:nvContentPartPr>
                 <p14:cNvPr id="30" name="Ink 29">
@@ -14323,7 +14456,7 @@
               </p14:xfrm>
             </p:contentPart>
           </mc:Choice>
-          <mc:Fallback>
+          <mc:Fallback xmlns="">
             <p:pic>
               <p:nvPicPr>
                 <p:cNvPr id="30" name="Ink 29">
@@ -14355,8 +14488,8 @@
           </mc:Fallback>
         </mc:AlternateContent>
       </p:grpSp>
-      <mc:AlternateContent xmlns:mc="http://schemas.openxmlformats.org/markup-compatibility/2006">
-        <mc:Choice xmlns:p14="http://schemas.microsoft.com/office/powerpoint/2010/main" Requires="p14">
+      <mc:AlternateContent xmlns:mc="http://schemas.openxmlformats.org/markup-compatibility/2006" xmlns:p14="http://schemas.microsoft.com/office/powerpoint/2010/main">
+        <mc:Choice Requires="p14">
           <p:contentPart p14:bwMode="auto" r:id="rId43">
             <p14:nvContentPartPr>
               <p14:cNvPr id="38" name="Ink 37">
@@ -14375,7 +14508,7 @@
             </p14:xfrm>
           </p:contentPart>
         </mc:Choice>
-        <mc:Fallback>
+        <mc:Fallback xmlns="">
           <p:pic>
             <p:nvPicPr>
               <p:cNvPr id="38" name="Ink 37">
@@ -14406,8 +14539,8 @@
           </p:pic>
         </mc:Fallback>
       </mc:AlternateContent>
-      <mc:AlternateContent xmlns:mc="http://schemas.openxmlformats.org/markup-compatibility/2006">
-        <mc:Choice xmlns:p14="http://schemas.microsoft.com/office/powerpoint/2010/main" Requires="p14">
+      <mc:AlternateContent xmlns:mc="http://schemas.openxmlformats.org/markup-compatibility/2006" xmlns:p14="http://schemas.microsoft.com/office/powerpoint/2010/main">
+        <mc:Choice Requires="p14">
           <p:contentPart p14:bwMode="auto" r:id="rId45">
             <p14:nvContentPartPr>
               <p14:cNvPr id="39" name="Ink 38">
@@ -14426,7 +14559,7 @@
             </p14:xfrm>
           </p:contentPart>
         </mc:Choice>
-        <mc:Fallback>
+        <mc:Fallback xmlns="">
           <p:pic>
             <p:nvPicPr>
               <p:cNvPr id="39" name="Ink 38">
@@ -14457,8 +14590,8 @@
           </p:pic>
         </mc:Fallback>
       </mc:AlternateContent>
-      <mc:AlternateContent xmlns:mc="http://schemas.openxmlformats.org/markup-compatibility/2006">
-        <mc:Choice xmlns:p14="http://schemas.microsoft.com/office/powerpoint/2010/main" Requires="p14">
+      <mc:AlternateContent xmlns:mc="http://schemas.openxmlformats.org/markup-compatibility/2006" xmlns:p14="http://schemas.microsoft.com/office/powerpoint/2010/main">
+        <mc:Choice Requires="p14">
           <p:contentPart p14:bwMode="auto" r:id="rId47">
             <p14:nvContentPartPr>
               <p14:cNvPr id="51" name="Ink 50">
@@ -14477,7 +14610,7 @@
             </p14:xfrm>
           </p:contentPart>
         </mc:Choice>
-        <mc:Fallback>
+        <mc:Fallback xmlns="">
           <p:pic>
             <p:nvPicPr>
               <p:cNvPr id="51" name="Ink 50">
@@ -14528,8 +14661,8 @@
             <a:chExt cx="360" cy="293400"/>
           </a:xfrm>
         </p:grpSpPr>
-        <mc:AlternateContent xmlns:mc="http://schemas.openxmlformats.org/markup-compatibility/2006">
-          <mc:Choice xmlns:p14="http://schemas.microsoft.com/office/powerpoint/2010/main" Requires="p14">
+        <mc:AlternateContent xmlns:mc="http://schemas.openxmlformats.org/markup-compatibility/2006" xmlns:p14="http://schemas.microsoft.com/office/powerpoint/2010/main">
+          <mc:Choice Requires="p14">
             <p:contentPart p14:bwMode="auto" r:id="rId49">
               <p14:nvContentPartPr>
                 <p14:cNvPr id="58" name="Ink 57">
@@ -14548,7 +14681,7 @@
               </p14:xfrm>
             </p:contentPart>
           </mc:Choice>
-          <mc:Fallback>
+          <mc:Fallback xmlns="">
             <p:pic>
               <p:nvPicPr>
                 <p:cNvPr id="58" name="Ink 57">
@@ -14579,8 +14712,8 @@
             </p:pic>
           </mc:Fallback>
         </mc:AlternateContent>
-        <mc:AlternateContent xmlns:mc="http://schemas.openxmlformats.org/markup-compatibility/2006">
-          <mc:Choice xmlns:p14="http://schemas.microsoft.com/office/powerpoint/2010/main" Requires="p14">
+        <mc:AlternateContent xmlns:mc="http://schemas.openxmlformats.org/markup-compatibility/2006" xmlns:p14="http://schemas.microsoft.com/office/powerpoint/2010/main">
+          <mc:Choice Requires="p14">
             <p:contentPart p14:bwMode="auto" r:id="rId51">
               <p14:nvContentPartPr>
                 <p14:cNvPr id="61" name="Ink 60">
@@ -14599,7 +14732,7 @@
               </p14:xfrm>
             </p:contentPart>
           </mc:Choice>
-          <mc:Fallback>
+          <mc:Fallback xmlns="">
             <p:pic>
               <p:nvPicPr>
                 <p:cNvPr id="61" name="Ink 60">
@@ -14651,8 +14784,8 @@
             <a:chExt cx="675360" cy="398880"/>
           </a:xfrm>
         </p:grpSpPr>
-        <mc:AlternateContent xmlns:mc="http://schemas.openxmlformats.org/markup-compatibility/2006">
-          <mc:Choice xmlns:p14="http://schemas.microsoft.com/office/powerpoint/2010/main" Requires="p14">
+        <mc:AlternateContent xmlns:mc="http://schemas.openxmlformats.org/markup-compatibility/2006" xmlns:p14="http://schemas.microsoft.com/office/powerpoint/2010/main">
+          <mc:Choice Requires="p14">
             <p:contentPart p14:bwMode="auto" r:id="rId53">
               <p14:nvContentPartPr>
                 <p14:cNvPr id="65" name="Ink 64">
@@ -14671,7 +14804,7 @@
               </p14:xfrm>
             </p:contentPart>
           </mc:Choice>
-          <mc:Fallback>
+          <mc:Fallback xmlns="">
             <p:pic>
               <p:nvPicPr>
                 <p:cNvPr id="65" name="Ink 64">
@@ -14702,8 +14835,8 @@
             </p:pic>
           </mc:Fallback>
         </mc:AlternateContent>
-        <mc:AlternateContent xmlns:mc="http://schemas.openxmlformats.org/markup-compatibility/2006">
-          <mc:Choice xmlns:p14="http://schemas.microsoft.com/office/powerpoint/2010/main" Requires="p14">
+        <mc:AlternateContent xmlns:mc="http://schemas.openxmlformats.org/markup-compatibility/2006" xmlns:p14="http://schemas.microsoft.com/office/powerpoint/2010/main">
+          <mc:Choice Requires="p14">
             <p:contentPart p14:bwMode="auto" r:id="rId55">
               <p14:nvContentPartPr>
                 <p14:cNvPr id="66" name="Ink 65">
@@ -14722,7 +14855,7 @@
               </p14:xfrm>
             </p:contentPart>
           </mc:Choice>
-          <mc:Fallback>
+          <mc:Fallback xmlns="">
             <p:pic>
               <p:nvPicPr>
                 <p:cNvPr id="66" name="Ink 65">
@@ -14753,8 +14886,8 @@
             </p:pic>
           </mc:Fallback>
         </mc:AlternateContent>
-        <mc:AlternateContent xmlns:mc="http://schemas.openxmlformats.org/markup-compatibility/2006">
-          <mc:Choice xmlns:p14="http://schemas.microsoft.com/office/powerpoint/2010/main" Requires="p14">
+        <mc:AlternateContent xmlns:mc="http://schemas.openxmlformats.org/markup-compatibility/2006" xmlns:p14="http://schemas.microsoft.com/office/powerpoint/2010/main">
+          <mc:Choice Requires="p14">
             <p:contentPart p14:bwMode="auto" r:id="rId57">
               <p14:nvContentPartPr>
                 <p14:cNvPr id="68" name="Ink 67">
@@ -14773,7 +14906,7 @@
               </p14:xfrm>
             </p:contentPart>
           </mc:Choice>
-          <mc:Fallback>
+          <mc:Fallback xmlns="">
             <p:pic>
               <p:nvPicPr>
                 <p:cNvPr id="68" name="Ink 67">
@@ -14804,8 +14937,8 @@
             </p:pic>
           </mc:Fallback>
         </mc:AlternateContent>
-        <mc:AlternateContent xmlns:mc="http://schemas.openxmlformats.org/markup-compatibility/2006">
-          <mc:Choice xmlns:p14="http://schemas.microsoft.com/office/powerpoint/2010/main" Requires="p14">
+        <mc:AlternateContent xmlns:mc="http://schemas.openxmlformats.org/markup-compatibility/2006" xmlns:p14="http://schemas.microsoft.com/office/powerpoint/2010/main">
+          <mc:Choice Requires="p14">
             <p:contentPart p14:bwMode="auto" r:id="rId59">
               <p14:nvContentPartPr>
                 <p14:cNvPr id="69" name="Ink 68">
@@ -14824,7 +14957,7 @@
               </p14:xfrm>
             </p:contentPart>
           </mc:Choice>
-          <mc:Fallback>
+          <mc:Fallback xmlns="">
             <p:pic>
               <p:nvPicPr>
                 <p:cNvPr id="69" name="Ink 68">

--- a/images/experiments/src/money.pptx
+++ b/images/experiments/src/money.pptx
@@ -185,118 +185,6 @@
           <inkml:channelProperty channel="F" name="resolution" value="0" units="1/dev"/>
         </inkml:channelProperties>
       </inkml:inkSource>
-      <inkml:timestamp xml:id="ts0" timeString="2022-06-20T16:48:23.160"/>
-    </inkml:context>
-    <inkml:brush xml:id="br0">
-      <inkml:brushProperty name="width" value="0.1" units="cm"/>
-      <inkml:brushProperty name="height" value="0.1" units="cm"/>
-      <inkml:brushProperty name="color" value="#C93431"/>
-    </inkml:brush>
-  </inkml:definitions>
-  <inkml:trace contextRef="#ctx0" brushRef="#br0">1 471 24575,'19'0'0,"-1"0"0,-4 0 0,-1 0 0,1 0 0,12-7 0,-15 0 0,22-1 0,-23-12 0,11 11 0,9-14 0,-11 2 0,11 10 0,0-10 0,-12 6 0,20-2 0,-15-5 0,1 0 0,4 12 0,-4-10 0,6 11 0,-13-5 0,2 6 0,-10-12 0,4 17 0,1-11 0,-1 9 0,1-3 0,-1 1 0,-6-5 0,5 5 0,-4-1 0,-1-4 0,4 10 0,-4-4 0,7-7 0,-1 3 0,9-11 0,-6-1 0,5 12 0,-6-9 0,-2 17 0,-5-4 0,-2 6 0</inkml:trace>
-</inkml:ink>
-</file>
-
-<file path=ppt/ink/ink101.xml><?xml version="1.0" encoding="utf-8"?>
-<inkml:ink xmlns:inkml="http://www.w3.org/2003/InkML">
-  <inkml:definitions>
-    <inkml:context xml:id="ctx0">
-      <inkml:inkSource xml:id="inkSrc0">
-        <inkml:traceFormat>
-          <inkml:channel name="X" type="integer" min="-2.14748E9" max="2.14748E9" units="cm"/>
-          <inkml:channel name="Y" type="integer" min="-2.14748E9" max="2.14748E9" units="cm"/>
-          <inkml:channel name="F" type="integer" max="32767" units="dev"/>
-        </inkml:traceFormat>
-        <inkml:channelProperties>
-          <inkml:channelProperty channel="X" name="resolution" value="1000" units="1/cm"/>
-          <inkml:channelProperty channel="Y" name="resolution" value="1000" units="1/cm"/>
-          <inkml:channelProperty channel="F" name="resolution" value="0" units="1/dev"/>
-        </inkml:channelProperties>
-      </inkml:inkSource>
-      <inkml:timestamp xml:id="ts0" timeString="2022-06-20T16:48:27.210"/>
-    </inkml:context>
-    <inkml:brush xml:id="br0">
-      <inkml:brushProperty name="width" value="0.1" units="cm"/>
-      <inkml:brushProperty name="height" value="0.1" units="cm"/>
-      <inkml:brushProperty name="color" value="#C93431"/>
-    </inkml:brush>
-  </inkml:definitions>
-  <inkml:trace contextRef="#ctx0" brushRef="#br0">384 0 24575,'-13'0'0,"0"0"0,-1 0 0,1 0 0,-8 0 0,-1 0 0,0 0 0,-5 0 0,11 0 0,-17 0 0,10 0 0,-4 6 0,8 1 0,11 7 0,-3-1 0,3 0 0,1 0 0,-5 1 0,4-1 0,1 1 0,-5-7 0,11 5 0,-5-5 0,0 6 0,5 0 0,-11-5 0,10 4 0,-10-5 0,10 7 0,-4-1 0,6 0 0,0 0 0,0 0 0,0 0 0,0 1 0,0-1 0,0 1 0,6-7 0,1-2 0,6-5 0,-5 6 0,3-4 0,-4 4 0,6-6 0,0 0 0,1 0 0,-1 0 0,0 0 0,0 0 0,0 0 0,-5-6 0,4-2 0,-4-5 0,5-1 0,1 0 0,0 7 0,-7-5 0,5 10 0,-10-10 0,10 11 0,-5-11 0,7 4 0,-2-4 0,2-2 0,-7 2 0,5 5 0,-11-5 0,11 4 0,-10-5 0,10-1 0,-11 0 0,12 1 0,-6-1 0,7 6 0,-7-4 0,5 5 0,-16 5 0,9 10 0,-17 6 0,5 6 0,-7-6 0,0-1 0,1 1 0,-1-1 0,0 1 0,1 0 0,-1-1 0,0 1 0,7 0 0,-5-1 0,10 1 0,-10 0 0,10-1 0,-4 0 0,6 0 0,0 1 0,0 0 0,-13 0 0,10 0 0,-11 0 0,14 0 0,0-1 0,0 1 0,0-1 0,6 0 0,2 0 0,-1 1 0,6-1 0,-6-5 0,6-2 0,0-6 0,0 0 0,0 0 0,1 0 0,-1 0 0,1 0 0,-1 0 0,1 0 0,-1 0 0,1 0 0,7 0 0,2 0 0,0 0 0,5-7 0,-12 6 0,5-12 0,-8 11 0,1-4 0,-1 0 0,1-1 0,-2-6 0,-4-7 0,4 4 0,-11-12 0,11 12 0,-10-12 0,4 5 0,0-7 0,-4 7 0,5 2 0,-7 7 0,0 1 0,0-1 0,0 0 0,0 1 0,-6 6 0,-9-5 0,0 10 0,-6-5 0,7 1 0,1 5 0,-1-5 0,0 6 0,1 0 0,0 0 0,0 0 0,6-6 0,-4 4 0,9-10 0,-9 11 0,4-5 0,-7 0 0,1-2 0,-1-5 0,-7 5 0,12-4 0,-11 4 0,12 1 0,1-5 0,-5 10 0,10-4 0,-4 6 0</inkml:trace>
-</inkml:ink>
-</file>
-
-<file path=ppt/ink/ink102.xml><?xml version="1.0" encoding="utf-8"?>
-<inkml:ink xmlns:inkml="http://www.w3.org/2003/InkML">
-  <inkml:definitions>
-    <inkml:context xml:id="ctx0">
-      <inkml:inkSource xml:id="inkSrc0">
-        <inkml:traceFormat>
-          <inkml:channel name="X" type="integer" min="-2.14748E9" max="2.14748E9" units="cm"/>
-          <inkml:channel name="Y" type="integer" min="-2.14748E9" max="2.14748E9" units="cm"/>
-          <inkml:channel name="F" type="integer" max="32767" units="dev"/>
-        </inkml:traceFormat>
-        <inkml:channelProperties>
-          <inkml:channelProperty channel="X" name="resolution" value="1000" units="1/cm"/>
-          <inkml:channelProperty channel="Y" name="resolution" value="1000" units="1/cm"/>
-          <inkml:channelProperty channel="F" name="resolution" value="0" units="1/dev"/>
-        </inkml:channelProperties>
-      </inkml:inkSource>
-      <inkml:timestamp xml:id="ts0" timeString="2022-06-20T16:48:46.895"/>
-    </inkml:context>
-    <inkml:brush xml:id="br0">
-      <inkml:brushProperty name="width" value="0.1" units="cm"/>
-      <inkml:brushProperty name="height" value="0.1" units="cm"/>
-      <inkml:brushProperty name="color" value="#E71224"/>
-    </inkml:brush>
-  </inkml:definitions>
-  <inkml:trace contextRef="#ctx0" brushRef="#br0">10 1 24575,'0'14'0,"0"4"0,0-2 0,-5-4 0,4 2 0,-3-9 0,4 5 0,0-1 0,0 1 0,0-1 0,0 0 0,0 0 0,0 0 0,0 0 0,0 0 0,0 0 0,0 6 0,0-4 0,0 9 0,0-4 0,0 5 0,0 1 0,0-1 0,0 0 0,0-5 0,0-1 0,0-5 0,0 0 0,4-1 0,1 0 0,4 0 0,1 1 0,0 0 0,-1-1 0,1 1 0,0 0 0,-1-1 0,-3 1 0,2-5 0,-3 0 0,5-5 0,-1 0 0,1 0 0,0 0 0,4 0 0,-3 0 0,9 0 0,-9 0 0,4 0 0,-5 0 0,5 0 0,-4 0 0,3 0 0,-4 0 0,0 0 0,-1 0 0,1 0 0,0 0 0,-1 0 0,1 0 0,-1 0 0,1 0 0,-2 0 0,1 0 0,-4-9 0,-1 3 0,-4-7 0,0-2 0,5-1 0,-4 0 0,4 1 0,-5 0 0,0 4 0,0-3 0,-4 8 0,3-2 0,-7-2 0,-3-2 0,-1-8 0,-3 3 0,5 1 0,-6-4 0,5 9 0,-4-9 0,5 9 0,0-4 0,0 6 0,1-1 0,-1 1 0,1-1 0,-1 5 0,0-4 0,1 4 0,-1-1 0,0-2 0,1 2 0,-1-3 0,0 3 0,1-2 0,-1 2 0,1 1 0,-1 1 0,5 0 0,-2 2 0,6-10 0,-3 11 0,4-7 0</inkml:trace>
-</inkml:ink>
-</file>
-
-<file path=ppt/ink/ink103.xml><?xml version="1.0" encoding="utf-8"?>
-<inkml:ink xmlns:inkml="http://www.w3.org/2003/InkML">
-  <inkml:definitions>
-    <inkml:context xml:id="ctx0">
-      <inkml:inkSource xml:id="inkSrc0">
-        <inkml:traceFormat>
-          <inkml:channel name="X" type="integer" min="-2.14748E9" max="2.14748E9" units="cm"/>
-          <inkml:channel name="Y" type="integer" min="-2.14748E9" max="2.14748E9" units="cm"/>
-          <inkml:channel name="F" type="integer" max="32767" units="dev"/>
-        </inkml:traceFormat>
-        <inkml:channelProperties>
-          <inkml:channelProperty channel="X" name="resolution" value="1000" units="1/cm"/>
-          <inkml:channelProperty channel="Y" name="resolution" value="1000" units="1/cm"/>
-          <inkml:channelProperty channel="F" name="resolution" value="0" units="1/dev"/>
-        </inkml:channelProperties>
-      </inkml:inkSource>
-      <inkml:timestamp xml:id="ts0" timeString="2022-06-20T16:48:32.051"/>
-    </inkml:context>
-    <inkml:brush xml:id="br0">
-      <inkml:brushProperty name="width" value="0.1" units="cm"/>
-      <inkml:brushProperty name="height" value="0.1" units="cm"/>
-      <inkml:brushProperty name="color" value="#C93431"/>
-    </inkml:brush>
-  </inkml:definitions>
-  <inkml:trace contextRef="#ctx0" brushRef="#br0">0 0 24575,'13'0'0,"0"0"0,1 0 0,-1 0 0,17 0 0,-12 0 0,19 0 0,-14 7 0,0 8 0,15 2 0,-13 5 0,7 1 0,-3-6 0,-5-2 0,-1 5 0,-8-11 0,5 13 0,-10-8 0,11 0 0,-8 0 0,1 0 0,0-1 0,-1 1 0,1 0 0,0-1 0,-1 1 0,1 0 0,-1-7 0,0 5 0,0-11 0,0 5 0,0-6 0,-6 5 0,4-3 0,-4 9 0,6-9 0,1 10 0,0-4 0,-1-1 0,1 5 0,0-4 0,-1 5 0,1-5 0,0 4 0,-7-5 0,5 1 0,-10 3 0,10-9 0,-5 3 0,6-5 0,-6 6 0,5-4 0,-4 4 0,-1 0 0,5-5 0,-5 11 0,6-11 0,-7 11 0,6-11 0,-10 11 0,10-10 0,-5 3 0,1-5 0,-3 0 0</inkml:trace>
-</inkml:ink>
-</file>
-
-<file path=ppt/ink/ink104.xml><?xml version="1.0" encoding="utf-8"?>
-<inkml:ink xmlns:inkml="http://www.w3.org/2003/InkML">
-  <inkml:definitions>
-    <inkml:context xml:id="ctx0">
-      <inkml:inkSource xml:id="inkSrc0">
-        <inkml:traceFormat>
-          <inkml:channel name="X" type="integer" min="-2.14748E9" max="2.14748E9" units="cm"/>
-          <inkml:channel name="Y" type="integer" min="-2.14748E9" max="2.14748E9" units="cm"/>
-          <inkml:channel name="F" type="integer" max="32767" units="dev"/>
-        </inkml:traceFormat>
-        <inkml:channelProperties>
-          <inkml:channelProperty channel="X" name="resolution" value="1000" units="1/cm"/>
-          <inkml:channelProperty channel="Y" name="resolution" value="1000" units="1/cm"/>
-          <inkml:channelProperty channel="F" name="resolution" value="0" units="1/dev"/>
-        </inkml:channelProperties>
-      </inkml:inkSource>
       <inkml:timestamp xml:id="ts0" timeString="2022-06-20T16:48:33.748"/>
     </inkml:context>
     <inkml:brush xml:id="br0">
@@ -309,7 +197,7 @@
 </inkml:ink>
 </file>
 
-<file path=ppt/ink/ink105.xml><?xml version="1.0" encoding="utf-8"?>
+<file path=ppt/ink/ink101.xml><?xml version="1.0" encoding="utf-8"?>
 <inkml:ink xmlns:inkml="http://www.w3.org/2003/InkML">
   <inkml:definitions>
     <inkml:context xml:id="ctx0">
@@ -337,7 +225,7 @@
 </inkml:ink>
 </file>
 
-<file path=ppt/ink/ink106.xml><?xml version="1.0" encoding="utf-8"?>
+<file path=ppt/ink/ink102.xml><?xml version="1.0" encoding="utf-8"?>
 <inkml:ink xmlns:inkml="http://www.w3.org/2003/InkML">
   <inkml:definitions>
     <inkml:context xml:id="ctx0">
@@ -364,7 +252,7 @@
 </inkml:ink>
 </file>
 
-<file path=ppt/ink/ink107.xml><?xml version="1.0" encoding="utf-8"?>
+<file path=ppt/ink/ink103.xml><?xml version="1.0" encoding="utf-8"?>
 <inkml:ink xmlns:inkml="http://www.w3.org/2003/InkML">
   <inkml:definitions>
     <inkml:context xml:id="ctx0">
@@ -391,7 +279,7 @@
 </inkml:ink>
 </file>
 
-<file path=ppt/ink/ink108.xml><?xml version="1.0" encoding="utf-8"?>
+<file path=ppt/ink/ink104.xml><?xml version="1.0" encoding="utf-8"?>
 <inkml:ink xmlns:inkml="http://www.w3.org/2003/InkML">
   <inkml:definitions>
     <inkml:context xml:id="ctx0">
@@ -418,7 +306,7 @@
 </inkml:ink>
 </file>
 
-<file path=ppt/ink/ink109.xml><?xml version="1.0" encoding="utf-8"?>
+<file path=ppt/ink/ink105.xml><?xml version="1.0" encoding="utf-8"?>
 <inkml:ink xmlns:inkml="http://www.w3.org/2003/InkML">
   <inkml:definitions>
     <inkml:context xml:id="ctx0">
@@ -442,6 +330,114 @@
     </inkml:brush>
   </inkml:definitions>
   <inkml:trace contextRef="#ctx0" brushRef="#br0">1 402 24575,'59'0'0,"14"0"0,14 0-1312,-27 0 1,4 0 1311,-1 0 0,4 0-768,18 0 0,3 0 768,-10 0 0,5 0 0,0 0 0,7 0 0,-6 0 0,6 0 0,-1 0-399,-9 0 1,4 0 0,-5 0 398,1 0 0,-3 0 0,1 0 0,1 0-730,7 0 1,1 0 729,-5 0 0,-3 0 19,-11 0 1,-1 0-20,8 0 0,-2 0 0,-20 0 0,-1 0 0,18 0 0,0 0 0,-5 0 0,-4 0 0,-9 0 0,-1 0 1468,45 0-1468,-34 0 0,-2-7 2155,-13 5-2155,-14-5 1850,-6 7-1850,-13 0 1301,-1 0-1301,8 0 0,2-7 0,16 5 0,-7-4 0,16 6 0,-15-7 0,5 5 0,-7-4 0,-8 6 0,-2 0 0,-8 0 0,1 0 0,0 0 0,7-7 0,1 5 0,50-13 0,-13 13 0,25-13 0,-14 13 0,-18-5 0,7-1 0,1 7 0,-17-7 0,15 8 0,-26 0 0,16 0 0,-16 0 0,16 0 0,-7 0 0,9 0 0,-9 0 0,6 0 0,-14 0 0,-2 0 0,-2 0 0,-14 0 0,6 0 0,-7 0 0,-1 0 0,1 0 0,-1 0 0,8 0 0,2 0 0,16 0 0,2 0 0,0 0 0,-2 0 0,-9 0 0,0 0 0,-7 0 0,-2 0 0,-7 0 0,-1 0 0,1 0 0,15 0 0,5 0 0,16 0 0,-1 0 0,1 0 0,0 0 0,0 0 0,-9 0 0,-2 0 0,-16 0 0,-2 0 0,-8 0 0,1 0 0,0 0 0,7 0 0,2 0 0,7 0 0,0 0 0,0 0 0,1 0 0,-9 0 0,-1 0 0,-7 0 0,0 6 0,-1-4 0,0 4 0,0-6 0,0 0 0,0 0 0,1 0 0,0 0 0,-1 6 0,1-4 0,-6 9 0,-2-15 0,-6 3 0,-6-12 0,-2 0 0,-6-1 0,-7 0 0,-1-1 0,-2-7 0,-5 6 0,6-13 0,-1 6 0,3 0 0,0 1 0,5 8 0,1 0 0,3 0 0,5 7 0,0-5 0,-10 11 0,8-5 0,-10-8 0,5 11 0,0-10 0,0 13 0,7-7 0,-5 6 0,16-5 0,3 6 0,7 0 0,6 0 0,-7 6 0,1 1 0,0 7 0,-1 0 0,8 0 0,-5 0 0,5 0 0,-8 0 0,1 0 0,7 0 0,-5 0 0,5 0 0,-8 0 0,1-1 0,7 2 0,-6-2 0,7 2 0,-9-2 0,1 1 0,-1 0 0,-5-1 0,4-5 0,-5 4 0,6-5 0,0 0 0,-6 4 0,5-9 0,-5 4 0,0 0 0,-7 0 0,-1 7 0,-11 0 0,5 1 0,-7 0 0,1-1 0,-8 2 0,-2-1 0,-8 8 0,1 2 0,-9 0 0,7 4 0,-7-3 0,0 6 0,7-7 0,-16 7 0,16-7 0,-7 1 0,15 3 0,-5-4 0,6 0 0,-1 4 0,3-4 0,-1-1 0,12-2 0,-10-6 0,19-2 0,-12 1 0,12-1 0,-11-5 0,11-2 0,-4-6 0</inkml:trace>
+</inkml:ink>
+</file>
+
+<file path=ppt/ink/ink106.xml><?xml version="1.0" encoding="utf-8"?>
+<inkml:ink xmlns:inkml="http://www.w3.org/2003/InkML">
+  <inkml:definitions>
+    <inkml:context xml:id="ctx0">
+      <inkml:inkSource xml:id="inkSrc0">
+        <inkml:traceFormat>
+          <inkml:channel name="X" type="integer" min="-2.14748E9" max="2.14748E9" units="cm"/>
+          <inkml:channel name="Y" type="integer" min="-2.14748E9" max="2.14748E9" units="cm"/>
+          <inkml:channel name="F" type="integer" max="32767" units="dev"/>
+        </inkml:traceFormat>
+        <inkml:channelProperties>
+          <inkml:channelProperty channel="X" name="resolution" value="1000" units="1/cm"/>
+          <inkml:channelProperty channel="Y" name="resolution" value="1000" units="1/cm"/>
+          <inkml:channelProperty channel="F" name="resolution" value="0" units="1/dev"/>
+        </inkml:channelProperties>
+      </inkml:inkSource>
+      <inkml:timestamp xml:id="ts0" timeString="2023-09-18T23:54:40.607"/>
+    </inkml:context>
+    <inkml:brush xml:id="br0">
+      <inkml:brushProperty name="width" value="0.1" units="cm"/>
+      <inkml:brushProperty name="height" value="0.1" units="cm"/>
+    </inkml:brush>
+  </inkml:definitions>
+  <inkml:trace contextRef="#ctx0" brushRef="#br0">1 1 24575,'0'24'0,"0"1"0,0 2 0,0-4 0,0 1 0,0-9 0,0 0 0,0-9 0,0-1 0,0-1 0,0 1 0,0 0 0,0-3 0,0 2 0</inkml:trace>
+</inkml:ink>
+</file>
+
+<file path=ppt/ink/ink107.xml><?xml version="1.0" encoding="utf-8"?>
+<inkml:ink xmlns:inkml="http://www.w3.org/2003/InkML">
+  <inkml:definitions>
+    <inkml:context xml:id="ctx0">
+      <inkml:inkSource xml:id="inkSrc0">
+        <inkml:traceFormat>
+          <inkml:channel name="X" type="integer" min="-2.14748E9" max="2.14748E9" units="cm"/>
+          <inkml:channel name="Y" type="integer" min="-2.14748E9" max="2.14748E9" units="cm"/>
+          <inkml:channel name="F" type="integer" max="32767" units="dev"/>
+        </inkml:traceFormat>
+        <inkml:channelProperties>
+          <inkml:channelProperty channel="X" name="resolution" value="1000" units="1/cm"/>
+          <inkml:channelProperty channel="Y" name="resolution" value="1000" units="1/cm"/>
+          <inkml:channelProperty channel="F" name="resolution" value="0" units="1/dev"/>
+        </inkml:channelProperties>
+      </inkml:inkSource>
+      <inkml:timestamp xml:id="ts0" timeString="2023-09-18T23:54:42.126"/>
+    </inkml:context>
+    <inkml:brush xml:id="br0">
+      <inkml:brushProperty name="width" value="0.1" units="cm"/>
+      <inkml:brushProperty name="height" value="0.1" units="cm"/>
+    </inkml:brush>
+  </inkml:definitions>
+  <inkml:trace contextRef="#ctx0" brushRef="#br0">1 1 24575,'0'32'0,"0"1"0,0 0 0,0-3 0,0-7 0,0-7 0,0-5 0,0-6 0,0-1 0</inkml:trace>
+</inkml:ink>
+</file>
+
+<file path=ppt/ink/ink108.xml><?xml version="1.0" encoding="utf-8"?>
+<inkml:ink xmlns:inkml="http://www.w3.org/2003/InkML">
+  <inkml:definitions>
+    <inkml:context xml:id="ctx0">
+      <inkml:inkSource xml:id="inkSrc0">
+        <inkml:traceFormat>
+          <inkml:channel name="X" type="integer" min="-2.14748E9" max="2.14748E9" units="cm"/>
+          <inkml:channel name="Y" type="integer" min="-2.14748E9" max="2.14748E9" units="cm"/>
+          <inkml:channel name="F" type="integer" max="32767" units="dev"/>
+        </inkml:traceFormat>
+        <inkml:channelProperties>
+          <inkml:channelProperty channel="X" name="resolution" value="1000" units="1/cm"/>
+          <inkml:channelProperty channel="Y" name="resolution" value="1000" units="1/cm"/>
+          <inkml:channelProperty channel="F" name="resolution" value="0" units="1/dev"/>
+        </inkml:channelProperties>
+      </inkml:inkSource>
+      <inkml:timestamp xml:id="ts0" timeString="2023-09-18T23:54:43.380"/>
+    </inkml:context>
+    <inkml:brush xml:id="br0">
+      <inkml:brushProperty name="width" value="0.1" units="cm"/>
+      <inkml:brushProperty name="height" value="0.1" units="cm"/>
+    </inkml:brush>
+  </inkml:definitions>
+  <inkml:trace contextRef="#ctx0" brushRef="#br0">0 1 24575,'0'24'0,"0"-2"0,0-2 0,0-2 0,0-5 0,0 0 0,0-4 0,0 0 0,0 0 0,0 1 0,0 1 0,0 1 0,0 1 0,0 0 0,0-1 0,0-4 0,0-3 0</inkml:trace>
+</inkml:ink>
+</file>
+
+<file path=ppt/ink/ink109.xml><?xml version="1.0" encoding="utf-8"?>
+<inkml:ink xmlns:inkml="http://www.w3.org/2003/InkML">
+  <inkml:definitions>
+    <inkml:context xml:id="ctx0">
+      <inkml:inkSource xml:id="inkSrc0">
+        <inkml:traceFormat>
+          <inkml:channel name="X" type="integer" min="-2.14748E9" max="2.14748E9" units="cm"/>
+          <inkml:channel name="Y" type="integer" min="-2.14748E9" max="2.14748E9" units="cm"/>
+          <inkml:channel name="F" type="integer" max="32767" units="dev"/>
+        </inkml:traceFormat>
+        <inkml:channelProperties>
+          <inkml:channelProperty channel="X" name="resolution" value="1000" units="1/cm"/>
+          <inkml:channelProperty channel="Y" name="resolution" value="1000" units="1/cm"/>
+          <inkml:channelProperty channel="F" name="resolution" value="0" units="1/dev"/>
+        </inkml:channelProperties>
+      </inkml:inkSource>
+      <inkml:timestamp xml:id="ts0" timeString="2023-09-18T23:54:45.058"/>
+    </inkml:context>
+    <inkml:brush xml:id="br0">
+      <inkml:brushProperty name="width" value="0.1" units="cm"/>
+      <inkml:brushProperty name="height" value="0.1" units="cm"/>
+    </inkml:brush>
+  </inkml:definitions>
+  <inkml:trace contextRef="#ctx0" brushRef="#br0">1 1 24575,'0'25'0,"0"-5"0,0-5 0,0-5 0,0-3 0,0 3 0,0 4 0,0 1 0,0 3 0,0-2 0,0 1 0,0 1 0,0-1 0,0 0 0,0-5 0,0-3 0,0-3 0,0-2 0,0 0 0,0 0 0,0 1 0,0-1 0,0 1 0,0-1 0,0 0 0,0-2 0,0 0 0</inkml:trace>
 </inkml:ink>
 </file>
 
@@ -488,114 +484,6 @@
           <inkml:channelProperty channel="F" name="resolution" value="0" units="1/dev"/>
         </inkml:channelProperties>
       </inkml:inkSource>
-      <inkml:timestamp xml:id="ts0" timeString="2023-09-18T23:54:40.607"/>
-    </inkml:context>
-    <inkml:brush xml:id="br0">
-      <inkml:brushProperty name="width" value="0.1" units="cm"/>
-      <inkml:brushProperty name="height" value="0.1" units="cm"/>
-    </inkml:brush>
-  </inkml:definitions>
-  <inkml:trace contextRef="#ctx0" brushRef="#br0">1 1 24575,'0'24'0,"0"1"0,0 2 0,0-4 0,0 1 0,0-9 0,0 0 0,0-9 0,0-1 0,0-1 0,0 1 0,0 0 0,0-3 0,0 2 0</inkml:trace>
-</inkml:ink>
-</file>
-
-<file path=ppt/ink/ink111.xml><?xml version="1.0" encoding="utf-8"?>
-<inkml:ink xmlns:inkml="http://www.w3.org/2003/InkML">
-  <inkml:definitions>
-    <inkml:context xml:id="ctx0">
-      <inkml:inkSource xml:id="inkSrc0">
-        <inkml:traceFormat>
-          <inkml:channel name="X" type="integer" min="-2.14748E9" max="2.14748E9" units="cm"/>
-          <inkml:channel name="Y" type="integer" min="-2.14748E9" max="2.14748E9" units="cm"/>
-          <inkml:channel name="F" type="integer" max="32767" units="dev"/>
-        </inkml:traceFormat>
-        <inkml:channelProperties>
-          <inkml:channelProperty channel="X" name="resolution" value="1000" units="1/cm"/>
-          <inkml:channelProperty channel="Y" name="resolution" value="1000" units="1/cm"/>
-          <inkml:channelProperty channel="F" name="resolution" value="0" units="1/dev"/>
-        </inkml:channelProperties>
-      </inkml:inkSource>
-      <inkml:timestamp xml:id="ts0" timeString="2023-09-18T23:54:42.126"/>
-    </inkml:context>
-    <inkml:brush xml:id="br0">
-      <inkml:brushProperty name="width" value="0.1" units="cm"/>
-      <inkml:brushProperty name="height" value="0.1" units="cm"/>
-    </inkml:brush>
-  </inkml:definitions>
-  <inkml:trace contextRef="#ctx0" brushRef="#br0">1 1 24575,'0'32'0,"0"1"0,0 0 0,0-3 0,0-7 0,0-7 0,0-5 0,0-6 0,0-1 0</inkml:trace>
-</inkml:ink>
-</file>
-
-<file path=ppt/ink/ink112.xml><?xml version="1.0" encoding="utf-8"?>
-<inkml:ink xmlns:inkml="http://www.w3.org/2003/InkML">
-  <inkml:definitions>
-    <inkml:context xml:id="ctx0">
-      <inkml:inkSource xml:id="inkSrc0">
-        <inkml:traceFormat>
-          <inkml:channel name="X" type="integer" min="-2.14748E9" max="2.14748E9" units="cm"/>
-          <inkml:channel name="Y" type="integer" min="-2.14748E9" max="2.14748E9" units="cm"/>
-          <inkml:channel name="F" type="integer" max="32767" units="dev"/>
-        </inkml:traceFormat>
-        <inkml:channelProperties>
-          <inkml:channelProperty channel="X" name="resolution" value="1000" units="1/cm"/>
-          <inkml:channelProperty channel="Y" name="resolution" value="1000" units="1/cm"/>
-          <inkml:channelProperty channel="F" name="resolution" value="0" units="1/dev"/>
-        </inkml:channelProperties>
-      </inkml:inkSource>
-      <inkml:timestamp xml:id="ts0" timeString="2023-09-18T23:54:43.380"/>
-    </inkml:context>
-    <inkml:brush xml:id="br0">
-      <inkml:brushProperty name="width" value="0.1" units="cm"/>
-      <inkml:brushProperty name="height" value="0.1" units="cm"/>
-    </inkml:brush>
-  </inkml:definitions>
-  <inkml:trace contextRef="#ctx0" brushRef="#br0">0 1 24575,'0'24'0,"0"-2"0,0-2 0,0-2 0,0-5 0,0 0 0,0-4 0,0 0 0,0 0 0,0 1 0,0 1 0,0 1 0,0 1 0,0 0 0,0-1 0,0-4 0,0-3 0</inkml:trace>
-</inkml:ink>
-</file>
-
-<file path=ppt/ink/ink113.xml><?xml version="1.0" encoding="utf-8"?>
-<inkml:ink xmlns:inkml="http://www.w3.org/2003/InkML">
-  <inkml:definitions>
-    <inkml:context xml:id="ctx0">
-      <inkml:inkSource xml:id="inkSrc0">
-        <inkml:traceFormat>
-          <inkml:channel name="X" type="integer" min="-2.14748E9" max="2.14748E9" units="cm"/>
-          <inkml:channel name="Y" type="integer" min="-2.14748E9" max="2.14748E9" units="cm"/>
-          <inkml:channel name="F" type="integer" max="32767" units="dev"/>
-        </inkml:traceFormat>
-        <inkml:channelProperties>
-          <inkml:channelProperty channel="X" name="resolution" value="1000" units="1/cm"/>
-          <inkml:channelProperty channel="Y" name="resolution" value="1000" units="1/cm"/>
-          <inkml:channelProperty channel="F" name="resolution" value="0" units="1/dev"/>
-        </inkml:channelProperties>
-      </inkml:inkSource>
-      <inkml:timestamp xml:id="ts0" timeString="2023-09-18T23:54:45.058"/>
-    </inkml:context>
-    <inkml:brush xml:id="br0">
-      <inkml:brushProperty name="width" value="0.1" units="cm"/>
-      <inkml:brushProperty name="height" value="0.1" units="cm"/>
-    </inkml:brush>
-  </inkml:definitions>
-  <inkml:trace contextRef="#ctx0" brushRef="#br0">1 1 24575,'0'25'0,"0"-5"0,0-5 0,0-5 0,0-3 0,0 3 0,0 4 0,0 1 0,0 3 0,0-2 0,0 1 0,0 1 0,0-1 0,0 0 0,0-5 0,0-3 0,0-3 0,0-2 0,0 0 0,0 0 0,0 1 0,0-1 0,0 1 0,0-1 0,0 0 0,0-2 0,0 0 0</inkml:trace>
-</inkml:ink>
-</file>
-
-<file path=ppt/ink/ink114.xml><?xml version="1.0" encoding="utf-8"?>
-<inkml:ink xmlns:inkml="http://www.w3.org/2003/InkML">
-  <inkml:definitions>
-    <inkml:context xml:id="ctx0">
-      <inkml:inkSource xml:id="inkSrc0">
-        <inkml:traceFormat>
-          <inkml:channel name="X" type="integer" min="-2.14748E9" max="2.14748E9" units="cm"/>
-          <inkml:channel name="Y" type="integer" min="-2.14748E9" max="2.14748E9" units="cm"/>
-          <inkml:channel name="F" type="integer" max="32767" units="dev"/>
-        </inkml:traceFormat>
-        <inkml:channelProperties>
-          <inkml:channelProperty channel="X" name="resolution" value="1000" units="1/cm"/>
-          <inkml:channelProperty channel="Y" name="resolution" value="1000" units="1/cm"/>
-          <inkml:channelProperty channel="F" name="resolution" value="0" units="1/dev"/>
-        </inkml:channelProperties>
-      </inkml:inkSource>
       <inkml:timestamp xml:id="ts0" timeString="2023-09-18T23:54:46.321"/>
     </inkml:context>
     <inkml:brush xml:id="br0">
@@ -607,7 +495,7 @@
 </inkml:ink>
 </file>
 
-<file path=ppt/ink/ink115.xml><?xml version="1.0" encoding="utf-8"?>
+<file path=ppt/ink/ink111.xml><?xml version="1.0" encoding="utf-8"?>
 <inkml:ink xmlns:inkml="http://www.w3.org/2003/InkML">
   <inkml:definitions>
     <inkml:context xml:id="ctx0">
@@ -634,7 +522,7 @@
 </inkml:ink>
 </file>
 
-<file path=ppt/ink/ink116.xml><?xml version="1.0" encoding="utf-8"?>
+<file path=ppt/ink/ink112.xml><?xml version="1.0" encoding="utf-8"?>
 <inkml:ink xmlns:inkml="http://www.w3.org/2003/InkML">
   <inkml:definitions>
     <inkml:context xml:id="ctx0">
@@ -661,7 +549,7 @@
 </inkml:ink>
 </file>
 
-<file path=ppt/ink/ink117.xml><?xml version="1.0" encoding="utf-8"?>
+<file path=ppt/ink/ink113.xml><?xml version="1.0" encoding="utf-8"?>
 <inkml:ink xmlns:inkml="http://www.w3.org/2003/InkML">
   <inkml:definitions>
     <inkml:context xml:id="ctx0">
@@ -688,7 +576,7 @@
 </inkml:ink>
 </file>
 
-<file path=ppt/ink/ink118.xml><?xml version="1.0" encoding="utf-8"?>
+<file path=ppt/ink/ink114.xml><?xml version="1.0" encoding="utf-8"?>
 <inkml:ink xmlns:inkml="http://www.w3.org/2003/InkML">
   <inkml:definitions>
     <inkml:context xml:id="ctx0">
@@ -715,7 +603,7 @@
 </inkml:ink>
 </file>
 
-<file path=ppt/ink/ink119.xml><?xml version="1.0" encoding="utf-8"?>
+<file path=ppt/ink/ink115.xml><?xml version="1.0" encoding="utf-8"?>
 <inkml:ink xmlns:inkml="http://www.w3.org/2003/InkML">
   <inkml:definitions>
     <inkml:context xml:id="ctx0">
@@ -739,6 +627,33 @@
     </inkml:brush>
   </inkml:definitions>
   <inkml:trace contextRef="#ctx0" brushRef="#br0">0 0 24575,'36'34'0,"5"2"0,6 1 0,0 0 0,-9-8 0,-5-4 0,-5 0 0,-1 1 0,-2 5 0,-6 0 0,-2 0 0,-3-1 0,5 5 0,4 3 0,6 2 0,1-2 0,1-4 0,-2-5 0,-4-5 0,-2-5 0,-1-2 0,-2-1 0,-1 0 0,-2-4 0,-5-3 0,-2-3 0,-3-4 0,-2 2 0,4 2 0,2 3 0,2 2 0,-3-1 0,-4-4 0,-1-1 0,-4-4 0,1-1 0</inkml:trace>
+</inkml:ink>
+</file>
+
+<file path=ppt/ink/ink116.xml><?xml version="1.0" encoding="utf-8"?>
+<inkml:ink xmlns:inkml="http://www.w3.org/2003/InkML">
+  <inkml:definitions>
+    <inkml:context xml:id="ctx0">
+      <inkml:inkSource xml:id="inkSrc0">
+        <inkml:traceFormat>
+          <inkml:channel name="X" type="integer" min="-2.14748E9" max="2.14748E9" units="cm"/>
+          <inkml:channel name="Y" type="integer" min="-2.14748E9" max="2.14748E9" units="cm"/>
+          <inkml:channel name="F" type="integer" max="32767" units="dev"/>
+        </inkml:traceFormat>
+        <inkml:channelProperties>
+          <inkml:channelProperty channel="X" name="resolution" value="1000" units="1/cm"/>
+          <inkml:channelProperty channel="Y" name="resolution" value="1000" units="1/cm"/>
+          <inkml:channelProperty channel="F" name="resolution" value="0" units="1/dev"/>
+        </inkml:channelProperties>
+      </inkml:inkSource>
+      <inkml:timestamp xml:id="ts0" timeString="2023-09-18T23:54:54.265"/>
+    </inkml:context>
+    <inkml:brush xml:id="br0">
+      <inkml:brushProperty name="width" value="0.1" units="cm"/>
+      <inkml:brushProperty name="height" value="0.1" units="cm"/>
+    </inkml:brush>
+  </inkml:definitions>
+  <inkml:trace contextRef="#ctx0" brushRef="#br0">1 858 24575,'22'-22'0,"5"-4"0,20-11 0,14-10 0,1 1 0,10-7 0,-29 25 0,2 0 0,4-3 0,2-1 0,7-4 0,0 0 0,-4 1 0,-3 0 0,-8 4 0,-4-1 0,26-23 0,-15 7 0,-8 4 0,-5 3 0,-4 5 0,-3 6 0,-5 9 0,-7 8 0,-5 5 0,-4 4 0,-5 3 0,-1 0 0</inkml:trace>
 </inkml:ink>
 </file>
 
@@ -766,33 +681,6 @@
     </inkml:brush>
   </inkml:definitions>
   <inkml:trace contextRef="#ctx0" brushRef="#br0">0 710 24575,'59'-34'0,"13"-10"0,-34 13 0,7 1 0,-12 11 0,-18 11 0,4 2 0,1-4 0,2 0 0,9 0 0,-4-6 0,12 4 0,-4-9 0,4 8 0,-6-7 0,-1 8 0,8-10 0,-6 10 0,5-10 0,-6 10 0,0-8 0,6 7 0,-4-3 0,4 0 0,-6 4 0,-1-9 0,-5 10 0,5-5 0,-11 2 0,0 2 0,-7 3 0,-6 1 0,1 7 0,0-7 0,0 7 0,-4-10 0,3 5 0,-3-11 0,9 2 0,2-5 0,3 0 0,1 0 0,0 5 0,-4-4 0,-2 12 0,-5-6 0,0 12 0,0-3 0,-4 4 0,-1 0 0</inkml:trace>
-</inkml:ink>
-</file>
-
-<file path=ppt/ink/ink120.xml><?xml version="1.0" encoding="utf-8"?>
-<inkml:ink xmlns:inkml="http://www.w3.org/2003/InkML">
-  <inkml:definitions>
-    <inkml:context xml:id="ctx0">
-      <inkml:inkSource xml:id="inkSrc0">
-        <inkml:traceFormat>
-          <inkml:channel name="X" type="integer" min="-2.14748E9" max="2.14748E9" units="cm"/>
-          <inkml:channel name="Y" type="integer" min="-2.14748E9" max="2.14748E9" units="cm"/>
-          <inkml:channel name="F" type="integer" max="32767" units="dev"/>
-        </inkml:traceFormat>
-        <inkml:channelProperties>
-          <inkml:channelProperty channel="X" name="resolution" value="1000" units="1/cm"/>
-          <inkml:channelProperty channel="Y" name="resolution" value="1000" units="1/cm"/>
-          <inkml:channelProperty channel="F" name="resolution" value="0" units="1/dev"/>
-        </inkml:channelProperties>
-      </inkml:inkSource>
-      <inkml:timestamp xml:id="ts0" timeString="2023-09-18T23:54:54.265"/>
-    </inkml:context>
-    <inkml:brush xml:id="br0">
-      <inkml:brushProperty name="width" value="0.1" units="cm"/>
-      <inkml:brushProperty name="height" value="0.1" units="cm"/>
-    </inkml:brush>
-  </inkml:definitions>
-  <inkml:trace contextRef="#ctx0" brushRef="#br0">1 858 24575,'22'-22'0,"5"-4"0,20-11 0,14-10 0,1 1 0,10-7 0,-29 25 0,2 0 0,4-3 0,2-1 0,7-4 0,0 0 0,-4 1 0,-3 0 0,-8 4 0,-4-1 0,26-23 0,-15 7 0,-8 4 0,-5 3 0,-4 5 0,-3 6 0,-5 9 0,-7 8 0,-5 5 0,-4 4 0,-5 3 0,-1 0 0</inkml:trace>
 </inkml:ink>
 </file>
 
@@ -1244,14 +1132,15 @@
           <inkml:channelProperty channel="F" name="resolution" value="0" units="1/dev"/>
         </inkml:channelProperties>
       </inkml:inkSource>
-      <inkml:timestamp xml:id="ts0" timeString="2022-06-20T16:35:15.585"/>
+      <inkml:timestamp xml:id="ts0" timeString="2022-06-20T16:48:33.748"/>
     </inkml:context>
     <inkml:brush xml:id="br0">
       <inkml:brushProperty name="width" value="0.1" units="cm"/>
       <inkml:brushProperty name="height" value="0.1" units="cm"/>
+      <inkml:brushProperty name="color" value="#C93431"/>
     </inkml:brush>
   </inkml:definitions>
-  <inkml:trace contextRef="#ctx0" brushRef="#br0">2692 115 24575,'-11'0'0,"-3"0"0,6 0 0,-6 0 0,1 0 0,-3 0 0,0 0 0,-1 0 0,1 0 0,4 0 0,-4 0 0,-1 0 0,4 0 0,-7 0 0,7 0 0,-3 0 0,0 0 0,0 0 0,-1 0 0,5 0 0,-3 0 0,2 0 0,-8-4 0,4 3 0,-9-11 0,4 10 0,-5-6 0,0 4 0,0 3 0,5-7 0,-3 3 0,2-3 0,1 3 0,-3-3 0,7 7 0,-8-7 0,9 3 0,-9 0 0,4-2 0,-5 6 0,0-7 0,5 7 0,-3-3 0,7 0 0,-7 3 0,7-2 0,-3 3 0,0 0 0,4 0 0,-4 0 0,4 0 0,1 0 0,4 0 0,-4 0 0,4 0 0,-4 0 0,-1 0 0,1 0 0,0 0 0,4 0 0,-4 0 0,-7 3 0,4-2 0,-7 6 0,5-2 0,3-1 0,-8 4 0,9-3 0,-9 4 0,-3 3 0,0-2 0,0 2 0,3-3 0,-1 0 0,-2 0 0,-3 0 0,5 4 0,0 1 0,1 0 0,-1 3 0,0-7 0,0 7 0,0-3 0,1 3 0,3-3 0,-2 3 0,3-4 0,-5 5 0,0 0 0,5-1 0,-4 1 0,9-5 0,-9 4 0,9-4 0,-9 4 0,-4 4 0,6-3 0,-4 3 0,7-8 0,4 2 0,-4-2 0,4 4 0,1-1 0,0 0 0,0 1 0,-1-1 0,1 0 0,0 1 0,3-1 0,-3 0 0,4 1 0,-5-5 0,5 4 0,-4-4 0,3 9 0,-3-3 0,2 3 0,-9 7 0,8-4 0,-7 10 0,6-7 0,2-5 0,1 4 0,0-4 0,0 4 0,4 1 0,-8 0 0,7 0 0,-3-5 0,0 4 0,4-4 0,-4 0 0,4 4 0,5-9 0,-4 9 0,3-9 0,0 4 0,-2 0 0,6-3 0,-7 19 0,3-16 0,0 16 0,-2-14 0,6-1 0,-7 3 0,7-7 0,-7 8 0,7-9 0,-3 9 0,4-9 0,0 9 0,0-9 0,0 9 0,0-4 0,-4 5 0,3 5 0,-3-4 0,0 4 0,3-5 0,-8 5 0,8-3 0,-3 3 0,0-5 0,3-5 0,-3 4 0,4-9 0,0 4 0,0 0 0,0-4 0,0 9 0,0-4 0,0 5 0,0 5 0,0-3 0,0 3 0,0-5 0,0-1 0,0-3 0,0 2 0,0-7 0,0 7 0,0-7 0,0 3 0,0 0 0,0-4 0,0 4 0,0-4 0,0 4 0,0-4 0,0 4 0,0 0 0,0-3 0,0 7 0,0-7 0,0 19 0,0-12 0,0 14 0,0-12 0,0 0 0,0 0 0,0 0 0,0-1 0,4 1 0,1 0 0,4 0 0,0-1 0,0 1 0,0 0 0,0 5 0,0-8 0,0 7 0,4-9 0,-4 0 0,4-1 0,-5 0 0,0-4 0,1 4 0,-1-8 0,0 2 0,-1-3 0,1 4 0,4 1 0,2 4 0,-2-4 0,4 4 0,-2 0 0,2-4 0,1 4 0,0 0 0,0-3 0,4 3 0,-3-4 0,3 0 0,-5-1 0,5-3 0,-7 3 0,6-7 0,-11 2 0,2-3 0,-4-1 0,1 1 0,-1-1 0,0 1 0,1 2 0,-1-2 0,1 0 0,-1-2 0,6-5 0,0 2 0,4 1 0,0 1 0,-1 6 0,0-2 0,1 3 0,4 1 0,-4-4 0,4 7 0,0-7 0,-4 7 0,9-3 0,-9 0 0,4 3 0,-4-7 0,-1 3 0,0-4 0,1 1 0,-5-2 0,3 1 0,-6 0 0,2-4 0,-4 3 0,5-3 0,-4 4 0,3-4 0,1 3 0,-4-3 0,3 4 0,1 0 0,-4-1 0,7-2 0,-6 1 0,6-1 0,-3 2 0,5 2 0,-5-2 0,3-2 0,-6 1 0,6-5 0,-3 6 0,1-3 0,2 1 0,-6-2 0,6 1 0,-7-4 0,7 8 0,-6-7 0,6 6 0,-7-6 0,8 6 0,-4-6 0,4 3 0,1-1 0,-1-2 0,0 6 0,1-6 0,6 6 0,-5-2 0,2 3 0,-5-4 0,-6 3 0,6-6 0,-7 5 0,7-5 0,-2 2 0,3-3 0,0 0 0,1 0 0,4 0 0,1 0 0,5 4 0,0-3 0,-1 3 0,1 0 0,0 1 0,0 0 0,0 3 0,-5-7 0,3 7 0,-2-7 0,-1 7 0,-1-8 0,-9 4 0,3-4 0,-6 0 0,2 0 0,-4 0 0,1 0 0,-1 0 0,0 0 0,5 0 0,5 0 0,0 0 0,9 0 0,-4 0 0,5 0 0,-5 0 0,4 0 0,-9 0 0,9 0 0,-9 0 0,4 0 0,-4 0 0,-1 0 0,0 4 0,1-3 0,-1 2 0,5-3 0,-4 0 0,4 0 0,-4 0 0,-1 0 0,5 0 0,-3 4 0,7-3 0,-7 2 0,13-3 0,-8 0 0,15 0 0,-10 0 0,10 0 0,-10 0 0,9 0 0,-8 0 0,3 0 0,0 0 0,-8 0 0,7 4 0,8-3 0,-8 3 0,13-4 0,-11 0 0,0 0 0,1 0 0,3 0 0,-3 0 0,0 0 0,3-4 0,-3-1 0,-1-5 0,5 1 0,-5-1 0,6-4 0,0 3 0,0-7 0,0 7 0,-5-7 0,4 8 0,-10-7 0,9 6 0,-8-6 0,8 2 0,-9 1 0,5-4 0,-7 8 0,1-6 0,0 6 0,0-7 0,5 2 0,-4-3 0,10-1 0,-10 1 0,10-2 0,-10 2 0,5-5 0,0 3 0,-3-8 0,3 3 0,-3-4 0,-1-1 0,-5 2 0,4-1 0,-8-3 0,4-3 0,-5-4 0,10-23 0,-7 17 0,7-17 0,-14 23 0,-2 5 0,1-3 0,-3 8 0,2-3 0,-4 5 0,0-5 0,0 4 0,1-4 0,-1-1 0,0 0 0,6-6 0,-5 0 0,4 0 0,-4 0 0,0 0 0,-1 6 0,-3 1 0,2-1 0,-3 5 0,0-4 0,8-12 0,-11 13 0,6-14 0,-4 13 0,-3 4 0,4-4 0,-5-1 0,0 5 0,0-4 0,0 5 0,0 0 0,0 0 0,4 1 0,-3-7 0,3 5 0,-4-9 0,0 8 0,0-8 0,0 9 0,0-10 0,0 5 0,0-1 0,0-10 0,0 14 0,0-9 0,0 13 0,0 3 0,0-2 0,0 3 0,0-5 0,0 0 0,0-5 0,0 4 0,-4-5 0,3 1 0,-7 4 0,7-10 0,-8 5 0,8-6 0,-7 5 0,7-3 0,-7 3 0,2-5 0,-3 5 0,0 2 0,0 5 0,-4-11 0,3 8 0,-6-4 0,5 3 0,-1 12 0,7-12 0,-2 9 0,2-5 0,-4 0 0,0 0 0,0 0 0,0 5 0,0-4 0,1 9 0,-4-4 0,-1 8 0,-3-2 0,0 6 0,-1-3 0,1 4 0,0 0 0,4 0 0,-4 0 0,8 0 0,0-5 0,1 4 0,7-7 0,-11 3 0,6-3 0,-11 0 0,7 3 0,-6-2 0,7 7 0,-4-8 0,1 8 0,2-4 0,-2 4 0,3 1 0,-3 3 0,3-3 0,-8 7 0,8-7 0,-7 3 0,6-1 0,-6-2 0,3 6 0,-1-6 0,-2 3 0,7-4 0,-8 4 0,8-3 0,-3 3 0,-1-3 0,4-1 0,-4 1 0,5-1 0,-4 0 0,2 1 0,-2-1 0,0 4 0,2-2 0,-2 2 0,0-1 0,2 2 0,-2 0 0,4 2 0,-1-2 0,1 0 0,0 2 0,-1-3 0,1 4 0,-1-3 0,-3 2 0,3-5 0,-4 2 0,1 0 0,3-3 0,-8 3 0,8-4 0,-7 0 0,-1 1 0,3-1 0,-2 1 0,4-1 0,3 4 0,-4-3 0,1 6 0,3-6 0,-8 3 0,4 0 0,0-3 0,-4 2 0,4 1 0,0-3 0,-4 7 0,11-7 0,-9 6 0,9-2 0,-7 0 0,5 2 0,-4-6 0,-2 6 0,1-3 0,1 1 0,-8-1 0,9-1 0,-13 2 0,11-1 0,0 3 0,-4-2 0,4 3 0,0-4 0,-4 4 0,4-4 0,-4 4 0,-1 0 0,1-3 0,0 2 0,-1-3 0,1 4 0,4 0 0,-4 0 0,8 0 0,-7 0 0,2 0 0,1 0 0,-11 0 0,9 0 0,-9-3 0,2 2 0,3-3 0,-3 0 0,0 4 0,4-4 0,-4 4 0,9-3 0,0 2 0,5-2 0,-1 3 0,1 0 0,0 0 0,0 0 0,0 0 0,0 0 0,-5 0 0,4 0 0,-3 0 0,3 0 0,1 0 0,0 0 0,0 0 0,0 0 0,1 0 0,-2 0 0,1 0 0,0 3 0,0-3 0,-5 7 0,0-6 0,-4 6 0,3-3 0,2 1 0,4-2 0,-1 0 0,1-2 0,0 3 0,2-4 0,2 0 0</inkml:trace>
+  <inkml:trace contextRef="#ctx0" brushRef="#br0">1 0 24575,'0'13'0,"0"7"0,0 3 0,0 0 0,0-2 0,0-7 0,0-1 0,0 8 0,0-5 0,0 5 0,0 0 0,0-5 0,0 12 0,0-5 0,0 0 0,0 5 0,0-5 0,6 26 0,-4-22 0,10 18 0,-11-30 0,5 5 0,-6-7 0,6 0 0,-4 0 0,10 1 0,-10 7 0,10 2 0,-10 7 0,12 0 0,-7-7 0,2 5 0,3-5 0,-4 0 0,0-2 0,5 0 0,-11-5 0,11 5 0,-12 0 0,11-6 0,-10 6 0,10-7 0,-11 7 0,5-5 0,1 5 0,-6-8 0,5 1 0,0 0 0,-4-1 0,4-6 0,-6-1 0</inkml:trace>
 </inkml:ink>
 </file>
 
@@ -1271,14 +1160,15 @@
           <inkml:channelProperty channel="F" name="resolution" value="0" units="1/dev"/>
         </inkml:channelProperties>
       </inkml:inkSource>
-      <inkml:timestamp xml:id="ts0" timeString="2022-06-20T16:35:15.588"/>
+      <inkml:timestamp xml:id="ts0" timeString="2022-06-20T16:48:23.160"/>
     </inkml:context>
     <inkml:brush xml:id="br0">
       <inkml:brushProperty name="width" value="0.1" units="cm"/>
       <inkml:brushProperty name="height" value="0.1" units="cm"/>
+      <inkml:brushProperty name="color" value="#C93431"/>
     </inkml:brush>
   </inkml:definitions>
-  <inkml:trace contextRef="#ctx0" brushRef="#br0">2692 115 24575,'-11'0'0,"-3"0"0,6 0 0,-6 0 0,1 0 0,-3 0 0,0 0 0,-1 0 0,1 0 0,4 0 0,-4 0 0,-1 0 0,4 0 0,-7 0 0,7 0 0,-3 0 0,0 0 0,0 0 0,-1 0 0,5 0 0,-3 0 0,2 0 0,-8-4 0,4 3 0,-9-11 0,4 10 0,-5-6 0,0 4 0,0 3 0,5-7 0,-3 3 0,2-3 0,1 3 0,-3-3 0,7 7 0,-8-7 0,9 3 0,-9 0 0,4-2 0,-5 6 0,0-7 0,5 7 0,-3-3 0,7 0 0,-7 3 0,7-2 0,-3 3 0,0 0 0,4 0 0,-4 0 0,4 0 0,1 0 0,4 0 0,-4 0 0,4 0 0,-4 0 0,-1 0 0,1 0 0,0 0 0,4 0 0,-4 0 0,-7 3 0,4-2 0,-7 6 0,5-2 0,3-1 0,-8 4 0,9-3 0,-9 4 0,-3 3 0,0-2 0,0 2 0,3-3 0,-1 0 0,-2 0 0,-3 0 0,5 4 0,0 1 0,1 0 0,-1 3 0,0-7 0,0 7 0,0-3 0,1 3 0,3-3 0,-2 3 0,3-4 0,-5 5 0,0 0 0,5-1 0,-4 1 0,9-5 0,-9 4 0,9-4 0,-9 4 0,-4 4 0,6-3 0,-4 3 0,7-8 0,4 2 0,-4-2 0,4 4 0,1-1 0,0 0 0,0 1 0,-1-1 0,1 0 0,0 1 0,3-1 0,-3 0 0,4 1 0,-5-5 0,5 4 0,-4-4 0,3 9 0,-3-3 0,2 3 0,-9 7 0,8-4 0,-7 10 0,6-7 0,2-5 0,1 4 0,0-4 0,0 4 0,4 1 0,-8 0 0,7 0 0,-3-5 0,0 4 0,4-4 0,-4 0 0,4 4 0,5-9 0,-4 9 0,3-9 0,0 4 0,-2 0 0,6-3 0,-7 19 0,3-16 0,0 16 0,-2-14 0,6-1 0,-7 3 0,7-7 0,-7 8 0,7-9 0,-3 9 0,4-9 0,0 9 0,0-9 0,0 9 0,0-4 0,-4 5 0,3 5 0,-3-4 0,0 4 0,3-5 0,-8 5 0,8-3 0,-3 3 0,0-5 0,3-5 0,-3 4 0,4-9 0,0 4 0,0 0 0,0-4 0,0 9 0,0-4 0,0 5 0,0 5 0,0-3 0,0 3 0,0-5 0,0-1 0,0-3 0,0 2 0,0-7 0,0 7 0,0-7 0,0 3 0,0 0 0,0-4 0,0 4 0,0-4 0,0 4 0,0-4 0,0 4 0,0 0 0,0-3 0,0 7 0,0-7 0,0 19 0,0-12 0,0 14 0,0-12 0,0 0 0,0 0 0,0 0 0,0-1 0,4 1 0,1 0 0,4 0 0,0-1 0,0 1 0,0 0 0,0 5 0,0-8 0,0 7 0,4-9 0,-4 0 0,4-1 0,-5 0 0,0-4 0,1 4 0,-1-8 0,0 2 0,-1-3 0,1 4 0,4 1 0,2 4 0,-2-4 0,4 4 0,-2 0 0,2-4 0,1 4 0,0 0 0,0-3 0,4 3 0,-3-4 0,3 0 0,-5-1 0,5-3 0,-7 3 0,6-7 0,-11 2 0,2-3 0,-4-1 0,1 1 0,-1-1 0,0 1 0,1 2 0,-1-2 0,1 0 0,-1-2 0,6-5 0,0 2 0,4 1 0,0 1 0,-1 6 0,0-2 0,1 3 0,4 1 0,-4-4 0,4 7 0,0-7 0,-4 7 0,9-3 0,-9 0 0,4 3 0,-4-7 0,-1 3 0,0-4 0,1 1 0,-5-2 0,3 1 0,-6 0 0,2-4 0,-4 3 0,5-3 0,-4 4 0,3-4 0,1 3 0,-4-3 0,3 4 0,1 0 0,-4-1 0,7-2 0,-6 1 0,6-1 0,-3 2 0,5 2 0,-5-2 0,3-2 0,-6 1 0,6-5 0,-3 6 0,1-3 0,2 1 0,-6-2 0,6 1 0,-7-4 0,7 8 0,-6-7 0,6 6 0,-7-6 0,8 6 0,-4-6 0,4 3 0,1-1 0,-1-2 0,0 6 0,1-6 0,6 6 0,-5-2 0,2 3 0,-5-4 0,-6 3 0,6-6 0,-7 5 0,7-5 0,-2 2 0,3-3 0,0 0 0,1 0 0,4 0 0,1 0 0,5 4 0,0-3 0,-1 3 0,1 0 0,0 1 0,0 0 0,0 3 0,-5-7 0,3 7 0,-2-7 0,-1 7 0,-1-8 0,-9 4 0,3-4 0,-6 0 0,2 0 0,-4 0 0,1 0 0,-1 0 0,0 0 0,5 0 0,5 0 0,0 0 0,9 0 0,-4 0 0,5 0 0,-5 0 0,4 0 0,-9 0 0,9 0 0,-9 0 0,4 0 0,-4 0 0,-1 0 0,0 4 0,1-3 0,-1 2 0,5-3 0,-4 0 0,4 0 0,-4 0 0,-1 0 0,5 0 0,-3 4 0,7-3 0,-7 2 0,13-3 0,-8 0 0,15 0 0,-10 0 0,10 0 0,-10 0 0,9 0 0,-8 0 0,3 0 0,0 0 0,-8 0 0,7 4 0,8-3 0,-8 3 0,13-4 0,-11 0 0,0 0 0,1 0 0,3 0 0,-3 0 0,0 0 0,3-4 0,-3-1 0,-1-5 0,5 1 0,-5-1 0,6-4 0,0 3 0,0-7 0,0 7 0,-5-7 0,4 8 0,-10-7 0,9 6 0,-8-6 0,8 2 0,-9 1 0,5-4 0,-7 8 0,1-6 0,0 6 0,0-7 0,5 2 0,-4-3 0,10-1 0,-10 1 0,10-2 0,-10 2 0,5-5 0,0 3 0,-3-8 0,3 3 0,-3-4 0,-1-1 0,-5 2 0,4-1 0,-8-3 0,4-3 0,-5-4 0,10-23 0,-7 17 0,7-17 0,-14 23 0,-2 5 0,1-3 0,-3 8 0,2-3 0,-4 5 0,0-5 0,0 4 0,1-4 0,-1-1 0,0 0 0,6-6 0,-5 0 0,4 0 0,-4 0 0,0 0 0,-1 6 0,-3 1 0,2-1 0,-3 5 0,0-4 0,8-12 0,-11 13 0,6-14 0,-4 13 0,-3 4 0,4-4 0,-5-1 0,0 5 0,0-4 0,0 5 0,0 0 0,0 0 0,4 1 0,-3-7 0,3 5 0,-4-9 0,0 8 0,0-8 0,0 9 0,0-10 0,0 5 0,0-1 0,0-10 0,0 14 0,0-9 0,0 13 0,0 3 0,0-2 0,0 3 0,0-5 0,0 0 0,0-5 0,0 4 0,-4-5 0,3 1 0,-7 4 0,7-10 0,-8 5 0,8-6 0,-7 5 0,7-3 0,-7 3 0,2-5 0,-3 5 0,0 2 0,0 5 0,-4-11 0,3 8 0,-6-4 0,5 3 0,-1 12 0,7-12 0,-2 9 0,2-5 0,-4 0 0,0 0 0,0 0 0,0 5 0,0-4 0,1 9 0,-4-4 0,-1 8 0,-3-2 0,0 6 0,-1-3 0,1 4 0,0 0 0,4 0 0,-4 0 0,8 0 0,0-5 0,1 4 0,7-7 0,-11 3 0,6-3 0,-11 0 0,7 3 0,-6-2 0,7 7 0,-4-8 0,1 8 0,2-4 0,-2 4 0,3 1 0,-3 3 0,3-3 0,-8 7 0,8-7 0,-7 3 0,6-1 0,-6-2 0,3 6 0,-1-6 0,-2 3 0,7-4 0,-8 4 0,8-3 0,-3 3 0,-1-3 0,4-1 0,-4 1 0,5-1 0,-4 0 0,2 1 0,-2-1 0,0 4 0,2-2 0,-2 2 0,0-1 0,2 2 0,-2 0 0,4 2 0,-1-2 0,1 0 0,0 2 0,-1-3 0,1 4 0,-1-3 0,-3 2 0,3-5 0,-4 2 0,1 0 0,3-3 0,-8 3 0,8-4 0,-7 0 0,-1 1 0,3-1 0,-2 1 0,4-1 0,3 4 0,-4-3 0,1 6 0,3-6 0,-8 3 0,4 0 0,0-3 0,-4 2 0,4 1 0,0-3 0,-4 7 0,11-7 0,-9 6 0,9-2 0,-7 0 0,5 2 0,-4-6 0,-2 6 0,1-3 0,1 1 0,-8-1 0,9-1 0,-13 2 0,11-1 0,0 3 0,-4-2 0,4 3 0,0-4 0,-4 4 0,4-4 0,-4 4 0,-1 0 0,1-3 0,0 2 0,-1-3 0,1 4 0,4 0 0,-4 0 0,8 0 0,-7 0 0,2 0 0,1 0 0,-11 0 0,9 0 0,-9-3 0,2 2 0,3-3 0,-3 0 0,0 4 0,4-4 0,-4 4 0,9-3 0,0 2 0,5-2 0,-1 3 0,1 0 0,0 0 0,0 0 0,0 0 0,0 0 0,-5 0 0,4 0 0,-3 0 0,3 0 0,1 0 0,0 0 0,0 0 0,0 0 0,1 0 0,-2 0 0,1 0 0,0 3 0,0-3 0,-5 7 0,0-6 0,-4 6 0,3-3 0,2 1 0,4-2 0,-1 0 0,1-2 0,0 3 0,2-4 0,2 0 0</inkml:trace>
+  <inkml:trace contextRef="#ctx0" brushRef="#br0">1 471 24575,'19'0'0,"-1"0"0,-4 0 0,-1 0 0,1 0 0,12-7 0,-15 0 0,22-1 0,-23-12 0,11 11 0,9-14 0,-11 2 0,11 10 0,0-10 0,-12 6 0,20-2 0,-15-5 0,1 0 0,4 12 0,-4-10 0,6 11 0,-13-5 0,2 6 0,-10-12 0,4 17 0,1-11 0,-1 9 0,1-3 0,-1 1 0,-6-5 0,5 5 0,-4-1 0,-1-4 0,4 10 0,-4-4 0,7-7 0,-1 3 0,9-11 0,-6-1 0,5 12 0,-6-9 0,-2 17 0,-5-4 0,-2 6 0</inkml:trace>
 </inkml:ink>
 </file>
 
@@ -1325,6 +1215,60 @@
           <inkml:channelProperty channel="F" name="resolution" value="0" units="1/dev"/>
         </inkml:channelProperties>
       </inkml:inkSource>
+      <inkml:timestamp xml:id="ts0" timeString="2022-06-20T16:35:15.585"/>
+    </inkml:context>
+    <inkml:brush xml:id="br0">
+      <inkml:brushProperty name="width" value="0.1" units="cm"/>
+      <inkml:brushProperty name="height" value="0.1" units="cm"/>
+    </inkml:brush>
+  </inkml:definitions>
+  <inkml:trace contextRef="#ctx0" brushRef="#br0">2692 115 24575,'-11'0'0,"-3"0"0,6 0 0,-6 0 0,1 0 0,-3 0 0,0 0 0,-1 0 0,1 0 0,4 0 0,-4 0 0,-1 0 0,4 0 0,-7 0 0,7 0 0,-3 0 0,0 0 0,0 0 0,-1 0 0,5 0 0,-3 0 0,2 0 0,-8-4 0,4 3 0,-9-11 0,4 10 0,-5-6 0,0 4 0,0 3 0,5-7 0,-3 3 0,2-3 0,1 3 0,-3-3 0,7 7 0,-8-7 0,9 3 0,-9 0 0,4-2 0,-5 6 0,0-7 0,5 7 0,-3-3 0,7 0 0,-7 3 0,7-2 0,-3 3 0,0 0 0,4 0 0,-4 0 0,4 0 0,1 0 0,4 0 0,-4 0 0,4 0 0,-4 0 0,-1 0 0,1 0 0,0 0 0,4 0 0,-4 0 0,-7 3 0,4-2 0,-7 6 0,5-2 0,3-1 0,-8 4 0,9-3 0,-9 4 0,-3 3 0,0-2 0,0 2 0,3-3 0,-1 0 0,-2 0 0,-3 0 0,5 4 0,0 1 0,1 0 0,-1 3 0,0-7 0,0 7 0,0-3 0,1 3 0,3-3 0,-2 3 0,3-4 0,-5 5 0,0 0 0,5-1 0,-4 1 0,9-5 0,-9 4 0,9-4 0,-9 4 0,-4 4 0,6-3 0,-4 3 0,7-8 0,4 2 0,-4-2 0,4 4 0,1-1 0,0 0 0,0 1 0,-1-1 0,1 0 0,0 1 0,3-1 0,-3 0 0,4 1 0,-5-5 0,5 4 0,-4-4 0,3 9 0,-3-3 0,2 3 0,-9 7 0,8-4 0,-7 10 0,6-7 0,2-5 0,1 4 0,0-4 0,0 4 0,4 1 0,-8 0 0,7 0 0,-3-5 0,0 4 0,4-4 0,-4 0 0,4 4 0,5-9 0,-4 9 0,3-9 0,0 4 0,-2 0 0,6-3 0,-7 19 0,3-16 0,0 16 0,-2-14 0,6-1 0,-7 3 0,7-7 0,-7 8 0,7-9 0,-3 9 0,4-9 0,0 9 0,0-9 0,0 9 0,0-4 0,-4 5 0,3 5 0,-3-4 0,0 4 0,3-5 0,-8 5 0,8-3 0,-3 3 0,0-5 0,3-5 0,-3 4 0,4-9 0,0 4 0,0 0 0,0-4 0,0 9 0,0-4 0,0 5 0,0 5 0,0-3 0,0 3 0,0-5 0,0-1 0,0-3 0,0 2 0,0-7 0,0 7 0,0-7 0,0 3 0,0 0 0,0-4 0,0 4 0,0-4 0,0 4 0,0-4 0,0 4 0,0 0 0,0-3 0,0 7 0,0-7 0,0 19 0,0-12 0,0 14 0,0-12 0,0 0 0,0 0 0,0 0 0,0-1 0,4 1 0,1 0 0,4 0 0,0-1 0,0 1 0,0 0 0,0 5 0,0-8 0,0 7 0,4-9 0,-4 0 0,4-1 0,-5 0 0,0-4 0,1 4 0,-1-8 0,0 2 0,-1-3 0,1 4 0,4 1 0,2 4 0,-2-4 0,4 4 0,-2 0 0,2-4 0,1 4 0,0 0 0,0-3 0,4 3 0,-3-4 0,3 0 0,-5-1 0,5-3 0,-7 3 0,6-7 0,-11 2 0,2-3 0,-4-1 0,1 1 0,-1-1 0,0 1 0,1 2 0,-1-2 0,1 0 0,-1-2 0,6-5 0,0 2 0,4 1 0,0 1 0,-1 6 0,0-2 0,1 3 0,4 1 0,-4-4 0,4 7 0,0-7 0,-4 7 0,9-3 0,-9 0 0,4 3 0,-4-7 0,-1 3 0,0-4 0,1 1 0,-5-2 0,3 1 0,-6 0 0,2-4 0,-4 3 0,5-3 0,-4 4 0,3-4 0,1 3 0,-4-3 0,3 4 0,1 0 0,-4-1 0,7-2 0,-6 1 0,6-1 0,-3 2 0,5 2 0,-5-2 0,3-2 0,-6 1 0,6-5 0,-3 6 0,1-3 0,2 1 0,-6-2 0,6 1 0,-7-4 0,7 8 0,-6-7 0,6 6 0,-7-6 0,8 6 0,-4-6 0,4 3 0,1-1 0,-1-2 0,0 6 0,1-6 0,6 6 0,-5-2 0,2 3 0,-5-4 0,-6 3 0,6-6 0,-7 5 0,7-5 0,-2 2 0,3-3 0,0 0 0,1 0 0,4 0 0,1 0 0,5 4 0,0-3 0,-1 3 0,1 0 0,0 1 0,0 0 0,0 3 0,-5-7 0,3 7 0,-2-7 0,-1 7 0,-1-8 0,-9 4 0,3-4 0,-6 0 0,2 0 0,-4 0 0,1 0 0,-1 0 0,0 0 0,5 0 0,5 0 0,0 0 0,9 0 0,-4 0 0,5 0 0,-5 0 0,4 0 0,-9 0 0,9 0 0,-9 0 0,4 0 0,-4 0 0,-1 0 0,0 4 0,1-3 0,-1 2 0,5-3 0,-4 0 0,4 0 0,-4 0 0,-1 0 0,5 0 0,-3 4 0,7-3 0,-7 2 0,13-3 0,-8 0 0,15 0 0,-10 0 0,10 0 0,-10 0 0,9 0 0,-8 0 0,3 0 0,0 0 0,-8 0 0,7 4 0,8-3 0,-8 3 0,13-4 0,-11 0 0,0 0 0,1 0 0,3 0 0,-3 0 0,0 0 0,3-4 0,-3-1 0,-1-5 0,5 1 0,-5-1 0,6-4 0,0 3 0,0-7 0,0 7 0,-5-7 0,4 8 0,-10-7 0,9 6 0,-8-6 0,8 2 0,-9 1 0,5-4 0,-7 8 0,1-6 0,0 6 0,0-7 0,5 2 0,-4-3 0,10-1 0,-10 1 0,10-2 0,-10 2 0,5-5 0,0 3 0,-3-8 0,3 3 0,-3-4 0,-1-1 0,-5 2 0,4-1 0,-8-3 0,4-3 0,-5-4 0,10-23 0,-7 17 0,7-17 0,-14 23 0,-2 5 0,1-3 0,-3 8 0,2-3 0,-4 5 0,0-5 0,0 4 0,1-4 0,-1-1 0,0 0 0,6-6 0,-5 0 0,4 0 0,-4 0 0,0 0 0,-1 6 0,-3 1 0,2-1 0,-3 5 0,0-4 0,8-12 0,-11 13 0,6-14 0,-4 13 0,-3 4 0,4-4 0,-5-1 0,0 5 0,0-4 0,0 5 0,0 0 0,0 0 0,4 1 0,-3-7 0,3 5 0,-4-9 0,0 8 0,0-8 0,0 9 0,0-10 0,0 5 0,0-1 0,0-10 0,0 14 0,0-9 0,0 13 0,0 3 0,0-2 0,0 3 0,0-5 0,0 0 0,0-5 0,0 4 0,-4-5 0,3 1 0,-7 4 0,7-10 0,-8 5 0,8-6 0,-7 5 0,7-3 0,-7 3 0,2-5 0,-3 5 0,0 2 0,0 5 0,-4-11 0,3 8 0,-6-4 0,5 3 0,-1 12 0,7-12 0,-2 9 0,2-5 0,-4 0 0,0 0 0,0 0 0,0 5 0,0-4 0,1 9 0,-4-4 0,-1 8 0,-3-2 0,0 6 0,-1-3 0,1 4 0,0 0 0,4 0 0,-4 0 0,8 0 0,0-5 0,1 4 0,7-7 0,-11 3 0,6-3 0,-11 0 0,7 3 0,-6-2 0,7 7 0,-4-8 0,1 8 0,2-4 0,-2 4 0,3 1 0,-3 3 0,3-3 0,-8 7 0,8-7 0,-7 3 0,6-1 0,-6-2 0,3 6 0,-1-6 0,-2 3 0,7-4 0,-8 4 0,8-3 0,-3 3 0,-1-3 0,4-1 0,-4 1 0,5-1 0,-4 0 0,2 1 0,-2-1 0,0 4 0,2-2 0,-2 2 0,0-1 0,2 2 0,-2 0 0,4 2 0,-1-2 0,1 0 0,0 2 0,-1-3 0,1 4 0,-1-3 0,-3 2 0,3-5 0,-4 2 0,1 0 0,3-3 0,-8 3 0,8-4 0,-7 0 0,-1 1 0,3-1 0,-2 1 0,4-1 0,3 4 0,-4-3 0,1 6 0,3-6 0,-8 3 0,4 0 0,0-3 0,-4 2 0,4 1 0,0-3 0,-4 7 0,11-7 0,-9 6 0,9-2 0,-7 0 0,5 2 0,-4-6 0,-2 6 0,1-3 0,1 1 0,-8-1 0,9-1 0,-13 2 0,11-1 0,0 3 0,-4-2 0,4 3 0,0-4 0,-4 4 0,4-4 0,-4 4 0,-1 0 0,1-3 0,0 2 0,-1-3 0,1 4 0,4 0 0,-4 0 0,8 0 0,-7 0 0,2 0 0,1 0 0,-11 0 0,9 0 0,-9-3 0,2 2 0,3-3 0,-3 0 0,0 4 0,4-4 0,-4 4 0,9-3 0,0 2 0,5-2 0,-1 3 0,1 0 0,0 0 0,0 0 0,0 0 0,0 0 0,-5 0 0,4 0 0,-3 0 0,3 0 0,1 0 0,0 0 0,0 0 0,0 0 0,1 0 0,-2 0 0,1 0 0,0 3 0,0-3 0,-5 7 0,0-6 0,-4 6 0,3-3 0,2 1 0,4-2 0,-1 0 0,1-2 0,0 3 0,2-4 0,2 0 0</inkml:trace>
+</inkml:ink>
+</file>
+
+<file path=ppt/ink/ink31.xml><?xml version="1.0" encoding="utf-8"?>
+<inkml:ink xmlns:inkml="http://www.w3.org/2003/InkML">
+  <inkml:definitions>
+    <inkml:context xml:id="ctx0">
+      <inkml:inkSource xml:id="inkSrc0">
+        <inkml:traceFormat>
+          <inkml:channel name="X" type="integer" min="-2.14748E9" max="2.14748E9" units="cm"/>
+          <inkml:channel name="Y" type="integer" min="-2.14748E9" max="2.14748E9" units="cm"/>
+          <inkml:channel name="F" type="integer" max="32767" units="dev"/>
+        </inkml:traceFormat>
+        <inkml:channelProperties>
+          <inkml:channelProperty channel="X" name="resolution" value="1000" units="1/cm"/>
+          <inkml:channelProperty channel="Y" name="resolution" value="1000" units="1/cm"/>
+          <inkml:channelProperty channel="F" name="resolution" value="0" units="1/dev"/>
+        </inkml:channelProperties>
+      </inkml:inkSource>
+      <inkml:timestamp xml:id="ts0" timeString="2022-06-20T16:35:15.588"/>
+    </inkml:context>
+    <inkml:brush xml:id="br0">
+      <inkml:brushProperty name="width" value="0.1" units="cm"/>
+      <inkml:brushProperty name="height" value="0.1" units="cm"/>
+    </inkml:brush>
+  </inkml:definitions>
+  <inkml:trace contextRef="#ctx0" brushRef="#br0">2692 115 24575,'-11'0'0,"-3"0"0,6 0 0,-6 0 0,1 0 0,-3 0 0,0 0 0,-1 0 0,1 0 0,4 0 0,-4 0 0,-1 0 0,4 0 0,-7 0 0,7 0 0,-3 0 0,0 0 0,0 0 0,-1 0 0,5 0 0,-3 0 0,2 0 0,-8-4 0,4 3 0,-9-11 0,4 10 0,-5-6 0,0 4 0,0 3 0,5-7 0,-3 3 0,2-3 0,1 3 0,-3-3 0,7 7 0,-8-7 0,9 3 0,-9 0 0,4-2 0,-5 6 0,0-7 0,5 7 0,-3-3 0,7 0 0,-7 3 0,7-2 0,-3 3 0,0 0 0,4 0 0,-4 0 0,4 0 0,1 0 0,4 0 0,-4 0 0,4 0 0,-4 0 0,-1 0 0,1 0 0,0 0 0,4 0 0,-4 0 0,-7 3 0,4-2 0,-7 6 0,5-2 0,3-1 0,-8 4 0,9-3 0,-9 4 0,-3 3 0,0-2 0,0 2 0,3-3 0,-1 0 0,-2 0 0,-3 0 0,5 4 0,0 1 0,1 0 0,-1 3 0,0-7 0,0 7 0,0-3 0,1 3 0,3-3 0,-2 3 0,3-4 0,-5 5 0,0 0 0,5-1 0,-4 1 0,9-5 0,-9 4 0,9-4 0,-9 4 0,-4 4 0,6-3 0,-4 3 0,7-8 0,4 2 0,-4-2 0,4 4 0,1-1 0,0 0 0,0 1 0,-1-1 0,1 0 0,0 1 0,3-1 0,-3 0 0,4 1 0,-5-5 0,5 4 0,-4-4 0,3 9 0,-3-3 0,2 3 0,-9 7 0,8-4 0,-7 10 0,6-7 0,2-5 0,1 4 0,0-4 0,0 4 0,4 1 0,-8 0 0,7 0 0,-3-5 0,0 4 0,4-4 0,-4 0 0,4 4 0,5-9 0,-4 9 0,3-9 0,0 4 0,-2 0 0,6-3 0,-7 19 0,3-16 0,0 16 0,-2-14 0,6-1 0,-7 3 0,7-7 0,-7 8 0,7-9 0,-3 9 0,4-9 0,0 9 0,0-9 0,0 9 0,0-4 0,-4 5 0,3 5 0,-3-4 0,0 4 0,3-5 0,-8 5 0,8-3 0,-3 3 0,0-5 0,3-5 0,-3 4 0,4-9 0,0 4 0,0 0 0,0-4 0,0 9 0,0-4 0,0 5 0,0 5 0,0-3 0,0 3 0,0-5 0,0-1 0,0-3 0,0 2 0,0-7 0,0 7 0,0-7 0,0 3 0,0 0 0,0-4 0,0 4 0,0-4 0,0 4 0,0-4 0,0 4 0,0 0 0,0-3 0,0 7 0,0-7 0,0 19 0,0-12 0,0 14 0,0-12 0,0 0 0,0 0 0,0 0 0,0-1 0,4 1 0,1 0 0,4 0 0,0-1 0,0 1 0,0 0 0,0 5 0,0-8 0,0 7 0,4-9 0,-4 0 0,4-1 0,-5 0 0,0-4 0,1 4 0,-1-8 0,0 2 0,-1-3 0,1 4 0,4 1 0,2 4 0,-2-4 0,4 4 0,-2 0 0,2-4 0,1 4 0,0 0 0,0-3 0,4 3 0,-3-4 0,3 0 0,-5-1 0,5-3 0,-7 3 0,6-7 0,-11 2 0,2-3 0,-4-1 0,1 1 0,-1-1 0,0 1 0,1 2 0,-1-2 0,1 0 0,-1-2 0,6-5 0,0 2 0,4 1 0,0 1 0,-1 6 0,0-2 0,1 3 0,4 1 0,-4-4 0,4 7 0,0-7 0,-4 7 0,9-3 0,-9 0 0,4 3 0,-4-7 0,-1 3 0,0-4 0,1 1 0,-5-2 0,3 1 0,-6 0 0,2-4 0,-4 3 0,5-3 0,-4 4 0,3-4 0,1 3 0,-4-3 0,3 4 0,1 0 0,-4-1 0,7-2 0,-6 1 0,6-1 0,-3 2 0,5 2 0,-5-2 0,3-2 0,-6 1 0,6-5 0,-3 6 0,1-3 0,2 1 0,-6-2 0,6 1 0,-7-4 0,7 8 0,-6-7 0,6 6 0,-7-6 0,8 6 0,-4-6 0,4 3 0,1-1 0,-1-2 0,0 6 0,1-6 0,6 6 0,-5-2 0,2 3 0,-5-4 0,-6 3 0,6-6 0,-7 5 0,7-5 0,-2 2 0,3-3 0,0 0 0,1 0 0,4 0 0,1 0 0,5 4 0,0-3 0,-1 3 0,1 0 0,0 1 0,0 0 0,0 3 0,-5-7 0,3 7 0,-2-7 0,-1 7 0,-1-8 0,-9 4 0,3-4 0,-6 0 0,2 0 0,-4 0 0,1 0 0,-1 0 0,0 0 0,5 0 0,5 0 0,0 0 0,9 0 0,-4 0 0,5 0 0,-5 0 0,4 0 0,-9 0 0,9 0 0,-9 0 0,4 0 0,-4 0 0,-1 0 0,0 4 0,1-3 0,-1 2 0,5-3 0,-4 0 0,4 0 0,-4 0 0,-1 0 0,5 0 0,-3 4 0,7-3 0,-7 2 0,13-3 0,-8 0 0,15 0 0,-10 0 0,10 0 0,-10 0 0,9 0 0,-8 0 0,3 0 0,0 0 0,-8 0 0,7 4 0,8-3 0,-8 3 0,13-4 0,-11 0 0,0 0 0,1 0 0,3 0 0,-3 0 0,0 0 0,3-4 0,-3-1 0,-1-5 0,5 1 0,-5-1 0,6-4 0,0 3 0,0-7 0,0 7 0,-5-7 0,4 8 0,-10-7 0,9 6 0,-8-6 0,8 2 0,-9 1 0,5-4 0,-7 8 0,1-6 0,0 6 0,0-7 0,5 2 0,-4-3 0,10-1 0,-10 1 0,10-2 0,-10 2 0,5-5 0,0 3 0,-3-8 0,3 3 0,-3-4 0,-1-1 0,-5 2 0,4-1 0,-8-3 0,4-3 0,-5-4 0,10-23 0,-7 17 0,7-17 0,-14 23 0,-2 5 0,1-3 0,-3 8 0,2-3 0,-4 5 0,0-5 0,0 4 0,1-4 0,-1-1 0,0 0 0,6-6 0,-5 0 0,4 0 0,-4 0 0,0 0 0,-1 6 0,-3 1 0,2-1 0,-3 5 0,0-4 0,8-12 0,-11 13 0,6-14 0,-4 13 0,-3 4 0,4-4 0,-5-1 0,0 5 0,0-4 0,0 5 0,0 0 0,0 0 0,4 1 0,-3-7 0,3 5 0,-4-9 0,0 8 0,0-8 0,0 9 0,0-10 0,0 5 0,0-1 0,0-10 0,0 14 0,0-9 0,0 13 0,0 3 0,0-2 0,0 3 0,0-5 0,0 0 0,0-5 0,0 4 0,-4-5 0,3 1 0,-7 4 0,7-10 0,-8 5 0,8-6 0,-7 5 0,7-3 0,-7 3 0,2-5 0,-3 5 0,0 2 0,0 5 0,-4-11 0,3 8 0,-6-4 0,5 3 0,-1 12 0,7-12 0,-2 9 0,2-5 0,-4 0 0,0 0 0,0 0 0,0 5 0,0-4 0,1 9 0,-4-4 0,-1 8 0,-3-2 0,0 6 0,-1-3 0,1 4 0,0 0 0,4 0 0,-4 0 0,8 0 0,0-5 0,1 4 0,7-7 0,-11 3 0,6-3 0,-11 0 0,7 3 0,-6-2 0,7 7 0,-4-8 0,1 8 0,2-4 0,-2 4 0,3 1 0,-3 3 0,3-3 0,-8 7 0,8-7 0,-7 3 0,6-1 0,-6-2 0,3 6 0,-1-6 0,-2 3 0,7-4 0,-8 4 0,8-3 0,-3 3 0,-1-3 0,4-1 0,-4 1 0,5-1 0,-4 0 0,2 1 0,-2-1 0,0 4 0,2-2 0,-2 2 0,0-1 0,2 2 0,-2 0 0,4 2 0,-1-2 0,1 0 0,0 2 0,-1-3 0,1 4 0,-1-3 0,-3 2 0,3-5 0,-4 2 0,1 0 0,3-3 0,-8 3 0,8-4 0,-7 0 0,-1 1 0,3-1 0,-2 1 0,4-1 0,3 4 0,-4-3 0,1 6 0,3-6 0,-8 3 0,4 0 0,0-3 0,-4 2 0,4 1 0,0-3 0,-4 7 0,11-7 0,-9 6 0,9-2 0,-7 0 0,5 2 0,-4-6 0,-2 6 0,1-3 0,1 1 0,-8-1 0,9-1 0,-13 2 0,11-1 0,0 3 0,-4-2 0,4 3 0,0-4 0,-4 4 0,4-4 0,-4 4 0,-1 0 0,1-3 0,0 2 0,-1-3 0,1 4 0,4 0 0,-4 0 0,8 0 0,-7 0 0,2 0 0,1 0 0,-11 0 0,9 0 0,-9-3 0,2 2 0,3-3 0,-3 0 0,0 4 0,4-4 0,-4 4 0,9-3 0,0 2 0,5-2 0,-1 3 0,1 0 0,0 0 0,0 0 0,0 0 0,0 0 0,-5 0 0,4 0 0,-3 0 0,3 0 0,1 0 0,0 0 0,0 0 0,0 0 0,1 0 0,-2 0 0,1 0 0,0 3 0,0-3 0,-5 7 0,0-6 0,-4 6 0,3-3 0,2 1 0,4-2 0,-1 0 0,1-2 0,0 3 0,2-4 0,2 0 0</inkml:trace>
+</inkml:ink>
+</file>
+
+<file path=ppt/ink/ink32.xml><?xml version="1.0" encoding="utf-8"?>
+<inkml:ink xmlns:inkml="http://www.w3.org/2003/InkML">
+  <inkml:definitions>
+    <inkml:context xml:id="ctx0">
+      <inkml:inkSource xml:id="inkSrc0">
+        <inkml:traceFormat>
+          <inkml:channel name="X" type="integer" min="-2.14748E9" max="2.14748E9" units="cm"/>
+          <inkml:channel name="Y" type="integer" min="-2.14748E9" max="2.14748E9" units="cm"/>
+          <inkml:channel name="F" type="integer" max="32767" units="dev"/>
+        </inkml:traceFormat>
+        <inkml:channelProperties>
+          <inkml:channelProperty channel="X" name="resolution" value="1000" units="1/cm"/>
+          <inkml:channelProperty channel="Y" name="resolution" value="1000" units="1/cm"/>
+          <inkml:channelProperty channel="F" name="resolution" value="0" units="1/dev"/>
+        </inkml:channelProperties>
+      </inkml:inkSource>
       <inkml:timestamp xml:id="ts0" timeString="2022-06-20T16:35:47.902"/>
     </inkml:context>
     <inkml:brush xml:id="br0">
@@ -1336,7 +1280,7 @@
 </inkml:ink>
 </file>
 
-<file path=ppt/ink/ink31.xml><?xml version="1.0" encoding="utf-8"?>
+<file path=ppt/ink/ink33.xml><?xml version="1.0" encoding="utf-8"?>
 <inkml:ink xmlns:inkml="http://www.w3.org/2003/InkML">
   <inkml:definitions>
     <inkml:context xml:id="ctx0">
@@ -1364,7 +1308,7 @@
 </inkml:ink>
 </file>
 
-<file path=ppt/ink/ink32.xml><?xml version="1.0" encoding="utf-8"?>
+<file path=ppt/ink/ink34.xml><?xml version="1.0" encoding="utf-8"?>
 <inkml:ink xmlns:inkml="http://www.w3.org/2003/InkML">
   <inkml:definitions>
     <inkml:context xml:id="ctx0">
@@ -1392,7 +1336,7 @@
 </inkml:ink>
 </file>
 
-<file path=ppt/ink/ink33.xml><?xml version="1.0" encoding="utf-8"?>
+<file path=ppt/ink/ink35.xml><?xml version="1.0" encoding="utf-8"?>
 <inkml:ink xmlns:inkml="http://www.w3.org/2003/InkML">
   <inkml:definitions>
     <inkml:context xml:id="ctx0">
@@ -1420,7 +1364,7 @@
 </inkml:ink>
 </file>
 
-<file path=ppt/ink/ink34.xml><?xml version="1.0" encoding="utf-8"?>
+<file path=ppt/ink/ink36.xml><?xml version="1.0" encoding="utf-8"?>
 <inkml:ink xmlns:inkml="http://www.w3.org/2003/InkML">
   <inkml:definitions>
     <inkml:context xml:id="ctx0">
@@ -1448,7 +1392,7 @@
 </inkml:ink>
 </file>
 
-<file path=ppt/ink/ink35.xml><?xml version="1.0" encoding="utf-8"?>
+<file path=ppt/ink/ink37.xml><?xml version="1.0" encoding="utf-8"?>
 <inkml:ink xmlns:inkml="http://www.w3.org/2003/InkML">
   <inkml:definitions>
     <inkml:context xml:id="ctx0">
@@ -1472,62 +1416,6 @@
     </inkml:brush>
   </inkml:definitions>
   <inkml:trace contextRef="#ctx0" brushRef="#br0">1 402 24575,'59'0'0,"14"0"0,14 0-1312,-27 0 1,4 0 1311,-1 0 0,4 0-768,18 0 0,3 0 768,-10 0 0,5 0 0,0 0 0,7 0 0,-6 0 0,6 0 0,-1 0-399,-9 0 1,4 0 0,-5 0 398,1 0 0,-3 0 0,1 0 0,1 0-730,7 0 1,1 0 729,-5 0 0,-3 0 19,-11 0 1,-1 0-20,8 0 0,-2 0 0,-20 0 0,-1 0 0,18 0 0,0 0 0,-5 0 0,-4 0 0,-9 0 0,-1 0 1468,45 0-1468,-34 0 0,-2-7 2155,-13 5-2155,-14-5 1850,-6 7-1850,-13 0 1301,-1 0-1301,8 0 0,2-7 0,16 5 0,-7-4 0,16 6 0,-15-7 0,5 5 0,-7-4 0,-8 6 0,-2 0 0,-8 0 0,1 0 0,0 0 0,7-7 0,1 5 0,50-13 0,-13 13 0,25-13 0,-14 13 0,-18-5 0,7-1 0,1 7 0,-17-7 0,15 8 0,-26 0 0,16 0 0,-16 0 0,16 0 0,-7 0 0,9 0 0,-9 0 0,6 0 0,-14 0 0,-2 0 0,-2 0 0,-14 0 0,6 0 0,-7 0 0,-1 0 0,1 0 0,-1 0 0,8 0 0,2 0 0,16 0 0,2 0 0,0 0 0,-2 0 0,-9 0 0,0 0 0,-7 0 0,-2 0 0,-7 0 0,-1 0 0,1 0 0,15 0 0,5 0 0,16 0 0,-1 0 0,1 0 0,0 0 0,0 0 0,-9 0 0,-2 0 0,-16 0 0,-2 0 0,-8 0 0,1 0 0,0 0 0,7 0 0,2 0 0,7 0 0,0 0 0,0 0 0,1 0 0,-9 0 0,-1 0 0,-7 0 0,0 6 0,-1-4 0,0 4 0,0-6 0,0 0 0,0 0 0,1 0 0,0 0 0,-1 6 0,1-4 0,-6 9 0,-2-15 0,-6 3 0,-6-12 0,-2 0 0,-6-1 0,-7 0 0,-1-1 0,-2-7 0,-5 6 0,6-13 0,-1 6 0,3 0 0,0 1 0,5 8 0,1 0 0,3 0 0,5 7 0,0-5 0,-10 11 0,8-5 0,-10-8 0,5 11 0,0-10 0,0 13 0,7-7 0,-5 6 0,16-5 0,3 6 0,7 0 0,6 0 0,-7 6 0,1 1 0,0 7 0,-1 0 0,8 0 0,-5 0 0,5 0 0,-8 0 0,1 0 0,7 0 0,-5 0 0,5 0 0,-8 0 0,1-1 0,7 2 0,-6-2 0,7 2 0,-9-2 0,1 1 0,-1 0 0,-5-1 0,4-5 0,-5 4 0,6-5 0,0 0 0,-6 4 0,5-9 0,-5 4 0,0 0 0,-7 0 0,-1 7 0,-11 0 0,5 1 0,-7 0 0,1-1 0,-8 2 0,-2-1 0,-8 8 0,1 2 0,-9 0 0,7 4 0,-7-3 0,0 6 0,7-7 0,-16 7 0,16-7 0,-7 1 0,15 3 0,-5-4 0,6 0 0,-1 4 0,3-4 0,-1-1 0,12-2 0,-10-6 0,19-2 0,-12 1 0,12-1 0,-11-5 0,11-2 0,-4-6 0</inkml:trace>
-</inkml:ink>
-</file>
-
-<file path=ppt/ink/ink36.xml><?xml version="1.0" encoding="utf-8"?>
-<inkml:ink xmlns:inkml="http://www.w3.org/2003/InkML">
-  <inkml:definitions>
-    <inkml:context xml:id="ctx0">
-      <inkml:inkSource xml:id="inkSrc0">
-        <inkml:traceFormat>
-          <inkml:channel name="X" type="integer" min="-2.14748E9" max="2.14748E9" units="cm"/>
-          <inkml:channel name="Y" type="integer" min="-2.14748E9" max="2.14748E9" units="cm"/>
-          <inkml:channel name="F" type="integer" max="32767" units="dev"/>
-        </inkml:traceFormat>
-        <inkml:channelProperties>
-          <inkml:channelProperty channel="X" name="resolution" value="1000" units="1/cm"/>
-          <inkml:channelProperty channel="Y" name="resolution" value="1000" units="1/cm"/>
-          <inkml:channelProperty channel="F" name="resolution" value="0" units="1/dev"/>
-        </inkml:channelProperties>
-      </inkml:inkSource>
-      <inkml:timestamp xml:id="ts0" timeString="2022-06-20T16:48:06.939"/>
-    </inkml:context>
-    <inkml:brush xml:id="br0">
-      <inkml:brushProperty name="width" value="0.1" units="cm"/>
-      <inkml:brushProperty name="height" value="0.1" units="cm"/>
-      <inkml:brushProperty name="color" value="#A9A9A9"/>
-    </inkml:brush>
-  </inkml:definitions>
-  <inkml:trace contextRef="#ctx0" brushRef="#br0">0 0 24575,'0'0'0</inkml:trace>
-</inkml:ink>
-</file>
-
-<file path=ppt/ink/ink37.xml><?xml version="1.0" encoding="utf-8"?>
-<inkml:ink xmlns:inkml="http://www.w3.org/2003/InkML">
-  <inkml:definitions>
-    <inkml:context xml:id="ctx0">
-      <inkml:inkSource xml:id="inkSrc0">
-        <inkml:traceFormat>
-          <inkml:channel name="X" type="integer" min="-2.14748E9" max="2.14748E9" units="cm"/>
-          <inkml:channel name="Y" type="integer" min="-2.14748E9" max="2.14748E9" units="cm"/>
-          <inkml:channel name="F" type="integer" max="32767" units="dev"/>
-        </inkml:traceFormat>
-        <inkml:channelProperties>
-          <inkml:channelProperty channel="X" name="resolution" value="1000" units="1/cm"/>
-          <inkml:channelProperty channel="Y" name="resolution" value="1000" units="1/cm"/>
-          <inkml:channelProperty channel="F" name="resolution" value="0" units="1/dev"/>
-        </inkml:channelProperties>
-      </inkml:inkSource>
-      <inkml:timestamp xml:id="ts0" timeString="2022-06-20T16:48:07.018"/>
-    </inkml:context>
-    <inkml:brush xml:id="br0">
-      <inkml:brushProperty name="width" value="0.1" units="cm"/>
-      <inkml:brushProperty name="height" value="0.1" units="cm"/>
-      <inkml:brushProperty name="color" value="#A9A9A9"/>
-    </inkml:brush>
-  </inkml:definitions>
-  <inkml:trace contextRef="#ctx0" brushRef="#br0">0 0 24575,'0'0'0</inkml:trace>
 </inkml:ink>
 </file>
 
@@ -1575,7 +1463,7 @@
           <inkml:channelProperty channel="F" name="resolution" value="0" units="1/dev"/>
         </inkml:channelProperties>
       </inkml:inkSource>
-      <inkml:timestamp xml:id="ts0" timeString="2022-06-20T16:48:23.160"/>
+      <inkml:timestamp xml:id="ts0" timeString="2022-06-20T16:48:27.210"/>
     </inkml:context>
     <inkml:brush xml:id="br0">
       <inkml:brushProperty name="width" value="0.1" units="cm"/>
@@ -1583,7 +1471,7 @@
       <inkml:brushProperty name="color" value="#C93431"/>
     </inkml:brush>
   </inkml:definitions>
-  <inkml:trace contextRef="#ctx0" brushRef="#br0">1 471 24575,'19'0'0,"-1"0"0,-4 0 0,-1 0 0,1 0 0,12-7 0,-15 0 0,22-1 0,-23-12 0,11 11 0,9-14 0,-11 2 0,11 10 0,0-10 0,-12 6 0,20-2 0,-15-5 0,1 0 0,4 12 0,-4-10 0,6 11 0,-13-5 0,2 6 0,-10-12 0,4 17 0,1-11 0,-1 9 0,1-3 0,-1 1 0,-6-5 0,5 5 0,-4-1 0,-1-4 0,4 10 0,-4-4 0,7-7 0,-1 3 0,9-11 0,-6-1 0,5 12 0,-6-9 0,-2 17 0,-5-4 0,-2 6 0</inkml:trace>
+  <inkml:trace contextRef="#ctx0" brushRef="#br0">384 0 24575,'-13'0'0,"0"0"0,-1 0 0,1 0 0,-8 0 0,-1 0 0,0 0 0,-5 0 0,11 0 0,-17 0 0,10 0 0,-4 6 0,8 1 0,11 7 0,-3-1 0,3 0 0,1 0 0,-5 1 0,4-1 0,1 1 0,-5-7 0,11 5 0,-5-5 0,0 6 0,5 0 0,-11-5 0,10 4 0,-10-5 0,10 7 0,-4-1 0,6 0 0,0 0 0,0 0 0,0 0 0,0 1 0,0-1 0,0 1 0,6-7 0,1-2 0,6-5 0,-5 6 0,3-4 0,-4 4 0,6-6 0,0 0 0,1 0 0,-1 0 0,0 0 0,0 0 0,0 0 0,-5-6 0,4-2 0,-4-5 0,5-1 0,1 0 0,0 7 0,-7-5 0,5 10 0,-10-10 0,10 11 0,-5-11 0,7 4 0,-2-4 0,2-2 0,-7 2 0,5 5 0,-11-5 0,11 4 0,-10-5 0,10-1 0,-11 0 0,12 1 0,-6-1 0,7 6 0,-7-4 0,5 5 0,-16 5 0,9 10 0,-17 6 0,5 6 0,-7-6 0,0-1 0,1 1 0,-1-1 0,0 1 0,1 0 0,-1-1 0,0 1 0,7 0 0,-5-1 0,10 1 0,-10 0 0,10-1 0,-4 0 0,6 0 0,0 1 0,0 0 0,-13 0 0,10 0 0,-11 0 0,14 0 0,0-1 0,0 1 0,0-1 0,6 0 0,2 0 0,-1 1 0,6-1 0,-6-5 0,6-2 0,0-6 0,0 0 0,0 0 0,1 0 0,-1 0 0,1 0 0,-1 0 0,1 0 0,-1 0 0,1 0 0,7 0 0,2 0 0,0 0 0,5-7 0,-12 6 0,5-12 0,-8 11 0,1-4 0,-1 0 0,1-1 0,-2-6 0,-4-7 0,4 4 0,-11-12 0,11 12 0,-10-12 0,4 5 0,0-7 0,-4 7 0,5 2 0,-7 7 0,0 1 0,0-1 0,0 0 0,0 1 0,-6 6 0,-9-5 0,0 10 0,-6-5 0,7 1 0,1 5 0,-1-5 0,0 6 0,1 0 0,0 0 0,0 0 0,6-6 0,-4 4 0,9-10 0,-9 11 0,4-5 0,-7 0 0,1-2 0,-1-5 0,-7 5 0,12-4 0,-11 4 0,12 1 0,1-5 0,-5 10 0,10-4 0,-4 6 0</inkml:trace>
 </inkml:ink>
 </file>
 
@@ -1630,34 +1518,6 @@
           <inkml:channelProperty channel="F" name="resolution" value="0" units="1/dev"/>
         </inkml:channelProperties>
       </inkml:inkSource>
-      <inkml:timestamp xml:id="ts0" timeString="2022-06-20T16:48:27.210"/>
-    </inkml:context>
-    <inkml:brush xml:id="br0">
-      <inkml:brushProperty name="width" value="0.1" units="cm"/>
-      <inkml:brushProperty name="height" value="0.1" units="cm"/>
-      <inkml:brushProperty name="color" value="#C93431"/>
-    </inkml:brush>
-  </inkml:definitions>
-  <inkml:trace contextRef="#ctx0" brushRef="#br0">384 0 24575,'-13'0'0,"0"0"0,-1 0 0,1 0 0,-8 0 0,-1 0 0,0 0 0,-5 0 0,11 0 0,-17 0 0,10 0 0,-4 6 0,8 1 0,11 7 0,-3-1 0,3 0 0,1 0 0,-5 1 0,4-1 0,1 1 0,-5-7 0,11 5 0,-5-5 0,0 6 0,5 0 0,-11-5 0,10 4 0,-10-5 0,10 7 0,-4-1 0,6 0 0,0 0 0,0 0 0,0 0 0,0 1 0,0-1 0,0 1 0,6-7 0,1-2 0,6-5 0,-5 6 0,3-4 0,-4 4 0,6-6 0,0 0 0,1 0 0,-1 0 0,0 0 0,0 0 0,0 0 0,-5-6 0,4-2 0,-4-5 0,5-1 0,1 0 0,0 7 0,-7-5 0,5 10 0,-10-10 0,10 11 0,-5-11 0,7 4 0,-2-4 0,2-2 0,-7 2 0,5 5 0,-11-5 0,11 4 0,-10-5 0,10-1 0,-11 0 0,12 1 0,-6-1 0,7 6 0,-7-4 0,5 5 0,-16 5 0,9 10 0,-17 6 0,5 6 0,-7-6 0,0-1 0,1 1 0,-1-1 0,0 1 0,1 0 0,-1-1 0,0 1 0,7 0 0,-5-1 0,10 1 0,-10 0 0,10-1 0,-4 0 0,6 0 0,0 1 0,0 0 0,-13 0 0,10 0 0,-11 0 0,14 0 0,0-1 0,0 1 0,0-1 0,6 0 0,2 0 0,-1 1 0,6-1 0,-6-5 0,6-2 0,0-6 0,0 0 0,0 0 0,1 0 0,-1 0 0,1 0 0,-1 0 0,1 0 0,-1 0 0,1 0 0,7 0 0,2 0 0,0 0 0,5-7 0,-12 6 0,5-12 0,-8 11 0,1-4 0,-1 0 0,1-1 0,-2-6 0,-4-7 0,4 4 0,-11-12 0,11 12 0,-10-12 0,4 5 0,0-7 0,-4 7 0,5 2 0,-7 7 0,0 1 0,0-1 0,0 0 0,0 1 0,-6 6 0,-9-5 0,0 10 0,-6-5 0,7 1 0,1 5 0,-1-5 0,0 6 0,1 0 0,0 0 0,0 0 0,6-6 0,-4 4 0,9-10 0,-9 11 0,4-5 0,-7 0 0,1-2 0,-1-5 0,-7 5 0,12-4 0,-11 4 0,12 1 0,1-5 0,-5 10 0,10-4 0,-4 6 0</inkml:trace>
-</inkml:ink>
-</file>
-
-<file path=ppt/ink/ink41.xml><?xml version="1.0" encoding="utf-8"?>
-<inkml:ink xmlns:inkml="http://www.w3.org/2003/InkML">
-  <inkml:definitions>
-    <inkml:context xml:id="ctx0">
-      <inkml:inkSource xml:id="inkSrc0">
-        <inkml:traceFormat>
-          <inkml:channel name="X" type="integer" min="-2.14748E9" max="2.14748E9" units="cm"/>
-          <inkml:channel name="Y" type="integer" min="-2.14748E9" max="2.14748E9" units="cm"/>
-          <inkml:channel name="F" type="integer" max="32767" units="dev"/>
-        </inkml:traceFormat>
-        <inkml:channelProperties>
-          <inkml:channelProperty channel="X" name="resolution" value="1000" units="1/cm"/>
-          <inkml:channelProperty channel="Y" name="resolution" value="1000" units="1/cm"/>
-          <inkml:channelProperty channel="F" name="resolution" value="0" units="1/dev"/>
-        </inkml:channelProperties>
-      </inkml:inkSource>
       <inkml:timestamp xml:id="ts0" timeString="2022-06-20T16:48:46.895"/>
     </inkml:context>
     <inkml:brush xml:id="br0">
@@ -1670,7 +1530,7 @@
 </inkml:ink>
 </file>
 
-<file path=ppt/ink/ink42.xml><?xml version="1.0" encoding="utf-8"?>
+<file path=ppt/ink/ink41.xml><?xml version="1.0" encoding="utf-8"?>
 <inkml:ink xmlns:inkml="http://www.w3.org/2003/InkML">
   <inkml:definitions>
     <inkml:context xml:id="ctx0">
@@ -1698,35 +1558,7 @@
 </inkml:ink>
 </file>
 
-<file path=ppt/ink/ink43.xml><?xml version="1.0" encoding="utf-8"?>
-<inkml:ink xmlns:inkml="http://www.w3.org/2003/InkML">
-  <inkml:definitions>
-    <inkml:context xml:id="ctx0">
-      <inkml:inkSource xml:id="inkSrc0">
-        <inkml:traceFormat>
-          <inkml:channel name="X" type="integer" min="-2.14748E9" max="2.14748E9" units="cm"/>
-          <inkml:channel name="Y" type="integer" min="-2.14748E9" max="2.14748E9" units="cm"/>
-          <inkml:channel name="F" type="integer" max="32767" units="dev"/>
-        </inkml:traceFormat>
-        <inkml:channelProperties>
-          <inkml:channelProperty channel="X" name="resolution" value="1000" units="1/cm"/>
-          <inkml:channelProperty channel="Y" name="resolution" value="1000" units="1/cm"/>
-          <inkml:channelProperty channel="F" name="resolution" value="0" units="1/dev"/>
-        </inkml:channelProperties>
-      </inkml:inkSource>
-      <inkml:timestamp xml:id="ts0" timeString="2022-06-20T16:48:33.748"/>
-    </inkml:context>
-    <inkml:brush xml:id="br0">
-      <inkml:brushProperty name="width" value="0.1" units="cm"/>
-      <inkml:brushProperty name="height" value="0.1" units="cm"/>
-      <inkml:brushProperty name="color" value="#C93431"/>
-    </inkml:brush>
-  </inkml:definitions>
-  <inkml:trace contextRef="#ctx0" brushRef="#br0">1 0 24575,'0'13'0,"0"7"0,0 3 0,0 0 0,0-2 0,0-7 0,0-1 0,0 8 0,0-5 0,0 5 0,0 0 0,0-5 0,0 12 0,0-5 0,0 0 0,0 5 0,0-5 0,6 26 0,-4-22 0,10 18 0,-11-30 0,5 5 0,-6-7 0,6 0 0,-4 0 0,10 1 0,-10 7 0,10 2 0,-10 7 0,12 0 0,-7-7 0,2 5 0,3-5 0,-4 0 0,0-2 0,5 0 0,-11-5 0,11 5 0,-12 0 0,11-6 0,-10 6 0,10-7 0,-11 7 0,5-5 0,1 5 0,-6-8 0,5 1 0,0 0 0,-4-1 0,4-6 0,-6-1 0</inkml:trace>
-</inkml:ink>
-</file>
-
-<file path=ppt/ink/ink44.xml><?xml version="1.0" encoding="utf-8"?>
+<file path=ppt/ink/ink42.xml><?xml version="1.0" encoding="utf-8"?>
 <inkml:ink xmlns:inkml="http://www.w3.org/2003/InkML">
   <inkml:definitions>
     <inkml:context xml:id="ctx0">
@@ -1754,7 +1586,7 @@
 </inkml:ink>
 </file>
 
-<file path=ppt/ink/ink45.xml><?xml version="1.0" encoding="utf-8"?>
+<file path=ppt/ink/ink43.xml><?xml version="1.0" encoding="utf-8"?>
 <inkml:ink xmlns:inkml="http://www.w3.org/2003/InkML">
   <inkml:definitions>
     <inkml:context xml:id="ctx0">
@@ -1781,7 +1613,7 @@
 </inkml:ink>
 </file>
 
-<file path=ppt/ink/ink46.xml><?xml version="1.0" encoding="utf-8"?>
+<file path=ppt/ink/ink44.xml><?xml version="1.0" encoding="utf-8"?>
 <inkml:ink xmlns:inkml="http://www.w3.org/2003/InkML">
   <inkml:definitions>
     <inkml:context xml:id="ctx0">
@@ -1808,7 +1640,7 @@
 </inkml:ink>
 </file>
 
-<file path=ppt/ink/ink47.xml><?xml version="1.0" encoding="utf-8"?>
+<file path=ppt/ink/ink45.xml><?xml version="1.0" encoding="utf-8"?>
 <inkml:ink xmlns:inkml="http://www.w3.org/2003/InkML">
   <inkml:definitions>
     <inkml:context xml:id="ctx0">
@@ -1835,7 +1667,7 @@
 </inkml:ink>
 </file>
 
-<file path=ppt/ink/ink48.xml><?xml version="1.0" encoding="utf-8"?>
+<file path=ppt/ink/ink46.xml><?xml version="1.0" encoding="utf-8"?>
 <inkml:ink xmlns:inkml="http://www.w3.org/2003/InkML">
   <inkml:definitions>
     <inkml:context xml:id="ctx0">
@@ -1863,7 +1695,7 @@
 </inkml:ink>
 </file>
 
-<file path=ppt/ink/ink49.xml><?xml version="1.0" encoding="utf-8"?>
+<file path=ppt/ink/ink47.xml><?xml version="1.0" encoding="utf-8"?>
 <inkml:ink xmlns:inkml="http://www.w3.org/2003/InkML">
   <inkml:definitions>
     <inkml:context xml:id="ctx0">
@@ -1888,6 +1720,62 @@
     </inkml:brush>
   </inkml:definitions>
   <inkml:trace contextRef="#ctx0" brushRef="#br0">1 264 24575,'13'0'0,"7"0"0,3 0 0,0 0 0,14 0 0,-12-6 0,23-4 0,-7-13 0,9 5 0,9-7 0,-6 8 0,16-1 0,-16 2 0,16-2 0,-16 1 0,6 0 0,-9 0 0,0 8 0,-9-5 0,-2 12 0,0-12 0,-14 12 0,12-5 0,-22 7 0,6-6 0,-7 5 0,-1-6 0,-5 7 0,-2 0 0</inkml:trace>
+</inkml:ink>
+</file>
+
+<file path=ppt/ink/ink48.xml><?xml version="1.0" encoding="utf-8"?>
+<inkml:ink xmlns:inkml="http://www.w3.org/2003/InkML">
+  <inkml:definitions>
+    <inkml:context xml:id="ctx0">
+      <inkml:inkSource xml:id="inkSrc0">
+        <inkml:traceFormat>
+          <inkml:channel name="X" type="integer" min="-2.14748E9" max="2.14748E9" units="cm"/>
+          <inkml:channel name="Y" type="integer" min="-2.14748E9" max="2.14748E9" units="cm"/>
+          <inkml:channel name="F" type="integer" max="32767" units="dev"/>
+        </inkml:traceFormat>
+        <inkml:channelProperties>
+          <inkml:channelProperty channel="X" name="resolution" value="1000" units="1/cm"/>
+          <inkml:channelProperty channel="Y" name="resolution" value="1000" units="1/cm"/>
+          <inkml:channelProperty channel="F" name="resolution" value="0" units="1/dev"/>
+        </inkml:channelProperties>
+      </inkml:inkSource>
+      <inkml:timestamp xml:id="ts0" timeString="2022-06-20T17:01:16.247"/>
+    </inkml:context>
+    <inkml:brush xml:id="br0">
+      <inkml:brushProperty name="width" value="0.1" units="cm"/>
+      <inkml:brushProperty name="height" value="0.1" units="cm"/>
+      <inkml:brushProperty name="color" value="#BFBFBF"/>
+    </inkml:brush>
+  </inkml:definitions>
+  <inkml:trace contextRef="#ctx0" brushRef="#br0">1 0 24575,'28'29'0,"9"-3"0,18 26 0,-18-25 0,25 36 0,-12-2-1067,9 9 1067,-18-20 0,-1 0 0,9 18 0,-15-24 0,0 1 0,23 31 0,-21-31 0,0 0 0,23 23 0,-21-24 0,0-1 0,9 12 261,18 10-261,-21-22 0,-10-2 0,-6-17 0,-11-3 0,4-7 806,0 1-806,-6-2 0,6-4 0,0 3 0,-5-4 0,5 0 0,-8 5 0,1-12 0,0 11 0,-1-4 0,1-1 0,0-1 0,-1-6 0,-5 7 0,4-6 0,-5 11 0,14-4 0,-5 6 0,12 1 0,-5 0 0,7 0 0,-7-1 0,5 1 0,-11 6 0,4-4 0,0 4 0,2 0 0,0-4 0,6 4 0,-13 1 0,12-6 0,-4 13 0,-1-6 0,6 8 0,-12-1 0,5 0 0,-1 0 0,-4-7 0,4 6 0,-7-14 0,1 14 0,-1-14 0,0 6 0,0-7 0,-1-1 0,1 1 0,-6 0 0,4-1 0,-11 1 0,11-6 0,-10 3 0,10-9 0,-11 10 0,11-5 0,-5 7 0,7 0 0,-6-1 0,4 1 0,-5 0 0,7-1 0,-6 1 0,4-6 0,-11 4 0,11-11 0,-5 5 0,5-6 0,-5 6 0,5-5 0,-5 11 0,6-5 0,-1 5 0,1 1 0,-6-11 0,-1-4 0,-6-17 0,0 5 0,0-14 0,0 6 0,0-9 0,0 1 0,0-9 0,0 7 0,0-7 0,0 0 0,0 6 0,0 2 0,0 3 0,0 12 0,0-5 0,0 8 0,0 0 0,0-6 0,0 5 0,0-13 0,0 4 0,0 1 0,0-7 0,0 14 0,0-6 0,0 0 0,0-2 0,0 0 0,0-6 0,0 14 0,0-6 0,0 7 0,0 1 0,0-1 0,0 1 0,0 1 0,0-1 0,6 5 0,-5-3 0,5 4 0,-6-6 0,0 0 0,0-1 0,0 0 0,7-5 0,0 3 0,1-11 0,-2 12 0,0-6 0,-5 7 0,6 1 0,-2 6 0,-4 2 0,5 5 0</inkml:trace>
+</inkml:ink>
+</file>
+
+<file path=ppt/ink/ink49.xml><?xml version="1.0" encoding="utf-8"?>
+<inkml:ink xmlns:inkml="http://www.w3.org/2003/InkML">
+  <inkml:definitions>
+    <inkml:context xml:id="ctx0">
+      <inkml:inkSource xml:id="inkSrc0">
+        <inkml:traceFormat>
+          <inkml:channel name="X" type="integer" min="-2.14748E9" max="2.14748E9" units="cm"/>
+          <inkml:channel name="Y" type="integer" min="-2.14748E9" max="2.14748E9" units="cm"/>
+          <inkml:channel name="F" type="integer" max="32767" units="dev"/>
+        </inkml:traceFormat>
+        <inkml:channelProperties>
+          <inkml:channelProperty channel="X" name="resolution" value="1000" units="1/cm"/>
+          <inkml:channelProperty channel="Y" name="resolution" value="1000" units="1/cm"/>
+          <inkml:channelProperty channel="F" name="resolution" value="0" units="1/dev"/>
+        </inkml:channelProperties>
+      </inkml:inkSource>
+      <inkml:timestamp xml:id="ts0" timeString="2022-06-20T17:01:16.248"/>
+    </inkml:context>
+    <inkml:brush xml:id="br0">
+      <inkml:brushProperty name="width" value="0.1" units="cm"/>
+      <inkml:brushProperty name="height" value="0.1" units="cm"/>
+      <inkml:brushProperty name="color" value="#BFBFBF"/>
+    </inkml:brush>
+  </inkml:definitions>
+  <inkml:trace contextRef="#ctx0" brushRef="#br0">1119 1 24575,'-20'0'0,"-2"0"0,-17 0 0,-2 0 0,-9 0 0,-10 0 0,-13 0 0,-2 0 0,-9 0 0,22 0 0,-19 0 0,34 0 0,-21 0 0,35 0 0,-6 0 0,17 0 0,-6 0 0,14 0 0,-5 0 0,6 0 0,0 0 0,-8 0 0,5 0 0,-12 0 0,5 0 0,0 0 0,-5 0 0,12 0 0,-5 0 0,7 6 0,1-5 0,6 5 0,1-6 0</inkml:trace>
 </inkml:ink>
 </file>
 
@@ -1934,62 +1822,6 @@
           <inkml:channelProperty channel="F" name="resolution" value="0" units="1/dev"/>
         </inkml:channelProperties>
       </inkml:inkSource>
-      <inkml:timestamp xml:id="ts0" timeString="2022-06-20T17:01:16.247"/>
-    </inkml:context>
-    <inkml:brush xml:id="br0">
-      <inkml:brushProperty name="width" value="0.1" units="cm"/>
-      <inkml:brushProperty name="height" value="0.1" units="cm"/>
-      <inkml:brushProperty name="color" value="#BFBFBF"/>
-    </inkml:brush>
-  </inkml:definitions>
-  <inkml:trace contextRef="#ctx0" brushRef="#br0">1 0 24575,'28'29'0,"9"-3"0,18 26 0,-18-25 0,25 36 0,-12-2-1067,9 9 1067,-18-20 0,-1 0 0,9 18 0,-15-24 0,0 1 0,23 31 0,-21-31 0,0 0 0,23 23 0,-21-24 0,0-1 0,9 12 261,18 10-261,-21-22 0,-10-2 0,-6-17 0,-11-3 0,4-7 806,0 1-806,-6-2 0,6-4 0,0 3 0,-5-4 0,5 0 0,-8 5 0,1-12 0,0 11 0,-1-4 0,1-1 0,0-1 0,-1-6 0,-5 7 0,4-6 0,-5 11 0,14-4 0,-5 6 0,12 1 0,-5 0 0,7 0 0,-7-1 0,5 1 0,-11 6 0,4-4 0,0 4 0,2 0 0,0-4 0,6 4 0,-13 1 0,12-6 0,-4 13 0,-1-6 0,6 8 0,-12-1 0,5 0 0,-1 0 0,-4-7 0,4 6 0,-7-14 0,1 14 0,-1-14 0,0 6 0,0-7 0,-1-1 0,1 1 0,-6 0 0,4-1 0,-11 1 0,11-6 0,-10 3 0,10-9 0,-11 10 0,11-5 0,-5 7 0,7 0 0,-6-1 0,4 1 0,-5 0 0,7-1 0,-6 1 0,4-6 0,-11 4 0,11-11 0,-5 5 0,5-6 0,-5 6 0,5-5 0,-5 11 0,6-5 0,-1 5 0,1 1 0,-6-11 0,-1-4 0,-6-17 0,0 5 0,0-14 0,0 6 0,0-9 0,0 1 0,0-9 0,0 7 0,0-7 0,0 0 0,0 6 0,0 2 0,0 3 0,0 12 0,0-5 0,0 8 0,0 0 0,0-6 0,0 5 0,0-13 0,0 4 0,0 1 0,0-7 0,0 14 0,0-6 0,0 0 0,0-2 0,0 0 0,0-6 0,0 14 0,0-6 0,0 7 0,0 1 0,0-1 0,0 1 0,0 1 0,0-1 0,6 5 0,-5-3 0,5 4 0,-6-6 0,0 0 0,0-1 0,0 0 0,7-5 0,0 3 0,1-11 0,-2 12 0,0-6 0,-5 7 0,6 1 0,-2 6 0,-4 2 0,5 5 0</inkml:trace>
-</inkml:ink>
-</file>
-
-<file path=ppt/ink/ink51.xml><?xml version="1.0" encoding="utf-8"?>
-<inkml:ink xmlns:inkml="http://www.w3.org/2003/InkML">
-  <inkml:definitions>
-    <inkml:context xml:id="ctx0">
-      <inkml:inkSource xml:id="inkSrc0">
-        <inkml:traceFormat>
-          <inkml:channel name="X" type="integer" min="-2.14748E9" max="2.14748E9" units="cm"/>
-          <inkml:channel name="Y" type="integer" min="-2.14748E9" max="2.14748E9" units="cm"/>
-          <inkml:channel name="F" type="integer" max="32767" units="dev"/>
-        </inkml:traceFormat>
-        <inkml:channelProperties>
-          <inkml:channelProperty channel="X" name="resolution" value="1000" units="1/cm"/>
-          <inkml:channelProperty channel="Y" name="resolution" value="1000" units="1/cm"/>
-          <inkml:channelProperty channel="F" name="resolution" value="0" units="1/dev"/>
-        </inkml:channelProperties>
-      </inkml:inkSource>
-      <inkml:timestamp xml:id="ts0" timeString="2022-06-20T17:01:16.248"/>
-    </inkml:context>
-    <inkml:brush xml:id="br0">
-      <inkml:brushProperty name="width" value="0.1" units="cm"/>
-      <inkml:brushProperty name="height" value="0.1" units="cm"/>
-      <inkml:brushProperty name="color" value="#BFBFBF"/>
-    </inkml:brush>
-  </inkml:definitions>
-  <inkml:trace contextRef="#ctx0" brushRef="#br0">1119 1 24575,'-20'0'0,"-2"0"0,-17 0 0,-2 0 0,-9 0 0,-10 0 0,-13 0 0,-2 0 0,-9 0 0,22 0 0,-19 0 0,34 0 0,-21 0 0,35 0 0,-6 0 0,17 0 0,-6 0 0,14 0 0,-5 0 0,6 0 0,0 0 0,-8 0 0,5 0 0,-12 0 0,5 0 0,0 0 0,-5 0 0,12 0 0,-5 0 0,7 6 0,1-5 0,6 5 0,1-6 0</inkml:trace>
-</inkml:ink>
-</file>
-
-<file path=ppt/ink/ink52.xml><?xml version="1.0" encoding="utf-8"?>
-<inkml:ink xmlns:inkml="http://www.w3.org/2003/InkML">
-  <inkml:definitions>
-    <inkml:context xml:id="ctx0">
-      <inkml:inkSource xml:id="inkSrc0">
-        <inkml:traceFormat>
-          <inkml:channel name="X" type="integer" min="-2.14748E9" max="2.14748E9" units="cm"/>
-          <inkml:channel name="Y" type="integer" min="-2.14748E9" max="2.14748E9" units="cm"/>
-          <inkml:channel name="F" type="integer" max="32767" units="dev"/>
-        </inkml:traceFormat>
-        <inkml:channelProperties>
-          <inkml:channelProperty channel="X" name="resolution" value="1000" units="1/cm"/>
-          <inkml:channelProperty channel="Y" name="resolution" value="1000" units="1/cm"/>
-          <inkml:channelProperty channel="F" name="resolution" value="0" units="1/dev"/>
-        </inkml:channelProperties>
-      </inkml:inkSource>
       <inkml:timestamp xml:id="ts0" timeString="2022-06-20T17:01:31.521"/>
     </inkml:context>
     <inkml:brush xml:id="br0">
@@ -2001,7 +1833,7 @@
 </inkml:ink>
 </file>
 
-<file path=ppt/ink/ink53.xml><?xml version="1.0" encoding="utf-8"?>
+<file path=ppt/ink/ink51.xml><?xml version="1.0" encoding="utf-8"?>
 <inkml:ink xmlns:inkml="http://www.w3.org/2003/InkML">
   <inkml:definitions>
     <inkml:context xml:id="ctx0">
@@ -2029,7 +1861,7 @@
 </inkml:ink>
 </file>
 
-<file path=ppt/ink/ink54.xml><?xml version="1.0" encoding="utf-8"?>
+<file path=ppt/ink/ink52.xml><?xml version="1.0" encoding="utf-8"?>
 <inkml:ink xmlns:inkml="http://www.w3.org/2003/InkML">
   <inkml:definitions>
     <inkml:context xml:id="ctx0">
@@ -2057,7 +1889,7 @@
 </inkml:ink>
 </file>
 
-<file path=ppt/ink/ink55.xml><?xml version="1.0" encoding="utf-8"?>
+<file path=ppt/ink/ink53.xml><?xml version="1.0" encoding="utf-8"?>
 <inkml:ink xmlns:inkml="http://www.w3.org/2003/InkML">
   <inkml:definitions>
     <inkml:context xml:id="ctx0">
@@ -2085,7 +1917,7 @@
 </inkml:ink>
 </file>
 
-<file path=ppt/ink/ink56.xml><?xml version="1.0" encoding="utf-8"?>
+<file path=ppt/ink/ink54.xml><?xml version="1.0" encoding="utf-8"?>
 <inkml:ink xmlns:inkml="http://www.w3.org/2003/InkML">
   <inkml:definitions>
     <inkml:context xml:id="ctx0">
@@ -2113,7 +1945,7 @@
 </inkml:ink>
 </file>
 
-<file path=ppt/ink/ink57.xml><?xml version="1.0" encoding="utf-8"?>
+<file path=ppt/ink/ink55.xml><?xml version="1.0" encoding="utf-8"?>
 <inkml:ink xmlns:inkml="http://www.w3.org/2003/InkML">
   <inkml:definitions>
     <inkml:context xml:id="ctx0">
@@ -2141,7 +1973,7 @@
 </inkml:ink>
 </file>
 
-<file path=ppt/ink/ink58.xml><?xml version="1.0" encoding="utf-8"?>
+<file path=ppt/ink/ink56.xml><?xml version="1.0" encoding="utf-8"?>
 <inkml:ink xmlns:inkml="http://www.w3.org/2003/InkML">
   <inkml:definitions>
     <inkml:context xml:id="ctx0">
@@ -2169,7 +2001,7 @@
 </inkml:ink>
 </file>
 
-<file path=ppt/ink/ink59.xml><?xml version="1.0" encoding="utf-8"?>
+<file path=ppt/ink/ink57.xml><?xml version="1.0" encoding="utf-8"?>
 <inkml:ink xmlns:inkml="http://www.w3.org/2003/InkML">
   <inkml:definitions>
     <inkml:context xml:id="ctx0">
@@ -2194,6 +2026,62 @@
     </inkml:brush>
   </inkml:definitions>
   <inkml:trace contextRef="#ctx0" brushRef="#br0">1 125 24575,'0'-20'0,"0"6"0,0-5 0,3 13 0,3-3 0,-1 5 0,3 3 0,-3-8 0,5 4 0,-1 0 0,-4-3 0,4 7 0,-4-4 0,0 1 0,4 3 0,-4-3 0,4 4 0,0 0 0,1 0 0,-5-5 0,4 4 0,-4-3 0,4 4 0,1 0 0,-2 0 0,7 0 0,1 0 0,0 0 0,4 0 0,-9 0 0,4 0 0,-6 0 0,1 0 0,-1 0 0,0 0 0,0 0 0,1 0 0,-1 0 0,1 0 0,-1 4 0,1-3 0,-1 4 0,1-1 0,-1 1 0,0 0 0,0 3 0,1-7 0,0 8 0,-1-4 0,1 0 0,-1 4 0,1-4 0,0 1 0,-5 2 0,4-7 0,-8 8 0,7-8 0,-7 8 0,3-4 0,0 4 0,-3 1 0,8-1 0,-3 6 0,-1-4 0,5 9 0,-9-4 0,8 0 0,-8 4 0,3-9 0,-4 4 0,0 0 0,0-4 0,0 4 0,0-6 0,0 0 0,0 0 0,0 0 0,-4 0 0,-1-4 0,-4-1 0,0-4 0,0 0 0,-1 0 0,1 0 0,0 0 0,0 0 0,-4 0 0,2 0 0,-7 0 0,2 0 0,-6 0 0,6-4 0,-4 3 0,9-3 0,-4-1 0,6 4 0,-1-3 0,5 0 0,-4 3 0,4-4 0,-3 5 0,-7-4 0,-1-2 0,-5-5 0,0 0 0,-1 1 0,1-1 0,5 1 0,-4 4 0,9-3 0,-4 8 0,10-7 0,-4 7 0,4-4 0,-4 5 0,0 0 0,0 0 0,0 0 0,0 0 0,-1 0 0,5-3 0,-3 2 0,7-3 0,-2 4 0</inkml:trace>
+</inkml:ink>
+</file>
+
+<file path=ppt/ink/ink58.xml><?xml version="1.0" encoding="utf-8"?>
+<inkml:ink xmlns:inkml="http://www.w3.org/2003/InkML">
+  <inkml:definitions>
+    <inkml:context xml:id="ctx0">
+      <inkml:inkSource xml:id="inkSrc0">
+        <inkml:traceFormat>
+          <inkml:channel name="X" type="integer" min="-2.14748E9" max="2.14748E9" units="cm"/>
+          <inkml:channel name="Y" type="integer" min="-2.14748E9" max="2.14748E9" units="cm"/>
+          <inkml:channel name="F" type="integer" max="32767" units="dev"/>
+        </inkml:traceFormat>
+        <inkml:channelProperties>
+          <inkml:channelProperty channel="X" name="resolution" value="1000" units="1/cm"/>
+          <inkml:channelProperty channel="Y" name="resolution" value="1000" units="1/cm"/>
+          <inkml:channelProperty channel="F" name="resolution" value="0" units="1/dev"/>
+        </inkml:channelProperties>
+      </inkml:inkSource>
+      <inkml:timestamp xml:id="ts0" timeString="2022-06-20T16:48:23.160"/>
+    </inkml:context>
+    <inkml:brush xml:id="br0">
+      <inkml:brushProperty name="width" value="0.1" units="cm"/>
+      <inkml:brushProperty name="height" value="0.1" units="cm"/>
+      <inkml:brushProperty name="color" value="#C93431"/>
+    </inkml:brush>
+  </inkml:definitions>
+  <inkml:trace contextRef="#ctx0" brushRef="#br0">1 471 24575,'19'0'0,"-1"0"0,-4 0 0,-1 0 0,1 0 0,12-7 0,-15 0 0,22-1 0,-23-12 0,11 11 0,9-14 0,-11 2 0,11 10 0,0-10 0,-12 6 0,20-2 0,-15-5 0,1 0 0,4 12 0,-4-10 0,6 11 0,-13-5 0,2 6 0,-10-12 0,4 17 0,1-11 0,-1 9 0,1-3 0,-1 1 0,-6-5 0,5 5 0,-4-1 0,-1-4 0,4 10 0,-4-4 0,7-7 0,-1 3 0,9-11 0,-6-1 0,5 12 0,-6-9 0,-2 17 0,-5-4 0,-2 6 0</inkml:trace>
+</inkml:ink>
+</file>
+
+<file path=ppt/ink/ink59.xml><?xml version="1.0" encoding="utf-8"?>
+<inkml:ink xmlns:inkml="http://www.w3.org/2003/InkML">
+  <inkml:definitions>
+    <inkml:context xml:id="ctx0">
+      <inkml:inkSource xml:id="inkSrc0">
+        <inkml:traceFormat>
+          <inkml:channel name="X" type="integer" min="-2.14748E9" max="2.14748E9" units="cm"/>
+          <inkml:channel name="Y" type="integer" min="-2.14748E9" max="2.14748E9" units="cm"/>
+          <inkml:channel name="F" type="integer" max="32767" units="dev"/>
+        </inkml:traceFormat>
+        <inkml:channelProperties>
+          <inkml:channelProperty channel="X" name="resolution" value="1000" units="1/cm"/>
+          <inkml:channelProperty channel="Y" name="resolution" value="1000" units="1/cm"/>
+          <inkml:channelProperty channel="F" name="resolution" value="0" units="1/dev"/>
+        </inkml:channelProperties>
+      </inkml:inkSource>
+      <inkml:timestamp xml:id="ts0" timeString="2022-06-20T16:48:33.748"/>
+    </inkml:context>
+    <inkml:brush xml:id="br0">
+      <inkml:brushProperty name="width" value="0.1" units="cm"/>
+      <inkml:brushProperty name="height" value="0.1" units="cm"/>
+      <inkml:brushProperty name="color" value="#C93431"/>
+    </inkml:brush>
+  </inkml:definitions>
+  <inkml:trace contextRef="#ctx0" brushRef="#br0">1 0 24575,'0'13'0,"0"7"0,0 3 0,0 0 0,0-2 0,0-7 0,0-1 0,0 8 0,0-5 0,0 5 0,0 0 0,0-5 0,0 12 0,0-5 0,0 0 0,0 5 0,0-5 0,6 26 0,-4-22 0,10 18 0,-11-30 0,5 5 0,-6-7 0,6 0 0,-4 0 0,10 1 0,-10 7 0,10 2 0,-10 7 0,12 0 0,-7-7 0,2 5 0,3-5 0,-4 0 0,0-2 0,5 0 0,-11-5 0,11 5 0,-12 0 0,11-6 0,-10 6 0,10-7 0,-11 7 0,5-5 0,1 5 0,-6-8 0,5 1 0,0 0 0,-4-1 0,4-6 0,-6-1 0</inkml:trace>
 </inkml:ink>
 </file>
 
@@ -2240,6 +2128,62 @@
           <inkml:channelProperty channel="F" name="resolution" value="0" units="1/dev"/>
         </inkml:channelProperties>
       </inkml:inkSource>
+      <inkml:timestamp xml:id="ts0" timeString="2022-06-20T16:56:14.082"/>
+    </inkml:context>
+    <inkml:brush xml:id="br0">
+      <inkml:brushProperty name="width" value="0.1" units="cm"/>
+      <inkml:brushProperty name="height" value="0.1" units="cm"/>
+      <inkml:brushProperty name="color" value="#C93431"/>
+    </inkml:brush>
+  </inkml:definitions>
+  <inkml:trace contextRef="#ctx0" brushRef="#br0">1 471 24575,'19'0'0,"-1"0"0,-4 0 0,-1 0 0,1 0 0,12-7 0,-15 0 0,22-1 0,-23-12 0,11 11 0,9-14 0,-11 2 0,11 10 0,0-10 0,-12 6 0,20-2 0,-15-5 0,1 0 0,4 12 0,-4-10 0,6 11 0,-13-5 0,2 6 0,-10-12 0,4 17 0,1-11 0,-1 9 0,1-3 0,-1 1 0,-6-5 0,5 5 0,-4-1 0,-1-4 0,4 10 0,-4-4 0,7-7 0,-1 3 0,9-11 0,-6-1 0,5 12 0,-6-9 0,-2 17 0,-5-4 0,-2 6 0</inkml:trace>
+</inkml:ink>
+</file>
+
+<file path=ppt/ink/ink61.xml><?xml version="1.0" encoding="utf-8"?>
+<inkml:ink xmlns:inkml="http://www.w3.org/2003/InkML">
+  <inkml:definitions>
+    <inkml:context xml:id="ctx0">
+      <inkml:inkSource xml:id="inkSrc0">
+        <inkml:traceFormat>
+          <inkml:channel name="X" type="integer" min="-2.14748E9" max="2.14748E9" units="cm"/>
+          <inkml:channel name="Y" type="integer" min="-2.14748E9" max="2.14748E9" units="cm"/>
+          <inkml:channel name="F" type="integer" max="32767" units="dev"/>
+        </inkml:traceFormat>
+        <inkml:channelProperties>
+          <inkml:channelProperty channel="X" name="resolution" value="1000" units="1/cm"/>
+          <inkml:channelProperty channel="Y" name="resolution" value="1000" units="1/cm"/>
+          <inkml:channelProperty channel="F" name="resolution" value="0" units="1/dev"/>
+        </inkml:channelProperties>
+      </inkml:inkSource>
+      <inkml:timestamp xml:id="ts0" timeString="2022-06-20T16:56:06.941"/>
+    </inkml:context>
+    <inkml:brush xml:id="br0">
+      <inkml:brushProperty name="width" value="0.1" units="cm"/>
+      <inkml:brushProperty name="height" value="0.1" units="cm"/>
+      <inkml:brushProperty name="color" value="#C93431"/>
+    </inkml:brush>
+  </inkml:definitions>
+  <inkml:trace contextRef="#ctx0" brushRef="#br0">1 0 24575,'0'13'0,"0"7"0,0 3 0,0 0 0,0-2 0,0-7 0,0-1 0,0 8 0,0-5 0,0 5 0,0 0 0,0-5 0,0 12 0,0-5 0,0 0 0,0 5 0,0-5 0,6 26 0,-4-22 0,10 18 0,-11-30 0,5 5 0,-6-7 0,6 0 0,-4 0 0,10 1 0,-10 7 0,10 2 0,-10 7 0,12 0 0,-7-7 0,2 5 0,3-5 0,-4 0 0,0-2 0,5 0 0,-11-5 0,11 5 0,-12 0 0,11-6 0,-10 6 0,10-7 0,-11 7 0,5-5 0,1 5 0,-6-8 0,5 1 0,0 0 0,-4-1 0,4-6 0,-6-1 0</inkml:trace>
+</inkml:ink>
+</file>
+
+<file path=ppt/ink/ink62.xml><?xml version="1.0" encoding="utf-8"?>
+<inkml:ink xmlns:inkml="http://www.w3.org/2003/InkML">
+  <inkml:definitions>
+    <inkml:context xml:id="ctx0">
+      <inkml:inkSource xml:id="inkSrc0">
+        <inkml:traceFormat>
+          <inkml:channel name="X" type="integer" min="-2.14748E9" max="2.14748E9" units="cm"/>
+          <inkml:channel name="Y" type="integer" min="-2.14748E9" max="2.14748E9" units="cm"/>
+          <inkml:channel name="F" type="integer" max="32767" units="dev"/>
+        </inkml:traceFormat>
+        <inkml:channelProperties>
+          <inkml:channelProperty channel="X" name="resolution" value="1000" units="1/cm"/>
+          <inkml:channelProperty channel="Y" name="resolution" value="1000" units="1/cm"/>
+          <inkml:channelProperty channel="F" name="resolution" value="0" units="1/dev"/>
+        </inkml:channelProperties>
+      </inkml:inkSource>
       <inkml:timestamp xml:id="ts0" timeString="2022-06-20T16:35:15.585"/>
     </inkml:context>
     <inkml:brush xml:id="br0">
@@ -2251,7 +2195,7 @@
 </inkml:ink>
 </file>
 
-<file path=ppt/ink/ink61.xml><?xml version="1.0" encoding="utf-8"?>
+<file path=ppt/ink/ink63.xml><?xml version="1.0" encoding="utf-8"?>
 <inkml:ink xmlns:inkml="http://www.w3.org/2003/InkML">
   <inkml:definitions>
     <inkml:context xml:id="ctx0">
@@ -2278,7 +2222,7 @@
 </inkml:ink>
 </file>
 
-<file path=ppt/ink/ink62.xml><?xml version="1.0" encoding="utf-8"?>
+<file path=ppt/ink/ink64.xml><?xml version="1.0" encoding="utf-8"?>
 <inkml:ink xmlns:inkml="http://www.w3.org/2003/InkML">
   <inkml:definitions>
     <inkml:context xml:id="ctx0">
@@ -2305,7 +2249,7 @@
 </inkml:ink>
 </file>
 
-<file path=ppt/ink/ink63.xml><?xml version="1.0" encoding="utf-8"?>
+<file path=ppt/ink/ink65.xml><?xml version="1.0" encoding="utf-8"?>
 <inkml:ink xmlns:inkml="http://www.w3.org/2003/InkML">
   <inkml:definitions>
     <inkml:context xml:id="ctx0">
@@ -2333,7 +2277,7 @@
 </inkml:ink>
 </file>
 
-<file path=ppt/ink/ink64.xml><?xml version="1.0" encoding="utf-8"?>
+<file path=ppt/ink/ink66.xml><?xml version="1.0" encoding="utf-8"?>
 <inkml:ink xmlns:inkml="http://www.w3.org/2003/InkML">
   <inkml:definitions>
     <inkml:context xml:id="ctx0">
@@ -2361,7 +2305,7 @@
 </inkml:ink>
 </file>
 
-<file path=ppt/ink/ink65.xml><?xml version="1.0" encoding="utf-8"?>
+<file path=ppt/ink/ink67.xml><?xml version="1.0" encoding="utf-8"?>
 <inkml:ink xmlns:inkml="http://www.w3.org/2003/InkML">
   <inkml:definitions>
     <inkml:context xml:id="ctx0">
@@ -2389,7 +2333,7 @@
 </inkml:ink>
 </file>
 
-<file path=ppt/ink/ink66.xml><?xml version="1.0" encoding="utf-8"?>
+<file path=ppt/ink/ink68.xml><?xml version="1.0" encoding="utf-8"?>
 <inkml:ink xmlns:inkml="http://www.w3.org/2003/InkML">
   <inkml:definitions>
     <inkml:context xml:id="ctx0">
@@ -2417,7 +2361,7 @@
 </inkml:ink>
 </file>
 
-<file path=ppt/ink/ink67.xml><?xml version="1.0" encoding="utf-8"?>
+<file path=ppt/ink/ink69.xml><?xml version="1.0" encoding="utf-8"?>
 <inkml:ink xmlns:inkml="http://www.w3.org/2003/InkML">
   <inkml:definitions>
     <inkml:context xml:id="ctx0">
@@ -2441,62 +2385,6 @@
     </inkml:brush>
   </inkml:definitions>
   <inkml:trace contextRef="#ctx0" brushRef="#br0">1 402 24575,'59'0'0,"14"0"0,14 0-1312,-27 0 1,4 0 1311,-1 0 0,4 0-768,18 0 0,3 0 768,-10 0 0,5 0 0,0 0 0,7 0 0,-6 0 0,6 0 0,-1 0-399,-9 0 1,4 0 0,-5 0 398,1 0 0,-3 0 0,1 0 0,1 0-730,7 0 1,1 0 729,-5 0 0,-3 0 19,-11 0 1,-1 0-20,8 0 0,-2 0 0,-20 0 0,-1 0 0,18 0 0,0 0 0,-5 0 0,-4 0 0,-9 0 0,-1 0 1468,45 0-1468,-34 0 0,-2-7 2155,-13 5-2155,-14-5 1850,-6 7-1850,-13 0 1301,-1 0-1301,8 0 0,2-7 0,16 5 0,-7-4 0,16 6 0,-15-7 0,5 5 0,-7-4 0,-8 6 0,-2 0 0,-8 0 0,1 0 0,0 0 0,7-7 0,1 5 0,50-13 0,-13 13 0,25-13 0,-14 13 0,-18-5 0,7-1 0,1 7 0,-17-7 0,15 8 0,-26 0 0,16 0 0,-16 0 0,16 0 0,-7 0 0,9 0 0,-9 0 0,6 0 0,-14 0 0,-2 0 0,-2 0 0,-14 0 0,6 0 0,-7 0 0,-1 0 0,1 0 0,-1 0 0,8 0 0,2 0 0,16 0 0,2 0 0,0 0 0,-2 0 0,-9 0 0,0 0 0,-7 0 0,-2 0 0,-7 0 0,-1 0 0,1 0 0,15 0 0,5 0 0,16 0 0,-1 0 0,1 0 0,0 0 0,0 0 0,-9 0 0,-2 0 0,-16 0 0,-2 0 0,-8 0 0,1 0 0,0 0 0,7 0 0,2 0 0,7 0 0,0 0 0,0 0 0,1 0 0,-9 0 0,-1 0 0,-7 0 0,0 6 0,-1-4 0,0 4 0,0-6 0,0 0 0,0 0 0,1 0 0,0 0 0,-1 6 0,1-4 0,-6 9 0,-2-15 0,-6 3 0,-6-12 0,-2 0 0,-6-1 0,-7 0 0,-1-1 0,-2-7 0,-5 6 0,6-13 0,-1 6 0,3 0 0,0 1 0,5 8 0,1 0 0,3 0 0,5 7 0,0-5 0,-10 11 0,8-5 0,-10-8 0,5 11 0,0-10 0,0 13 0,7-7 0,-5 6 0,16-5 0,3 6 0,7 0 0,6 0 0,-7 6 0,1 1 0,0 7 0,-1 0 0,8 0 0,-5 0 0,5 0 0,-8 0 0,1 0 0,7 0 0,-5 0 0,5 0 0,-8 0 0,1-1 0,7 2 0,-6-2 0,7 2 0,-9-2 0,1 1 0,-1 0 0,-5-1 0,4-5 0,-5 4 0,6-5 0,0 0 0,-6 4 0,5-9 0,-5 4 0,0 0 0,-7 0 0,-1 7 0,-11 0 0,5 1 0,-7 0 0,1-1 0,-8 2 0,-2-1 0,-8 8 0,1 2 0,-9 0 0,7 4 0,-7-3 0,0 6 0,7-7 0,-16 7 0,16-7 0,-7 1 0,15 3 0,-5-4 0,6 0 0,-1 4 0,3-4 0,-1-1 0,12-2 0,-10-6 0,19-2 0,-12 1 0,12-1 0,-11-5 0,11-2 0,-4-6 0</inkml:trace>
-</inkml:ink>
-</file>
-
-<file path=ppt/ink/ink68.xml><?xml version="1.0" encoding="utf-8"?>
-<inkml:ink xmlns:inkml="http://www.w3.org/2003/InkML">
-  <inkml:definitions>
-    <inkml:context xml:id="ctx0">
-      <inkml:inkSource xml:id="inkSrc0">
-        <inkml:traceFormat>
-          <inkml:channel name="X" type="integer" min="-2.14748E9" max="2.14748E9" units="cm"/>
-          <inkml:channel name="Y" type="integer" min="-2.14748E9" max="2.14748E9" units="cm"/>
-          <inkml:channel name="F" type="integer" max="32767" units="dev"/>
-        </inkml:traceFormat>
-        <inkml:channelProperties>
-          <inkml:channelProperty channel="X" name="resolution" value="1000" units="1/cm"/>
-          <inkml:channelProperty channel="Y" name="resolution" value="1000" units="1/cm"/>
-          <inkml:channelProperty channel="F" name="resolution" value="0" units="1/dev"/>
-        </inkml:channelProperties>
-      </inkml:inkSource>
-      <inkml:timestamp xml:id="ts0" timeString="2022-06-20T16:48:06.939"/>
-    </inkml:context>
-    <inkml:brush xml:id="br0">
-      <inkml:brushProperty name="width" value="0.1" units="cm"/>
-      <inkml:brushProperty name="height" value="0.1" units="cm"/>
-      <inkml:brushProperty name="color" value="#A9A9A9"/>
-    </inkml:brush>
-  </inkml:definitions>
-  <inkml:trace contextRef="#ctx0" brushRef="#br0">0 0 24575,'0'0'0</inkml:trace>
-</inkml:ink>
-</file>
-
-<file path=ppt/ink/ink69.xml><?xml version="1.0" encoding="utf-8"?>
-<inkml:ink xmlns:inkml="http://www.w3.org/2003/InkML">
-  <inkml:definitions>
-    <inkml:context xml:id="ctx0">
-      <inkml:inkSource xml:id="inkSrc0">
-        <inkml:traceFormat>
-          <inkml:channel name="X" type="integer" min="-2.14748E9" max="2.14748E9" units="cm"/>
-          <inkml:channel name="Y" type="integer" min="-2.14748E9" max="2.14748E9" units="cm"/>
-          <inkml:channel name="F" type="integer" max="32767" units="dev"/>
-        </inkml:traceFormat>
-        <inkml:channelProperties>
-          <inkml:channelProperty channel="X" name="resolution" value="1000" units="1/cm"/>
-          <inkml:channelProperty channel="Y" name="resolution" value="1000" units="1/cm"/>
-          <inkml:channelProperty channel="F" name="resolution" value="0" units="1/dev"/>
-        </inkml:channelProperties>
-      </inkml:inkSource>
-      <inkml:timestamp xml:id="ts0" timeString="2022-06-20T16:48:07.018"/>
-    </inkml:context>
-    <inkml:brush xml:id="br0">
-      <inkml:brushProperty name="width" value="0.1" units="cm"/>
-      <inkml:brushProperty name="height" value="0.1" units="cm"/>
-      <inkml:brushProperty name="color" value="#A9A9A9"/>
-    </inkml:brush>
-  </inkml:definitions>
-  <inkml:trace contextRef="#ctx0" brushRef="#br0">0 0 24575,'0'0'0</inkml:trace>
 </inkml:ink>
 </file>
 
@@ -2571,34 +2459,6 @@
           <inkml:channelProperty channel="F" name="resolution" value="0" units="1/dev"/>
         </inkml:channelProperties>
       </inkml:inkSource>
-      <inkml:timestamp xml:id="ts0" timeString="2022-06-20T16:48:23.160"/>
-    </inkml:context>
-    <inkml:brush xml:id="br0">
-      <inkml:brushProperty name="width" value="0.1" units="cm"/>
-      <inkml:brushProperty name="height" value="0.1" units="cm"/>
-      <inkml:brushProperty name="color" value="#C93431"/>
-    </inkml:brush>
-  </inkml:definitions>
-  <inkml:trace contextRef="#ctx0" brushRef="#br0">1 471 24575,'19'0'0,"-1"0"0,-4 0 0,-1 0 0,1 0 0,12-7 0,-15 0 0,22-1 0,-23-12 0,11 11 0,9-14 0,-11 2 0,11 10 0,0-10 0,-12 6 0,20-2 0,-15-5 0,1 0 0,4 12 0,-4-10 0,6 11 0,-13-5 0,2 6 0,-10-12 0,4 17 0,1-11 0,-1 9 0,1-3 0,-1 1 0,-6-5 0,5 5 0,-4-1 0,-1-4 0,4 10 0,-4-4 0,7-7 0,-1 3 0,9-11 0,-6-1 0,5 12 0,-6-9 0,-2 17 0,-5-4 0,-2 6 0</inkml:trace>
-</inkml:ink>
-</file>
-
-<file path=ppt/ink/ink72.xml><?xml version="1.0" encoding="utf-8"?>
-<inkml:ink xmlns:inkml="http://www.w3.org/2003/InkML">
-  <inkml:definitions>
-    <inkml:context xml:id="ctx0">
-      <inkml:inkSource xml:id="inkSrc0">
-        <inkml:traceFormat>
-          <inkml:channel name="X" type="integer" min="-2.14748E9" max="2.14748E9" units="cm"/>
-          <inkml:channel name="Y" type="integer" min="-2.14748E9" max="2.14748E9" units="cm"/>
-          <inkml:channel name="F" type="integer" max="32767" units="dev"/>
-        </inkml:traceFormat>
-        <inkml:channelProperties>
-          <inkml:channelProperty channel="X" name="resolution" value="1000" units="1/cm"/>
-          <inkml:channelProperty channel="Y" name="resolution" value="1000" units="1/cm"/>
-          <inkml:channelProperty channel="F" name="resolution" value="0" units="1/dev"/>
-        </inkml:channelProperties>
-      </inkml:inkSource>
       <inkml:timestamp xml:id="ts0" timeString="2022-06-20T16:48:27.210"/>
     </inkml:context>
     <inkml:brush xml:id="br0">
@@ -2611,7 +2471,7 @@
 </inkml:ink>
 </file>
 
-<file path=ppt/ink/ink73.xml><?xml version="1.0" encoding="utf-8"?>
+<file path=ppt/ink/ink72.xml><?xml version="1.0" encoding="utf-8"?>
 <inkml:ink xmlns:inkml="http://www.w3.org/2003/InkML">
   <inkml:definitions>
     <inkml:context xml:id="ctx0">
@@ -2639,7 +2499,7 @@
 </inkml:ink>
 </file>
 
-<file path=ppt/ink/ink74.xml><?xml version="1.0" encoding="utf-8"?>
+<file path=ppt/ink/ink73.xml><?xml version="1.0" encoding="utf-8"?>
 <inkml:ink xmlns:inkml="http://www.w3.org/2003/InkML">
   <inkml:definitions>
     <inkml:context xml:id="ctx0">
@@ -2667,35 +2527,7 @@
 </inkml:ink>
 </file>
 
-<file path=ppt/ink/ink75.xml><?xml version="1.0" encoding="utf-8"?>
-<inkml:ink xmlns:inkml="http://www.w3.org/2003/InkML">
-  <inkml:definitions>
-    <inkml:context xml:id="ctx0">
-      <inkml:inkSource xml:id="inkSrc0">
-        <inkml:traceFormat>
-          <inkml:channel name="X" type="integer" min="-2.14748E9" max="2.14748E9" units="cm"/>
-          <inkml:channel name="Y" type="integer" min="-2.14748E9" max="2.14748E9" units="cm"/>
-          <inkml:channel name="F" type="integer" max="32767" units="dev"/>
-        </inkml:traceFormat>
-        <inkml:channelProperties>
-          <inkml:channelProperty channel="X" name="resolution" value="1000" units="1/cm"/>
-          <inkml:channelProperty channel="Y" name="resolution" value="1000" units="1/cm"/>
-          <inkml:channelProperty channel="F" name="resolution" value="0" units="1/dev"/>
-        </inkml:channelProperties>
-      </inkml:inkSource>
-      <inkml:timestamp xml:id="ts0" timeString="2022-06-20T16:48:33.748"/>
-    </inkml:context>
-    <inkml:brush xml:id="br0">
-      <inkml:brushProperty name="width" value="0.1" units="cm"/>
-      <inkml:brushProperty name="height" value="0.1" units="cm"/>
-      <inkml:brushProperty name="color" value="#C93431"/>
-    </inkml:brush>
-  </inkml:definitions>
-  <inkml:trace contextRef="#ctx0" brushRef="#br0">1 0 24575,'0'13'0,"0"7"0,0 3 0,0 0 0,0-2 0,0-7 0,0-1 0,0 8 0,0-5 0,0 5 0,0 0 0,0-5 0,0 12 0,0-5 0,0 0 0,0 5 0,0-5 0,6 26 0,-4-22 0,10 18 0,-11-30 0,5 5 0,-6-7 0,6 0 0,-4 0 0,10 1 0,-10 7 0,10 2 0,-10 7 0,12 0 0,-7-7 0,2 5 0,3-5 0,-4 0 0,0-2 0,5 0 0,-11-5 0,11 5 0,-12 0 0,11-6 0,-10 6 0,10-7 0,-11 7 0,5-5 0,1 5 0,-6-8 0,5 1 0,0 0 0,-4-1 0,4-6 0,-6-1 0</inkml:trace>
-</inkml:ink>
-</file>
-
-<file path=ppt/ink/ink76.xml><?xml version="1.0" encoding="utf-8"?>
+<file path=ppt/ink/ink74.xml><?xml version="1.0" encoding="utf-8"?>
 <inkml:ink xmlns:inkml="http://www.w3.org/2003/InkML">
   <inkml:definitions>
     <inkml:context xml:id="ctx0">
@@ -2723,7 +2555,7 @@
 </inkml:ink>
 </file>
 
-<file path=ppt/ink/ink77.xml><?xml version="1.0" encoding="utf-8"?>
+<file path=ppt/ink/ink75.xml><?xml version="1.0" encoding="utf-8"?>
 <inkml:ink xmlns:inkml="http://www.w3.org/2003/InkML">
   <inkml:definitions>
     <inkml:context xml:id="ctx0">
@@ -2750,7 +2582,7 @@
 </inkml:ink>
 </file>
 
-<file path=ppt/ink/ink78.xml><?xml version="1.0" encoding="utf-8"?>
+<file path=ppt/ink/ink76.xml><?xml version="1.0" encoding="utf-8"?>
 <inkml:ink xmlns:inkml="http://www.w3.org/2003/InkML">
   <inkml:definitions>
     <inkml:context xml:id="ctx0">
@@ -2778,7 +2610,7 @@
 </inkml:ink>
 </file>
 
-<file path=ppt/ink/ink79.xml><?xml version="1.0" encoding="utf-8"?>
+<file path=ppt/ink/ink77.xml><?xml version="1.0" encoding="utf-8"?>
 <inkml:ink xmlns:inkml="http://www.w3.org/2003/InkML">
   <inkml:definitions>
     <inkml:context xml:id="ctx0">
@@ -2803,6 +2635,62 @@
     </inkml:brush>
   </inkml:definitions>
   <inkml:trace contextRef="#ctx0" brushRef="#br0">0 0 24575,'0'20'0,"0"-5"0,0 5 0,0-4 0,0 5 0,0-6 0,0 5 0,0-1 0,0 3 0,0 7 0,0-11 0,0 12 0,5-18 0,1 15 0,-1-11 0,9 5 0,-11 0 0,11 1 0,-3 5 0,-3-4 0,12 5 0,-13-1 0,9 2 0,1 6 0,-4 0 0,9 1 0,-9-1 0,3-11 0,-5 2 0,0-10 0,-1 0 0,0-1 0,-5-6 0,0 1 0,-5-1 0,0 0 0,4-4 0,-3 3 0,3-3 0,0 5 0,-2 0 0,2-1 0,-4 1 0,0-1 0,4-3 0,-3 2 0,3-3 0,-4 5 0,0 0 0,0-1 0,0 1 0,0-1 0,0 1 0,0 0 0,0-1 0,0 1 0,0 0 0,5-1 0,-4 1 0,3 0 0,-4-1 0,0 1 0,0 0 0,0-1 0,0 0 0,4-4 0,1-1 0,4-8 0,1 3 0,5-8 0,1 3 0,5-10 0,7 4 0,1-9 0,0 4 0,6-13 0,-6 6 0,2-5 0,2 5 0,-15 3 0,9 3 0,-11-2 0,0 9 0,0-9 0,-6 3 0,5-4 0,2 0 0,5-7 0,0 5 0,1-10 0,-1 10 0,0-5 0,-1 7 0,1 0 0,-1-1 0,-5 6 0,4 1 0,-8 0 0,3 4 0,0-5 0,-4 6 0,4-5 0,-5 4 0,5-4 0,-4 5 0,4 0 0,-5 0 0,-1 1 0,1-1 0,5 0 0,-4 0 0,4-5 0,-5 8 0,0-6 0,-1 7 0,1 1 0,0 1 0,-5-1 0,3 4 0,-7-3 0,3 4 0</inkml:trace>
+</inkml:ink>
+</file>
+
+<file path=ppt/ink/ink78.xml><?xml version="1.0" encoding="utf-8"?>
+<inkml:ink xmlns:inkml="http://www.w3.org/2003/InkML">
+  <inkml:definitions>
+    <inkml:context xml:id="ctx0">
+      <inkml:inkSource xml:id="inkSrc0">
+        <inkml:traceFormat>
+          <inkml:channel name="X" type="integer" min="-2.14748E9" max="2.14748E9" units="cm"/>
+          <inkml:channel name="Y" type="integer" min="-2.14748E9" max="2.14748E9" units="cm"/>
+          <inkml:channel name="F" type="integer" max="32767" units="dev"/>
+        </inkml:traceFormat>
+        <inkml:channelProperties>
+          <inkml:channelProperty channel="X" name="resolution" value="1000" units="1/cm"/>
+          <inkml:channelProperty channel="Y" name="resolution" value="1000" units="1/cm"/>
+          <inkml:channelProperty channel="F" name="resolution" value="0" units="1/dev"/>
+        </inkml:channelProperties>
+      </inkml:inkSource>
+      <inkml:timestamp xml:id="ts0" timeString="2022-06-20T16:55:53.762"/>
+    </inkml:context>
+    <inkml:brush xml:id="br0">
+      <inkml:brushProperty name="width" value="0.1" units="cm"/>
+      <inkml:brushProperty name="height" value="0.1" units="cm"/>
+      <inkml:brushProperty name="color" value="#BFBFBF"/>
+    </inkml:brush>
+  </inkml:definitions>
+  <inkml:trace contextRef="#ctx0" brushRef="#br0">1 0 24575,'0'15'0,"0"3"0,0-7 0,0 15 0,0-13 0,0 13 0,5-10 0,-4 0 0,4 10 0,4-8 0,-7 4 0,13 5 0,-9-10 0,6 17 0,-1-5 0,0 0 0,6 5 0,-4-5 0,9 6 0,-5-6 0,1 4 0,4 3 0,-9 1 0,5 12 0,-6-12 0,6 5 0,-5-7 0,3 0 0,-4-6 0,-1 5 0,0-11 0,0-1 0,-1-2 0,1-4 0,-1 5 0,0-4 0,1 9 0,0-9 0,0 17 0,1-5 0,-6 0 0,5 12 0,-4-10 0,4 5 0,1-3 0,-1-4 0,1 6 0,-1-6 0,0-1 0,0-1 0,0-4 0,0 4 0,5 4 0,-4-1 0,4 2 0,-5 2 0,5-11 0,-4 11 0,9-12 0,-8 12 0,2-11 0,-4 4 0,5-5 0,-5-1 0,5 7 0,-5-6 0,5 6 0,-4-7 0,4 7 0,-5 1 0,1 6 0,-1 0 0,1 0 0,0 0 0,0 7 0,0-5 0,0 5 0,0-7 0,-1 0 0,6 0 0,-4 1 0,4-7 0,-6-2 0,0 0 0,0-4 0,5 5 0,-5-7 0,5 1 0,-5-1 0,0 6 0,-1-4 0,2 5 0,-1-1 0,0 2 0,0 0 0,1 5 0,-1-5 0,1 6 0,0 7 0,0-5 0,0 5 0,0 0 0,0 2 0,1 7 0,0 0 0,-6 0 0,4-7 0,-5-1 0,1-8 0,-2-6 0,0-2 0,-4-5 0,4-1 0,0 0 0,-4 1 0,3-1 0,-4 0 0,6 7 0,-5 1 0,4 0 0,0 4 0,-3-4 0,3 13 0,0-5 0,-4-1 0,4-2 0,6 10 0,-9-11 0,14 16 0,-15-26 0,9 5 0,-3-1 0,-1-4 0,4 5 0,-4-7 0,4 0 0,-4 7 0,4-5 0,-4 4 0,4-6 0,1 1 0,0-1 0,-5 0 0,3 1 0,-3-1 0,5 1 0,-1-1 0,2 6 0,-2-4 0,6 5 0,-3-1 0,2-4 0,-3 11 0,4-5 0,-3 6 0,4 0 0,0 0 0,-4 0 0,9 0 0,-9 0 0,9 1 0,-4-1 0,7 7 0,-7-5 0,4-1 0,-4 13 0,4-22 0,-5 16 0,-1-22 0,-6 0 0,1 1 0,0-1 0,-5-5 0,3 4 0,-3-4 0,5 12 0,-5-5 0,4 4 0,-4-5 0,0-1 0,3 0 0,-3 1 0,5-1 0,-5 0 0,3 1 0,-3-1 0,6 6 0,-6 2 0,4 6 0,2 23 0,1-17 0,4 10 0,-5-17 0,-1-11 0,-1-1 0,-4-2 0,-2-9 0,0 3 0,-2 1 0,7 1 0,-3 6 0,4-1 0,-4 0 0,4 1 0,-4-1 0,4 1 0,1-1 0,-1-5 0,1 4 0,-1-4 0,5 6 0,-2 5 0,8 2 0,3 29 0,1-10 0,5 11 0,-6-17 0,0 0 0,-6-11 0,0 10 0,-7-18 0,0 10 0,0-10 0,0-1 0,-5-7 0,3 0 0,-8 1 0,4 0 0,-1 4 0,-3-4 0,9 1 0,-9 3 0,8-4 0,-8 0 0,8 4 0,-3-4 0,0 0 0,4 14 0,-5-17 0,1 17 0,-2-19 0,1 3 0,-4 1 0,7-4 0,-7 4 0,8 0 0,-8-4 0,4 4 0,0 0 0,-4 1 0,8 0 0,-3 4 0,-1 2 0,5 1 0,-4 5 0,5-1 0,0-4 0,6 11 0,-5-5 0,10 6 0,-8 7 0,18 10 0,-15 1 0,10 0 0,-14-11 0,-2-13 0,0-1 0,0-7 0,-1 0 0,0-5 0,1-1 0,-6-5 0,3 0 0,-6-1 0,2 1 0,0-1 0,-3 1 0,8 0 0,-8-1 0,3 1 0,-4 0 0,0-1 0,4-3 0,-3 2 0,3-3 0,-4 4 0,0 0 0,0 1 0,0-1 0,0 1 0,0-1 0,0 1 0,4-5 0,-3 3 0,3 2 0,-4 6 0,5 5 0,1 1 0,0-1 0,3 0 0,-8-5 0,8-1 0,-7-5 0,2 0 0,-4-1 0,0 0 0,0 1 0,0-1 0,4 0 0,-3 1 0,3-1 0,-4 0 0,0 0 0,0 0 0,0 1 0,0-1 0,0 0 0,0 0 0,4-4 0,1-2 0,4-3 0,-4 4 0,-1-3 0,-4 3 0</inkml:trace>
+</inkml:ink>
+</file>
+
+<file path=ppt/ink/ink79.xml><?xml version="1.0" encoding="utf-8"?>
+<inkml:ink xmlns:inkml="http://www.w3.org/2003/InkML">
+  <inkml:definitions>
+    <inkml:context xml:id="ctx0">
+      <inkml:inkSource xml:id="inkSrc0">
+        <inkml:traceFormat>
+          <inkml:channel name="X" type="integer" min="-2.14748E9" max="2.14748E9" units="cm"/>
+          <inkml:channel name="Y" type="integer" min="-2.14748E9" max="2.14748E9" units="cm"/>
+          <inkml:channel name="F" type="integer" max="32767" units="dev"/>
+        </inkml:traceFormat>
+        <inkml:channelProperties>
+          <inkml:channelProperty channel="X" name="resolution" value="1000" units="1/cm"/>
+          <inkml:channelProperty channel="Y" name="resolution" value="1000" units="1/cm"/>
+          <inkml:channelProperty channel="F" name="resolution" value="0" units="1/dev"/>
+        </inkml:channelProperties>
+      </inkml:inkSource>
+      <inkml:timestamp xml:id="ts0" timeString="2022-06-20T16:55:57.347"/>
+    </inkml:context>
+    <inkml:brush xml:id="br0">
+      <inkml:brushProperty name="width" value="0.1" units="cm"/>
+      <inkml:brushProperty name="height" value="0.1" units="cm"/>
+      <inkml:brushProperty name="color" value="#BFBFBF"/>
+    </inkml:brush>
+  </inkml:definitions>
+  <inkml:trace contextRef="#ctx0" brushRef="#br0">1 299 24575,'9'-4'0,"3"7"0,-1-2 0,0 14 0,10 2 0,-10 4 0,10 1 0,-10-1 0,10-4 0,-4 9 0,0-8 0,4 5 0,-3 3 0,-2-13 0,6 19 0,-11-19 0,11 19 0,-15-20 0,14 21 0,-14-16 0,5 6 0,2-3 0,-2 5 0,4-1 0,0 7 0,-6-10 0,0-5 0,6 4 0,-5-4 0,4 1 0,-5-3 0,-4-4 0,2 0 0,-7-1 0,8 1 0,-4-1 0,4 1 0,0-1 0,1 1 0,0-1 0,0 6 0,0-4 0,0 4 0,-1-6 0,1 1 0,-5 0 0,4-5 0,-5-1 0,11-4 0,-5 0 0,5 0 0,-5 0 0,-1 0 0,1 0 0,0 0 0,-1 0 0,-3-3 0,-2-2 0,-4-5 0,0 1 0,0 0 0,0-1 0,0-5 0,0-7 0,0-7 0,0-6 0,0 0 0,0-7 0,6-2 0,0 0 0,12 2 0,-5-1 0,4 13 0,-6-5 0,0 19 0,-1-4 0,0 13 0,-4-7 0,2 13 0,-7-7 0,8 3 0,-4-10 0,5-1 0,1-5 0,0-1 0,0-5 0,4 4 0,-2-11 0,2 17 0,-4-4 0,-1 11 0,-5 0 0,-1 1 0,-4 0 0,4 4 0,-3-3 0,7-1 0,-7-2 0,7-2 0,-7 3 0,4 1 0,-5-1 0,4 0 0,-3 1 0,7 0 0,-7 0 0,7 0 0,-3-1 0,0 1 0,-1-1 0,1 5 0,-4-3 0,3 3 0,0-5 0,-3 1 0,8-1 0,-8 1 0,7-1 0,-6 0 0,6 5 0,-7-3 0,3 3 0,-4-5 0,4 1 0,-3 0 0,3 3 0,-4 2 0</inkml:trace>
 </inkml:ink>
 </file>
 
@@ -2849,62 +2737,6 @@
           <inkml:channelProperty channel="F" name="resolution" value="0" units="1/dev"/>
         </inkml:channelProperties>
       </inkml:inkSource>
-      <inkml:timestamp xml:id="ts0" timeString="2022-06-20T16:55:53.762"/>
-    </inkml:context>
-    <inkml:brush xml:id="br0">
-      <inkml:brushProperty name="width" value="0.1" units="cm"/>
-      <inkml:brushProperty name="height" value="0.1" units="cm"/>
-      <inkml:brushProperty name="color" value="#BFBFBF"/>
-    </inkml:brush>
-  </inkml:definitions>
-  <inkml:trace contextRef="#ctx0" brushRef="#br0">1 0 24575,'0'15'0,"0"3"0,0-7 0,0 15 0,0-13 0,0 13 0,5-10 0,-4 0 0,4 10 0,4-8 0,-7 4 0,13 5 0,-9-10 0,6 17 0,-1-5 0,0 0 0,6 5 0,-4-5 0,9 6 0,-5-6 0,1 4 0,4 3 0,-9 1 0,5 12 0,-6-12 0,6 5 0,-5-7 0,3 0 0,-4-6 0,-1 5 0,0-11 0,0-1 0,-1-2 0,1-4 0,-1 5 0,0-4 0,1 9 0,0-9 0,0 17 0,1-5 0,-6 0 0,5 12 0,-4-10 0,4 5 0,1-3 0,-1-4 0,1 6 0,-1-6 0,0-1 0,0-1 0,0-4 0,0 4 0,5 4 0,-4-1 0,4 2 0,-5 2 0,5-11 0,-4 11 0,9-12 0,-8 12 0,2-11 0,-4 4 0,5-5 0,-5-1 0,5 7 0,-5-6 0,5 6 0,-4-7 0,4 7 0,-5 1 0,1 6 0,-1 0 0,1 0 0,0 0 0,0 7 0,0-5 0,0 5 0,0-7 0,-1 0 0,6 0 0,-4 1 0,4-7 0,-6-2 0,0 0 0,0-4 0,5 5 0,-5-7 0,5 1 0,-5-1 0,0 6 0,-1-4 0,2 5 0,-1-1 0,0 2 0,0 0 0,1 5 0,-1-5 0,1 6 0,0 7 0,0-5 0,0 5 0,0 0 0,0 2 0,1 7 0,0 0 0,-6 0 0,4-7 0,-5-1 0,1-8 0,-2-6 0,0-2 0,-4-5 0,4-1 0,0 0 0,-4 1 0,3-1 0,-4 0 0,6 7 0,-5 1 0,4 0 0,0 4 0,-3-4 0,3 13 0,0-5 0,-4-1 0,4-2 0,6 10 0,-9-11 0,14 16 0,-15-26 0,9 5 0,-3-1 0,-1-4 0,4 5 0,-4-7 0,4 0 0,-4 7 0,4-5 0,-4 4 0,4-6 0,1 1 0,0-1 0,-5 0 0,3 1 0,-3-1 0,5 1 0,-1-1 0,2 6 0,-2-4 0,6 5 0,-3-1 0,2-4 0,-3 11 0,4-5 0,-3 6 0,4 0 0,0 0 0,-4 0 0,9 0 0,-9 0 0,9 1 0,-4-1 0,7 7 0,-7-5 0,4-1 0,-4 13 0,4-22 0,-5 16 0,-1-22 0,-6 0 0,1 1 0,0-1 0,-5-5 0,3 4 0,-3-4 0,5 12 0,-5-5 0,4 4 0,-4-5 0,0-1 0,3 0 0,-3 1 0,5-1 0,-5 0 0,3 1 0,-3-1 0,6 6 0,-6 2 0,4 6 0,2 23 0,1-17 0,4 10 0,-5-17 0,-1-11 0,-1-1 0,-4-2 0,-2-9 0,0 3 0,-2 1 0,7 1 0,-3 6 0,4-1 0,-4 0 0,4 1 0,-4-1 0,4 1 0,1-1 0,-1-5 0,1 4 0,-1-4 0,5 6 0,-2 5 0,8 2 0,3 29 0,1-10 0,5 11 0,-6-17 0,0 0 0,-6-11 0,0 10 0,-7-18 0,0 10 0,0-10 0,0-1 0,-5-7 0,3 0 0,-8 1 0,4 0 0,-1 4 0,-3-4 0,9 1 0,-9 3 0,8-4 0,-8 0 0,8 4 0,-3-4 0,0 0 0,4 14 0,-5-17 0,1 17 0,-2-19 0,1 3 0,-4 1 0,7-4 0,-7 4 0,8 0 0,-8-4 0,4 4 0,0 0 0,-4 1 0,8 0 0,-3 4 0,-1 2 0,5 1 0,-4 5 0,5-1 0,0-4 0,6 11 0,-5-5 0,10 6 0,-8 7 0,18 10 0,-15 1 0,10 0 0,-14-11 0,-2-13 0,0-1 0,0-7 0,-1 0 0,0-5 0,1-1 0,-6-5 0,3 0 0,-6-1 0,2 1 0,0-1 0,-3 1 0,8 0 0,-8-1 0,3 1 0,-4 0 0,0-1 0,4-3 0,-3 2 0,3-3 0,-4 4 0,0 0 0,0 1 0,0-1 0,0 1 0,0-1 0,0 1 0,4-5 0,-3 3 0,3 2 0,-4 6 0,5 5 0,1 1 0,0-1 0,3 0 0,-8-5 0,8-1 0,-7-5 0,2 0 0,-4-1 0,0 0 0,0 1 0,0-1 0,4 0 0,-3 1 0,3-1 0,-4 0 0,0 0 0,0 0 0,0 1 0,0-1 0,0 0 0,0 0 0,4-4 0,1-2 0,4-3 0,-4 4 0,-1-3 0,-4 3 0</inkml:trace>
-</inkml:ink>
-</file>
-
-<file path=ppt/ink/ink81.xml><?xml version="1.0" encoding="utf-8"?>
-<inkml:ink xmlns:inkml="http://www.w3.org/2003/InkML">
-  <inkml:definitions>
-    <inkml:context xml:id="ctx0">
-      <inkml:inkSource xml:id="inkSrc0">
-        <inkml:traceFormat>
-          <inkml:channel name="X" type="integer" min="-2.14748E9" max="2.14748E9" units="cm"/>
-          <inkml:channel name="Y" type="integer" min="-2.14748E9" max="2.14748E9" units="cm"/>
-          <inkml:channel name="F" type="integer" max="32767" units="dev"/>
-        </inkml:traceFormat>
-        <inkml:channelProperties>
-          <inkml:channelProperty channel="X" name="resolution" value="1000" units="1/cm"/>
-          <inkml:channelProperty channel="Y" name="resolution" value="1000" units="1/cm"/>
-          <inkml:channelProperty channel="F" name="resolution" value="0" units="1/dev"/>
-        </inkml:channelProperties>
-      </inkml:inkSource>
-      <inkml:timestamp xml:id="ts0" timeString="2022-06-20T16:55:57.347"/>
-    </inkml:context>
-    <inkml:brush xml:id="br0">
-      <inkml:brushProperty name="width" value="0.1" units="cm"/>
-      <inkml:brushProperty name="height" value="0.1" units="cm"/>
-      <inkml:brushProperty name="color" value="#BFBFBF"/>
-    </inkml:brush>
-  </inkml:definitions>
-  <inkml:trace contextRef="#ctx0" brushRef="#br0">1 299 24575,'9'-4'0,"3"7"0,-1-2 0,0 14 0,10 2 0,-10 4 0,10 1 0,-10-1 0,10-4 0,-4 9 0,0-8 0,4 5 0,-3 3 0,-2-13 0,6 19 0,-11-19 0,11 19 0,-15-20 0,14 21 0,-14-16 0,5 6 0,2-3 0,-2 5 0,4-1 0,0 7 0,-6-10 0,0-5 0,6 4 0,-5-4 0,4 1 0,-5-3 0,-4-4 0,2 0 0,-7-1 0,8 1 0,-4-1 0,4 1 0,0-1 0,1 1 0,0-1 0,0 6 0,0-4 0,0 4 0,-1-6 0,1 1 0,-5 0 0,4-5 0,-5-1 0,11-4 0,-5 0 0,5 0 0,-5 0 0,-1 0 0,1 0 0,0 0 0,-1 0 0,-3-3 0,-2-2 0,-4-5 0,0 1 0,0 0 0,0-1 0,0-5 0,0-7 0,0-7 0,0-6 0,0 0 0,0-7 0,6-2 0,0 0 0,12 2 0,-5-1 0,4 13 0,-6-5 0,0 19 0,-1-4 0,0 13 0,-4-7 0,2 13 0,-7-7 0,8 3 0,-4-10 0,5-1 0,1-5 0,0-1 0,0-5 0,4 4 0,-2-11 0,2 17 0,-4-4 0,-1 11 0,-5 0 0,-1 1 0,-4 0 0,4 4 0,-3-3 0,7-1 0,-7-2 0,7-2 0,-7 3 0,4 1 0,-5-1 0,4 0 0,-3 1 0,7 0 0,-7 0 0,7 0 0,-3-1 0,0 1 0,-1-1 0,1 5 0,-4-3 0,3 3 0,0-5 0,-3 1 0,8-1 0,-8 1 0,7-1 0,-6 0 0,6 5 0,-7-3 0,3 3 0,-4-5 0,4 1 0,-3 0 0,3 3 0,-4 2 0</inkml:trace>
-</inkml:ink>
-</file>
-
-<file path=ppt/ink/ink82.xml><?xml version="1.0" encoding="utf-8"?>
-<inkml:ink xmlns:inkml="http://www.w3.org/2003/InkML">
-  <inkml:definitions>
-    <inkml:context xml:id="ctx0">
-      <inkml:inkSource xml:id="inkSrc0">
-        <inkml:traceFormat>
-          <inkml:channel name="X" type="integer" min="-2.14748E9" max="2.14748E9" units="cm"/>
-          <inkml:channel name="Y" type="integer" min="-2.14748E9" max="2.14748E9" units="cm"/>
-          <inkml:channel name="F" type="integer" max="32767" units="dev"/>
-        </inkml:traceFormat>
-        <inkml:channelProperties>
-          <inkml:channelProperty channel="X" name="resolution" value="1000" units="1/cm"/>
-          <inkml:channelProperty channel="Y" name="resolution" value="1000" units="1/cm"/>
-          <inkml:channelProperty channel="F" name="resolution" value="0" units="1/dev"/>
-        </inkml:channelProperties>
-      </inkml:inkSource>
       <inkml:timestamp xml:id="ts0" timeString="2022-06-20T16:56:06.939"/>
     </inkml:context>
     <inkml:brush xml:id="br0">
@@ -2917,7 +2749,7 @@
 </inkml:ink>
 </file>
 
-<file path=ppt/ink/ink83.xml><?xml version="1.0" encoding="utf-8"?>
+<file path=ppt/ink/ink81.xml><?xml version="1.0" encoding="utf-8"?>
 <inkml:ink xmlns:inkml="http://www.w3.org/2003/InkML">
   <inkml:definitions>
     <inkml:context xml:id="ctx0">
@@ -2945,35 +2777,7 @@
 </inkml:ink>
 </file>
 
-<file path=ppt/ink/ink84.xml><?xml version="1.0" encoding="utf-8"?>
-<inkml:ink xmlns:inkml="http://www.w3.org/2003/InkML">
-  <inkml:definitions>
-    <inkml:context xml:id="ctx0">
-      <inkml:inkSource xml:id="inkSrc0">
-        <inkml:traceFormat>
-          <inkml:channel name="X" type="integer" min="-2.14748E9" max="2.14748E9" units="cm"/>
-          <inkml:channel name="Y" type="integer" min="-2.14748E9" max="2.14748E9" units="cm"/>
-          <inkml:channel name="F" type="integer" max="32767" units="dev"/>
-        </inkml:traceFormat>
-        <inkml:channelProperties>
-          <inkml:channelProperty channel="X" name="resolution" value="1000" units="1/cm"/>
-          <inkml:channelProperty channel="Y" name="resolution" value="1000" units="1/cm"/>
-          <inkml:channelProperty channel="F" name="resolution" value="0" units="1/dev"/>
-        </inkml:channelProperties>
-      </inkml:inkSource>
-      <inkml:timestamp xml:id="ts0" timeString="2022-06-20T16:56:06.941"/>
-    </inkml:context>
-    <inkml:brush xml:id="br0">
-      <inkml:brushProperty name="width" value="0.1" units="cm"/>
-      <inkml:brushProperty name="height" value="0.1" units="cm"/>
-      <inkml:brushProperty name="color" value="#C93431"/>
-    </inkml:brush>
-  </inkml:definitions>
-  <inkml:trace contextRef="#ctx0" brushRef="#br0">1 0 24575,'0'13'0,"0"7"0,0 3 0,0 0 0,0-2 0,0-7 0,0-1 0,0 8 0,0-5 0,0 5 0,0 0 0,0-5 0,0 12 0,0-5 0,0 0 0,0 5 0,0-5 0,6 26 0,-4-22 0,10 18 0,-11-30 0,5 5 0,-6-7 0,6 0 0,-4 0 0,10 1 0,-10 7 0,10 2 0,-10 7 0,12 0 0,-7-7 0,2 5 0,3-5 0,-4 0 0,0-2 0,5 0 0,-11-5 0,11 5 0,-12 0 0,11-6 0,-10 6 0,10-7 0,-11 7 0,5-5 0,1 5 0,-6-8 0,5 1 0,0 0 0,-4-1 0,4-6 0,-6-1 0</inkml:trace>
-</inkml:ink>
-</file>
-
-<file path=ppt/ink/ink85.xml><?xml version="1.0" encoding="utf-8"?>
+<file path=ppt/ink/ink82.xml><?xml version="1.0" encoding="utf-8"?>
 <inkml:ink xmlns:inkml="http://www.w3.org/2003/InkML">
   <inkml:definitions>
     <inkml:context xml:id="ctx0">
@@ -3001,7 +2805,7 @@
 </inkml:ink>
 </file>
 
-<file path=ppt/ink/ink86.xml><?xml version="1.0" encoding="utf-8"?>
+<file path=ppt/ink/ink83.xml><?xml version="1.0" encoding="utf-8"?>
 <inkml:ink xmlns:inkml="http://www.w3.org/2003/InkML">
   <inkml:definitions>
     <inkml:context xml:id="ctx0">
@@ -3029,35 +2833,7 @@
 </inkml:ink>
 </file>
 
-<file path=ppt/ink/ink87.xml><?xml version="1.0" encoding="utf-8"?>
-<inkml:ink xmlns:inkml="http://www.w3.org/2003/InkML">
-  <inkml:definitions>
-    <inkml:context xml:id="ctx0">
-      <inkml:inkSource xml:id="inkSrc0">
-        <inkml:traceFormat>
-          <inkml:channel name="X" type="integer" min="-2.14748E9" max="2.14748E9" units="cm"/>
-          <inkml:channel name="Y" type="integer" min="-2.14748E9" max="2.14748E9" units="cm"/>
-          <inkml:channel name="F" type="integer" max="32767" units="dev"/>
-        </inkml:traceFormat>
-        <inkml:channelProperties>
-          <inkml:channelProperty channel="X" name="resolution" value="1000" units="1/cm"/>
-          <inkml:channelProperty channel="Y" name="resolution" value="1000" units="1/cm"/>
-          <inkml:channelProperty channel="F" name="resolution" value="0" units="1/dev"/>
-        </inkml:channelProperties>
-      </inkml:inkSource>
-      <inkml:timestamp xml:id="ts0" timeString="2022-06-20T16:56:14.082"/>
-    </inkml:context>
-    <inkml:brush xml:id="br0">
-      <inkml:brushProperty name="width" value="0.1" units="cm"/>
-      <inkml:brushProperty name="height" value="0.1" units="cm"/>
-      <inkml:brushProperty name="color" value="#C93431"/>
-    </inkml:brush>
-  </inkml:definitions>
-  <inkml:trace contextRef="#ctx0" brushRef="#br0">1 471 24575,'19'0'0,"-1"0"0,-4 0 0,-1 0 0,1 0 0,12-7 0,-15 0 0,22-1 0,-23-12 0,11 11 0,9-14 0,-11 2 0,11 10 0,0-10 0,-12 6 0,20-2 0,-15-5 0,1 0 0,4 12 0,-4-10 0,6 11 0,-13-5 0,2 6 0,-10-12 0,4 17 0,1-11 0,-1 9 0,1-3 0,-1 1 0,-6-5 0,5 5 0,-4-1 0,-1-4 0,4 10 0,-4-4 0,7-7 0,-1 3 0,9-11 0,-6-1 0,5 12 0,-6-9 0,-2 17 0,-5-4 0,-2 6 0</inkml:trace>
-</inkml:ink>
-</file>
-
-<file path=ppt/ink/ink88.xml><?xml version="1.0" encoding="utf-8"?>
+<file path=ppt/ink/ink84.xml><?xml version="1.0" encoding="utf-8"?>
 <inkml:ink xmlns:inkml="http://www.w3.org/2003/InkML">
   <inkml:definitions>
     <inkml:context xml:id="ctx0">
@@ -3085,7 +2861,35 @@
 </inkml:ink>
 </file>
 
-<file path=ppt/ink/ink89.xml><?xml version="1.0" encoding="utf-8"?>
+<file path=ppt/ink/ink85.xml><?xml version="1.0" encoding="utf-8"?>
+<inkml:ink xmlns:inkml="http://www.w3.org/2003/InkML">
+  <inkml:definitions>
+    <inkml:context xml:id="ctx0">
+      <inkml:inkSource xml:id="inkSrc0">
+        <inkml:traceFormat>
+          <inkml:channel name="X" type="integer" min="-2.14748E9" max="2.14748E9" units="cm"/>
+          <inkml:channel name="Y" type="integer" min="-2.14748E9" max="2.14748E9" units="cm"/>
+          <inkml:channel name="F" type="integer" max="32767" units="dev"/>
+        </inkml:traceFormat>
+        <inkml:channelProperties>
+          <inkml:channelProperty channel="X" name="resolution" value="1000" units="1/cm"/>
+          <inkml:channelProperty channel="Y" name="resolution" value="1000" units="1/cm"/>
+          <inkml:channelProperty channel="F" name="resolution" value="0" units="1/dev"/>
+        </inkml:channelProperties>
+      </inkml:inkSource>
+      <inkml:timestamp xml:id="ts0" timeString="2022-06-20T16:48:23.160"/>
+    </inkml:context>
+    <inkml:brush xml:id="br0">
+      <inkml:brushProperty name="width" value="0.1" units="cm"/>
+      <inkml:brushProperty name="height" value="0.1" units="cm"/>
+      <inkml:brushProperty name="color" value="#C93431"/>
+    </inkml:brush>
+  </inkml:definitions>
+  <inkml:trace contextRef="#ctx0" brushRef="#br0">1 471 24575,'19'0'0,"-1"0"0,-4 0 0,-1 0 0,1 0 0,12-7 0,-15 0 0,22-1 0,-23-12 0,11 11 0,9-14 0,-11 2 0,11 10 0,0-10 0,-12 6 0,20-2 0,-15-5 0,1 0 0,4 12 0,-4-10 0,6 11 0,-13-5 0,2 6 0,-10-12 0,4 17 0,1-11 0,-1 9 0,1-3 0,-1 1 0,-6-5 0,5 5 0,-4-1 0,-1-4 0,4 10 0,-4-4 0,7-7 0,-1 3 0,9-11 0,-6-1 0,5 12 0,-6-9 0,-2 17 0,-5-4 0,-2 6 0</inkml:trace>
+</inkml:ink>
+</file>
+
+<file path=ppt/ink/ink86.xml><?xml version="1.0" encoding="utf-8"?>
 <inkml:ink xmlns:inkml="http://www.w3.org/2003/InkML">
   <inkml:definitions>
     <inkml:context xml:id="ctx0">
@@ -3109,6 +2913,88 @@
     </inkml:brush>
   </inkml:definitions>
   <inkml:trace contextRef="#ctx0" brushRef="#br0">2692 115 24575,'-11'0'0,"-3"0"0,6 0 0,-6 0 0,1 0 0,-3 0 0,0 0 0,-1 0 0,1 0 0,4 0 0,-4 0 0,-1 0 0,4 0 0,-7 0 0,7 0 0,-3 0 0,0 0 0,0 0 0,-1 0 0,5 0 0,-3 0 0,2 0 0,-8-4 0,4 3 0,-9-11 0,4 10 0,-5-6 0,0 4 0,0 3 0,5-7 0,-3 3 0,2-3 0,1 3 0,-3-3 0,7 7 0,-8-7 0,9 3 0,-9 0 0,4-2 0,-5 6 0,0-7 0,5 7 0,-3-3 0,7 0 0,-7 3 0,7-2 0,-3 3 0,0 0 0,4 0 0,-4 0 0,4 0 0,1 0 0,4 0 0,-4 0 0,4 0 0,-4 0 0,-1 0 0,1 0 0,0 0 0,4 0 0,-4 0 0,-7 3 0,4-2 0,-7 6 0,5-2 0,3-1 0,-8 4 0,9-3 0,-9 4 0,-3 3 0,0-2 0,0 2 0,3-3 0,-1 0 0,-2 0 0,-3 0 0,5 4 0,0 1 0,1 0 0,-1 3 0,0-7 0,0 7 0,0-3 0,1 3 0,3-3 0,-2 3 0,3-4 0,-5 5 0,0 0 0,5-1 0,-4 1 0,9-5 0,-9 4 0,9-4 0,-9 4 0,-4 4 0,6-3 0,-4 3 0,7-8 0,4 2 0,-4-2 0,4 4 0,1-1 0,0 0 0,0 1 0,-1-1 0,1 0 0,0 1 0,3-1 0,-3 0 0,4 1 0,-5-5 0,5 4 0,-4-4 0,3 9 0,-3-3 0,2 3 0,-9 7 0,8-4 0,-7 10 0,6-7 0,2-5 0,1 4 0,0-4 0,0 4 0,4 1 0,-8 0 0,7 0 0,-3-5 0,0 4 0,4-4 0,-4 0 0,4 4 0,5-9 0,-4 9 0,3-9 0,0 4 0,-2 0 0,6-3 0,-7 19 0,3-16 0,0 16 0,-2-14 0,6-1 0,-7 3 0,7-7 0,-7 8 0,7-9 0,-3 9 0,4-9 0,0 9 0,0-9 0,0 9 0,0-4 0,-4 5 0,3 5 0,-3-4 0,0 4 0,3-5 0,-8 5 0,8-3 0,-3 3 0,0-5 0,3-5 0,-3 4 0,4-9 0,0 4 0,0 0 0,0-4 0,0 9 0,0-4 0,0 5 0,0 5 0,0-3 0,0 3 0,0-5 0,0-1 0,0-3 0,0 2 0,0-7 0,0 7 0,0-7 0,0 3 0,0 0 0,0-4 0,0 4 0,0-4 0,0 4 0,0-4 0,0 4 0,0 0 0,0-3 0,0 7 0,0-7 0,0 19 0,0-12 0,0 14 0,0-12 0,0 0 0,0 0 0,0 0 0,0-1 0,4 1 0,1 0 0,4 0 0,0-1 0,0 1 0,0 0 0,0 5 0,0-8 0,0 7 0,4-9 0,-4 0 0,4-1 0,-5 0 0,0-4 0,1 4 0,-1-8 0,0 2 0,-1-3 0,1 4 0,4 1 0,2 4 0,-2-4 0,4 4 0,-2 0 0,2-4 0,1 4 0,0 0 0,0-3 0,4 3 0,-3-4 0,3 0 0,-5-1 0,5-3 0,-7 3 0,6-7 0,-11 2 0,2-3 0,-4-1 0,1 1 0,-1-1 0,0 1 0,1 2 0,-1-2 0,1 0 0,-1-2 0,6-5 0,0 2 0,4 1 0,0 1 0,-1 6 0,0-2 0,1 3 0,4 1 0,-4-4 0,4 7 0,0-7 0,-4 7 0,9-3 0,-9 0 0,4 3 0,-4-7 0,-1 3 0,0-4 0,1 1 0,-5-2 0,3 1 0,-6 0 0,2-4 0,-4 3 0,5-3 0,-4 4 0,3-4 0,1 3 0,-4-3 0,3 4 0,1 0 0,-4-1 0,7-2 0,-6 1 0,6-1 0,-3 2 0,5 2 0,-5-2 0,3-2 0,-6 1 0,6-5 0,-3 6 0,1-3 0,2 1 0,-6-2 0,6 1 0,-7-4 0,7 8 0,-6-7 0,6 6 0,-7-6 0,8 6 0,-4-6 0,4 3 0,1-1 0,-1-2 0,0 6 0,1-6 0,6 6 0,-5-2 0,2 3 0,-5-4 0,-6 3 0,6-6 0,-7 5 0,7-5 0,-2 2 0,3-3 0,0 0 0,1 0 0,4 0 0,1 0 0,5 4 0,0-3 0,-1 3 0,1 0 0,0 1 0,0 0 0,0 3 0,-5-7 0,3 7 0,-2-7 0,-1 7 0,-1-8 0,-9 4 0,3-4 0,-6 0 0,2 0 0,-4 0 0,1 0 0,-1 0 0,0 0 0,5 0 0,5 0 0,0 0 0,9 0 0,-4 0 0,5 0 0,-5 0 0,4 0 0,-9 0 0,9 0 0,-9 0 0,4 0 0,-4 0 0,-1 0 0,0 4 0,1-3 0,-1 2 0,5-3 0,-4 0 0,4 0 0,-4 0 0,-1 0 0,5 0 0,-3 4 0,7-3 0,-7 2 0,13-3 0,-8 0 0,15 0 0,-10 0 0,10 0 0,-10 0 0,9 0 0,-8 0 0,3 0 0,0 0 0,-8 0 0,7 4 0,8-3 0,-8 3 0,13-4 0,-11 0 0,0 0 0,1 0 0,3 0 0,-3 0 0,0 0 0,3-4 0,-3-1 0,-1-5 0,5 1 0,-5-1 0,6-4 0,0 3 0,0-7 0,0 7 0,-5-7 0,4 8 0,-10-7 0,9 6 0,-8-6 0,8 2 0,-9 1 0,5-4 0,-7 8 0,1-6 0,0 6 0,0-7 0,5 2 0,-4-3 0,10-1 0,-10 1 0,10-2 0,-10 2 0,5-5 0,0 3 0,-3-8 0,3 3 0,-3-4 0,-1-1 0,-5 2 0,4-1 0,-8-3 0,4-3 0,-5-4 0,10-23 0,-7 17 0,7-17 0,-14 23 0,-2 5 0,1-3 0,-3 8 0,2-3 0,-4 5 0,0-5 0,0 4 0,1-4 0,-1-1 0,0 0 0,6-6 0,-5 0 0,4 0 0,-4 0 0,0 0 0,-1 6 0,-3 1 0,2-1 0,-3 5 0,0-4 0,8-12 0,-11 13 0,6-14 0,-4 13 0,-3 4 0,4-4 0,-5-1 0,0 5 0,0-4 0,0 5 0,0 0 0,0 0 0,4 1 0,-3-7 0,3 5 0,-4-9 0,0 8 0,0-8 0,0 9 0,0-10 0,0 5 0,0-1 0,0-10 0,0 14 0,0-9 0,0 13 0,0 3 0,0-2 0,0 3 0,0-5 0,0 0 0,0-5 0,0 4 0,-4-5 0,3 1 0,-7 4 0,7-10 0,-8 5 0,8-6 0,-7 5 0,7-3 0,-7 3 0,2-5 0,-3 5 0,0 2 0,0 5 0,-4-11 0,3 8 0,-6-4 0,5 3 0,-1 12 0,7-12 0,-2 9 0,2-5 0,-4 0 0,0 0 0,0 0 0,0 5 0,0-4 0,1 9 0,-4-4 0,-1 8 0,-3-2 0,0 6 0,-1-3 0,1 4 0,0 0 0,4 0 0,-4 0 0,8 0 0,0-5 0,1 4 0,7-7 0,-11 3 0,6-3 0,-11 0 0,7 3 0,-6-2 0,7 7 0,-4-8 0,1 8 0,2-4 0,-2 4 0,3 1 0,-3 3 0,3-3 0,-8 7 0,8-7 0,-7 3 0,6-1 0,-6-2 0,3 6 0,-1-6 0,-2 3 0,7-4 0,-8 4 0,8-3 0,-3 3 0,-1-3 0,4-1 0,-4 1 0,5-1 0,-4 0 0,2 1 0,-2-1 0,0 4 0,2-2 0,-2 2 0,0-1 0,2 2 0,-2 0 0,4 2 0,-1-2 0,1 0 0,0 2 0,-1-3 0,1 4 0,-1-3 0,-3 2 0,3-5 0,-4 2 0,1 0 0,3-3 0,-8 3 0,8-4 0,-7 0 0,-1 1 0,3-1 0,-2 1 0,4-1 0,3 4 0,-4-3 0,1 6 0,3-6 0,-8 3 0,4 0 0,0-3 0,-4 2 0,4 1 0,0-3 0,-4 7 0,11-7 0,-9 6 0,9-2 0,-7 0 0,5 2 0,-4-6 0,-2 6 0,1-3 0,1 1 0,-8-1 0,9-1 0,-13 2 0,11-1 0,0 3 0,-4-2 0,4 3 0,0-4 0,-4 4 0,4-4 0,-4 4 0,-1 0 0,1-3 0,0 2 0,-1-3 0,1 4 0,4 0 0,-4 0 0,8 0 0,-7 0 0,2 0 0,1 0 0,-11 0 0,9 0 0,-9-3 0,2 2 0,3-3 0,-3 0 0,0 4 0,4-4 0,-4 4 0,9-3 0,0 2 0,5-2 0,-1 3 0,1 0 0,0 0 0,0 0 0,0 0 0,0 0 0,-5 0 0,4 0 0,-3 0 0,3 0 0,1 0 0,0 0 0,0 0 0,0 0 0,1 0 0,-2 0 0,1 0 0,0 3 0,0-3 0,-5 7 0,0-6 0,-4 6 0,3-3 0,2 1 0,4-2 0,-1 0 0,1-2 0,0 3 0,2-4 0,2 0 0</inkml:trace>
+</inkml:ink>
+</file>
+
+<file path=ppt/ink/ink87.xml><?xml version="1.0" encoding="utf-8"?>
+<inkml:ink xmlns:inkml="http://www.w3.org/2003/InkML">
+  <inkml:definitions>
+    <inkml:context xml:id="ctx0">
+      <inkml:inkSource xml:id="inkSrc0">
+        <inkml:traceFormat>
+          <inkml:channel name="X" type="integer" min="-2.14748E9" max="2.14748E9" units="cm"/>
+          <inkml:channel name="Y" type="integer" min="-2.14748E9" max="2.14748E9" units="cm"/>
+          <inkml:channel name="F" type="integer" max="32767" units="dev"/>
+        </inkml:traceFormat>
+        <inkml:channelProperties>
+          <inkml:channelProperty channel="X" name="resolution" value="1000" units="1/cm"/>
+          <inkml:channelProperty channel="Y" name="resolution" value="1000" units="1/cm"/>
+          <inkml:channelProperty channel="F" name="resolution" value="0" units="1/dev"/>
+        </inkml:channelProperties>
+      </inkml:inkSource>
+      <inkml:timestamp xml:id="ts0" timeString="2022-06-20T16:35:15.588"/>
+    </inkml:context>
+    <inkml:brush xml:id="br0">
+      <inkml:brushProperty name="width" value="0.1" units="cm"/>
+      <inkml:brushProperty name="height" value="0.1" units="cm"/>
+    </inkml:brush>
+  </inkml:definitions>
+  <inkml:trace contextRef="#ctx0" brushRef="#br0">2692 115 24575,'-11'0'0,"-3"0"0,6 0 0,-6 0 0,1 0 0,-3 0 0,0 0 0,-1 0 0,1 0 0,4 0 0,-4 0 0,-1 0 0,4 0 0,-7 0 0,7 0 0,-3 0 0,0 0 0,0 0 0,-1 0 0,5 0 0,-3 0 0,2 0 0,-8-4 0,4 3 0,-9-11 0,4 10 0,-5-6 0,0 4 0,0 3 0,5-7 0,-3 3 0,2-3 0,1 3 0,-3-3 0,7 7 0,-8-7 0,9 3 0,-9 0 0,4-2 0,-5 6 0,0-7 0,5 7 0,-3-3 0,7 0 0,-7 3 0,7-2 0,-3 3 0,0 0 0,4 0 0,-4 0 0,4 0 0,1 0 0,4 0 0,-4 0 0,4 0 0,-4 0 0,-1 0 0,1 0 0,0 0 0,4 0 0,-4 0 0,-7 3 0,4-2 0,-7 6 0,5-2 0,3-1 0,-8 4 0,9-3 0,-9 4 0,-3 3 0,0-2 0,0 2 0,3-3 0,-1 0 0,-2 0 0,-3 0 0,5 4 0,0 1 0,1 0 0,-1 3 0,0-7 0,0 7 0,0-3 0,1 3 0,3-3 0,-2 3 0,3-4 0,-5 5 0,0 0 0,5-1 0,-4 1 0,9-5 0,-9 4 0,9-4 0,-9 4 0,-4 4 0,6-3 0,-4 3 0,7-8 0,4 2 0,-4-2 0,4 4 0,1-1 0,0 0 0,0 1 0,-1-1 0,1 0 0,0 1 0,3-1 0,-3 0 0,4 1 0,-5-5 0,5 4 0,-4-4 0,3 9 0,-3-3 0,2 3 0,-9 7 0,8-4 0,-7 10 0,6-7 0,2-5 0,1 4 0,0-4 0,0 4 0,4 1 0,-8 0 0,7 0 0,-3-5 0,0 4 0,4-4 0,-4 0 0,4 4 0,5-9 0,-4 9 0,3-9 0,0 4 0,-2 0 0,6-3 0,-7 19 0,3-16 0,0 16 0,-2-14 0,6-1 0,-7 3 0,7-7 0,-7 8 0,7-9 0,-3 9 0,4-9 0,0 9 0,0-9 0,0 9 0,0-4 0,-4 5 0,3 5 0,-3-4 0,0 4 0,3-5 0,-8 5 0,8-3 0,-3 3 0,0-5 0,3-5 0,-3 4 0,4-9 0,0 4 0,0 0 0,0-4 0,0 9 0,0-4 0,0 5 0,0 5 0,0-3 0,0 3 0,0-5 0,0-1 0,0-3 0,0 2 0,0-7 0,0 7 0,0-7 0,0 3 0,0 0 0,0-4 0,0 4 0,0-4 0,0 4 0,0-4 0,0 4 0,0 0 0,0-3 0,0 7 0,0-7 0,0 19 0,0-12 0,0 14 0,0-12 0,0 0 0,0 0 0,0 0 0,0-1 0,4 1 0,1 0 0,4 0 0,0-1 0,0 1 0,0 0 0,0 5 0,0-8 0,0 7 0,4-9 0,-4 0 0,4-1 0,-5 0 0,0-4 0,1 4 0,-1-8 0,0 2 0,-1-3 0,1 4 0,4 1 0,2 4 0,-2-4 0,4 4 0,-2 0 0,2-4 0,1 4 0,0 0 0,0-3 0,4 3 0,-3-4 0,3 0 0,-5-1 0,5-3 0,-7 3 0,6-7 0,-11 2 0,2-3 0,-4-1 0,1 1 0,-1-1 0,0 1 0,1 2 0,-1-2 0,1 0 0,-1-2 0,6-5 0,0 2 0,4 1 0,0 1 0,-1 6 0,0-2 0,1 3 0,4 1 0,-4-4 0,4 7 0,0-7 0,-4 7 0,9-3 0,-9 0 0,4 3 0,-4-7 0,-1 3 0,0-4 0,1 1 0,-5-2 0,3 1 0,-6 0 0,2-4 0,-4 3 0,5-3 0,-4 4 0,3-4 0,1 3 0,-4-3 0,3 4 0,1 0 0,-4-1 0,7-2 0,-6 1 0,6-1 0,-3 2 0,5 2 0,-5-2 0,3-2 0,-6 1 0,6-5 0,-3 6 0,1-3 0,2 1 0,-6-2 0,6 1 0,-7-4 0,7 8 0,-6-7 0,6 6 0,-7-6 0,8 6 0,-4-6 0,4 3 0,1-1 0,-1-2 0,0 6 0,1-6 0,6 6 0,-5-2 0,2 3 0,-5-4 0,-6 3 0,6-6 0,-7 5 0,7-5 0,-2 2 0,3-3 0,0 0 0,1 0 0,4 0 0,1 0 0,5 4 0,0-3 0,-1 3 0,1 0 0,0 1 0,0 0 0,0 3 0,-5-7 0,3 7 0,-2-7 0,-1 7 0,-1-8 0,-9 4 0,3-4 0,-6 0 0,2 0 0,-4 0 0,1 0 0,-1 0 0,0 0 0,5 0 0,5 0 0,0 0 0,9 0 0,-4 0 0,5 0 0,-5 0 0,4 0 0,-9 0 0,9 0 0,-9 0 0,4 0 0,-4 0 0,-1 0 0,0 4 0,1-3 0,-1 2 0,5-3 0,-4 0 0,4 0 0,-4 0 0,-1 0 0,5 0 0,-3 4 0,7-3 0,-7 2 0,13-3 0,-8 0 0,15 0 0,-10 0 0,10 0 0,-10 0 0,9 0 0,-8 0 0,3 0 0,0 0 0,-8 0 0,7 4 0,8-3 0,-8 3 0,13-4 0,-11 0 0,0 0 0,1 0 0,3 0 0,-3 0 0,0 0 0,3-4 0,-3-1 0,-1-5 0,5 1 0,-5-1 0,6-4 0,0 3 0,0-7 0,0 7 0,-5-7 0,4 8 0,-10-7 0,9 6 0,-8-6 0,8 2 0,-9 1 0,5-4 0,-7 8 0,1-6 0,0 6 0,0-7 0,5 2 0,-4-3 0,10-1 0,-10 1 0,10-2 0,-10 2 0,5-5 0,0 3 0,-3-8 0,3 3 0,-3-4 0,-1-1 0,-5 2 0,4-1 0,-8-3 0,4-3 0,-5-4 0,10-23 0,-7 17 0,7-17 0,-14 23 0,-2 5 0,1-3 0,-3 8 0,2-3 0,-4 5 0,0-5 0,0 4 0,1-4 0,-1-1 0,0 0 0,6-6 0,-5 0 0,4 0 0,-4 0 0,0 0 0,-1 6 0,-3 1 0,2-1 0,-3 5 0,0-4 0,8-12 0,-11 13 0,6-14 0,-4 13 0,-3 4 0,4-4 0,-5-1 0,0 5 0,0-4 0,0 5 0,0 0 0,0 0 0,4 1 0,-3-7 0,3 5 0,-4-9 0,0 8 0,0-8 0,0 9 0,0-10 0,0 5 0,0-1 0,0-10 0,0 14 0,0-9 0,0 13 0,0 3 0,0-2 0,0 3 0,0-5 0,0 0 0,0-5 0,0 4 0,-4-5 0,3 1 0,-7 4 0,7-10 0,-8 5 0,8-6 0,-7 5 0,7-3 0,-7 3 0,2-5 0,-3 5 0,0 2 0,0 5 0,-4-11 0,3 8 0,-6-4 0,5 3 0,-1 12 0,7-12 0,-2 9 0,2-5 0,-4 0 0,0 0 0,0 0 0,0 5 0,0-4 0,1 9 0,-4-4 0,-1 8 0,-3-2 0,0 6 0,-1-3 0,1 4 0,0 0 0,4 0 0,-4 0 0,8 0 0,0-5 0,1 4 0,7-7 0,-11 3 0,6-3 0,-11 0 0,7 3 0,-6-2 0,7 7 0,-4-8 0,1 8 0,2-4 0,-2 4 0,3 1 0,-3 3 0,3-3 0,-8 7 0,8-7 0,-7 3 0,6-1 0,-6-2 0,3 6 0,-1-6 0,-2 3 0,7-4 0,-8 4 0,8-3 0,-3 3 0,-1-3 0,4-1 0,-4 1 0,5-1 0,-4 0 0,2 1 0,-2-1 0,0 4 0,2-2 0,-2 2 0,0-1 0,2 2 0,-2 0 0,4 2 0,-1-2 0,1 0 0,0 2 0,-1-3 0,1 4 0,-1-3 0,-3 2 0,3-5 0,-4 2 0,1 0 0,3-3 0,-8 3 0,8-4 0,-7 0 0,-1 1 0,3-1 0,-2 1 0,4-1 0,3 4 0,-4-3 0,1 6 0,3-6 0,-8 3 0,4 0 0,0-3 0,-4 2 0,4 1 0,0-3 0,-4 7 0,11-7 0,-9 6 0,9-2 0,-7 0 0,5 2 0,-4-6 0,-2 6 0,1-3 0,1 1 0,-8-1 0,9-1 0,-13 2 0,11-1 0,0 3 0,-4-2 0,4 3 0,0-4 0,-4 4 0,4-4 0,-4 4 0,-1 0 0,1-3 0,0 2 0,-1-3 0,1 4 0,4 0 0,-4 0 0,8 0 0,-7 0 0,2 0 0,1 0 0,-11 0 0,9 0 0,-9-3 0,2 2 0,3-3 0,-3 0 0,0 4 0,4-4 0,-4 4 0,9-3 0,0 2 0,5-2 0,-1 3 0,1 0 0,0 0 0,0 0 0,0 0 0,0 0 0,-5 0 0,4 0 0,-3 0 0,3 0 0,1 0 0,0 0 0,0 0 0,0 0 0,1 0 0,-2 0 0,1 0 0,0 3 0,0-3 0,-5 7 0,0-6 0,-4 6 0,3-3 0,2 1 0,4-2 0,-1 0 0,1-2 0,0 3 0,2-4 0,2 0 0</inkml:trace>
+</inkml:ink>
+</file>
+
+<file path=ppt/ink/ink88.xml><?xml version="1.0" encoding="utf-8"?>
+<inkml:ink xmlns:inkml="http://www.w3.org/2003/InkML">
+  <inkml:definitions>
+    <inkml:context xml:id="ctx0">
+      <inkml:inkSource xml:id="inkSrc0">
+        <inkml:traceFormat>
+          <inkml:channel name="X" type="integer" min="-2.14748E9" max="2.14748E9" units="cm"/>
+          <inkml:channel name="Y" type="integer" min="-2.14748E9" max="2.14748E9" units="cm"/>
+          <inkml:channel name="F" type="integer" max="32767" units="dev"/>
+        </inkml:traceFormat>
+        <inkml:channelProperties>
+          <inkml:channelProperty channel="X" name="resolution" value="1000" units="1/cm"/>
+          <inkml:channelProperty channel="Y" name="resolution" value="1000" units="1/cm"/>
+          <inkml:channelProperty channel="F" name="resolution" value="0" units="1/dev"/>
+        </inkml:channelProperties>
+      </inkml:inkSource>
+      <inkml:timestamp xml:id="ts0" timeString="2022-06-20T16:35:47.902"/>
+    </inkml:context>
+    <inkml:brush xml:id="br0">
+      <inkml:brushProperty name="width" value="0.1" units="cm"/>
+      <inkml:brushProperty name="height" value="0.1" units="cm"/>
+    </inkml:brush>
+  </inkml:definitions>
+  <inkml:trace contextRef="#ctx0" brushRef="#br0">2692 115 24575,'-11'0'0,"-3"0"0,6 0 0,-6 0 0,1 0 0,-3 0 0,0 0 0,-1 0 0,1 0 0,4 0 0,-4 0 0,-1 0 0,4 0 0,-7 0 0,7 0 0,-3 0 0,0 0 0,0 0 0,-1 0 0,5 0 0,-3 0 0,2 0 0,-8-4 0,4 3 0,-9-11 0,4 10 0,-5-6 0,0 4 0,0 3 0,5-7 0,-3 3 0,2-3 0,1 3 0,-3-3 0,7 7 0,-8-7 0,9 3 0,-9 0 0,4-2 0,-5 6 0,0-7 0,5 7 0,-3-3 0,7 0 0,-7 3 0,7-2 0,-3 3 0,0 0 0,4 0 0,-4 0 0,4 0 0,1 0 0,4 0 0,-4 0 0,4 0 0,-4 0 0,-1 0 0,1 0 0,0 0 0,4 0 0,-4 0 0,-7 3 0,4-2 0,-7 6 0,5-2 0,3-1 0,-8 4 0,9-3 0,-9 4 0,-3 3 0,0-2 0,0 2 0,3-3 0,-1 0 0,-2 0 0,-3 0 0,5 4 0,0 1 0,1 0 0,-1 3 0,0-7 0,0 7 0,0-3 0,1 3 0,3-3 0,-2 3 0,3-4 0,-5 5 0,0 0 0,5-1 0,-4 1 0,9-5 0,-9 4 0,9-4 0,-9 4 0,-4 4 0,6-3 0,-4 3 0,7-8 0,4 2 0,-4-2 0,4 4 0,1-1 0,0 0 0,0 1 0,-1-1 0,1 0 0,0 1 0,3-1 0,-3 0 0,4 1 0,-5-5 0,5 4 0,-4-4 0,3 9 0,-3-3 0,2 3 0,-9 7 0,8-4 0,-7 10 0,6-7 0,2-5 0,1 4 0,0-4 0,0 4 0,4 1 0,-8 0 0,7 0 0,-3-5 0,0 4 0,4-4 0,-4 0 0,4 4 0,5-9 0,-4 9 0,3-9 0,0 4 0,-2 0 0,6-3 0,-7 19 0,3-16 0,0 16 0,-2-14 0,6-1 0,-7 3 0,7-7 0,-7 8 0,7-9 0,-3 9 0,4-9 0,0 9 0,0-9 0,0 9 0,0-4 0,-4 5 0,3 5 0,-3-4 0,0 4 0,3-5 0,-8 5 0,8-3 0,-3 3 0,0-5 0,3-5 0,-3 4 0,4-9 0,0 4 0,0 0 0,0-4 0,0 9 0,0-4 0,0 5 0,0 5 0,0-3 0,0 3 0,0-5 0,0-1 0,0-3 0,0 2 0,0-7 0,0 7 0,0-7 0,0 3 0,0 0 0,0-4 0,0 4 0,0-4 0,0 4 0,0-4 0,0 4 0,0 0 0,0-3 0,0 7 0,0-7 0,0 19 0,0-12 0,0 14 0,0-12 0,0 0 0,0 0 0,0 0 0,0-1 0,4 1 0,1 0 0,4 0 0,0-1 0,0 1 0,0 0 0,0 5 0,0-8 0,0 7 0,4-9 0,-4 0 0,4-1 0,-5 0 0,0-4 0,1 4 0,-1-8 0,0 2 0,-1-3 0,1 4 0,4 1 0,2 4 0,-2-4 0,4 4 0,-2 0 0,2-4 0,1 4 0,0 0 0,0-3 0,4 3 0,-3-4 0,3 0 0,-5-1 0,5-3 0,-7 3 0,6-7 0,-11 2 0,2-3 0,-4-1 0,1 1 0,-1-1 0,0 1 0,1 2 0,-1-2 0,1 0 0,-1-2 0,6-5 0,0 2 0,4 1 0,0 1 0,-1 6 0,0-2 0,1 3 0,4 1 0,-4-4 0,4 7 0,0-7 0,-4 7 0,9-3 0,-9 0 0,4 3 0,-4-7 0,-1 3 0,0-4 0,1 1 0,-5-2 0,3 1 0,-6 0 0,2-4 0,-4 3 0,5-3 0,-4 4 0,3-4 0,1 3 0,-4-3 0,3 4 0,1 0 0,-4-1 0,7-2 0,-6 1 0,6-1 0,-3 2 0,5 2 0,-5-2 0,3-2 0,-6 1 0,6-5 0,-3 6 0,1-3 0,2 1 0,-6-2 0,6 1 0,-7-4 0,7 8 0,-6-7 0,6 6 0,-7-6 0,8 6 0,-4-6 0,4 3 0,1-1 0,-1-2 0,0 6 0,1-6 0,6 6 0,-5-2 0,2 3 0,-5-4 0,-6 3 0,6-6 0,-7 5 0,7-5 0,-2 2 0,3-3 0,0 0 0,1 0 0,4 0 0,1 0 0,5 4 0,0-3 0,-1 3 0,1 0 0,0 1 0,0 0 0,0 3 0,-5-7 0,3 7 0,-2-7 0,-1 7 0,-1-8 0,-9 4 0,3-4 0,-6 0 0,2 0 0,-4 0 0,1 0 0,-1 0 0,0 0 0,5 0 0,5 0 0,0 0 0,9 0 0,-4 0 0,5 0 0,-5 0 0,4 0 0,-9 0 0,9 0 0,-9 0 0,4 0 0,-4 0 0,-1 0 0,0 4 0,1-3 0,-1 2 0,5-3 0,-4 0 0,4 0 0,-4 0 0,-1 0 0,5 0 0,-3 4 0,7-3 0,-7 2 0,13-3 0,-8 0 0,15 0 0,-10 0 0,10 0 0,-10 0 0,9 0 0,-8 0 0,3 0 0,0 0 0,-8 0 0,7 4 0,8-3 0,-8 3 0,13-4 0,-11 0 0,0 0 0,1 0 0,3 0 0,-3 0 0,0 0 0,3-4 0,-3-1 0,-1-5 0,5 1 0,-5-1 0,6-4 0,0 3 0,0-7 0,0 7 0,-5-7 0,4 8 0,-10-7 0,9 6 0,-8-6 0,8 2 0,-9 1 0,5-4 0,-7 8 0,1-6 0,0 6 0,0-7 0,5 2 0,-4-3 0,10-1 0,-10 1 0,10-2 0,-10 2 0,5-5 0,0 3 0,-3-8 0,3 3 0,-3-4 0,-1-1 0,-5 2 0,4-1 0,-8-3 0,4-3 0,-5-4 0,10-23 0,-7 17 0,7-17 0,-14 23 0,-2 5 0,1-3 0,-3 8 0,2-3 0,-4 5 0,0-5 0,0 4 0,1-4 0,-1-1 0,0 0 0,6-6 0,-5 0 0,4 0 0,-4 0 0,0 0 0,-1 6 0,-3 1 0,2-1 0,-3 5 0,0-4 0,8-12 0,-11 13 0,6-14 0,-4 13 0,-3 4 0,4-4 0,-5-1 0,0 5 0,0-4 0,0 5 0,0 0 0,0 0 0,4 1 0,-3-7 0,3 5 0,-4-9 0,0 8 0,0-8 0,0 9 0,0-10 0,0 5 0,0-1 0,0-10 0,0 14 0,0-9 0,0 13 0,0 3 0,0-2 0,0 3 0,0-5 0,0 0 0,0-5 0,0 4 0,-4-5 0,3 1 0,-7 4 0,7-10 0,-8 5 0,8-6 0,-7 5 0,7-3 0,-7 3 0,2-5 0,-3 5 0,0 2 0,0 5 0,-4-11 0,3 8 0,-6-4 0,5 3 0,-1 12 0,7-12 0,-2 9 0,2-5 0,-4 0 0,0 0 0,0 0 0,0 5 0,0-4 0,1 9 0,-4-4 0,-1 8 0,-3-2 0,0 6 0,-1-3 0,1 4 0,0 0 0,4 0 0,-4 0 0,8 0 0,0-5 0,1 4 0,7-7 0,-11 3 0,6-3 0,-11 0 0,7 3 0,-6-2 0,7 7 0,-4-8 0,1 8 0,2-4 0,-2 4 0,3 1 0,-3 3 0,3-3 0,-8 7 0,8-7 0,-7 3 0,6-1 0,-6-2 0,3 6 0,-1-6 0,-2 3 0,7-4 0,-8 4 0,8-3 0,-3 3 0,-1-3 0,4-1 0,-4 1 0,5-1 0,-4 0 0,2 1 0,-2-1 0,0 4 0,2-2 0,-2 2 0,0-1 0,2 2 0,-2 0 0,4 2 0,-1-2 0,1 0 0,0 2 0,-1-3 0,1 4 0,-1-3 0,-3 2 0,3-5 0,-4 2 0,1 0 0,3-3 0,-8 3 0,8-4 0,-7 0 0,-1 1 0,3-1 0,-2 1 0,4-1 0,3 4 0,-4-3 0,1 6 0,3-6 0,-8 3 0,4 0 0,0-3 0,-4 2 0,4 1 0,0-3 0,-4 7 0,11-7 0,-9 6 0,9-2 0,-7 0 0,5 2 0,-4-6 0,-2 6 0,1-3 0,1 1 0,-8-1 0,9-1 0,-13 2 0,11-1 0,0 3 0,-4-2 0,4 3 0,0-4 0,-4 4 0,4-4 0,-4 4 0,-1 0 0,1-3 0,0 2 0,-1-3 0,1 4 0,4 0 0,-4 0 0,8 0 0,-7 0 0,2 0 0,1 0 0,-11 0 0,9 0 0,-9-3 0,2 2 0,3-3 0,-3 0 0,0 4 0,4-4 0,-4 4 0,9-3 0,0 2 0,5-2 0,-1 3 0,1 0 0,0 0 0,0 0 0,0 0 0,0 0 0,-5 0 0,4 0 0,-3 0 0,3 0 0,1 0 0,0 0 0,0 0 0,0 0 0,1 0 0,-2 0 0,1 0 0,0 3 0,0-3 0,-5 7 0,0-6 0,-4 6 0,3-3 0,2 1 0,4-2 0,-1 0 0,1-2 0,0 3 0,2-4 0,2 0 0</inkml:trace>
+</inkml:ink>
+</file>
+
+<file path=ppt/ink/ink89.xml><?xml version="1.0" encoding="utf-8"?>
+<inkml:ink xmlns:inkml="http://www.w3.org/2003/InkML">
+  <inkml:definitions>
+    <inkml:context xml:id="ctx0">
+      <inkml:inkSource xml:id="inkSrc0">
+        <inkml:traceFormat>
+          <inkml:channel name="X" type="integer" min="-2.14748E9" max="2.14748E9" units="cm"/>
+          <inkml:channel name="Y" type="integer" min="-2.14748E9" max="2.14748E9" units="cm"/>
+          <inkml:channel name="F" type="integer" max="32767" units="dev"/>
+        </inkml:traceFormat>
+        <inkml:channelProperties>
+          <inkml:channelProperty channel="X" name="resolution" value="1000" units="1/cm"/>
+          <inkml:channelProperty channel="Y" name="resolution" value="1000" units="1/cm"/>
+          <inkml:channelProperty channel="F" name="resolution" value="0" units="1/dev"/>
+        </inkml:channelProperties>
+      </inkml:inkSource>
+      <inkml:timestamp xml:id="ts0" timeString="2022-06-20T16:36:09.771"/>
+    </inkml:context>
+    <inkml:brush xml:id="br0">
+      <inkml:brushProperty name="width" value="0.1" units="cm"/>
+      <inkml:brushProperty name="height" value="0.1" units="cm"/>
+      <inkml:brushProperty name="color" value="#BFBFBF"/>
+    </inkml:brush>
+  </inkml:definitions>
+  <inkml:trace contextRef="#ctx0" brushRef="#br0">2217 0 24575,'-76'60'0,"0"-1"0,0 0 0,0 0 0,1 1 0,-1-1 0,0 0 0,0 0 0,0 1 0,1-1 0,-5 4 0,-1 0 0,2 0 0,5-5 0,8-6 0,10-9 0,15-11 0,-17 12 0,13-5 0,23-24 0,0 12 0,-5-11 0,12 4 0,-12 0 0,13-5 0,-13 11 0,6-4 0,-1-1 0,-5 6 0,6-5 0,-8 0 0,1 5 0,-1-5 0,7 6 0,-5 1 0,5-1 0,-6 1 0,-1-1 0,7 1 0,-5-1 0,12-6 0,-5 4 0,7-11 0,-1 5 0,1-8 0,6 1 0,-4 0 0,9 0 0,-3 0 0,5-1 0,0 0 0,0 0 0,-6-5 0,4 4 0,-9-4 0,10 6 0,-18 0 0,16 0 0,-15 0 0,11 0 0,-6 0 0,6 0 0,-5 0 0,11 0 0,-5 0 0,1-6 0,3 4 0,-9-10 0,10 10 0,-10-10 0,3 11 0,-4-5 0,5 6 0,-5-6 0,11 4 0,-11-9 0,11 9 0,-10-9 0,9-7 0,-3-18 0,5-5 0,0-17 0,-7 6 0,5-17 0,-4 7 0,-2-17 0,6 7 0,-12 1 0,12-7 0,-5 16 0,7-7 0,0 10 0,0 7 0,-7-6 0,5 15 0,-5-7 0,7 15 0,0-4 0,0 11 0,0-5 0,0 7 0,0 1 0,0 5 0,0 2 0</inkml:trace>
 </inkml:ink>
 </file>
 
@@ -3155,88 +3041,6 @@
           <inkml:channelProperty channel="F" name="resolution" value="0" units="1/dev"/>
         </inkml:channelProperties>
       </inkml:inkSource>
-      <inkml:timestamp xml:id="ts0" timeString="2022-06-20T16:35:15.588"/>
-    </inkml:context>
-    <inkml:brush xml:id="br0">
-      <inkml:brushProperty name="width" value="0.1" units="cm"/>
-      <inkml:brushProperty name="height" value="0.1" units="cm"/>
-    </inkml:brush>
-  </inkml:definitions>
-  <inkml:trace contextRef="#ctx0" brushRef="#br0">2692 115 24575,'-11'0'0,"-3"0"0,6 0 0,-6 0 0,1 0 0,-3 0 0,0 0 0,-1 0 0,1 0 0,4 0 0,-4 0 0,-1 0 0,4 0 0,-7 0 0,7 0 0,-3 0 0,0 0 0,0 0 0,-1 0 0,5 0 0,-3 0 0,2 0 0,-8-4 0,4 3 0,-9-11 0,4 10 0,-5-6 0,0 4 0,0 3 0,5-7 0,-3 3 0,2-3 0,1 3 0,-3-3 0,7 7 0,-8-7 0,9 3 0,-9 0 0,4-2 0,-5 6 0,0-7 0,5 7 0,-3-3 0,7 0 0,-7 3 0,7-2 0,-3 3 0,0 0 0,4 0 0,-4 0 0,4 0 0,1 0 0,4 0 0,-4 0 0,4 0 0,-4 0 0,-1 0 0,1 0 0,0 0 0,4 0 0,-4 0 0,-7 3 0,4-2 0,-7 6 0,5-2 0,3-1 0,-8 4 0,9-3 0,-9 4 0,-3 3 0,0-2 0,0 2 0,3-3 0,-1 0 0,-2 0 0,-3 0 0,5 4 0,0 1 0,1 0 0,-1 3 0,0-7 0,0 7 0,0-3 0,1 3 0,3-3 0,-2 3 0,3-4 0,-5 5 0,0 0 0,5-1 0,-4 1 0,9-5 0,-9 4 0,9-4 0,-9 4 0,-4 4 0,6-3 0,-4 3 0,7-8 0,4 2 0,-4-2 0,4 4 0,1-1 0,0 0 0,0 1 0,-1-1 0,1 0 0,0 1 0,3-1 0,-3 0 0,4 1 0,-5-5 0,5 4 0,-4-4 0,3 9 0,-3-3 0,2 3 0,-9 7 0,8-4 0,-7 10 0,6-7 0,2-5 0,1 4 0,0-4 0,0 4 0,4 1 0,-8 0 0,7 0 0,-3-5 0,0 4 0,4-4 0,-4 0 0,4 4 0,5-9 0,-4 9 0,3-9 0,0 4 0,-2 0 0,6-3 0,-7 19 0,3-16 0,0 16 0,-2-14 0,6-1 0,-7 3 0,7-7 0,-7 8 0,7-9 0,-3 9 0,4-9 0,0 9 0,0-9 0,0 9 0,0-4 0,-4 5 0,3 5 0,-3-4 0,0 4 0,3-5 0,-8 5 0,8-3 0,-3 3 0,0-5 0,3-5 0,-3 4 0,4-9 0,0 4 0,0 0 0,0-4 0,0 9 0,0-4 0,0 5 0,0 5 0,0-3 0,0 3 0,0-5 0,0-1 0,0-3 0,0 2 0,0-7 0,0 7 0,0-7 0,0 3 0,0 0 0,0-4 0,0 4 0,0-4 0,0 4 0,0-4 0,0 4 0,0 0 0,0-3 0,0 7 0,0-7 0,0 19 0,0-12 0,0 14 0,0-12 0,0 0 0,0 0 0,0 0 0,0-1 0,4 1 0,1 0 0,4 0 0,0-1 0,0 1 0,0 0 0,0 5 0,0-8 0,0 7 0,4-9 0,-4 0 0,4-1 0,-5 0 0,0-4 0,1 4 0,-1-8 0,0 2 0,-1-3 0,1 4 0,4 1 0,2 4 0,-2-4 0,4 4 0,-2 0 0,2-4 0,1 4 0,0 0 0,0-3 0,4 3 0,-3-4 0,3 0 0,-5-1 0,5-3 0,-7 3 0,6-7 0,-11 2 0,2-3 0,-4-1 0,1 1 0,-1-1 0,0 1 0,1 2 0,-1-2 0,1 0 0,-1-2 0,6-5 0,0 2 0,4 1 0,0 1 0,-1 6 0,0-2 0,1 3 0,4 1 0,-4-4 0,4 7 0,0-7 0,-4 7 0,9-3 0,-9 0 0,4 3 0,-4-7 0,-1 3 0,0-4 0,1 1 0,-5-2 0,3 1 0,-6 0 0,2-4 0,-4 3 0,5-3 0,-4 4 0,3-4 0,1 3 0,-4-3 0,3 4 0,1 0 0,-4-1 0,7-2 0,-6 1 0,6-1 0,-3 2 0,5 2 0,-5-2 0,3-2 0,-6 1 0,6-5 0,-3 6 0,1-3 0,2 1 0,-6-2 0,6 1 0,-7-4 0,7 8 0,-6-7 0,6 6 0,-7-6 0,8 6 0,-4-6 0,4 3 0,1-1 0,-1-2 0,0 6 0,1-6 0,6 6 0,-5-2 0,2 3 0,-5-4 0,-6 3 0,6-6 0,-7 5 0,7-5 0,-2 2 0,3-3 0,0 0 0,1 0 0,4 0 0,1 0 0,5 4 0,0-3 0,-1 3 0,1 0 0,0 1 0,0 0 0,0 3 0,-5-7 0,3 7 0,-2-7 0,-1 7 0,-1-8 0,-9 4 0,3-4 0,-6 0 0,2 0 0,-4 0 0,1 0 0,-1 0 0,0 0 0,5 0 0,5 0 0,0 0 0,9 0 0,-4 0 0,5 0 0,-5 0 0,4 0 0,-9 0 0,9 0 0,-9 0 0,4 0 0,-4 0 0,-1 0 0,0 4 0,1-3 0,-1 2 0,5-3 0,-4 0 0,4 0 0,-4 0 0,-1 0 0,5 0 0,-3 4 0,7-3 0,-7 2 0,13-3 0,-8 0 0,15 0 0,-10 0 0,10 0 0,-10 0 0,9 0 0,-8 0 0,3 0 0,0 0 0,-8 0 0,7 4 0,8-3 0,-8 3 0,13-4 0,-11 0 0,0 0 0,1 0 0,3 0 0,-3 0 0,0 0 0,3-4 0,-3-1 0,-1-5 0,5 1 0,-5-1 0,6-4 0,0 3 0,0-7 0,0 7 0,-5-7 0,4 8 0,-10-7 0,9 6 0,-8-6 0,8 2 0,-9 1 0,5-4 0,-7 8 0,1-6 0,0 6 0,0-7 0,5 2 0,-4-3 0,10-1 0,-10 1 0,10-2 0,-10 2 0,5-5 0,0 3 0,-3-8 0,3 3 0,-3-4 0,-1-1 0,-5 2 0,4-1 0,-8-3 0,4-3 0,-5-4 0,10-23 0,-7 17 0,7-17 0,-14 23 0,-2 5 0,1-3 0,-3 8 0,2-3 0,-4 5 0,0-5 0,0 4 0,1-4 0,-1-1 0,0 0 0,6-6 0,-5 0 0,4 0 0,-4 0 0,0 0 0,-1 6 0,-3 1 0,2-1 0,-3 5 0,0-4 0,8-12 0,-11 13 0,6-14 0,-4 13 0,-3 4 0,4-4 0,-5-1 0,0 5 0,0-4 0,0 5 0,0 0 0,0 0 0,4 1 0,-3-7 0,3 5 0,-4-9 0,0 8 0,0-8 0,0 9 0,0-10 0,0 5 0,0-1 0,0-10 0,0 14 0,0-9 0,0 13 0,0 3 0,0-2 0,0 3 0,0-5 0,0 0 0,0-5 0,0 4 0,-4-5 0,3 1 0,-7 4 0,7-10 0,-8 5 0,8-6 0,-7 5 0,7-3 0,-7 3 0,2-5 0,-3 5 0,0 2 0,0 5 0,-4-11 0,3 8 0,-6-4 0,5 3 0,-1 12 0,7-12 0,-2 9 0,2-5 0,-4 0 0,0 0 0,0 0 0,0 5 0,0-4 0,1 9 0,-4-4 0,-1 8 0,-3-2 0,0 6 0,-1-3 0,1 4 0,0 0 0,4 0 0,-4 0 0,8 0 0,0-5 0,1 4 0,7-7 0,-11 3 0,6-3 0,-11 0 0,7 3 0,-6-2 0,7 7 0,-4-8 0,1 8 0,2-4 0,-2 4 0,3 1 0,-3 3 0,3-3 0,-8 7 0,8-7 0,-7 3 0,6-1 0,-6-2 0,3 6 0,-1-6 0,-2 3 0,7-4 0,-8 4 0,8-3 0,-3 3 0,-1-3 0,4-1 0,-4 1 0,5-1 0,-4 0 0,2 1 0,-2-1 0,0 4 0,2-2 0,-2 2 0,0-1 0,2 2 0,-2 0 0,4 2 0,-1-2 0,1 0 0,0 2 0,-1-3 0,1 4 0,-1-3 0,-3 2 0,3-5 0,-4 2 0,1 0 0,3-3 0,-8 3 0,8-4 0,-7 0 0,-1 1 0,3-1 0,-2 1 0,4-1 0,3 4 0,-4-3 0,1 6 0,3-6 0,-8 3 0,4 0 0,0-3 0,-4 2 0,4 1 0,0-3 0,-4 7 0,11-7 0,-9 6 0,9-2 0,-7 0 0,5 2 0,-4-6 0,-2 6 0,1-3 0,1 1 0,-8-1 0,9-1 0,-13 2 0,11-1 0,0 3 0,-4-2 0,4 3 0,0-4 0,-4 4 0,4-4 0,-4 4 0,-1 0 0,1-3 0,0 2 0,-1-3 0,1 4 0,4 0 0,-4 0 0,8 0 0,-7 0 0,2 0 0,1 0 0,-11 0 0,9 0 0,-9-3 0,2 2 0,3-3 0,-3 0 0,0 4 0,4-4 0,-4 4 0,9-3 0,0 2 0,5-2 0,-1 3 0,1 0 0,0 0 0,0 0 0,0 0 0,0 0 0,-5 0 0,4 0 0,-3 0 0,3 0 0,1 0 0,0 0 0,0 0 0,0 0 0,1 0 0,-2 0 0,1 0 0,0 3 0,0-3 0,-5 7 0,0-6 0,-4 6 0,3-3 0,2 1 0,4-2 0,-1 0 0,1-2 0,0 3 0,2-4 0,2 0 0</inkml:trace>
-</inkml:ink>
-</file>
-
-<file path=ppt/ink/ink91.xml><?xml version="1.0" encoding="utf-8"?>
-<inkml:ink xmlns:inkml="http://www.w3.org/2003/InkML">
-  <inkml:definitions>
-    <inkml:context xml:id="ctx0">
-      <inkml:inkSource xml:id="inkSrc0">
-        <inkml:traceFormat>
-          <inkml:channel name="X" type="integer" min="-2.14748E9" max="2.14748E9" units="cm"/>
-          <inkml:channel name="Y" type="integer" min="-2.14748E9" max="2.14748E9" units="cm"/>
-          <inkml:channel name="F" type="integer" max="32767" units="dev"/>
-        </inkml:traceFormat>
-        <inkml:channelProperties>
-          <inkml:channelProperty channel="X" name="resolution" value="1000" units="1/cm"/>
-          <inkml:channelProperty channel="Y" name="resolution" value="1000" units="1/cm"/>
-          <inkml:channelProperty channel="F" name="resolution" value="0" units="1/dev"/>
-        </inkml:channelProperties>
-      </inkml:inkSource>
-      <inkml:timestamp xml:id="ts0" timeString="2022-06-20T16:35:47.902"/>
-    </inkml:context>
-    <inkml:brush xml:id="br0">
-      <inkml:brushProperty name="width" value="0.1" units="cm"/>
-      <inkml:brushProperty name="height" value="0.1" units="cm"/>
-    </inkml:brush>
-  </inkml:definitions>
-  <inkml:trace contextRef="#ctx0" brushRef="#br0">2692 115 24575,'-11'0'0,"-3"0"0,6 0 0,-6 0 0,1 0 0,-3 0 0,0 0 0,-1 0 0,1 0 0,4 0 0,-4 0 0,-1 0 0,4 0 0,-7 0 0,7 0 0,-3 0 0,0 0 0,0 0 0,-1 0 0,5 0 0,-3 0 0,2 0 0,-8-4 0,4 3 0,-9-11 0,4 10 0,-5-6 0,0 4 0,0 3 0,5-7 0,-3 3 0,2-3 0,1 3 0,-3-3 0,7 7 0,-8-7 0,9 3 0,-9 0 0,4-2 0,-5 6 0,0-7 0,5 7 0,-3-3 0,7 0 0,-7 3 0,7-2 0,-3 3 0,0 0 0,4 0 0,-4 0 0,4 0 0,1 0 0,4 0 0,-4 0 0,4 0 0,-4 0 0,-1 0 0,1 0 0,0 0 0,4 0 0,-4 0 0,-7 3 0,4-2 0,-7 6 0,5-2 0,3-1 0,-8 4 0,9-3 0,-9 4 0,-3 3 0,0-2 0,0 2 0,3-3 0,-1 0 0,-2 0 0,-3 0 0,5 4 0,0 1 0,1 0 0,-1 3 0,0-7 0,0 7 0,0-3 0,1 3 0,3-3 0,-2 3 0,3-4 0,-5 5 0,0 0 0,5-1 0,-4 1 0,9-5 0,-9 4 0,9-4 0,-9 4 0,-4 4 0,6-3 0,-4 3 0,7-8 0,4 2 0,-4-2 0,4 4 0,1-1 0,0 0 0,0 1 0,-1-1 0,1 0 0,0 1 0,3-1 0,-3 0 0,4 1 0,-5-5 0,5 4 0,-4-4 0,3 9 0,-3-3 0,2 3 0,-9 7 0,8-4 0,-7 10 0,6-7 0,2-5 0,1 4 0,0-4 0,0 4 0,4 1 0,-8 0 0,7 0 0,-3-5 0,0 4 0,4-4 0,-4 0 0,4 4 0,5-9 0,-4 9 0,3-9 0,0 4 0,-2 0 0,6-3 0,-7 19 0,3-16 0,0 16 0,-2-14 0,6-1 0,-7 3 0,7-7 0,-7 8 0,7-9 0,-3 9 0,4-9 0,0 9 0,0-9 0,0 9 0,0-4 0,-4 5 0,3 5 0,-3-4 0,0 4 0,3-5 0,-8 5 0,8-3 0,-3 3 0,0-5 0,3-5 0,-3 4 0,4-9 0,0 4 0,0 0 0,0-4 0,0 9 0,0-4 0,0 5 0,0 5 0,0-3 0,0 3 0,0-5 0,0-1 0,0-3 0,0 2 0,0-7 0,0 7 0,0-7 0,0 3 0,0 0 0,0-4 0,0 4 0,0-4 0,0 4 0,0-4 0,0 4 0,0 0 0,0-3 0,0 7 0,0-7 0,0 19 0,0-12 0,0 14 0,0-12 0,0 0 0,0 0 0,0 0 0,0-1 0,4 1 0,1 0 0,4 0 0,0-1 0,0 1 0,0 0 0,0 5 0,0-8 0,0 7 0,4-9 0,-4 0 0,4-1 0,-5 0 0,0-4 0,1 4 0,-1-8 0,0 2 0,-1-3 0,1 4 0,4 1 0,2 4 0,-2-4 0,4 4 0,-2 0 0,2-4 0,1 4 0,0 0 0,0-3 0,4 3 0,-3-4 0,3 0 0,-5-1 0,5-3 0,-7 3 0,6-7 0,-11 2 0,2-3 0,-4-1 0,1 1 0,-1-1 0,0 1 0,1 2 0,-1-2 0,1 0 0,-1-2 0,6-5 0,0 2 0,4 1 0,0 1 0,-1 6 0,0-2 0,1 3 0,4 1 0,-4-4 0,4 7 0,0-7 0,-4 7 0,9-3 0,-9 0 0,4 3 0,-4-7 0,-1 3 0,0-4 0,1 1 0,-5-2 0,3 1 0,-6 0 0,2-4 0,-4 3 0,5-3 0,-4 4 0,3-4 0,1 3 0,-4-3 0,3 4 0,1 0 0,-4-1 0,7-2 0,-6 1 0,6-1 0,-3 2 0,5 2 0,-5-2 0,3-2 0,-6 1 0,6-5 0,-3 6 0,1-3 0,2 1 0,-6-2 0,6 1 0,-7-4 0,7 8 0,-6-7 0,6 6 0,-7-6 0,8 6 0,-4-6 0,4 3 0,1-1 0,-1-2 0,0 6 0,1-6 0,6 6 0,-5-2 0,2 3 0,-5-4 0,-6 3 0,6-6 0,-7 5 0,7-5 0,-2 2 0,3-3 0,0 0 0,1 0 0,4 0 0,1 0 0,5 4 0,0-3 0,-1 3 0,1 0 0,0 1 0,0 0 0,0 3 0,-5-7 0,3 7 0,-2-7 0,-1 7 0,-1-8 0,-9 4 0,3-4 0,-6 0 0,2 0 0,-4 0 0,1 0 0,-1 0 0,0 0 0,5 0 0,5 0 0,0 0 0,9 0 0,-4 0 0,5 0 0,-5 0 0,4 0 0,-9 0 0,9 0 0,-9 0 0,4 0 0,-4 0 0,-1 0 0,0 4 0,1-3 0,-1 2 0,5-3 0,-4 0 0,4 0 0,-4 0 0,-1 0 0,5 0 0,-3 4 0,7-3 0,-7 2 0,13-3 0,-8 0 0,15 0 0,-10 0 0,10 0 0,-10 0 0,9 0 0,-8 0 0,3 0 0,0 0 0,-8 0 0,7 4 0,8-3 0,-8 3 0,13-4 0,-11 0 0,0 0 0,1 0 0,3 0 0,-3 0 0,0 0 0,3-4 0,-3-1 0,-1-5 0,5 1 0,-5-1 0,6-4 0,0 3 0,0-7 0,0 7 0,-5-7 0,4 8 0,-10-7 0,9 6 0,-8-6 0,8 2 0,-9 1 0,5-4 0,-7 8 0,1-6 0,0 6 0,0-7 0,5 2 0,-4-3 0,10-1 0,-10 1 0,10-2 0,-10 2 0,5-5 0,0 3 0,-3-8 0,3 3 0,-3-4 0,-1-1 0,-5 2 0,4-1 0,-8-3 0,4-3 0,-5-4 0,10-23 0,-7 17 0,7-17 0,-14 23 0,-2 5 0,1-3 0,-3 8 0,2-3 0,-4 5 0,0-5 0,0 4 0,1-4 0,-1-1 0,0 0 0,6-6 0,-5 0 0,4 0 0,-4 0 0,0 0 0,-1 6 0,-3 1 0,2-1 0,-3 5 0,0-4 0,8-12 0,-11 13 0,6-14 0,-4 13 0,-3 4 0,4-4 0,-5-1 0,0 5 0,0-4 0,0 5 0,0 0 0,0 0 0,4 1 0,-3-7 0,3 5 0,-4-9 0,0 8 0,0-8 0,0 9 0,0-10 0,0 5 0,0-1 0,0-10 0,0 14 0,0-9 0,0 13 0,0 3 0,0-2 0,0 3 0,0-5 0,0 0 0,0-5 0,0 4 0,-4-5 0,3 1 0,-7 4 0,7-10 0,-8 5 0,8-6 0,-7 5 0,7-3 0,-7 3 0,2-5 0,-3 5 0,0 2 0,0 5 0,-4-11 0,3 8 0,-6-4 0,5 3 0,-1 12 0,7-12 0,-2 9 0,2-5 0,-4 0 0,0 0 0,0 0 0,0 5 0,0-4 0,1 9 0,-4-4 0,-1 8 0,-3-2 0,0 6 0,-1-3 0,1 4 0,0 0 0,4 0 0,-4 0 0,8 0 0,0-5 0,1 4 0,7-7 0,-11 3 0,6-3 0,-11 0 0,7 3 0,-6-2 0,7 7 0,-4-8 0,1 8 0,2-4 0,-2 4 0,3 1 0,-3 3 0,3-3 0,-8 7 0,8-7 0,-7 3 0,6-1 0,-6-2 0,3 6 0,-1-6 0,-2 3 0,7-4 0,-8 4 0,8-3 0,-3 3 0,-1-3 0,4-1 0,-4 1 0,5-1 0,-4 0 0,2 1 0,-2-1 0,0 4 0,2-2 0,-2 2 0,0-1 0,2 2 0,-2 0 0,4 2 0,-1-2 0,1 0 0,0 2 0,-1-3 0,1 4 0,-1-3 0,-3 2 0,3-5 0,-4 2 0,1 0 0,3-3 0,-8 3 0,8-4 0,-7 0 0,-1 1 0,3-1 0,-2 1 0,4-1 0,3 4 0,-4-3 0,1 6 0,3-6 0,-8 3 0,4 0 0,0-3 0,-4 2 0,4 1 0,0-3 0,-4 7 0,11-7 0,-9 6 0,9-2 0,-7 0 0,5 2 0,-4-6 0,-2 6 0,1-3 0,1 1 0,-8-1 0,9-1 0,-13 2 0,11-1 0,0 3 0,-4-2 0,4 3 0,0-4 0,-4 4 0,4-4 0,-4 4 0,-1 0 0,1-3 0,0 2 0,-1-3 0,1 4 0,4 0 0,-4 0 0,8 0 0,-7 0 0,2 0 0,1 0 0,-11 0 0,9 0 0,-9-3 0,2 2 0,3-3 0,-3 0 0,0 4 0,4-4 0,-4 4 0,9-3 0,0 2 0,5-2 0,-1 3 0,1 0 0,0 0 0,0 0 0,0 0 0,0 0 0,-5 0 0,4 0 0,-3 0 0,3 0 0,1 0 0,0 0 0,0 0 0,0 0 0,1 0 0,-2 0 0,1 0 0,0 3 0,0-3 0,-5 7 0,0-6 0,-4 6 0,3-3 0,2 1 0,4-2 0,-1 0 0,1-2 0,0 3 0,2-4 0,2 0 0</inkml:trace>
-</inkml:ink>
-</file>
-
-<file path=ppt/ink/ink92.xml><?xml version="1.0" encoding="utf-8"?>
-<inkml:ink xmlns:inkml="http://www.w3.org/2003/InkML">
-  <inkml:definitions>
-    <inkml:context xml:id="ctx0">
-      <inkml:inkSource xml:id="inkSrc0">
-        <inkml:traceFormat>
-          <inkml:channel name="X" type="integer" min="-2.14748E9" max="2.14748E9" units="cm"/>
-          <inkml:channel name="Y" type="integer" min="-2.14748E9" max="2.14748E9" units="cm"/>
-          <inkml:channel name="F" type="integer" max="32767" units="dev"/>
-        </inkml:traceFormat>
-        <inkml:channelProperties>
-          <inkml:channelProperty channel="X" name="resolution" value="1000" units="1/cm"/>
-          <inkml:channelProperty channel="Y" name="resolution" value="1000" units="1/cm"/>
-          <inkml:channelProperty channel="F" name="resolution" value="0" units="1/dev"/>
-        </inkml:channelProperties>
-      </inkml:inkSource>
-      <inkml:timestamp xml:id="ts0" timeString="2022-06-20T16:36:09.771"/>
-    </inkml:context>
-    <inkml:brush xml:id="br0">
-      <inkml:brushProperty name="width" value="0.1" units="cm"/>
-      <inkml:brushProperty name="height" value="0.1" units="cm"/>
-      <inkml:brushProperty name="color" value="#BFBFBF"/>
-    </inkml:brush>
-  </inkml:definitions>
-  <inkml:trace contextRef="#ctx0" brushRef="#br0">2217 0 24575,'-76'60'0,"0"-1"0,0 0 0,0 0 0,1 1 0,-1-1 0,0 0 0,0 0 0,0 1 0,1-1 0,-5 4 0,-1 0 0,2 0 0,5-5 0,8-6 0,10-9 0,15-11 0,-17 12 0,13-5 0,23-24 0,0 12 0,-5-11 0,12 4 0,-12 0 0,13-5 0,-13 11 0,6-4 0,-1-1 0,-5 6 0,6-5 0,-8 0 0,1 5 0,-1-5 0,7 6 0,-5 1 0,5-1 0,-6 1 0,-1-1 0,7 1 0,-5-1 0,12-6 0,-5 4 0,7-11 0,-1 5 0,1-8 0,6 1 0,-4 0 0,9 0 0,-3 0 0,5-1 0,0 0 0,0 0 0,-6-5 0,4 4 0,-9-4 0,10 6 0,-18 0 0,16 0 0,-15 0 0,11 0 0,-6 0 0,6 0 0,-5 0 0,11 0 0,-5 0 0,1-6 0,3 4 0,-9-10 0,10 10 0,-10-10 0,3 11 0,-4-5 0,5 6 0,-5-6 0,11 4 0,-11-9 0,11 9 0,-10-9 0,9-7 0,-3-18 0,5-5 0,0-17 0,-7 6 0,5-17 0,-4 7 0,-2-17 0,6 7 0,-12 1 0,12-7 0,-5 16 0,7-7 0,0 10 0,0 7 0,-7-6 0,5 15 0,-5-7 0,7 15 0,0-4 0,0 11 0,0-5 0,0 7 0,0 1 0,0 5 0,0 2 0</inkml:trace>
-</inkml:ink>
-</file>
-
-<file path=ppt/ink/ink93.xml><?xml version="1.0" encoding="utf-8"?>
-<inkml:ink xmlns:inkml="http://www.w3.org/2003/InkML">
-  <inkml:definitions>
-    <inkml:context xml:id="ctx0">
-      <inkml:inkSource xml:id="inkSrc0">
-        <inkml:traceFormat>
-          <inkml:channel name="X" type="integer" min="-2.14748E9" max="2.14748E9" units="cm"/>
-          <inkml:channel name="Y" type="integer" min="-2.14748E9" max="2.14748E9" units="cm"/>
-          <inkml:channel name="F" type="integer" max="32767" units="dev"/>
-        </inkml:traceFormat>
-        <inkml:channelProperties>
-          <inkml:channelProperty channel="X" name="resolution" value="1000" units="1/cm"/>
-          <inkml:channelProperty channel="Y" name="resolution" value="1000" units="1/cm"/>
-          <inkml:channelProperty channel="F" name="resolution" value="0" units="1/dev"/>
-        </inkml:channelProperties>
-      </inkml:inkSource>
       <inkml:timestamp xml:id="ts0" timeString="2022-06-20T16:36:12.043"/>
     </inkml:context>
     <inkml:brush xml:id="br0">
@@ -3249,7 +3053,7 @@
 </inkml:ink>
 </file>
 
-<file path=ppt/ink/ink94.xml><?xml version="1.0" encoding="utf-8"?>
+<file path=ppt/ink/ink91.xml><?xml version="1.0" encoding="utf-8"?>
 <inkml:ink xmlns:inkml="http://www.w3.org/2003/InkML">
   <inkml:definitions>
     <inkml:context xml:id="ctx0">
@@ -3277,7 +3081,7 @@
 </inkml:ink>
 </file>
 
-<file path=ppt/ink/ink95.xml><?xml version="1.0" encoding="utf-8"?>
+<file path=ppt/ink/ink92.xml><?xml version="1.0" encoding="utf-8"?>
 <inkml:ink xmlns:inkml="http://www.w3.org/2003/InkML">
   <inkml:definitions>
     <inkml:context xml:id="ctx0">
@@ -3305,7 +3109,7 @@
 </inkml:ink>
 </file>
 
-<file path=ppt/ink/ink96.xml><?xml version="1.0" encoding="utf-8"?>
+<file path=ppt/ink/ink93.xml><?xml version="1.0" encoding="utf-8"?>
 <inkml:ink xmlns:inkml="http://www.w3.org/2003/InkML">
   <inkml:definitions>
     <inkml:context xml:id="ctx0">
@@ -3332,7 +3136,7 @@
 </inkml:ink>
 </file>
 
-<file path=ppt/ink/ink97.xml><?xml version="1.0" encoding="utf-8"?>
+<file path=ppt/ink/ink94.xml><?xml version="1.0" encoding="utf-8"?>
 <inkml:ink xmlns:inkml="http://www.w3.org/2003/InkML">
   <inkml:definitions>
     <inkml:context xml:id="ctx0">
@@ -3360,7 +3164,7 @@
 </inkml:ink>
 </file>
 
-<file path=ppt/ink/ink98.xml><?xml version="1.0" encoding="utf-8"?>
+<file path=ppt/ink/ink95.xml><?xml version="1.0" encoding="utf-8"?>
 <inkml:ink xmlns:inkml="http://www.w3.org/2003/InkML">
   <inkml:definitions>
     <inkml:context xml:id="ctx0">
@@ -3388,7 +3192,7 @@
 </inkml:ink>
 </file>
 
-<file path=ppt/ink/ink99.xml><?xml version="1.0" encoding="utf-8"?>
+<file path=ppt/ink/ink96.xml><?xml version="1.0" encoding="utf-8"?>
 <inkml:ink xmlns:inkml="http://www.w3.org/2003/InkML">
   <inkml:definitions>
     <inkml:context xml:id="ctx0">
@@ -3413,6 +3217,90 @@
     </inkml:brush>
   </inkml:definitions>
   <inkml:trace contextRef="#ctx0" brushRef="#br0">1 1021 24575,'0'-20'0,"0"-21"0,0-2 0,0-27 0,0 17 0,0-16 0,0 16 0,7-2 0,1-4 0,4-17 0,-4 14 0,1 3 0,-2 1 0,-7 6 0,0 22 0,0-1 0,0 1 0,7 0 0,-5 7 0,11-6 0,-11 14 0,4-6 0,0 7 0,-4 1 0,10 5 0,-11 2 0,5 6 0</inkml:trace>
+</inkml:ink>
+</file>
+
+<file path=ppt/ink/ink97.xml><?xml version="1.0" encoding="utf-8"?>
+<inkml:ink xmlns:inkml="http://www.w3.org/2003/InkML">
+  <inkml:definitions>
+    <inkml:context xml:id="ctx0">
+      <inkml:inkSource xml:id="inkSrc0">
+        <inkml:traceFormat>
+          <inkml:channel name="X" type="integer" min="-2.14748E9" max="2.14748E9" units="cm"/>
+          <inkml:channel name="Y" type="integer" min="-2.14748E9" max="2.14748E9" units="cm"/>
+          <inkml:channel name="F" type="integer" max="32767" units="dev"/>
+        </inkml:traceFormat>
+        <inkml:channelProperties>
+          <inkml:channelProperty channel="X" name="resolution" value="1000" units="1/cm"/>
+          <inkml:channelProperty channel="Y" name="resolution" value="1000" units="1/cm"/>
+          <inkml:channelProperty channel="F" name="resolution" value="0" units="1/dev"/>
+        </inkml:channelProperties>
+      </inkml:inkSource>
+      <inkml:timestamp xml:id="ts0" timeString="2022-06-20T16:48:27.210"/>
+    </inkml:context>
+    <inkml:brush xml:id="br0">
+      <inkml:brushProperty name="width" value="0.1" units="cm"/>
+      <inkml:brushProperty name="height" value="0.1" units="cm"/>
+      <inkml:brushProperty name="color" value="#C93431"/>
+    </inkml:brush>
+  </inkml:definitions>
+  <inkml:trace contextRef="#ctx0" brushRef="#br0">384 0 24575,'-13'0'0,"0"0"0,-1 0 0,1 0 0,-8 0 0,-1 0 0,0 0 0,-5 0 0,11 0 0,-17 0 0,10 0 0,-4 6 0,8 1 0,11 7 0,-3-1 0,3 0 0,1 0 0,-5 1 0,4-1 0,1 1 0,-5-7 0,11 5 0,-5-5 0,0 6 0,5 0 0,-11-5 0,10 4 0,-10-5 0,10 7 0,-4-1 0,6 0 0,0 0 0,0 0 0,0 0 0,0 1 0,0-1 0,0 1 0,6-7 0,1-2 0,6-5 0,-5 6 0,3-4 0,-4 4 0,6-6 0,0 0 0,1 0 0,-1 0 0,0 0 0,0 0 0,0 0 0,-5-6 0,4-2 0,-4-5 0,5-1 0,1 0 0,0 7 0,-7-5 0,5 10 0,-10-10 0,10 11 0,-5-11 0,7 4 0,-2-4 0,2-2 0,-7 2 0,5 5 0,-11-5 0,11 4 0,-10-5 0,10-1 0,-11 0 0,12 1 0,-6-1 0,7 6 0,-7-4 0,5 5 0,-16 5 0,9 10 0,-17 6 0,5 6 0,-7-6 0,0-1 0,1 1 0,-1-1 0,0 1 0,1 0 0,-1-1 0,0 1 0,7 0 0,-5-1 0,10 1 0,-10 0 0,10-1 0,-4 0 0,6 0 0,0 1 0,0 0 0,-13 0 0,10 0 0,-11 0 0,14 0 0,0-1 0,0 1 0,0-1 0,6 0 0,2 0 0,-1 1 0,6-1 0,-6-5 0,6-2 0,0-6 0,0 0 0,0 0 0,1 0 0,-1 0 0,1 0 0,-1 0 0,1 0 0,-1 0 0,1 0 0,7 0 0,2 0 0,0 0 0,5-7 0,-12 6 0,5-12 0,-8 11 0,1-4 0,-1 0 0,1-1 0,-2-6 0,-4-7 0,4 4 0,-11-12 0,11 12 0,-10-12 0,4 5 0,0-7 0,-4 7 0,5 2 0,-7 7 0,0 1 0,0-1 0,0 0 0,0 1 0,-6 6 0,-9-5 0,0 10 0,-6-5 0,7 1 0,1 5 0,-1-5 0,0 6 0,1 0 0,0 0 0,0 0 0,6-6 0,-4 4 0,9-10 0,-9 11 0,4-5 0,-7 0 0,1-2 0,-1-5 0,-7 5 0,12-4 0,-11 4 0,12 1 0,1-5 0,-5 10 0,10-4 0,-4 6 0</inkml:trace>
+</inkml:ink>
+</file>
+
+<file path=ppt/ink/ink98.xml><?xml version="1.0" encoding="utf-8"?>
+<inkml:ink xmlns:inkml="http://www.w3.org/2003/InkML">
+  <inkml:definitions>
+    <inkml:context xml:id="ctx0">
+      <inkml:inkSource xml:id="inkSrc0">
+        <inkml:traceFormat>
+          <inkml:channel name="X" type="integer" min="-2.14748E9" max="2.14748E9" units="cm"/>
+          <inkml:channel name="Y" type="integer" min="-2.14748E9" max="2.14748E9" units="cm"/>
+          <inkml:channel name="F" type="integer" max="32767" units="dev"/>
+        </inkml:traceFormat>
+        <inkml:channelProperties>
+          <inkml:channelProperty channel="X" name="resolution" value="1000" units="1/cm"/>
+          <inkml:channelProperty channel="Y" name="resolution" value="1000" units="1/cm"/>
+          <inkml:channelProperty channel="F" name="resolution" value="0" units="1/dev"/>
+        </inkml:channelProperties>
+      </inkml:inkSource>
+      <inkml:timestamp xml:id="ts0" timeString="2022-06-20T16:48:46.895"/>
+    </inkml:context>
+    <inkml:brush xml:id="br0">
+      <inkml:brushProperty name="width" value="0.1" units="cm"/>
+      <inkml:brushProperty name="height" value="0.1" units="cm"/>
+      <inkml:brushProperty name="color" value="#E71224"/>
+    </inkml:brush>
+  </inkml:definitions>
+  <inkml:trace contextRef="#ctx0" brushRef="#br0">10 1 24575,'0'14'0,"0"4"0,0-2 0,-5-4 0,4 2 0,-3-9 0,4 5 0,0-1 0,0 1 0,0-1 0,0 0 0,0 0 0,0 0 0,0 0 0,0 0 0,0 0 0,0 6 0,0-4 0,0 9 0,0-4 0,0 5 0,0 1 0,0-1 0,0 0 0,0-5 0,0-1 0,0-5 0,0 0 0,4-1 0,1 0 0,4 0 0,1 1 0,0 0 0,-1-1 0,1 1 0,0 0 0,-1-1 0,-3 1 0,2-5 0,-3 0 0,5-5 0,-1 0 0,1 0 0,0 0 0,4 0 0,-3 0 0,9 0 0,-9 0 0,4 0 0,-5 0 0,5 0 0,-4 0 0,3 0 0,-4 0 0,0 0 0,-1 0 0,1 0 0,0 0 0,-1 0 0,1 0 0,-1 0 0,1 0 0,-2 0 0,1 0 0,-4-9 0,-1 3 0,-4-7 0,0-2 0,5-1 0,-4 0 0,4 1 0,-5 0 0,0 4 0,0-3 0,-4 8 0,3-2 0,-7-2 0,-3-2 0,-1-8 0,-3 3 0,5 1 0,-6-4 0,5 9 0,-4-9 0,5 9 0,0-4 0,0 6 0,1-1 0,-1 1 0,1-1 0,-1 5 0,0-4 0,1 4 0,-1-1 0,0-2 0,1 2 0,-1-3 0,0 3 0,1-2 0,-1 2 0,1 1 0,-1 1 0,5 0 0,-2 2 0,6-10 0,-3 11 0,4-7 0</inkml:trace>
+</inkml:ink>
+</file>
+
+<file path=ppt/ink/ink99.xml><?xml version="1.0" encoding="utf-8"?>
+<inkml:ink xmlns:inkml="http://www.w3.org/2003/InkML">
+  <inkml:definitions>
+    <inkml:context xml:id="ctx0">
+      <inkml:inkSource xml:id="inkSrc0">
+        <inkml:traceFormat>
+          <inkml:channel name="X" type="integer" min="-2.14748E9" max="2.14748E9" units="cm"/>
+          <inkml:channel name="Y" type="integer" min="-2.14748E9" max="2.14748E9" units="cm"/>
+          <inkml:channel name="F" type="integer" max="32767" units="dev"/>
+        </inkml:traceFormat>
+        <inkml:channelProperties>
+          <inkml:channelProperty channel="X" name="resolution" value="1000" units="1/cm"/>
+          <inkml:channelProperty channel="Y" name="resolution" value="1000" units="1/cm"/>
+          <inkml:channelProperty channel="F" name="resolution" value="0" units="1/dev"/>
+        </inkml:channelProperties>
+      </inkml:inkSource>
+      <inkml:timestamp xml:id="ts0" timeString="2022-06-20T16:48:32.051"/>
+    </inkml:context>
+    <inkml:brush xml:id="br0">
+      <inkml:brushProperty name="width" value="0.1" units="cm"/>
+      <inkml:brushProperty name="height" value="0.1" units="cm"/>
+      <inkml:brushProperty name="color" value="#C93431"/>
+    </inkml:brush>
+  </inkml:definitions>
+  <inkml:trace contextRef="#ctx0" brushRef="#br0">0 0 24575,'13'0'0,"0"0"0,1 0 0,-1 0 0,17 0 0,-12 0 0,19 0 0,-14 7 0,0 8 0,15 2 0,-13 5 0,7 1 0,-3-6 0,-5-2 0,-1 5 0,-8-11 0,5 13 0,-10-8 0,11 0 0,-8 0 0,1 0 0,0-1 0,-1 1 0,1 0 0,0-1 0,-1 1 0,1 0 0,-1-7 0,0 5 0,0-11 0,0 5 0,0-6 0,-6 5 0,4-3 0,-4 9 0,6-9 0,1 10 0,0-4 0,-1-1 0,1 5 0,0-4 0,-1 5 0,1-5 0,0 4 0,-7-5 0,5 1 0,-10 3 0,10-9 0,-5 3 0,6-5 0,-6 6 0,5-4 0,-4 4 0,-1 0 0,5-5 0,-5 11 0,6-11 0,-7 11 0,6-11 0,-10 11 0,10-10 0,-5 3 0,1-5 0,-3 0 0</inkml:trace>
 </inkml:ink>
 </file>
 
@@ -3547,7 +3435,7 @@
           <a:p>
             <a:fld id="{5B15DD13-963A-5F46-82C4-D335A0D7E61E}" type="datetimeFigureOut">
               <a:rPr lang="en-US" smtClean="0"/>
-              <a:t>12/18/23</a:t>
+              <a:t>12/19/23</a:t>
             </a:fld>
             <a:endParaRPr lang="en-US"/>
           </a:p>
@@ -3717,7 +3605,7 @@
           <a:p>
             <a:fld id="{5B15DD13-963A-5F46-82C4-D335A0D7E61E}" type="datetimeFigureOut">
               <a:rPr lang="en-US" smtClean="0"/>
-              <a:t>12/18/23</a:t>
+              <a:t>12/19/23</a:t>
             </a:fld>
             <a:endParaRPr lang="en-US"/>
           </a:p>
@@ -3897,7 +3785,7 @@
           <a:p>
             <a:fld id="{5B15DD13-963A-5F46-82C4-D335A0D7E61E}" type="datetimeFigureOut">
               <a:rPr lang="en-US" smtClean="0"/>
-              <a:t>12/18/23</a:t>
+              <a:t>12/19/23</a:t>
             </a:fld>
             <a:endParaRPr lang="en-US"/>
           </a:p>
@@ -4067,7 +3955,7 @@
           <a:p>
             <a:fld id="{5B15DD13-963A-5F46-82C4-D335A0D7E61E}" type="datetimeFigureOut">
               <a:rPr lang="en-US" smtClean="0"/>
-              <a:t>12/18/23</a:t>
+              <a:t>12/19/23</a:t>
             </a:fld>
             <a:endParaRPr lang="en-US"/>
           </a:p>
@@ -4311,7 +4199,7 @@
           <a:p>
             <a:fld id="{5B15DD13-963A-5F46-82C4-D335A0D7E61E}" type="datetimeFigureOut">
               <a:rPr lang="en-US" smtClean="0"/>
-              <a:t>12/18/23</a:t>
+              <a:t>12/19/23</a:t>
             </a:fld>
             <a:endParaRPr lang="en-US"/>
           </a:p>
@@ -4543,7 +4431,7 @@
           <a:p>
             <a:fld id="{5B15DD13-963A-5F46-82C4-D335A0D7E61E}" type="datetimeFigureOut">
               <a:rPr lang="en-US" smtClean="0"/>
-              <a:t>12/18/23</a:t>
+              <a:t>12/19/23</a:t>
             </a:fld>
             <a:endParaRPr lang="en-US"/>
           </a:p>
@@ -4910,7 +4798,7 @@
           <a:p>
             <a:fld id="{5B15DD13-963A-5F46-82C4-D335A0D7E61E}" type="datetimeFigureOut">
               <a:rPr lang="en-US" smtClean="0"/>
-              <a:t>12/18/23</a:t>
+              <a:t>12/19/23</a:t>
             </a:fld>
             <a:endParaRPr lang="en-US"/>
           </a:p>
@@ -5028,7 +4916,7 @@
           <a:p>
             <a:fld id="{5B15DD13-963A-5F46-82C4-D335A0D7E61E}" type="datetimeFigureOut">
               <a:rPr lang="en-US" smtClean="0"/>
-              <a:t>12/18/23</a:t>
+              <a:t>12/19/23</a:t>
             </a:fld>
             <a:endParaRPr lang="en-US"/>
           </a:p>
@@ -5123,7 +5011,7 @@
           <a:p>
             <a:fld id="{5B15DD13-963A-5F46-82C4-D335A0D7E61E}" type="datetimeFigureOut">
               <a:rPr lang="en-US" smtClean="0"/>
-              <a:t>12/18/23</a:t>
+              <a:t>12/19/23</a:t>
             </a:fld>
             <a:endParaRPr lang="en-US"/>
           </a:p>
@@ -5400,7 +5288,7 @@
           <a:p>
             <a:fld id="{5B15DD13-963A-5F46-82C4-D335A0D7E61E}" type="datetimeFigureOut">
               <a:rPr lang="en-US" smtClean="0"/>
-              <a:t>12/18/23</a:t>
+              <a:t>12/19/23</a:t>
             </a:fld>
             <a:endParaRPr lang="en-US"/>
           </a:p>
@@ -5657,7 +5545,7 @@
           <a:p>
             <a:fld id="{5B15DD13-963A-5F46-82C4-D335A0D7E61E}" type="datetimeFigureOut">
               <a:rPr lang="en-US" smtClean="0"/>
-              <a:t>12/18/23</a:t>
+              <a:t>12/19/23</a:t>
             </a:fld>
             <a:endParaRPr lang="en-US"/>
           </a:p>
@@ -5870,7 +5758,7 @@
           <a:p>
             <a:fld id="{5B15DD13-963A-5F46-82C4-D335A0D7E61E}" type="datetimeFigureOut">
               <a:rPr lang="en-US" smtClean="0"/>
-              <a:t>12/18/23</a:t>
+              <a:t>12/19/23</a:t>
             </a:fld>
             <a:endParaRPr lang="en-US"/>
           </a:p>
@@ -8501,9 +8389,111 @@
           <a:chExt cx="0" cy="0"/>
         </a:xfrm>
       </p:grpSpPr>
+      <mc:AlternateContent xmlns:mc="http://schemas.openxmlformats.org/markup-compatibility/2006">
+        <mc:Choice xmlns:p14="http://schemas.microsoft.com/office/powerpoint/2010/main" Requires="p14">
+          <p:contentPart p14:bwMode="auto" r:id="rId2">
+            <p14:nvContentPartPr>
+              <p14:cNvPr id="14" name="Ink 13">
+                <a:extLst>
+                  <a:ext uri="{FF2B5EF4-FFF2-40B4-BE49-F238E27FC236}">
+                    <a16:creationId xmlns:a16="http://schemas.microsoft.com/office/drawing/2014/main" id="{AD2A53CC-76F6-0457-7CBF-8C4868034F45}"/>
+                  </a:ext>
+                </a:extLst>
+              </p14:cNvPr>
+              <p14:cNvContentPartPr/>
+              <p14:nvPr/>
+            </p14:nvContentPartPr>
+            <p14:xfrm>
+              <a:off x="4199640" y="5256900"/>
+              <a:ext cx="76320" cy="371880"/>
+            </p14:xfrm>
+          </p:contentPart>
+        </mc:Choice>
+        <mc:Fallback>
+          <p:pic>
+            <p:nvPicPr>
+              <p:cNvPr id="14" name="Ink 13">
+                <a:extLst>
+                  <a:ext uri="{FF2B5EF4-FFF2-40B4-BE49-F238E27FC236}">
+                    <a16:creationId xmlns:a16="http://schemas.microsoft.com/office/drawing/2014/main" id="{AD2A53CC-76F6-0457-7CBF-8C4868034F45}"/>
+                  </a:ext>
+                </a:extLst>
+              </p:cNvPr>
+              <p:cNvPicPr/>
+              <p:nvPr/>
+            </p:nvPicPr>
+            <p:blipFill>
+              <a:blip r:embed="rId3"/>
+              <a:stretch>
+                <a:fillRect/>
+              </a:stretch>
+            </p:blipFill>
+            <p:spPr>
+              <a:xfrm>
+                <a:off x="4181640" y="5238900"/>
+                <a:ext cx="111960" cy="407520"/>
+              </a:xfrm>
+              <a:prstGeom prst="rect">
+                <a:avLst/>
+              </a:prstGeom>
+            </p:spPr>
+          </p:pic>
+        </mc:Fallback>
+      </mc:AlternateContent>
+      <mc:AlternateContent xmlns:mc="http://schemas.openxmlformats.org/markup-compatibility/2006">
+        <mc:Choice xmlns:p14="http://schemas.microsoft.com/office/powerpoint/2010/main" Requires="p14">
+          <p:contentPart p14:bwMode="auto" r:id="rId4">
+            <p14:nvContentPartPr>
+              <p14:cNvPr id="9" name="Ink 8">
+                <a:extLst>
+                  <a:ext uri="{FF2B5EF4-FFF2-40B4-BE49-F238E27FC236}">
+                    <a16:creationId xmlns:a16="http://schemas.microsoft.com/office/drawing/2014/main" id="{BCE62E94-0E9E-9D6F-D633-5D785B291ABA}"/>
+                  </a:ext>
+                </a:extLst>
+              </p14:cNvPr>
+              <p14:cNvContentPartPr/>
+              <p14:nvPr/>
+            </p14:nvContentPartPr>
+            <p14:xfrm>
+              <a:off x="5877960" y="5450220"/>
+              <a:ext cx="275760" cy="169560"/>
+            </p14:xfrm>
+          </p:contentPart>
+        </mc:Choice>
+        <mc:Fallback>
+          <p:pic>
+            <p:nvPicPr>
+              <p:cNvPr id="9" name="Ink 8">
+                <a:extLst>
+                  <a:ext uri="{FF2B5EF4-FFF2-40B4-BE49-F238E27FC236}">
+                    <a16:creationId xmlns:a16="http://schemas.microsoft.com/office/drawing/2014/main" id="{BCE62E94-0E9E-9D6F-D633-5D785B291ABA}"/>
+                  </a:ext>
+                </a:extLst>
+              </p:cNvPr>
+              <p:cNvPicPr/>
+              <p:nvPr/>
+            </p:nvPicPr>
+            <p:blipFill>
+              <a:blip r:embed="rId5"/>
+              <a:stretch>
+                <a:fillRect/>
+              </a:stretch>
+            </p:blipFill>
+            <p:spPr>
+              <a:xfrm>
+                <a:off x="5859960" y="5432258"/>
+                <a:ext cx="311400" cy="205124"/>
+              </a:xfrm>
+              <a:prstGeom prst="rect">
+                <a:avLst/>
+              </a:prstGeom>
+            </p:spPr>
+          </p:pic>
+        </mc:Fallback>
+      </mc:AlternateContent>
       <mc:AlternateContent xmlns:mc="http://schemas.openxmlformats.org/markup-compatibility/2006" xmlns:p14="http://schemas.microsoft.com/office/powerpoint/2010/main">
         <mc:Choice Requires="p14">
-          <p:contentPart p14:bwMode="auto" r:id="rId2">
+          <p:contentPart p14:bwMode="auto" r:id="rId6">
             <p14:nvContentPartPr>
               <p14:cNvPr id="37" name="Ink 36">
                 <a:extLst>
@@ -8535,7 +8525,7 @@
               <p:nvPr/>
             </p:nvPicPr>
             <p:blipFill>
-              <a:blip r:embed="rId3"/>
+              <a:blip r:embed="rId7"/>
               <a:stretch>
                 <a:fillRect/>
               </a:stretch>
@@ -8554,7 +8544,7 @@
       </mc:AlternateContent>
       <mc:AlternateContent xmlns:mc="http://schemas.openxmlformats.org/markup-compatibility/2006" xmlns:p14="http://schemas.microsoft.com/office/powerpoint/2010/main">
         <mc:Choice Requires="p14">
-          <p:contentPart p14:bwMode="auto" r:id="rId4">
+          <p:contentPart p14:bwMode="auto" r:id="rId8">
             <p14:nvContentPartPr>
               <p14:cNvPr id="40" name="Ink 39">
                 <a:extLst>
@@ -8586,7 +8576,7 @@
               <p:nvPr/>
             </p:nvPicPr>
             <p:blipFill>
-              <a:blip r:embed="rId3"/>
+              <a:blip r:embed="rId7"/>
               <a:stretch>
                 <a:fillRect/>
               </a:stretch>
@@ -8683,7 +8673,7 @@
       </p:sp>
       <mc:AlternateContent xmlns:mc="http://schemas.openxmlformats.org/markup-compatibility/2006" xmlns:p14="http://schemas.microsoft.com/office/powerpoint/2010/main">
         <mc:Choice Requires="p14">
-          <p:contentPart p14:bwMode="auto" r:id="rId5">
+          <p:contentPart p14:bwMode="auto" r:id="rId9">
             <p14:nvContentPartPr>
               <p14:cNvPr id="43" name="Ink 42">
                 <a:extLst>
@@ -8715,7 +8705,7 @@
               <p:nvPr/>
             </p:nvPicPr>
             <p:blipFill>
-              <a:blip r:embed="rId3"/>
+              <a:blip r:embed="rId7"/>
               <a:stretch>
                 <a:fillRect/>
               </a:stretch>
@@ -8793,7 +8783,7 @@
         </p:grpSpPr>
         <mc:AlternateContent xmlns:mc="http://schemas.openxmlformats.org/markup-compatibility/2006" xmlns:p14="http://schemas.microsoft.com/office/powerpoint/2010/main">
           <mc:Choice Requires="p14">
-            <p:contentPart p14:bwMode="auto" r:id="rId6">
+            <p:contentPart p14:bwMode="auto" r:id="rId10">
               <p14:nvContentPartPr>
                 <p14:cNvPr id="45" name="Ink 44">
                   <a:extLst>
@@ -8825,7 +8815,7 @@
                 <p:nvPr/>
               </p:nvPicPr>
               <p:blipFill>
-                <a:blip r:embed="rId7"/>
+                <a:blip r:embed="rId11"/>
                 <a:stretch>
                   <a:fillRect/>
                 </a:stretch>
@@ -8844,7 +8834,7 @@
         </mc:AlternateContent>
         <mc:AlternateContent xmlns:mc="http://schemas.openxmlformats.org/markup-compatibility/2006" xmlns:p14="http://schemas.microsoft.com/office/powerpoint/2010/main">
           <mc:Choice Requires="p14">
-            <p:contentPart p14:bwMode="auto" r:id="rId8">
+            <p:contentPart p14:bwMode="auto" r:id="rId12">
               <p14:nvContentPartPr>
                 <p14:cNvPr id="46" name="Ink 45">
                   <a:extLst>
@@ -8876,7 +8866,7 @@
                 <p:nvPr/>
               </p:nvPicPr>
               <p:blipFill>
-                <a:blip r:embed="rId9"/>
+                <a:blip r:embed="rId13"/>
                 <a:stretch>
                   <a:fillRect/>
                 </a:stretch>
@@ -8916,7 +8906,7 @@
         </p:grpSpPr>
         <mc:AlternateContent xmlns:mc="http://schemas.openxmlformats.org/markup-compatibility/2006" xmlns:p14="http://schemas.microsoft.com/office/powerpoint/2010/main">
           <mc:Choice Requires="p14">
-            <p:contentPart p14:bwMode="auto" r:id="rId10">
+            <p:contentPart p14:bwMode="auto" r:id="rId14">
               <p14:nvContentPartPr>
                 <p14:cNvPr id="48" name="Ink 47">
                   <a:extLst>
@@ -8948,7 +8938,7 @@
                 <p:nvPr/>
               </p:nvPicPr>
               <p:blipFill>
-                <a:blip r:embed="rId11"/>
+                <a:blip r:embed="rId15"/>
                 <a:stretch>
                   <a:fillRect/>
                 </a:stretch>
@@ -8967,7 +8957,7 @@
         </mc:AlternateContent>
         <mc:AlternateContent xmlns:mc="http://schemas.openxmlformats.org/markup-compatibility/2006" xmlns:p14="http://schemas.microsoft.com/office/powerpoint/2010/main">
           <mc:Choice Requires="p14">
-            <p:contentPart p14:bwMode="auto" r:id="rId12">
+            <p:contentPart p14:bwMode="auto" r:id="rId16">
               <p14:nvContentPartPr>
                 <p14:cNvPr id="49" name="Ink 48">
                   <a:extLst>
@@ -8999,7 +8989,7 @@
                 <p:nvPr/>
               </p:nvPicPr>
               <p:blipFill>
-                <a:blip r:embed="rId13"/>
+                <a:blip r:embed="rId17"/>
                 <a:stretch>
                   <a:fillRect/>
                 </a:stretch>
@@ -9095,7 +9085,7 @@
       </p:sp>
       <mc:AlternateContent xmlns:mc="http://schemas.openxmlformats.org/markup-compatibility/2006" xmlns:p14="http://schemas.microsoft.com/office/powerpoint/2010/main">
         <mc:Choice Requires="p14">
-          <p:contentPart p14:bwMode="auto" r:id="rId14">
+          <p:contentPart p14:bwMode="auto" r:id="rId18">
             <p14:nvContentPartPr>
               <p14:cNvPr id="2" name="Ink 1">
                 <a:extLst>
@@ -9127,7 +9117,7 @@
               <p:nvPr/>
             </p:nvPicPr>
             <p:blipFill>
-              <a:blip r:embed="rId15"/>
+              <a:blip r:embed="rId19"/>
               <a:stretch>
                 <a:fillRect/>
               </a:stretch>
@@ -9144,306 +9134,111 @@
           </p:pic>
         </mc:Fallback>
       </mc:AlternateContent>
-      <p:grpSp>
-        <p:nvGrpSpPr>
-          <p:cNvPr id="5" name="Group 4">
-            <a:extLst>
-              <a:ext uri="{FF2B5EF4-FFF2-40B4-BE49-F238E27FC236}">
-                <a16:creationId xmlns:a16="http://schemas.microsoft.com/office/drawing/2014/main" id="{799773D2-F22D-EFA5-FD83-E3548AEC6500}"/>
-              </a:ext>
-            </a:extLst>
-          </p:cNvPr>
-          <p:cNvGrpSpPr/>
-          <p:nvPr/>
-        </p:nvGrpSpPr>
-        <p:grpSpPr>
-          <a:xfrm>
-            <a:off x="8642400" y="3229020"/>
-            <a:ext cx="360" cy="360"/>
-            <a:chOff x="8642400" y="4714920"/>
-            <a:chExt cx="360" cy="360"/>
-          </a:xfrm>
-        </p:grpSpPr>
-        <mc:AlternateContent xmlns:mc="http://schemas.openxmlformats.org/markup-compatibility/2006" xmlns:p14="http://schemas.microsoft.com/office/powerpoint/2010/main">
-          <mc:Choice Requires="p14">
-            <p:contentPart p14:bwMode="auto" r:id="rId16">
-              <p14:nvContentPartPr>
-                <p14:cNvPr id="3" name="Ink 2">
-                  <a:extLst>
-                    <a:ext uri="{FF2B5EF4-FFF2-40B4-BE49-F238E27FC236}">
-                      <a16:creationId xmlns:a16="http://schemas.microsoft.com/office/drawing/2014/main" id="{CCEE581B-363E-9B6D-784A-8E7506BF12C7}"/>
-                    </a:ext>
-                  </a:extLst>
-                </p14:cNvPr>
-                <p14:cNvContentPartPr/>
-                <p14:nvPr/>
-              </p14:nvContentPartPr>
-              <p14:xfrm>
-                <a:off x="8642400" y="4714920"/>
-                <a:ext cx="360" cy="360"/>
-              </p14:xfrm>
-            </p:contentPart>
-          </mc:Choice>
-          <mc:Fallback xmlns="">
-            <p:pic>
-              <p:nvPicPr>
-                <p:cNvPr id="3" name="Ink 2">
-                  <a:extLst>
-                    <a:ext uri="{FF2B5EF4-FFF2-40B4-BE49-F238E27FC236}">
-                      <a16:creationId xmlns:a16="http://schemas.microsoft.com/office/drawing/2014/main" id="{CCEE581B-363E-9B6D-784A-8E7506BF12C7}"/>
-                    </a:ext>
-                  </a:extLst>
-                </p:cNvPr>
-                <p:cNvPicPr/>
-                <p:nvPr/>
-              </p:nvPicPr>
-              <p:blipFill>
-                <a:blip r:embed="rId17"/>
-                <a:stretch>
-                  <a:fillRect/>
-                </a:stretch>
-              </p:blipFill>
-              <p:spPr>
-                <a:xfrm>
-                  <a:off x="8624400" y="4696920"/>
-                  <a:ext cx="36000" cy="36000"/>
-                </a:xfrm>
-                <a:prstGeom prst="rect">
-                  <a:avLst/>
-                </a:prstGeom>
-              </p:spPr>
-            </p:pic>
-          </mc:Fallback>
-        </mc:AlternateContent>
-        <mc:AlternateContent xmlns:mc="http://schemas.openxmlformats.org/markup-compatibility/2006" xmlns:p14="http://schemas.microsoft.com/office/powerpoint/2010/main">
-          <mc:Choice Requires="p14">
-            <p:contentPart p14:bwMode="auto" r:id="rId18">
-              <p14:nvContentPartPr>
-                <p14:cNvPr id="4" name="Ink 3">
-                  <a:extLst>
-                    <a:ext uri="{FF2B5EF4-FFF2-40B4-BE49-F238E27FC236}">
-                      <a16:creationId xmlns:a16="http://schemas.microsoft.com/office/drawing/2014/main" id="{ED9EBC83-087F-F838-C63C-CD4054E0C024}"/>
-                    </a:ext>
-                  </a:extLst>
-                </p14:cNvPr>
-                <p14:cNvContentPartPr/>
-                <p14:nvPr/>
-              </p14:nvContentPartPr>
-              <p14:xfrm>
-                <a:off x="8642400" y="4714920"/>
-                <a:ext cx="360" cy="360"/>
-              </p14:xfrm>
-            </p:contentPart>
-          </mc:Choice>
-          <mc:Fallback xmlns="">
-            <p:pic>
-              <p:nvPicPr>
-                <p:cNvPr id="4" name="Ink 3">
-                  <a:extLst>
-                    <a:ext uri="{FF2B5EF4-FFF2-40B4-BE49-F238E27FC236}">
-                      <a16:creationId xmlns:a16="http://schemas.microsoft.com/office/drawing/2014/main" id="{ED9EBC83-087F-F838-C63C-CD4054E0C024}"/>
-                    </a:ext>
-                  </a:extLst>
-                </p:cNvPr>
-                <p:cNvPicPr/>
-                <p:nvPr/>
-              </p:nvPicPr>
-              <p:blipFill>
-                <a:blip r:embed="rId17"/>
-                <a:stretch>
-                  <a:fillRect/>
-                </a:stretch>
-              </p:blipFill>
-              <p:spPr>
-                <a:xfrm>
-                  <a:off x="8624400" y="4696920"/>
-                  <a:ext cx="36000" cy="36000"/>
-                </a:xfrm>
-                <a:prstGeom prst="rect">
-                  <a:avLst/>
-                </a:prstGeom>
-              </p:spPr>
-            </p:pic>
-          </mc:Fallback>
-        </mc:AlternateContent>
-      </p:grpSp>
-      <p:grpSp>
-        <p:nvGrpSpPr>
-          <p:cNvPr id="12" name="Group 11">
-            <a:extLst>
-              <a:ext uri="{FF2B5EF4-FFF2-40B4-BE49-F238E27FC236}">
-                <a16:creationId xmlns:a16="http://schemas.microsoft.com/office/drawing/2014/main" id="{3BBE3966-8251-5B37-32E4-F6F9733363A6}"/>
-              </a:ext>
-            </a:extLst>
-          </p:cNvPr>
-          <p:cNvGrpSpPr/>
-          <p:nvPr/>
-        </p:nvGrpSpPr>
-        <p:grpSpPr>
-          <a:xfrm>
-            <a:off x="5725680" y="5236380"/>
-            <a:ext cx="428040" cy="590040"/>
-            <a:chOff x="5725680" y="6722280"/>
-            <a:chExt cx="428040" cy="590040"/>
-          </a:xfrm>
-        </p:grpSpPr>
-        <mc:AlternateContent xmlns:mc="http://schemas.openxmlformats.org/markup-compatibility/2006" xmlns:p14="http://schemas.microsoft.com/office/powerpoint/2010/main">
-          <mc:Choice Requires="p14">
-            <p:contentPart p14:bwMode="auto" r:id="rId19">
-              <p14:nvContentPartPr>
-                <p14:cNvPr id="8" name="Ink 7">
-                  <a:extLst>
-                    <a:ext uri="{FF2B5EF4-FFF2-40B4-BE49-F238E27FC236}">
-                      <a16:creationId xmlns:a16="http://schemas.microsoft.com/office/drawing/2014/main" id="{90232097-83E1-8BD5-0F63-A7E7E427A3DB}"/>
-                    </a:ext>
-                  </a:extLst>
-                </p14:cNvPr>
-                <p14:cNvContentPartPr/>
-                <p14:nvPr/>
-              </p14:nvContentPartPr>
-              <p14:xfrm>
-                <a:off x="5875080" y="6722280"/>
-                <a:ext cx="39240" cy="367560"/>
-              </p14:xfrm>
-            </p:contentPart>
-          </mc:Choice>
-          <mc:Fallback xmlns="">
-            <p:pic>
-              <p:nvPicPr>
-                <p:cNvPr id="8" name="Ink 7">
-                  <a:extLst>
-                    <a:ext uri="{FF2B5EF4-FFF2-40B4-BE49-F238E27FC236}">
-                      <a16:creationId xmlns:a16="http://schemas.microsoft.com/office/drawing/2014/main" id="{90232097-83E1-8BD5-0F63-A7E7E427A3DB}"/>
-                    </a:ext>
-                  </a:extLst>
-                </p:cNvPr>
-                <p:cNvPicPr/>
-                <p:nvPr/>
-              </p:nvPicPr>
-              <p:blipFill>
-                <a:blip r:embed="rId20"/>
-                <a:stretch>
-                  <a:fillRect/>
-                </a:stretch>
-              </p:blipFill>
-              <p:spPr>
-                <a:xfrm>
-                  <a:off x="5857440" y="6704640"/>
-                  <a:ext cx="74880" cy="403200"/>
-                </a:xfrm>
-                <a:prstGeom prst="rect">
-                  <a:avLst/>
-                </a:prstGeom>
-              </p:spPr>
-            </p:pic>
-          </mc:Fallback>
-        </mc:AlternateContent>
-        <mc:AlternateContent xmlns:mc="http://schemas.openxmlformats.org/markup-compatibility/2006" xmlns:p14="http://schemas.microsoft.com/office/powerpoint/2010/main">
-          <mc:Choice Requires="p14">
-            <p:contentPart p14:bwMode="auto" r:id="rId21">
-              <p14:nvContentPartPr>
-                <p14:cNvPr id="9" name="Ink 8">
-                  <a:extLst>
-                    <a:ext uri="{FF2B5EF4-FFF2-40B4-BE49-F238E27FC236}">
-                      <a16:creationId xmlns:a16="http://schemas.microsoft.com/office/drawing/2014/main" id="{BCE62E94-0E9E-9D6F-D633-5D785B291ABA}"/>
-                    </a:ext>
-                  </a:extLst>
-                </p14:cNvPr>
-                <p14:cNvContentPartPr/>
-                <p14:nvPr/>
-              </p14:nvContentPartPr>
-              <p14:xfrm>
-                <a:off x="5877960" y="6936120"/>
-                <a:ext cx="275760" cy="169560"/>
-              </p14:xfrm>
-            </p:contentPart>
-          </mc:Choice>
-          <mc:Fallback xmlns="">
-            <p:pic>
-              <p:nvPicPr>
-                <p:cNvPr id="9" name="Ink 8">
-                  <a:extLst>
-                    <a:ext uri="{FF2B5EF4-FFF2-40B4-BE49-F238E27FC236}">
-                      <a16:creationId xmlns:a16="http://schemas.microsoft.com/office/drawing/2014/main" id="{BCE62E94-0E9E-9D6F-D633-5D785B291ABA}"/>
-                    </a:ext>
-                  </a:extLst>
-                </p:cNvPr>
-                <p:cNvPicPr/>
-                <p:nvPr/>
-              </p:nvPicPr>
-              <p:blipFill>
-                <a:blip r:embed="rId22"/>
-                <a:stretch>
-                  <a:fillRect/>
-                </a:stretch>
-              </p:blipFill>
-              <p:spPr>
-                <a:xfrm>
-                  <a:off x="5860320" y="6918120"/>
-                  <a:ext cx="311400" cy="205200"/>
-                </a:xfrm>
-                <a:prstGeom prst="rect">
-                  <a:avLst/>
-                </a:prstGeom>
-              </p:spPr>
-            </p:pic>
-          </mc:Fallback>
-        </mc:AlternateContent>
-        <mc:AlternateContent xmlns:mc="http://schemas.openxmlformats.org/markup-compatibility/2006" xmlns:p14="http://schemas.microsoft.com/office/powerpoint/2010/main">
-          <mc:Choice Requires="p14">
-            <p:contentPart p14:bwMode="auto" r:id="rId23">
-              <p14:nvContentPartPr>
-                <p14:cNvPr id="11" name="Ink 10">
-                  <a:extLst>
-                    <a:ext uri="{FF2B5EF4-FFF2-40B4-BE49-F238E27FC236}">
-                      <a16:creationId xmlns:a16="http://schemas.microsoft.com/office/drawing/2014/main" id="{6F5C41E4-5790-3BA3-3708-2A70214CCA73}"/>
-                    </a:ext>
-                  </a:extLst>
-                </p14:cNvPr>
-                <p14:cNvContentPartPr/>
-                <p14:nvPr/>
-              </p14:nvContentPartPr>
-              <p14:xfrm>
-                <a:off x="5725680" y="7133040"/>
-                <a:ext cx="229320" cy="179280"/>
-              </p14:xfrm>
-            </p:contentPart>
-          </mc:Choice>
-          <mc:Fallback xmlns="">
-            <p:pic>
-              <p:nvPicPr>
-                <p:cNvPr id="11" name="Ink 10">
-                  <a:extLst>
-                    <a:ext uri="{FF2B5EF4-FFF2-40B4-BE49-F238E27FC236}">
-                      <a16:creationId xmlns:a16="http://schemas.microsoft.com/office/drawing/2014/main" id="{6F5C41E4-5790-3BA3-3708-2A70214CCA73}"/>
-                    </a:ext>
-                  </a:extLst>
-                </p:cNvPr>
-                <p:cNvPicPr/>
-                <p:nvPr/>
-              </p:nvPicPr>
-              <p:blipFill>
-                <a:blip r:embed="rId24"/>
-                <a:stretch>
-                  <a:fillRect/>
-                </a:stretch>
-              </p:blipFill>
-              <p:spPr>
-                <a:xfrm>
-                  <a:off x="5707680" y="7115040"/>
-                  <a:ext cx="264960" cy="214920"/>
-                </a:xfrm>
-                <a:prstGeom prst="rect">
-                  <a:avLst/>
-                </a:prstGeom>
-              </p:spPr>
-            </p:pic>
-          </mc:Fallback>
-        </mc:AlternateContent>
-      </p:grpSp>
+      <mc:AlternateContent xmlns:mc="http://schemas.openxmlformats.org/markup-compatibility/2006">
+        <mc:Choice xmlns:p14="http://schemas.microsoft.com/office/powerpoint/2010/main" Requires="p14">
+          <p:contentPart p14:bwMode="auto" r:id="rId20">
+            <p14:nvContentPartPr>
+              <p14:cNvPr id="8" name="Ink 7">
+                <a:extLst>
+                  <a:ext uri="{FF2B5EF4-FFF2-40B4-BE49-F238E27FC236}">
+                    <a16:creationId xmlns:a16="http://schemas.microsoft.com/office/drawing/2014/main" id="{90232097-83E1-8BD5-0F63-A7E7E427A3DB}"/>
+                  </a:ext>
+                </a:extLst>
+              </p14:cNvPr>
+              <p14:cNvContentPartPr/>
+              <p14:nvPr/>
+            </p14:nvContentPartPr>
+            <p14:xfrm>
+              <a:off x="5875080" y="5236380"/>
+              <a:ext cx="39240" cy="367560"/>
+            </p14:xfrm>
+          </p:contentPart>
+        </mc:Choice>
+        <mc:Fallback>
+          <p:pic>
+            <p:nvPicPr>
+              <p:cNvPr id="8" name="Ink 7">
+                <a:extLst>
+                  <a:ext uri="{FF2B5EF4-FFF2-40B4-BE49-F238E27FC236}">
+                    <a16:creationId xmlns:a16="http://schemas.microsoft.com/office/drawing/2014/main" id="{90232097-83E1-8BD5-0F63-A7E7E427A3DB}"/>
+                  </a:ext>
+                </a:extLst>
+              </p:cNvPr>
+              <p:cNvPicPr/>
+              <p:nvPr/>
+            </p:nvPicPr>
+            <p:blipFill>
+              <a:blip r:embed="rId21"/>
+              <a:stretch>
+                <a:fillRect/>
+              </a:stretch>
+            </p:blipFill>
+            <p:spPr>
+              <a:xfrm>
+                <a:off x="5857080" y="5218380"/>
+                <a:ext cx="74880" cy="403200"/>
+              </a:xfrm>
+              <a:prstGeom prst="rect">
+                <a:avLst/>
+              </a:prstGeom>
+            </p:spPr>
+          </p:pic>
+        </mc:Fallback>
+      </mc:AlternateContent>
+      <mc:AlternateContent xmlns:mc="http://schemas.openxmlformats.org/markup-compatibility/2006">
+        <mc:Choice xmlns:p14="http://schemas.microsoft.com/office/powerpoint/2010/main" Requires="p14">
+          <p:contentPart p14:bwMode="auto" r:id="rId22">
+            <p14:nvContentPartPr>
+              <p14:cNvPr id="11" name="Ink 10">
+                <a:extLst>
+                  <a:ext uri="{FF2B5EF4-FFF2-40B4-BE49-F238E27FC236}">
+                    <a16:creationId xmlns:a16="http://schemas.microsoft.com/office/drawing/2014/main" id="{6F5C41E4-5790-3BA3-3708-2A70214CCA73}"/>
+                  </a:ext>
+                </a:extLst>
+              </p14:cNvPr>
+              <p14:cNvContentPartPr/>
+              <p14:nvPr/>
+            </p14:nvContentPartPr>
+            <p14:xfrm>
+              <a:off x="5725680" y="5647140"/>
+              <a:ext cx="229320" cy="179280"/>
+            </p14:xfrm>
+          </p:contentPart>
+        </mc:Choice>
+        <mc:Fallback>
+          <p:pic>
+            <p:nvPicPr>
+              <p:cNvPr id="11" name="Ink 10">
+                <a:extLst>
+                  <a:ext uri="{FF2B5EF4-FFF2-40B4-BE49-F238E27FC236}">
+                    <a16:creationId xmlns:a16="http://schemas.microsoft.com/office/drawing/2014/main" id="{6F5C41E4-5790-3BA3-3708-2A70214CCA73}"/>
+                  </a:ext>
+                </a:extLst>
+              </p:cNvPr>
+              <p:cNvPicPr/>
+              <p:nvPr/>
+            </p:nvPicPr>
+            <p:blipFill>
+              <a:blip r:embed="rId23"/>
+              <a:stretch>
+                <a:fillRect/>
+              </a:stretch>
+            </p:blipFill>
+            <p:spPr>
+              <a:xfrm>
+                <a:off x="5707680" y="5629140"/>
+                <a:ext cx="264960" cy="214920"/>
+              </a:xfrm>
+              <a:prstGeom prst="rect">
+                <a:avLst/>
+              </a:prstGeom>
+            </p:spPr>
+          </p:pic>
+        </mc:Fallback>
+      </mc:AlternateContent>
       <mc:AlternateContent xmlns:mc="http://schemas.openxmlformats.org/markup-compatibility/2006" xmlns:p14="http://schemas.microsoft.com/office/powerpoint/2010/main">
         <mc:Choice Requires="p14">
-          <p:contentPart p14:bwMode="auto" r:id="rId25">
+          <p:contentPart p14:bwMode="auto" r:id="rId24">
             <p14:nvContentPartPr>
               <p14:cNvPr id="60" name="Ink 59">
                 <a:extLst>
@@ -9492,180 +9287,108 @@
           </p:pic>
         </mc:Fallback>
       </mc:AlternateContent>
-      <p:grpSp>
-        <p:nvGrpSpPr>
-          <p:cNvPr id="63" name="Group 62">
-            <a:extLst>
-              <a:ext uri="{FF2B5EF4-FFF2-40B4-BE49-F238E27FC236}">
-                <a16:creationId xmlns:a16="http://schemas.microsoft.com/office/drawing/2014/main" id="{E6757CD6-8675-80ED-203A-C8121EB3F3CA}"/>
-              </a:ext>
-            </a:extLst>
-          </p:cNvPr>
-          <p:cNvGrpSpPr/>
-          <p:nvPr/>
-        </p:nvGrpSpPr>
-        <p:grpSpPr>
-          <a:xfrm>
-            <a:off x="3942960" y="5256900"/>
-            <a:ext cx="559793" cy="418002"/>
-            <a:chOff x="3942960" y="6742800"/>
-            <a:chExt cx="559793" cy="418002"/>
-          </a:xfrm>
-        </p:grpSpPr>
-        <mc:AlternateContent xmlns:mc="http://schemas.openxmlformats.org/markup-compatibility/2006" xmlns:p14="http://schemas.microsoft.com/office/powerpoint/2010/main">
-          <mc:Choice Requires="p14">
-            <p:contentPart p14:bwMode="auto" r:id="rId27">
-              <p14:nvContentPartPr>
-                <p14:cNvPr id="13" name="Ink 12">
-                  <a:extLst>
-                    <a:ext uri="{FF2B5EF4-FFF2-40B4-BE49-F238E27FC236}">
-                      <a16:creationId xmlns:a16="http://schemas.microsoft.com/office/drawing/2014/main" id="{CF2716CA-DD4A-A8A4-8FB0-E5F9BE7D3562}"/>
-                    </a:ext>
-                  </a:extLst>
-                </p14:cNvPr>
-                <p14:cNvContentPartPr/>
-                <p14:nvPr/>
-              </p14:nvContentPartPr>
-              <p14:xfrm>
-                <a:off x="3942960" y="6883920"/>
-                <a:ext cx="329400" cy="191160"/>
-              </p14:xfrm>
-            </p:contentPart>
-          </mc:Choice>
-          <mc:Fallback xmlns="">
-            <p:pic>
-              <p:nvPicPr>
-                <p:cNvPr id="13" name="Ink 12">
-                  <a:extLst>
-                    <a:ext uri="{FF2B5EF4-FFF2-40B4-BE49-F238E27FC236}">
-                      <a16:creationId xmlns:a16="http://schemas.microsoft.com/office/drawing/2014/main" id="{CF2716CA-DD4A-A8A4-8FB0-E5F9BE7D3562}"/>
-                    </a:ext>
-                  </a:extLst>
-                </p:cNvPr>
-                <p:cNvPicPr/>
-                <p:nvPr/>
-              </p:nvPicPr>
-              <p:blipFill>
-                <a:blip r:embed="rId28"/>
-                <a:stretch>
-                  <a:fillRect/>
-                </a:stretch>
-              </p:blipFill>
-              <p:spPr>
-                <a:xfrm>
-                  <a:off x="3924960" y="6865920"/>
-                  <a:ext cx="365040" cy="226800"/>
-                </a:xfrm>
-                <a:prstGeom prst="rect">
-                  <a:avLst/>
-                </a:prstGeom>
-              </p:spPr>
-            </p:pic>
-          </mc:Fallback>
-        </mc:AlternateContent>
-        <mc:AlternateContent xmlns:mc="http://schemas.openxmlformats.org/markup-compatibility/2006" xmlns:p14="http://schemas.microsoft.com/office/powerpoint/2010/main">
-          <mc:Choice Requires="p14">
-            <p:contentPart p14:bwMode="auto" r:id="rId29">
-              <p14:nvContentPartPr>
-                <p14:cNvPr id="14" name="Ink 13">
-                  <a:extLst>
-                    <a:ext uri="{FF2B5EF4-FFF2-40B4-BE49-F238E27FC236}">
-                      <a16:creationId xmlns:a16="http://schemas.microsoft.com/office/drawing/2014/main" id="{AD2A53CC-76F6-0457-7CBF-8C4868034F45}"/>
-                    </a:ext>
-                  </a:extLst>
-                </p14:cNvPr>
-                <p14:cNvContentPartPr/>
-                <p14:nvPr/>
-              </p14:nvContentPartPr>
-              <p14:xfrm>
-                <a:off x="4199640" y="6742800"/>
-                <a:ext cx="76320" cy="371880"/>
-              </p14:xfrm>
-            </p:contentPart>
-          </mc:Choice>
-          <mc:Fallback xmlns="">
-            <p:pic>
-              <p:nvPicPr>
-                <p:cNvPr id="14" name="Ink 13">
-                  <a:extLst>
-                    <a:ext uri="{FF2B5EF4-FFF2-40B4-BE49-F238E27FC236}">
-                      <a16:creationId xmlns:a16="http://schemas.microsoft.com/office/drawing/2014/main" id="{AD2A53CC-76F6-0457-7CBF-8C4868034F45}"/>
-                    </a:ext>
-                  </a:extLst>
-                </p:cNvPr>
-                <p:cNvPicPr/>
-                <p:nvPr/>
-              </p:nvPicPr>
-              <p:blipFill>
-                <a:blip r:embed="rId30"/>
-                <a:stretch>
-                  <a:fillRect/>
-                </a:stretch>
-              </p:blipFill>
-              <p:spPr>
-                <a:xfrm>
-                  <a:off x="4182000" y="6724800"/>
-                  <a:ext cx="111960" cy="407520"/>
-                </a:xfrm>
-                <a:prstGeom prst="rect">
-                  <a:avLst/>
-                </a:prstGeom>
-              </p:spPr>
-            </p:pic>
-          </mc:Fallback>
-        </mc:AlternateContent>
-        <mc:AlternateContent xmlns:mc="http://schemas.openxmlformats.org/markup-compatibility/2006" xmlns:p14="http://schemas.microsoft.com/office/powerpoint/2010/main">
-          <mc:Choice Requires="p14">
-            <p:contentPart p14:bwMode="auto" r:id="rId31">
-              <p14:nvContentPartPr>
-                <p14:cNvPr id="62" name="Ink 61">
-                  <a:extLst>
-                    <a:ext uri="{FF2B5EF4-FFF2-40B4-BE49-F238E27FC236}">
-                      <a16:creationId xmlns:a16="http://schemas.microsoft.com/office/drawing/2014/main" id="{61A755A6-EA8E-A609-7C22-712FD4A369D0}"/>
-                    </a:ext>
-                  </a:extLst>
-                </p14:cNvPr>
-                <p14:cNvContentPartPr/>
-                <p14:nvPr/>
-              </p14:nvContentPartPr>
-              <p14:xfrm>
-                <a:off x="4308713" y="7033722"/>
-                <a:ext cx="194040" cy="127080"/>
-              </p14:xfrm>
-            </p:contentPart>
-          </mc:Choice>
-          <mc:Fallback xmlns="">
-            <p:pic>
-              <p:nvPicPr>
-                <p:cNvPr id="62" name="Ink 61">
-                  <a:extLst>
-                    <a:ext uri="{FF2B5EF4-FFF2-40B4-BE49-F238E27FC236}">
-                      <a16:creationId xmlns:a16="http://schemas.microsoft.com/office/drawing/2014/main" id="{61A755A6-EA8E-A609-7C22-712FD4A369D0}"/>
-                    </a:ext>
-                  </a:extLst>
-                </p:cNvPr>
-                <p:cNvPicPr/>
-                <p:nvPr/>
-              </p:nvPicPr>
-              <p:blipFill>
-                <a:blip r:embed="rId32"/>
-                <a:stretch>
-                  <a:fillRect/>
-                </a:stretch>
-              </p:blipFill>
-              <p:spPr>
-                <a:xfrm>
-                  <a:off x="4291073" y="7015722"/>
-                  <a:ext cx="229680" cy="162720"/>
-                </a:xfrm>
-                <a:prstGeom prst="rect">
-                  <a:avLst/>
-                </a:prstGeom>
-              </p:spPr>
-            </p:pic>
-          </mc:Fallback>
-        </mc:AlternateContent>
-      </p:grpSp>
+      <mc:AlternateContent xmlns:mc="http://schemas.openxmlformats.org/markup-compatibility/2006">
+        <mc:Choice xmlns:p14="http://schemas.microsoft.com/office/powerpoint/2010/main" Requires="p14">
+          <p:contentPart p14:bwMode="auto" r:id="rId27">
+            <p14:nvContentPartPr>
+              <p14:cNvPr id="13" name="Ink 12">
+                <a:extLst>
+                  <a:ext uri="{FF2B5EF4-FFF2-40B4-BE49-F238E27FC236}">
+                    <a16:creationId xmlns:a16="http://schemas.microsoft.com/office/drawing/2014/main" id="{CF2716CA-DD4A-A8A4-8FB0-E5F9BE7D3562}"/>
+                  </a:ext>
+                </a:extLst>
+              </p14:cNvPr>
+              <p14:cNvContentPartPr/>
+              <p14:nvPr/>
+            </p14:nvContentPartPr>
+            <p14:xfrm>
+              <a:off x="3942960" y="5398020"/>
+              <a:ext cx="329400" cy="191160"/>
+            </p14:xfrm>
+          </p:contentPart>
+        </mc:Choice>
+        <mc:Fallback>
+          <p:pic>
+            <p:nvPicPr>
+              <p:cNvPr id="13" name="Ink 12">
+                <a:extLst>
+                  <a:ext uri="{FF2B5EF4-FFF2-40B4-BE49-F238E27FC236}">
+                    <a16:creationId xmlns:a16="http://schemas.microsoft.com/office/drawing/2014/main" id="{CF2716CA-DD4A-A8A4-8FB0-E5F9BE7D3562}"/>
+                  </a:ext>
+                </a:extLst>
+              </p:cNvPr>
+              <p:cNvPicPr/>
+              <p:nvPr/>
+            </p:nvPicPr>
+            <p:blipFill>
+              <a:blip r:embed="rId28"/>
+              <a:stretch>
+                <a:fillRect/>
+              </a:stretch>
+            </p:blipFill>
+            <p:spPr>
+              <a:xfrm>
+                <a:off x="3924960" y="5380020"/>
+                <a:ext cx="365040" cy="226800"/>
+              </a:xfrm>
+              <a:prstGeom prst="rect">
+                <a:avLst/>
+              </a:prstGeom>
+            </p:spPr>
+          </p:pic>
+        </mc:Fallback>
+      </mc:AlternateContent>
+      <mc:AlternateContent xmlns:mc="http://schemas.openxmlformats.org/markup-compatibility/2006">
+        <mc:Choice xmlns:p14="http://schemas.microsoft.com/office/powerpoint/2010/main" Requires="p14">
+          <p:contentPart p14:bwMode="auto" r:id="rId29">
+            <p14:nvContentPartPr>
+              <p14:cNvPr id="62" name="Ink 61">
+                <a:extLst>
+                  <a:ext uri="{FF2B5EF4-FFF2-40B4-BE49-F238E27FC236}">
+                    <a16:creationId xmlns:a16="http://schemas.microsoft.com/office/drawing/2014/main" id="{61A755A6-EA8E-A609-7C22-712FD4A369D0}"/>
+                  </a:ext>
+                </a:extLst>
+              </p14:cNvPr>
+              <p14:cNvContentPartPr/>
+              <p14:nvPr/>
+            </p14:nvContentPartPr>
+            <p14:xfrm>
+              <a:off x="4308713" y="5547822"/>
+              <a:ext cx="194040" cy="127080"/>
+            </p14:xfrm>
+          </p:contentPart>
+        </mc:Choice>
+        <mc:Fallback>
+          <p:pic>
+            <p:nvPicPr>
+              <p:cNvPr id="62" name="Ink 61">
+                <a:extLst>
+                  <a:ext uri="{FF2B5EF4-FFF2-40B4-BE49-F238E27FC236}">
+                    <a16:creationId xmlns:a16="http://schemas.microsoft.com/office/drawing/2014/main" id="{61A755A6-EA8E-A609-7C22-712FD4A369D0}"/>
+                  </a:ext>
+                </a:extLst>
+              </p:cNvPr>
+              <p:cNvPicPr/>
+              <p:nvPr/>
+            </p:nvPicPr>
+            <p:blipFill>
+              <a:blip r:embed="rId30"/>
+              <a:stretch>
+                <a:fillRect/>
+              </a:stretch>
+            </p:blipFill>
+            <p:spPr>
+              <a:xfrm>
+                <a:off x="4290680" y="5529822"/>
+                <a:ext cx="229746" cy="162720"/>
+              </a:xfrm>
+              <a:prstGeom prst="rect">
+                <a:avLst/>
+              </a:prstGeom>
+            </p:spPr>
+          </p:pic>
+        </mc:Fallback>
+      </mc:AlternateContent>
       <p:sp>
         <p:nvSpPr>
           <p:cNvPr id="73" name="TextBox 72">
@@ -9680,8 +9403,8 @@
         </p:nvSpPr>
         <p:spPr>
           <a:xfrm>
-            <a:off x="3782898" y="7422893"/>
-            <a:ext cx="1901841" cy="830997"/>
+            <a:off x="3942960" y="7123599"/>
+            <a:ext cx="1942782" cy="830997"/>
           </a:xfrm>
           <a:prstGeom prst="rect">
             <a:avLst/>
@@ -9697,7 +9420,7 @@
             <a:pPr algn="ctr"/>
             <a:r>
               <a:rPr lang="en-US" sz="2400" dirty="0">
-                <a:latin typeface="Source Sans Pro" panose="020B0503030403020204" pitchFamily="34" charset="0"/>
+                <a:latin typeface="ETbb" panose="02000503000000000000" pitchFamily="2" charset="0"/>
                 <a:ea typeface="Source Sans Pro" panose="020B0503030403020204" pitchFamily="34" charset="0"/>
               </a:rPr>
               <a:t>Experimental intervention</a:t>
@@ -9736,7 +9459,7 @@
             <a:pPr algn="ctr"/>
             <a:r>
               <a:rPr lang="en-US" sz="2400" dirty="0">
-                <a:latin typeface="Source Sans Pro" panose="020B0503030403020204" pitchFamily="34" charset="0"/>
+                <a:latin typeface="ETbb" panose="02000503000000000000" pitchFamily="2" charset="0"/>
                 <a:ea typeface="Source Sans Pro" panose="020B0503030403020204" pitchFamily="34" charset="0"/>
               </a:rPr>
               <a:t>Randomization cuts causal connections </a:t>
@@ -9746,7 +9469,7 @@
       </p:sp>
       <mc:AlternateContent xmlns:mc="http://schemas.openxmlformats.org/markup-compatibility/2006" xmlns:p14="http://schemas.microsoft.com/office/powerpoint/2010/main">
         <mc:Choice Requires="p14">
-          <p:contentPart p14:bwMode="auto" r:id="rId33">
+          <p:contentPart p14:bwMode="auto" r:id="rId31">
             <p14:nvContentPartPr>
               <p14:cNvPr id="31" name="Ink 30">
                 <a:extLst>
@@ -10273,7 +9996,7 @@
               <p:nvPr/>
             </p:nvPicPr>
             <p:blipFill>
-              <a:blip r:embed="rId15"/>
+              <a:blip r:embed="rId19"/>
               <a:stretch>
                 <a:fillRect/>
               </a:stretch>
@@ -10344,7 +10067,7 @@
                 <p:nvPr/>
               </p:nvPicPr>
               <p:blipFill>
-                <a:blip r:embed="rId20"/>
+                <a:blip r:embed="rId47"/>
                 <a:stretch>
                   <a:fillRect/>
                 </a:stretch>
@@ -10363,7 +10086,7 @@
         </mc:AlternateContent>
         <mc:AlternateContent xmlns:mc="http://schemas.openxmlformats.org/markup-compatibility/2006" xmlns:p14="http://schemas.microsoft.com/office/powerpoint/2010/main">
           <mc:Choice Requires="p14">
-            <p:contentPart p14:bwMode="auto" r:id="rId47">
+            <p:contentPart p14:bwMode="auto" r:id="rId48">
               <p14:nvContentPartPr>
                 <p14:cNvPr id="61" name="Ink 60">
                   <a:extLst>
@@ -10395,7 +10118,7 @@
                 <p:nvPr/>
               </p:nvPicPr>
               <p:blipFill>
-                <a:blip r:embed="rId22"/>
+                <a:blip r:embed="rId49"/>
                 <a:stretch>
                   <a:fillRect/>
                 </a:stretch>
@@ -10414,7 +10137,7 @@
         </mc:AlternateContent>
         <mc:AlternateContent xmlns:mc="http://schemas.openxmlformats.org/markup-compatibility/2006" xmlns:p14="http://schemas.microsoft.com/office/powerpoint/2010/main">
           <mc:Choice Requires="p14">
-            <p:contentPart p14:bwMode="auto" r:id="rId48">
+            <p:contentPart p14:bwMode="auto" r:id="rId50">
               <p14:nvContentPartPr>
                 <p14:cNvPr id="64" name="Ink 63">
                   <a:extLst>
@@ -10446,7 +10169,7 @@
                 <p:nvPr/>
               </p:nvPicPr>
               <p:blipFill>
-                <a:blip r:embed="rId24"/>
+                <a:blip r:embed="rId51"/>
                 <a:stretch>
                   <a:fillRect/>
                 </a:stretch>
@@ -10466,7 +10189,7 @@
       </p:grpSp>
       <mc:AlternateContent xmlns:mc="http://schemas.openxmlformats.org/markup-compatibility/2006" xmlns:p14="http://schemas.microsoft.com/office/powerpoint/2010/main">
         <mc:Choice Requires="p14">
-          <p:contentPart p14:bwMode="auto" r:id="rId49">
+          <p:contentPart p14:bwMode="auto" r:id="rId52">
             <p14:nvContentPartPr>
               <p14:cNvPr id="65" name="Ink 64">
                 <a:extLst>
@@ -10537,7 +10260,7 @@
         </p:grpSpPr>
         <mc:AlternateContent xmlns:mc="http://schemas.openxmlformats.org/markup-compatibility/2006" xmlns:p14="http://schemas.microsoft.com/office/powerpoint/2010/main">
           <mc:Choice Requires="p14">
-            <p:contentPart p14:bwMode="auto" r:id="rId50">
+            <p:contentPart p14:bwMode="auto" r:id="rId53">
               <p14:nvContentPartPr>
                 <p14:cNvPr id="67" name="Ink 66">
                   <a:extLst>
@@ -10569,7 +10292,7 @@
                 <p:nvPr/>
               </p:nvPicPr>
               <p:blipFill>
-                <a:blip r:embed="rId28"/>
+                <a:blip r:embed="rId54"/>
                 <a:stretch>
                   <a:fillRect/>
                 </a:stretch>
@@ -10588,7 +10311,7 @@
         </mc:AlternateContent>
         <mc:AlternateContent xmlns:mc="http://schemas.openxmlformats.org/markup-compatibility/2006" xmlns:p14="http://schemas.microsoft.com/office/powerpoint/2010/main">
           <mc:Choice Requires="p14">
-            <p:contentPart p14:bwMode="auto" r:id="rId51">
+            <p:contentPart p14:bwMode="auto" r:id="rId55">
               <p14:nvContentPartPr>
                 <p14:cNvPr id="68" name="Ink 67">
                   <a:extLst>
@@ -10620,7 +10343,7 @@
                 <p:nvPr/>
               </p:nvPicPr>
               <p:blipFill>
-                <a:blip r:embed="rId30"/>
+                <a:blip r:embed="rId56"/>
                 <a:stretch>
                   <a:fillRect/>
                 </a:stretch>
@@ -10639,7 +10362,7 @@
         </mc:AlternateContent>
         <mc:AlternateContent xmlns:mc="http://schemas.openxmlformats.org/markup-compatibility/2006" xmlns:p14="http://schemas.microsoft.com/office/powerpoint/2010/main">
           <mc:Choice Requires="p14">
-            <p:contentPart p14:bwMode="auto" r:id="rId52">
+            <p:contentPart p14:bwMode="auto" r:id="rId57">
               <p14:nvContentPartPr>
                 <p14:cNvPr id="69" name="Ink 68">
                   <a:extLst>
@@ -10703,8 +10426,8 @@
         </p:nvSpPr>
         <p:spPr>
           <a:xfrm>
-            <a:off x="4987631" y="10470230"/>
-            <a:ext cx="1901841" cy="830997"/>
+            <a:off x="4809715" y="10470230"/>
+            <a:ext cx="2079757" cy="830997"/>
           </a:xfrm>
           <a:prstGeom prst="rect">
             <a:avLst/>
@@ -10720,7 +10443,7 @@
             <a:pPr algn="ctr"/>
             <a:r>
               <a:rPr lang="en-US" sz="2400" dirty="0">
-                <a:latin typeface="Source Sans Pro" panose="020B0503030403020204" pitchFamily="34" charset="0"/>
+                <a:latin typeface="ETbb" panose="02000503000000000000" pitchFamily="2" charset="0"/>
                 <a:ea typeface="Source Sans Pro" panose="020B0503030403020204" pitchFamily="34" charset="0"/>
               </a:rPr>
               <a:t>Experimental intervention</a:t>
@@ -10758,9 +10481,213 @@
           <a:chExt cx="0" cy="0"/>
         </a:xfrm>
       </p:grpSpPr>
+      <mc:AlternateContent xmlns:mc="http://schemas.openxmlformats.org/markup-compatibility/2006">
+        <mc:Choice xmlns:p14="http://schemas.microsoft.com/office/powerpoint/2010/main" Requires="p14">
+          <p:contentPart p14:bwMode="auto" r:id="rId2">
+            <p14:nvContentPartPr>
+              <p14:cNvPr id="9" name="Ink 8">
+                <a:extLst>
+                  <a:ext uri="{FF2B5EF4-FFF2-40B4-BE49-F238E27FC236}">
+                    <a16:creationId xmlns:a16="http://schemas.microsoft.com/office/drawing/2014/main" id="{BCE62E94-0E9E-9D6F-D633-5D785B291ABA}"/>
+                  </a:ext>
+                </a:extLst>
+              </p14:cNvPr>
+              <p14:cNvContentPartPr/>
+              <p14:nvPr/>
+            </p14:nvContentPartPr>
+            <p14:xfrm>
+              <a:off x="5877960" y="6936120"/>
+              <a:ext cx="275760" cy="169560"/>
+            </p14:xfrm>
+          </p:contentPart>
+        </mc:Choice>
+        <mc:Fallback>
+          <p:pic>
+            <p:nvPicPr>
+              <p:cNvPr id="9" name="Ink 8">
+                <a:extLst>
+                  <a:ext uri="{FF2B5EF4-FFF2-40B4-BE49-F238E27FC236}">
+                    <a16:creationId xmlns:a16="http://schemas.microsoft.com/office/drawing/2014/main" id="{BCE62E94-0E9E-9D6F-D633-5D785B291ABA}"/>
+                  </a:ext>
+                </a:extLst>
+              </p:cNvPr>
+              <p:cNvPicPr/>
+              <p:nvPr/>
+            </p:nvPicPr>
+            <p:blipFill>
+              <a:blip r:embed="rId3"/>
+              <a:stretch>
+                <a:fillRect/>
+              </a:stretch>
+            </p:blipFill>
+            <p:spPr>
+              <a:xfrm>
+                <a:off x="5859960" y="6918158"/>
+                <a:ext cx="311400" cy="205124"/>
+              </a:xfrm>
+              <a:prstGeom prst="rect">
+                <a:avLst/>
+              </a:prstGeom>
+            </p:spPr>
+          </p:pic>
+        </mc:Fallback>
+      </mc:AlternateContent>
+      <mc:AlternateContent xmlns:mc="http://schemas.openxmlformats.org/markup-compatibility/2006">
+        <mc:Choice xmlns:p14="http://schemas.microsoft.com/office/powerpoint/2010/main" Requires="p14">
+          <p:contentPart p14:bwMode="auto" r:id="rId4">
+            <p14:nvContentPartPr>
+              <p14:cNvPr id="14" name="Ink 13">
+                <a:extLst>
+                  <a:ext uri="{FF2B5EF4-FFF2-40B4-BE49-F238E27FC236}">
+                    <a16:creationId xmlns:a16="http://schemas.microsoft.com/office/drawing/2014/main" id="{AD2A53CC-76F6-0457-7CBF-8C4868034F45}"/>
+                  </a:ext>
+                </a:extLst>
+              </p14:cNvPr>
+              <p14:cNvContentPartPr/>
+              <p14:nvPr/>
+            </p14:nvContentPartPr>
+            <p14:xfrm>
+              <a:off x="4199640" y="6742800"/>
+              <a:ext cx="76320" cy="371880"/>
+            </p14:xfrm>
+          </p:contentPart>
+        </mc:Choice>
+        <mc:Fallback>
+          <p:pic>
+            <p:nvPicPr>
+              <p:cNvPr id="14" name="Ink 13">
+                <a:extLst>
+                  <a:ext uri="{FF2B5EF4-FFF2-40B4-BE49-F238E27FC236}">
+                    <a16:creationId xmlns:a16="http://schemas.microsoft.com/office/drawing/2014/main" id="{AD2A53CC-76F6-0457-7CBF-8C4868034F45}"/>
+                  </a:ext>
+                </a:extLst>
+              </p:cNvPr>
+              <p:cNvPicPr/>
+              <p:nvPr/>
+            </p:nvPicPr>
+            <p:blipFill>
+              <a:blip r:embed="rId5"/>
+              <a:stretch>
+                <a:fillRect/>
+              </a:stretch>
+            </p:blipFill>
+            <p:spPr>
+              <a:xfrm>
+                <a:off x="4181640" y="6724800"/>
+                <a:ext cx="111960" cy="407520"/>
+              </a:xfrm>
+              <a:prstGeom prst="rect">
+                <a:avLst/>
+              </a:prstGeom>
+            </p:spPr>
+          </p:pic>
+        </mc:Fallback>
+      </mc:AlternateContent>
+      <mc:AlternateContent xmlns:mc="http://schemas.openxmlformats.org/markup-compatibility/2006">
+        <mc:Choice xmlns:p14="http://schemas.microsoft.com/office/powerpoint/2010/main" Requires="p14">
+          <p:contentPart p14:bwMode="auto" r:id="rId6">
+            <p14:nvContentPartPr>
+              <p14:cNvPr id="67" name="Ink 66">
+                <a:extLst>
+                  <a:ext uri="{FF2B5EF4-FFF2-40B4-BE49-F238E27FC236}">
+                    <a16:creationId xmlns:a16="http://schemas.microsoft.com/office/drawing/2014/main" id="{B831C250-95A0-4898-B7EE-24A334F55E79}"/>
+                  </a:ext>
+                </a:extLst>
+              </p14:cNvPr>
+              <p14:cNvContentPartPr/>
+              <p14:nvPr/>
+            </p14:nvContentPartPr>
+            <p14:xfrm>
+              <a:off x="6180844" y="5852467"/>
+              <a:ext cx="275760" cy="169560"/>
+            </p14:xfrm>
+          </p:contentPart>
+        </mc:Choice>
+        <mc:Fallback>
+          <p:pic>
+            <p:nvPicPr>
+              <p:cNvPr id="67" name="Ink 66">
+                <a:extLst>
+                  <a:ext uri="{FF2B5EF4-FFF2-40B4-BE49-F238E27FC236}">
+                    <a16:creationId xmlns:a16="http://schemas.microsoft.com/office/drawing/2014/main" id="{B831C250-95A0-4898-B7EE-24A334F55E79}"/>
+                  </a:ext>
+                </a:extLst>
+              </p:cNvPr>
+              <p:cNvPicPr/>
+              <p:nvPr/>
+            </p:nvPicPr>
+            <p:blipFill>
+              <a:blip r:embed="rId3"/>
+              <a:stretch>
+                <a:fillRect/>
+              </a:stretch>
+            </p:blipFill>
+            <p:spPr>
+              <a:xfrm>
+                <a:off x="6162844" y="5834505"/>
+                <a:ext cx="311400" cy="205124"/>
+              </a:xfrm>
+              <a:prstGeom prst="rect">
+                <a:avLst/>
+              </a:prstGeom>
+            </p:spPr>
+          </p:pic>
+        </mc:Fallback>
+      </mc:AlternateContent>
+      <mc:AlternateContent xmlns:mc="http://schemas.openxmlformats.org/markup-compatibility/2006">
+        <mc:Choice xmlns:p14="http://schemas.microsoft.com/office/powerpoint/2010/main" Requires="p14">
+          <p:contentPart p14:bwMode="auto" r:id="rId7">
+            <p14:nvContentPartPr>
+              <p14:cNvPr id="61" name="Ink 60">
+                <a:extLst>
+                  <a:ext uri="{FF2B5EF4-FFF2-40B4-BE49-F238E27FC236}">
+                    <a16:creationId xmlns:a16="http://schemas.microsoft.com/office/drawing/2014/main" id="{C08C0F03-5C01-3036-68A1-CA87BA8AD346}"/>
+                  </a:ext>
+                </a:extLst>
+              </p14:cNvPr>
+              <p14:cNvContentPartPr/>
+              <p14:nvPr/>
+            </p14:nvContentPartPr>
+            <p14:xfrm>
+              <a:off x="3791858" y="5846275"/>
+              <a:ext cx="76320" cy="371880"/>
+            </p14:xfrm>
+          </p:contentPart>
+        </mc:Choice>
+        <mc:Fallback>
+          <p:pic>
+            <p:nvPicPr>
+              <p:cNvPr id="61" name="Ink 60">
+                <a:extLst>
+                  <a:ext uri="{FF2B5EF4-FFF2-40B4-BE49-F238E27FC236}">
+                    <a16:creationId xmlns:a16="http://schemas.microsoft.com/office/drawing/2014/main" id="{C08C0F03-5C01-3036-68A1-CA87BA8AD346}"/>
+                  </a:ext>
+                </a:extLst>
+              </p:cNvPr>
+              <p:cNvPicPr/>
+              <p:nvPr/>
+            </p:nvPicPr>
+            <p:blipFill>
+              <a:blip r:embed="rId5"/>
+              <a:stretch>
+                <a:fillRect/>
+              </a:stretch>
+            </p:blipFill>
+            <p:spPr>
+              <a:xfrm>
+                <a:off x="3773858" y="5828275"/>
+                <a:ext cx="111960" cy="407520"/>
+              </a:xfrm>
+              <a:prstGeom prst="rect">
+                <a:avLst/>
+              </a:prstGeom>
+            </p:spPr>
+          </p:pic>
+        </mc:Fallback>
+      </mc:AlternateContent>
       <mc:AlternateContent xmlns:mc="http://schemas.openxmlformats.org/markup-compatibility/2006" xmlns:p14="http://schemas.microsoft.com/office/powerpoint/2010/main">
         <mc:Choice Requires="p14">
-          <p:contentPart p14:bwMode="auto" r:id="rId2">
+          <p:contentPart p14:bwMode="auto" r:id="rId8">
             <p14:nvContentPartPr>
               <p14:cNvPr id="37" name="Ink 36">
                 <a:extLst>
@@ -10792,7 +10719,7 @@
               <p:nvPr/>
             </p:nvPicPr>
             <p:blipFill>
-              <a:blip r:embed="rId3"/>
+              <a:blip r:embed="rId9"/>
               <a:stretch>
                 <a:fillRect/>
               </a:stretch>
@@ -10811,7 +10738,7 @@
       </mc:AlternateContent>
       <mc:AlternateContent xmlns:mc="http://schemas.openxmlformats.org/markup-compatibility/2006" xmlns:p14="http://schemas.microsoft.com/office/powerpoint/2010/main">
         <mc:Choice Requires="p14">
-          <p:contentPart p14:bwMode="auto" r:id="rId4">
+          <p:contentPart p14:bwMode="auto" r:id="rId10">
             <p14:nvContentPartPr>
               <p14:cNvPr id="40" name="Ink 39">
                 <a:extLst>
@@ -10843,7 +10770,7 @@
               <p:nvPr/>
             </p:nvPicPr>
             <p:blipFill>
-              <a:blip r:embed="rId3"/>
+              <a:blip r:embed="rId9"/>
               <a:stretch>
                 <a:fillRect/>
               </a:stretch>
@@ -10940,7 +10867,7 @@
       </p:sp>
       <mc:AlternateContent xmlns:mc="http://schemas.openxmlformats.org/markup-compatibility/2006" xmlns:p14="http://schemas.microsoft.com/office/powerpoint/2010/main">
         <mc:Choice Requires="p14">
-          <p:contentPart p14:bwMode="auto" r:id="rId5">
+          <p:contentPart p14:bwMode="auto" r:id="rId11">
             <p14:nvContentPartPr>
               <p14:cNvPr id="43" name="Ink 42">
                 <a:extLst>
@@ -10972,7 +10899,7 @@
               <p:nvPr/>
             </p:nvPicPr>
             <p:blipFill>
-              <a:blip r:embed="rId3"/>
+              <a:blip r:embed="rId9"/>
               <a:stretch>
                 <a:fillRect/>
               </a:stretch>
@@ -11050,7 +10977,7 @@
         </p:grpSpPr>
         <mc:AlternateContent xmlns:mc="http://schemas.openxmlformats.org/markup-compatibility/2006" xmlns:p14="http://schemas.microsoft.com/office/powerpoint/2010/main">
           <mc:Choice Requires="p14">
-            <p:contentPart p14:bwMode="auto" r:id="rId6">
+            <p:contentPart p14:bwMode="auto" r:id="rId12">
               <p14:nvContentPartPr>
                 <p14:cNvPr id="45" name="Ink 44">
                   <a:extLst>
@@ -11082,7 +11009,7 @@
                 <p:nvPr/>
               </p:nvPicPr>
               <p:blipFill>
-                <a:blip r:embed="rId7"/>
+                <a:blip r:embed="rId13"/>
                 <a:stretch>
                   <a:fillRect/>
                 </a:stretch>
@@ -11101,7 +11028,7 @@
         </mc:AlternateContent>
         <mc:AlternateContent xmlns:mc="http://schemas.openxmlformats.org/markup-compatibility/2006" xmlns:p14="http://schemas.microsoft.com/office/powerpoint/2010/main">
           <mc:Choice Requires="p14">
-            <p:contentPart p14:bwMode="auto" r:id="rId8">
+            <p:contentPart p14:bwMode="auto" r:id="rId14">
               <p14:nvContentPartPr>
                 <p14:cNvPr id="46" name="Ink 45">
                   <a:extLst>
@@ -11133,7 +11060,7 @@
                 <p:nvPr/>
               </p:nvPicPr>
               <p:blipFill>
-                <a:blip r:embed="rId9"/>
+                <a:blip r:embed="rId15"/>
                 <a:stretch>
                   <a:fillRect/>
                 </a:stretch>
@@ -11173,7 +11100,7 @@
         </p:grpSpPr>
         <mc:AlternateContent xmlns:mc="http://schemas.openxmlformats.org/markup-compatibility/2006" xmlns:p14="http://schemas.microsoft.com/office/powerpoint/2010/main">
           <mc:Choice Requires="p14">
-            <p:contentPart p14:bwMode="auto" r:id="rId10">
+            <p:contentPart p14:bwMode="auto" r:id="rId16">
               <p14:nvContentPartPr>
                 <p14:cNvPr id="48" name="Ink 47">
                   <a:extLst>
@@ -11205,7 +11132,7 @@
                 <p:nvPr/>
               </p:nvPicPr>
               <p:blipFill>
-                <a:blip r:embed="rId11"/>
+                <a:blip r:embed="rId17"/>
                 <a:stretch>
                   <a:fillRect/>
                 </a:stretch>
@@ -11224,7 +11151,7 @@
         </mc:AlternateContent>
         <mc:AlternateContent xmlns:mc="http://schemas.openxmlformats.org/markup-compatibility/2006" xmlns:p14="http://schemas.microsoft.com/office/powerpoint/2010/main">
           <mc:Choice Requires="p14">
-            <p:contentPart p14:bwMode="auto" r:id="rId12">
+            <p:contentPart p14:bwMode="auto" r:id="rId18">
               <p14:nvContentPartPr>
                 <p14:cNvPr id="49" name="Ink 48">
                   <a:extLst>
@@ -11256,7 +11183,7 @@
                 <p:nvPr/>
               </p:nvPicPr>
               <p:blipFill>
-                <a:blip r:embed="rId13"/>
+                <a:blip r:embed="rId19"/>
                 <a:stretch>
                   <a:fillRect/>
                 </a:stretch>
@@ -11352,7 +11279,7 @@
       </p:sp>
       <mc:AlternateContent xmlns:mc="http://schemas.openxmlformats.org/markup-compatibility/2006" xmlns:p14="http://schemas.microsoft.com/office/powerpoint/2010/main">
         <mc:Choice Requires="p14">
-          <p:contentPart p14:bwMode="auto" r:id="rId14">
+          <p:contentPart p14:bwMode="auto" r:id="rId20">
             <p14:nvContentPartPr>
               <p14:cNvPr id="2" name="Ink 1">
                 <a:extLst>
@@ -11384,7 +11311,7 @@
               <p:nvPr/>
             </p:nvPicPr>
             <p:blipFill>
-              <a:blip r:embed="rId15"/>
+              <a:blip r:embed="rId21"/>
               <a:stretch>
                 <a:fillRect/>
               </a:stretch>
@@ -11401,306 +11328,111 @@
           </p:pic>
         </mc:Fallback>
       </mc:AlternateContent>
-      <p:grpSp>
-        <p:nvGrpSpPr>
-          <p:cNvPr id="5" name="Group 4">
-            <a:extLst>
-              <a:ext uri="{FF2B5EF4-FFF2-40B4-BE49-F238E27FC236}">
-                <a16:creationId xmlns:a16="http://schemas.microsoft.com/office/drawing/2014/main" id="{799773D2-F22D-EFA5-FD83-E3548AEC6500}"/>
-              </a:ext>
-            </a:extLst>
-          </p:cNvPr>
-          <p:cNvGrpSpPr/>
-          <p:nvPr/>
-        </p:nvGrpSpPr>
-        <p:grpSpPr>
-          <a:xfrm>
-            <a:off x="8642400" y="4714920"/>
-            <a:ext cx="360" cy="360"/>
-            <a:chOff x="8642400" y="4714920"/>
-            <a:chExt cx="360" cy="360"/>
-          </a:xfrm>
-        </p:grpSpPr>
-        <mc:AlternateContent xmlns:mc="http://schemas.openxmlformats.org/markup-compatibility/2006" xmlns:p14="http://schemas.microsoft.com/office/powerpoint/2010/main">
-          <mc:Choice Requires="p14">
-            <p:contentPart p14:bwMode="auto" r:id="rId16">
-              <p14:nvContentPartPr>
-                <p14:cNvPr id="3" name="Ink 2">
-                  <a:extLst>
-                    <a:ext uri="{FF2B5EF4-FFF2-40B4-BE49-F238E27FC236}">
-                      <a16:creationId xmlns:a16="http://schemas.microsoft.com/office/drawing/2014/main" id="{CCEE581B-363E-9B6D-784A-8E7506BF12C7}"/>
-                    </a:ext>
-                  </a:extLst>
-                </p14:cNvPr>
-                <p14:cNvContentPartPr/>
-                <p14:nvPr/>
-              </p14:nvContentPartPr>
-              <p14:xfrm>
-                <a:off x="8642400" y="4714920"/>
-                <a:ext cx="360" cy="360"/>
-              </p14:xfrm>
-            </p:contentPart>
-          </mc:Choice>
-          <mc:Fallback xmlns="">
-            <p:pic>
-              <p:nvPicPr>
-                <p:cNvPr id="3" name="Ink 2">
-                  <a:extLst>
-                    <a:ext uri="{FF2B5EF4-FFF2-40B4-BE49-F238E27FC236}">
-                      <a16:creationId xmlns:a16="http://schemas.microsoft.com/office/drawing/2014/main" id="{CCEE581B-363E-9B6D-784A-8E7506BF12C7}"/>
-                    </a:ext>
-                  </a:extLst>
-                </p:cNvPr>
-                <p:cNvPicPr/>
-                <p:nvPr/>
-              </p:nvPicPr>
-              <p:blipFill>
-                <a:blip r:embed="rId17"/>
-                <a:stretch>
-                  <a:fillRect/>
-                </a:stretch>
-              </p:blipFill>
-              <p:spPr>
-                <a:xfrm>
-                  <a:off x="8624400" y="4696920"/>
-                  <a:ext cx="36000" cy="36000"/>
-                </a:xfrm>
-                <a:prstGeom prst="rect">
-                  <a:avLst/>
-                </a:prstGeom>
-              </p:spPr>
-            </p:pic>
-          </mc:Fallback>
-        </mc:AlternateContent>
-        <mc:AlternateContent xmlns:mc="http://schemas.openxmlformats.org/markup-compatibility/2006" xmlns:p14="http://schemas.microsoft.com/office/powerpoint/2010/main">
-          <mc:Choice Requires="p14">
-            <p:contentPart p14:bwMode="auto" r:id="rId18">
-              <p14:nvContentPartPr>
-                <p14:cNvPr id="4" name="Ink 3">
-                  <a:extLst>
-                    <a:ext uri="{FF2B5EF4-FFF2-40B4-BE49-F238E27FC236}">
-                      <a16:creationId xmlns:a16="http://schemas.microsoft.com/office/drawing/2014/main" id="{ED9EBC83-087F-F838-C63C-CD4054E0C024}"/>
-                    </a:ext>
-                  </a:extLst>
-                </p14:cNvPr>
-                <p14:cNvContentPartPr/>
-                <p14:nvPr/>
-              </p14:nvContentPartPr>
-              <p14:xfrm>
-                <a:off x="8642400" y="4714920"/>
-                <a:ext cx="360" cy="360"/>
-              </p14:xfrm>
-            </p:contentPart>
-          </mc:Choice>
-          <mc:Fallback xmlns="">
-            <p:pic>
-              <p:nvPicPr>
-                <p:cNvPr id="4" name="Ink 3">
-                  <a:extLst>
-                    <a:ext uri="{FF2B5EF4-FFF2-40B4-BE49-F238E27FC236}">
-                      <a16:creationId xmlns:a16="http://schemas.microsoft.com/office/drawing/2014/main" id="{ED9EBC83-087F-F838-C63C-CD4054E0C024}"/>
-                    </a:ext>
-                  </a:extLst>
-                </p:cNvPr>
-                <p:cNvPicPr/>
-                <p:nvPr/>
-              </p:nvPicPr>
-              <p:blipFill>
-                <a:blip r:embed="rId17"/>
-                <a:stretch>
-                  <a:fillRect/>
-                </a:stretch>
-              </p:blipFill>
-              <p:spPr>
-                <a:xfrm>
-                  <a:off x="8624400" y="4696920"/>
-                  <a:ext cx="36000" cy="36000"/>
-                </a:xfrm>
-                <a:prstGeom prst="rect">
-                  <a:avLst/>
-                </a:prstGeom>
-              </p:spPr>
-            </p:pic>
-          </mc:Fallback>
-        </mc:AlternateContent>
-      </p:grpSp>
-      <p:grpSp>
-        <p:nvGrpSpPr>
-          <p:cNvPr id="12" name="Group 11">
-            <a:extLst>
-              <a:ext uri="{FF2B5EF4-FFF2-40B4-BE49-F238E27FC236}">
-                <a16:creationId xmlns:a16="http://schemas.microsoft.com/office/drawing/2014/main" id="{3BBE3966-8251-5B37-32E4-F6F9733363A6}"/>
-              </a:ext>
-            </a:extLst>
-          </p:cNvPr>
-          <p:cNvGrpSpPr/>
-          <p:nvPr/>
-        </p:nvGrpSpPr>
-        <p:grpSpPr>
-          <a:xfrm>
-            <a:off x="5725680" y="6722280"/>
-            <a:ext cx="428040" cy="590040"/>
-            <a:chOff x="5725680" y="6722280"/>
-            <a:chExt cx="428040" cy="590040"/>
-          </a:xfrm>
-        </p:grpSpPr>
-        <mc:AlternateContent xmlns:mc="http://schemas.openxmlformats.org/markup-compatibility/2006" xmlns:p14="http://schemas.microsoft.com/office/powerpoint/2010/main">
-          <mc:Choice Requires="p14">
-            <p:contentPart p14:bwMode="auto" r:id="rId19">
-              <p14:nvContentPartPr>
-                <p14:cNvPr id="8" name="Ink 7">
-                  <a:extLst>
-                    <a:ext uri="{FF2B5EF4-FFF2-40B4-BE49-F238E27FC236}">
-                      <a16:creationId xmlns:a16="http://schemas.microsoft.com/office/drawing/2014/main" id="{90232097-83E1-8BD5-0F63-A7E7E427A3DB}"/>
-                    </a:ext>
-                  </a:extLst>
-                </p14:cNvPr>
-                <p14:cNvContentPartPr/>
-                <p14:nvPr/>
-              </p14:nvContentPartPr>
-              <p14:xfrm>
-                <a:off x="5875080" y="6722280"/>
-                <a:ext cx="39240" cy="367560"/>
-              </p14:xfrm>
-            </p:contentPart>
-          </mc:Choice>
-          <mc:Fallback xmlns="">
-            <p:pic>
-              <p:nvPicPr>
-                <p:cNvPr id="8" name="Ink 7">
-                  <a:extLst>
-                    <a:ext uri="{FF2B5EF4-FFF2-40B4-BE49-F238E27FC236}">
-                      <a16:creationId xmlns:a16="http://schemas.microsoft.com/office/drawing/2014/main" id="{90232097-83E1-8BD5-0F63-A7E7E427A3DB}"/>
-                    </a:ext>
-                  </a:extLst>
-                </p:cNvPr>
-                <p:cNvPicPr/>
-                <p:nvPr/>
-              </p:nvPicPr>
-              <p:blipFill>
-                <a:blip r:embed="rId20"/>
-                <a:stretch>
-                  <a:fillRect/>
-                </a:stretch>
-              </p:blipFill>
-              <p:spPr>
-                <a:xfrm>
-                  <a:off x="5857080" y="6704280"/>
-                  <a:ext cx="74880" cy="403200"/>
-                </a:xfrm>
-                <a:prstGeom prst="rect">
-                  <a:avLst/>
-                </a:prstGeom>
-              </p:spPr>
-            </p:pic>
-          </mc:Fallback>
-        </mc:AlternateContent>
-        <mc:AlternateContent xmlns:mc="http://schemas.openxmlformats.org/markup-compatibility/2006" xmlns:p14="http://schemas.microsoft.com/office/powerpoint/2010/main">
-          <mc:Choice Requires="p14">
-            <p:contentPart p14:bwMode="auto" r:id="rId21">
-              <p14:nvContentPartPr>
-                <p14:cNvPr id="9" name="Ink 8">
-                  <a:extLst>
-                    <a:ext uri="{FF2B5EF4-FFF2-40B4-BE49-F238E27FC236}">
-                      <a16:creationId xmlns:a16="http://schemas.microsoft.com/office/drawing/2014/main" id="{BCE62E94-0E9E-9D6F-D633-5D785B291ABA}"/>
-                    </a:ext>
-                  </a:extLst>
-                </p14:cNvPr>
-                <p14:cNvContentPartPr/>
-                <p14:nvPr/>
-              </p14:nvContentPartPr>
-              <p14:xfrm>
-                <a:off x="5877960" y="6936120"/>
-                <a:ext cx="275760" cy="169560"/>
-              </p14:xfrm>
-            </p:contentPart>
-          </mc:Choice>
-          <mc:Fallback xmlns="">
-            <p:pic>
-              <p:nvPicPr>
-                <p:cNvPr id="9" name="Ink 8">
-                  <a:extLst>
-                    <a:ext uri="{FF2B5EF4-FFF2-40B4-BE49-F238E27FC236}">
-                      <a16:creationId xmlns:a16="http://schemas.microsoft.com/office/drawing/2014/main" id="{BCE62E94-0E9E-9D6F-D633-5D785B291ABA}"/>
-                    </a:ext>
-                  </a:extLst>
-                </p:cNvPr>
-                <p:cNvPicPr/>
-                <p:nvPr/>
-              </p:nvPicPr>
-              <p:blipFill>
-                <a:blip r:embed="rId22"/>
-                <a:stretch>
-                  <a:fillRect/>
-                </a:stretch>
-              </p:blipFill>
-              <p:spPr>
-                <a:xfrm>
-                  <a:off x="5859960" y="6918158"/>
-                  <a:ext cx="311400" cy="205124"/>
-                </a:xfrm>
-                <a:prstGeom prst="rect">
-                  <a:avLst/>
-                </a:prstGeom>
-              </p:spPr>
-            </p:pic>
-          </mc:Fallback>
-        </mc:AlternateContent>
-        <mc:AlternateContent xmlns:mc="http://schemas.openxmlformats.org/markup-compatibility/2006" xmlns:p14="http://schemas.microsoft.com/office/powerpoint/2010/main">
-          <mc:Choice Requires="p14">
-            <p:contentPart p14:bwMode="auto" r:id="rId23">
-              <p14:nvContentPartPr>
-                <p14:cNvPr id="11" name="Ink 10">
-                  <a:extLst>
-                    <a:ext uri="{FF2B5EF4-FFF2-40B4-BE49-F238E27FC236}">
-                      <a16:creationId xmlns:a16="http://schemas.microsoft.com/office/drawing/2014/main" id="{6F5C41E4-5790-3BA3-3708-2A70214CCA73}"/>
-                    </a:ext>
-                  </a:extLst>
-                </p14:cNvPr>
-                <p14:cNvContentPartPr/>
-                <p14:nvPr/>
-              </p14:nvContentPartPr>
-              <p14:xfrm>
-                <a:off x="5725680" y="7133040"/>
-                <a:ext cx="229320" cy="179280"/>
-              </p14:xfrm>
-            </p:contentPart>
-          </mc:Choice>
-          <mc:Fallback xmlns="">
-            <p:pic>
-              <p:nvPicPr>
-                <p:cNvPr id="11" name="Ink 10">
-                  <a:extLst>
-                    <a:ext uri="{FF2B5EF4-FFF2-40B4-BE49-F238E27FC236}">
-                      <a16:creationId xmlns:a16="http://schemas.microsoft.com/office/drawing/2014/main" id="{6F5C41E4-5790-3BA3-3708-2A70214CCA73}"/>
-                    </a:ext>
-                  </a:extLst>
-                </p:cNvPr>
-                <p:cNvPicPr/>
-                <p:nvPr/>
-              </p:nvPicPr>
-              <p:blipFill>
-                <a:blip r:embed="rId24"/>
-                <a:stretch>
-                  <a:fillRect/>
-                </a:stretch>
-              </p:blipFill>
-              <p:spPr>
-                <a:xfrm>
-                  <a:off x="5707680" y="7115040"/>
-                  <a:ext cx="264960" cy="214920"/>
-                </a:xfrm>
-                <a:prstGeom prst="rect">
-                  <a:avLst/>
-                </a:prstGeom>
-              </p:spPr>
-            </p:pic>
-          </mc:Fallback>
-        </mc:AlternateContent>
-      </p:grpSp>
       <mc:AlternateContent xmlns:mc="http://schemas.openxmlformats.org/markup-compatibility/2006">
         <mc:Choice xmlns:p14="http://schemas.microsoft.com/office/powerpoint/2010/main" Requires="p14">
-          <p:contentPart p14:bwMode="auto" r:id="rId25">
+          <p:contentPart p14:bwMode="auto" r:id="rId22">
+            <p14:nvContentPartPr>
+              <p14:cNvPr id="8" name="Ink 7">
+                <a:extLst>
+                  <a:ext uri="{FF2B5EF4-FFF2-40B4-BE49-F238E27FC236}">
+                    <a16:creationId xmlns:a16="http://schemas.microsoft.com/office/drawing/2014/main" id="{90232097-83E1-8BD5-0F63-A7E7E427A3DB}"/>
+                  </a:ext>
+                </a:extLst>
+              </p14:cNvPr>
+              <p14:cNvContentPartPr/>
+              <p14:nvPr/>
+            </p14:nvContentPartPr>
+            <p14:xfrm>
+              <a:off x="5875080" y="6722280"/>
+              <a:ext cx="39240" cy="367560"/>
+            </p14:xfrm>
+          </p:contentPart>
+        </mc:Choice>
+        <mc:Fallback>
+          <p:pic>
+            <p:nvPicPr>
+              <p:cNvPr id="8" name="Ink 7">
+                <a:extLst>
+                  <a:ext uri="{FF2B5EF4-FFF2-40B4-BE49-F238E27FC236}">
+                    <a16:creationId xmlns:a16="http://schemas.microsoft.com/office/drawing/2014/main" id="{90232097-83E1-8BD5-0F63-A7E7E427A3DB}"/>
+                  </a:ext>
+                </a:extLst>
+              </p:cNvPr>
+              <p:cNvPicPr/>
+              <p:nvPr/>
+            </p:nvPicPr>
+            <p:blipFill>
+              <a:blip r:embed="rId23"/>
+              <a:stretch>
+                <a:fillRect/>
+              </a:stretch>
+            </p:blipFill>
+            <p:spPr>
+              <a:xfrm>
+                <a:off x="5857080" y="6704280"/>
+                <a:ext cx="74880" cy="403200"/>
+              </a:xfrm>
+              <a:prstGeom prst="rect">
+                <a:avLst/>
+              </a:prstGeom>
+            </p:spPr>
+          </p:pic>
+        </mc:Fallback>
+      </mc:AlternateContent>
+      <mc:AlternateContent xmlns:mc="http://schemas.openxmlformats.org/markup-compatibility/2006">
+        <mc:Choice xmlns:p14="http://schemas.microsoft.com/office/powerpoint/2010/main" Requires="p14">
+          <p:contentPart p14:bwMode="auto" r:id="rId24">
+            <p14:nvContentPartPr>
+              <p14:cNvPr id="11" name="Ink 10">
+                <a:extLst>
+                  <a:ext uri="{FF2B5EF4-FFF2-40B4-BE49-F238E27FC236}">
+                    <a16:creationId xmlns:a16="http://schemas.microsoft.com/office/drawing/2014/main" id="{6F5C41E4-5790-3BA3-3708-2A70214CCA73}"/>
+                  </a:ext>
+                </a:extLst>
+              </p14:cNvPr>
+              <p14:cNvContentPartPr/>
+              <p14:nvPr/>
+            </p14:nvContentPartPr>
+            <p14:xfrm>
+              <a:off x="5725680" y="7133040"/>
+              <a:ext cx="229320" cy="179280"/>
+            </p14:xfrm>
+          </p:contentPart>
+        </mc:Choice>
+        <mc:Fallback>
+          <p:pic>
+            <p:nvPicPr>
+              <p:cNvPr id="11" name="Ink 10">
+                <a:extLst>
+                  <a:ext uri="{FF2B5EF4-FFF2-40B4-BE49-F238E27FC236}">
+                    <a16:creationId xmlns:a16="http://schemas.microsoft.com/office/drawing/2014/main" id="{6F5C41E4-5790-3BA3-3708-2A70214CCA73}"/>
+                  </a:ext>
+                </a:extLst>
+              </p:cNvPr>
+              <p:cNvPicPr/>
+              <p:nvPr/>
+            </p:nvPicPr>
+            <p:blipFill>
+              <a:blip r:embed="rId25"/>
+              <a:stretch>
+                <a:fillRect/>
+              </a:stretch>
+            </p:blipFill>
+            <p:spPr>
+              <a:xfrm>
+                <a:off x="5707680" y="7115040"/>
+                <a:ext cx="264960" cy="214920"/>
+              </a:xfrm>
+              <a:prstGeom prst="rect">
+                <a:avLst/>
+              </a:prstGeom>
+            </p:spPr>
+          </p:pic>
+        </mc:Fallback>
+      </mc:AlternateContent>
+      <mc:AlternateContent xmlns:mc="http://schemas.openxmlformats.org/markup-compatibility/2006" xmlns:p14="http://schemas.microsoft.com/office/powerpoint/2010/main">
+        <mc:Choice Requires="p14">
+          <p:contentPart p14:bwMode="auto" r:id="rId26">
             <p14:nvContentPartPr>
               <p14:cNvPr id="60" name="Ink 59">
                 <a:extLst>
@@ -11718,7 +11450,7 @@
             </p14:xfrm>
           </p:contentPart>
         </mc:Choice>
-        <mc:Fallback>
+        <mc:Fallback xmlns="">
           <p:pic>
             <p:nvPicPr>
               <p:cNvPr id="60" name="Ink 59">
@@ -11732,7 +11464,7 @@
               <p:nvPr/>
             </p:nvPicPr>
             <p:blipFill>
-              <a:blip r:embed="rId26"/>
+              <a:blip r:embed="rId27"/>
               <a:stretch>
                 <a:fillRect/>
               </a:stretch>
@@ -11749,183 +11481,111 @@
           </p:pic>
         </mc:Fallback>
       </mc:AlternateContent>
-      <p:grpSp>
-        <p:nvGrpSpPr>
-          <p:cNvPr id="63" name="Group 62">
-            <a:extLst>
-              <a:ext uri="{FF2B5EF4-FFF2-40B4-BE49-F238E27FC236}">
-                <a16:creationId xmlns:a16="http://schemas.microsoft.com/office/drawing/2014/main" id="{E6757CD6-8675-80ED-203A-C8121EB3F3CA}"/>
-              </a:ext>
-            </a:extLst>
-          </p:cNvPr>
-          <p:cNvGrpSpPr/>
-          <p:nvPr/>
-        </p:nvGrpSpPr>
-        <p:grpSpPr>
-          <a:xfrm>
-            <a:off x="3942960" y="6742800"/>
-            <a:ext cx="559793" cy="418002"/>
-            <a:chOff x="3942960" y="6742800"/>
-            <a:chExt cx="559793" cy="418002"/>
-          </a:xfrm>
-        </p:grpSpPr>
-        <mc:AlternateContent xmlns:mc="http://schemas.openxmlformats.org/markup-compatibility/2006" xmlns:p14="http://schemas.microsoft.com/office/powerpoint/2010/main">
-          <mc:Choice Requires="p14">
-            <p:contentPart p14:bwMode="auto" r:id="rId27">
-              <p14:nvContentPartPr>
-                <p14:cNvPr id="13" name="Ink 12">
-                  <a:extLst>
-                    <a:ext uri="{FF2B5EF4-FFF2-40B4-BE49-F238E27FC236}">
-                      <a16:creationId xmlns:a16="http://schemas.microsoft.com/office/drawing/2014/main" id="{CF2716CA-DD4A-A8A4-8FB0-E5F9BE7D3562}"/>
-                    </a:ext>
-                  </a:extLst>
-                </p14:cNvPr>
-                <p14:cNvContentPartPr/>
-                <p14:nvPr/>
-              </p14:nvContentPartPr>
-              <p14:xfrm>
-                <a:off x="3942960" y="6883920"/>
-                <a:ext cx="329400" cy="191160"/>
-              </p14:xfrm>
-            </p:contentPart>
-          </mc:Choice>
-          <mc:Fallback xmlns="">
-            <p:pic>
-              <p:nvPicPr>
-                <p:cNvPr id="13" name="Ink 12">
-                  <a:extLst>
-                    <a:ext uri="{FF2B5EF4-FFF2-40B4-BE49-F238E27FC236}">
-                      <a16:creationId xmlns:a16="http://schemas.microsoft.com/office/drawing/2014/main" id="{CF2716CA-DD4A-A8A4-8FB0-E5F9BE7D3562}"/>
-                    </a:ext>
-                  </a:extLst>
-                </p:cNvPr>
-                <p:cNvPicPr/>
-                <p:nvPr/>
-              </p:nvPicPr>
-              <p:blipFill>
-                <a:blip r:embed="rId28"/>
-                <a:stretch>
-                  <a:fillRect/>
-                </a:stretch>
-              </p:blipFill>
-              <p:spPr>
-                <a:xfrm>
-                  <a:off x="3924960" y="6865920"/>
-                  <a:ext cx="365040" cy="226800"/>
-                </a:xfrm>
-                <a:prstGeom prst="rect">
-                  <a:avLst/>
-                </a:prstGeom>
-              </p:spPr>
-            </p:pic>
-          </mc:Fallback>
-        </mc:AlternateContent>
-        <mc:AlternateContent xmlns:mc="http://schemas.openxmlformats.org/markup-compatibility/2006" xmlns:p14="http://schemas.microsoft.com/office/powerpoint/2010/main">
-          <mc:Choice Requires="p14">
-            <p:contentPart p14:bwMode="auto" r:id="rId29">
-              <p14:nvContentPartPr>
-                <p14:cNvPr id="14" name="Ink 13">
-                  <a:extLst>
-                    <a:ext uri="{FF2B5EF4-FFF2-40B4-BE49-F238E27FC236}">
-                      <a16:creationId xmlns:a16="http://schemas.microsoft.com/office/drawing/2014/main" id="{AD2A53CC-76F6-0457-7CBF-8C4868034F45}"/>
-                    </a:ext>
-                  </a:extLst>
-                </p14:cNvPr>
-                <p14:cNvContentPartPr/>
-                <p14:nvPr/>
-              </p14:nvContentPartPr>
-              <p14:xfrm>
-                <a:off x="4199640" y="6742800"/>
-                <a:ext cx="76320" cy="371880"/>
-              </p14:xfrm>
-            </p:contentPart>
-          </mc:Choice>
-          <mc:Fallback xmlns="">
-            <p:pic>
-              <p:nvPicPr>
-                <p:cNvPr id="14" name="Ink 13">
-                  <a:extLst>
-                    <a:ext uri="{FF2B5EF4-FFF2-40B4-BE49-F238E27FC236}">
-                      <a16:creationId xmlns:a16="http://schemas.microsoft.com/office/drawing/2014/main" id="{AD2A53CC-76F6-0457-7CBF-8C4868034F45}"/>
-                    </a:ext>
-                  </a:extLst>
-                </p:cNvPr>
-                <p:cNvPicPr/>
-                <p:nvPr/>
-              </p:nvPicPr>
-              <p:blipFill>
-                <a:blip r:embed="rId30"/>
-                <a:stretch>
-                  <a:fillRect/>
-                </a:stretch>
-              </p:blipFill>
-              <p:spPr>
-                <a:xfrm>
-                  <a:off x="4181640" y="6724800"/>
-                  <a:ext cx="111960" cy="407520"/>
-                </a:xfrm>
-                <a:prstGeom prst="rect">
-                  <a:avLst/>
-                </a:prstGeom>
-              </p:spPr>
-            </p:pic>
-          </mc:Fallback>
-        </mc:AlternateContent>
-        <mc:AlternateContent xmlns:mc="http://schemas.openxmlformats.org/markup-compatibility/2006" xmlns:p14="http://schemas.microsoft.com/office/powerpoint/2010/main">
-          <mc:Choice Requires="p14">
-            <p:contentPart p14:bwMode="auto" r:id="rId31">
-              <p14:nvContentPartPr>
-                <p14:cNvPr id="62" name="Ink 61">
-                  <a:extLst>
-                    <a:ext uri="{FF2B5EF4-FFF2-40B4-BE49-F238E27FC236}">
-                      <a16:creationId xmlns:a16="http://schemas.microsoft.com/office/drawing/2014/main" id="{61A755A6-EA8E-A609-7C22-712FD4A369D0}"/>
-                    </a:ext>
-                  </a:extLst>
-                </p14:cNvPr>
-                <p14:cNvContentPartPr/>
-                <p14:nvPr/>
-              </p14:nvContentPartPr>
-              <p14:xfrm>
-                <a:off x="4308713" y="7033722"/>
-                <a:ext cx="194040" cy="127080"/>
-              </p14:xfrm>
-            </p:contentPart>
-          </mc:Choice>
-          <mc:Fallback xmlns="">
-            <p:pic>
-              <p:nvPicPr>
-                <p:cNvPr id="62" name="Ink 61">
-                  <a:extLst>
-                    <a:ext uri="{FF2B5EF4-FFF2-40B4-BE49-F238E27FC236}">
-                      <a16:creationId xmlns:a16="http://schemas.microsoft.com/office/drawing/2014/main" id="{61A755A6-EA8E-A609-7C22-712FD4A369D0}"/>
-                    </a:ext>
-                  </a:extLst>
-                </p:cNvPr>
-                <p:cNvPicPr/>
-                <p:nvPr/>
-              </p:nvPicPr>
-              <p:blipFill>
-                <a:blip r:embed="rId32"/>
-                <a:stretch>
-                  <a:fillRect/>
-                </a:stretch>
-              </p:blipFill>
-              <p:spPr>
-                <a:xfrm>
-                  <a:off x="4290680" y="7015722"/>
-                  <a:ext cx="229746" cy="162720"/>
-                </a:xfrm>
-                <a:prstGeom prst="rect">
-                  <a:avLst/>
-                </a:prstGeom>
-              </p:spPr>
-            </p:pic>
-          </mc:Fallback>
-        </mc:AlternateContent>
-      </p:grpSp>
+      <mc:AlternateContent xmlns:mc="http://schemas.openxmlformats.org/markup-compatibility/2006">
+        <mc:Choice xmlns:p14="http://schemas.microsoft.com/office/powerpoint/2010/main" Requires="p14">
+          <p:contentPart p14:bwMode="auto" r:id="rId28">
+            <p14:nvContentPartPr>
+              <p14:cNvPr id="13" name="Ink 12">
+                <a:extLst>
+                  <a:ext uri="{FF2B5EF4-FFF2-40B4-BE49-F238E27FC236}">
+                    <a16:creationId xmlns:a16="http://schemas.microsoft.com/office/drawing/2014/main" id="{CF2716CA-DD4A-A8A4-8FB0-E5F9BE7D3562}"/>
+                  </a:ext>
+                </a:extLst>
+              </p14:cNvPr>
+              <p14:cNvContentPartPr/>
+              <p14:nvPr/>
+            </p14:nvContentPartPr>
+            <p14:xfrm>
+              <a:off x="3942960" y="6883920"/>
+              <a:ext cx="329400" cy="191160"/>
+            </p14:xfrm>
+          </p:contentPart>
+        </mc:Choice>
+        <mc:Fallback>
+          <p:pic>
+            <p:nvPicPr>
+              <p:cNvPr id="13" name="Ink 12">
+                <a:extLst>
+                  <a:ext uri="{FF2B5EF4-FFF2-40B4-BE49-F238E27FC236}">
+                    <a16:creationId xmlns:a16="http://schemas.microsoft.com/office/drawing/2014/main" id="{CF2716CA-DD4A-A8A4-8FB0-E5F9BE7D3562}"/>
+                  </a:ext>
+                </a:extLst>
+              </p:cNvPr>
+              <p:cNvPicPr/>
+              <p:nvPr/>
+            </p:nvPicPr>
+            <p:blipFill>
+              <a:blip r:embed="rId29"/>
+              <a:stretch>
+                <a:fillRect/>
+              </a:stretch>
+            </p:blipFill>
+            <p:spPr>
+              <a:xfrm>
+                <a:off x="3924960" y="6865920"/>
+                <a:ext cx="365040" cy="226800"/>
+              </a:xfrm>
+              <a:prstGeom prst="rect">
+                <a:avLst/>
+              </a:prstGeom>
+            </p:spPr>
+          </p:pic>
+        </mc:Fallback>
+      </mc:AlternateContent>
+      <mc:AlternateContent xmlns:mc="http://schemas.openxmlformats.org/markup-compatibility/2006">
+        <mc:Choice xmlns:p14="http://schemas.microsoft.com/office/powerpoint/2010/main" Requires="p14">
+          <p:contentPart p14:bwMode="auto" r:id="rId30">
+            <p14:nvContentPartPr>
+              <p14:cNvPr id="62" name="Ink 61">
+                <a:extLst>
+                  <a:ext uri="{FF2B5EF4-FFF2-40B4-BE49-F238E27FC236}">
+                    <a16:creationId xmlns:a16="http://schemas.microsoft.com/office/drawing/2014/main" id="{61A755A6-EA8E-A609-7C22-712FD4A369D0}"/>
+                  </a:ext>
+                </a:extLst>
+              </p14:cNvPr>
+              <p14:cNvContentPartPr/>
+              <p14:nvPr/>
+            </p14:nvContentPartPr>
+            <p14:xfrm>
+              <a:off x="4308713" y="7033722"/>
+              <a:ext cx="194040" cy="127080"/>
+            </p14:xfrm>
+          </p:contentPart>
+        </mc:Choice>
+        <mc:Fallback>
+          <p:pic>
+            <p:nvPicPr>
+              <p:cNvPr id="62" name="Ink 61">
+                <a:extLst>
+                  <a:ext uri="{FF2B5EF4-FFF2-40B4-BE49-F238E27FC236}">
+                    <a16:creationId xmlns:a16="http://schemas.microsoft.com/office/drawing/2014/main" id="{61A755A6-EA8E-A609-7C22-712FD4A369D0}"/>
+                  </a:ext>
+                </a:extLst>
+              </p:cNvPr>
+              <p:cNvPicPr/>
+              <p:nvPr/>
+            </p:nvPicPr>
+            <p:blipFill>
+              <a:blip r:embed="rId31"/>
+              <a:stretch>
+                <a:fillRect/>
+              </a:stretch>
+            </p:blipFill>
+            <p:spPr>
+              <a:xfrm>
+                <a:off x="4290680" y="7015722"/>
+                <a:ext cx="229746" cy="162720"/>
+              </a:xfrm>
+              <a:prstGeom prst="rect">
+                <a:avLst/>
+              </a:prstGeom>
+            </p:spPr>
+          </p:pic>
+        </mc:Fallback>
+      </mc:AlternateContent>
       <mc:AlternateContent xmlns:mc="http://schemas.openxmlformats.org/markup-compatibility/2006" xmlns:p14="http://schemas.microsoft.com/office/powerpoint/2010/main">
         <mc:Choice Requires="p14">
-          <p:contentPart p14:bwMode="auto" r:id="rId33">
+          <p:contentPart p14:bwMode="auto" r:id="rId32">
             <p14:nvContentPartPr>
               <p14:cNvPr id="31" name="Ink 30">
                 <a:extLst>
@@ -11957,7 +11617,7 @@
               <p:nvPr/>
             </p:nvPicPr>
             <p:blipFill>
-              <a:blip r:embed="rId3"/>
+              <a:blip r:embed="rId9"/>
               <a:stretch>
                 <a:fillRect/>
               </a:stretch>
@@ -12044,21 +11704,21 @@
             <a:pPr algn="ctr"/>
             <a:r>
               <a:rPr lang="en-US" sz="2400" dirty="0">
-                <a:latin typeface="Source Sans Pro" panose="020B0503030403020204" pitchFamily="34" charset="0"/>
+                <a:latin typeface="ETbb" panose="02000503000000000000" pitchFamily="2" charset="0"/>
                 <a:ea typeface="Source Sans Pro" panose="020B0503030403020204" pitchFamily="34" charset="0"/>
               </a:rPr>
               <a:t>Randomization removes </a:t>
             </a:r>
             <a:r>
               <a:rPr lang="en-US" sz="2400" b="1" dirty="0">
-                <a:latin typeface="Source Sans Pro" panose="020B0503030403020204" pitchFamily="34" charset="0"/>
+                <a:latin typeface="ETbb" panose="02000503000000000000" pitchFamily="2" charset="0"/>
                 <a:ea typeface="Source Sans Pro" panose="020B0503030403020204" pitchFamily="34" charset="0"/>
               </a:rPr>
               <a:t>all </a:t>
             </a:r>
             <a:r>
               <a:rPr lang="en-US" sz="2400" dirty="0">
-                <a:latin typeface="Source Sans Pro" panose="020B0503030403020204" pitchFamily="34" charset="0"/>
+                <a:latin typeface="ETbb" panose="02000503000000000000" pitchFamily="2" charset="0"/>
                 <a:ea typeface="Source Sans Pro" panose="020B0503030403020204" pitchFamily="34" charset="0"/>
               </a:rPr>
               <a:t>confounds, known and unknown</a:t>
@@ -12068,7 +11728,7 @@
       </p:sp>
       <mc:AlternateContent xmlns:mc="http://schemas.openxmlformats.org/markup-compatibility/2006" xmlns:p14="http://schemas.microsoft.com/office/powerpoint/2010/main">
         <mc:Choice Requires="p14">
-          <p:contentPart p14:bwMode="auto" r:id="rId34">
+          <p:contentPart p14:bwMode="auto" r:id="rId33">
             <p14:nvContentPartPr>
               <p14:cNvPr id="10" name="Ink 9">
                 <a:extLst>
@@ -12270,8 +11930,8 @@
           </p:pic>
         </mc:Fallback>
       </mc:AlternateContent>
-      <mc:AlternateContent xmlns:mc="http://schemas.openxmlformats.org/markup-compatibility/2006">
-        <mc:Choice xmlns:p14="http://schemas.microsoft.com/office/powerpoint/2010/main" Requires="p14">
+      <mc:AlternateContent xmlns:mc="http://schemas.openxmlformats.org/markup-compatibility/2006" xmlns:p14="http://schemas.microsoft.com/office/powerpoint/2010/main">
+        <mc:Choice Requires="p14">
           <p:contentPart p14:bwMode="auto" r:id="rId42">
             <p14:nvContentPartPr>
               <p14:cNvPr id="55" name="Ink 54">
@@ -12290,7 +11950,7 @@
             </p14:xfrm>
           </p:contentPart>
         </mc:Choice>
-        <mc:Fallback>
+        <mc:Fallback xmlns="">
           <p:pic>
             <p:nvPicPr>
               <p:cNvPr id="55" name="Ink 54">
@@ -12304,7 +11964,7 @@
               <p:nvPr/>
             </p:nvPicPr>
             <p:blipFill>
-              <a:blip r:embed="rId26"/>
+              <a:blip r:embed="rId27"/>
               <a:stretch>
                 <a:fillRect/>
               </a:stretch>
@@ -12321,354 +11981,210 @@
           </p:pic>
         </mc:Fallback>
       </mc:AlternateContent>
-      <p:grpSp>
-        <p:nvGrpSpPr>
-          <p:cNvPr id="58" name="Group 57">
-            <a:extLst>
-              <a:ext uri="{FF2B5EF4-FFF2-40B4-BE49-F238E27FC236}">
-                <a16:creationId xmlns:a16="http://schemas.microsoft.com/office/drawing/2014/main" id="{A8D9FB1D-8021-9756-FA30-CBC9F18FDCE7}"/>
-              </a:ext>
-            </a:extLst>
-          </p:cNvPr>
-          <p:cNvGrpSpPr/>
-          <p:nvPr/>
-        </p:nvGrpSpPr>
-        <p:grpSpPr>
-          <a:xfrm>
-            <a:off x="3535178" y="5846275"/>
-            <a:ext cx="559793" cy="418002"/>
-            <a:chOff x="3942960" y="6742800"/>
-            <a:chExt cx="559793" cy="418002"/>
-          </a:xfrm>
-        </p:grpSpPr>
-        <mc:AlternateContent xmlns:mc="http://schemas.openxmlformats.org/markup-compatibility/2006" xmlns:p14="http://schemas.microsoft.com/office/powerpoint/2010/main">
-          <mc:Choice Requires="p14">
-            <p:contentPart p14:bwMode="auto" r:id="rId43">
-              <p14:nvContentPartPr>
-                <p14:cNvPr id="59" name="Ink 58">
-                  <a:extLst>
-                    <a:ext uri="{FF2B5EF4-FFF2-40B4-BE49-F238E27FC236}">
-                      <a16:creationId xmlns:a16="http://schemas.microsoft.com/office/drawing/2014/main" id="{B58FB56F-918D-F642-23F6-11903582FCBB}"/>
-                    </a:ext>
-                  </a:extLst>
-                </p14:cNvPr>
-                <p14:cNvContentPartPr/>
-                <p14:nvPr/>
-              </p14:nvContentPartPr>
-              <p14:xfrm>
-                <a:off x="3942960" y="6883920"/>
-                <a:ext cx="329400" cy="191160"/>
-              </p14:xfrm>
-            </p:contentPart>
-          </mc:Choice>
-          <mc:Fallback xmlns="">
-            <p:pic>
-              <p:nvPicPr>
-                <p:cNvPr id="59" name="Ink 58">
-                  <a:extLst>
-                    <a:ext uri="{FF2B5EF4-FFF2-40B4-BE49-F238E27FC236}">
-                      <a16:creationId xmlns:a16="http://schemas.microsoft.com/office/drawing/2014/main" id="{B58FB56F-918D-F642-23F6-11903582FCBB}"/>
-                    </a:ext>
-                  </a:extLst>
-                </p:cNvPr>
-                <p:cNvPicPr/>
-                <p:nvPr/>
-              </p:nvPicPr>
-              <p:blipFill>
-                <a:blip r:embed="rId28"/>
-                <a:stretch>
-                  <a:fillRect/>
-                </a:stretch>
-              </p:blipFill>
-              <p:spPr>
-                <a:xfrm>
-                  <a:off x="3924960" y="6865920"/>
-                  <a:ext cx="365040" cy="226800"/>
-                </a:xfrm>
-                <a:prstGeom prst="rect">
-                  <a:avLst/>
-                </a:prstGeom>
-              </p:spPr>
-            </p:pic>
-          </mc:Fallback>
-        </mc:AlternateContent>
-        <mc:AlternateContent xmlns:mc="http://schemas.openxmlformats.org/markup-compatibility/2006" xmlns:p14="http://schemas.microsoft.com/office/powerpoint/2010/main">
-          <mc:Choice Requires="p14">
-            <p:contentPart p14:bwMode="auto" r:id="rId44">
-              <p14:nvContentPartPr>
-                <p14:cNvPr id="61" name="Ink 60">
-                  <a:extLst>
-                    <a:ext uri="{FF2B5EF4-FFF2-40B4-BE49-F238E27FC236}">
-                      <a16:creationId xmlns:a16="http://schemas.microsoft.com/office/drawing/2014/main" id="{C08C0F03-5C01-3036-68A1-CA87BA8AD346}"/>
-                    </a:ext>
-                  </a:extLst>
-                </p14:cNvPr>
-                <p14:cNvContentPartPr/>
-                <p14:nvPr/>
-              </p14:nvContentPartPr>
-              <p14:xfrm>
-                <a:off x="4199640" y="6742800"/>
-                <a:ext cx="76320" cy="371880"/>
-              </p14:xfrm>
-            </p:contentPart>
-          </mc:Choice>
-          <mc:Fallback xmlns="">
-            <p:pic>
-              <p:nvPicPr>
-                <p:cNvPr id="61" name="Ink 60">
-                  <a:extLst>
-                    <a:ext uri="{FF2B5EF4-FFF2-40B4-BE49-F238E27FC236}">
-                      <a16:creationId xmlns:a16="http://schemas.microsoft.com/office/drawing/2014/main" id="{C08C0F03-5C01-3036-68A1-CA87BA8AD346}"/>
-                    </a:ext>
-                  </a:extLst>
-                </p:cNvPr>
-                <p:cNvPicPr/>
-                <p:nvPr/>
-              </p:nvPicPr>
-              <p:blipFill>
-                <a:blip r:embed="rId30"/>
-                <a:stretch>
-                  <a:fillRect/>
-                </a:stretch>
-              </p:blipFill>
-              <p:spPr>
-                <a:xfrm>
-                  <a:off x="4181640" y="6724800"/>
-                  <a:ext cx="111960" cy="407520"/>
-                </a:xfrm>
-                <a:prstGeom prst="rect">
-                  <a:avLst/>
-                </a:prstGeom>
-              </p:spPr>
-            </p:pic>
-          </mc:Fallback>
-        </mc:AlternateContent>
-        <mc:AlternateContent xmlns:mc="http://schemas.openxmlformats.org/markup-compatibility/2006" xmlns:p14="http://schemas.microsoft.com/office/powerpoint/2010/main">
-          <mc:Choice Requires="p14">
-            <p:contentPart p14:bwMode="auto" r:id="rId45">
-              <p14:nvContentPartPr>
-                <p14:cNvPr id="64" name="Ink 63">
-                  <a:extLst>
-                    <a:ext uri="{FF2B5EF4-FFF2-40B4-BE49-F238E27FC236}">
-                      <a16:creationId xmlns:a16="http://schemas.microsoft.com/office/drawing/2014/main" id="{B0799794-62E9-2972-45EB-2674B1D7B66E}"/>
-                    </a:ext>
-                  </a:extLst>
-                </p14:cNvPr>
-                <p14:cNvContentPartPr/>
-                <p14:nvPr/>
-              </p14:nvContentPartPr>
-              <p14:xfrm>
-                <a:off x="4308713" y="7033722"/>
-                <a:ext cx="194040" cy="127080"/>
-              </p14:xfrm>
-            </p:contentPart>
-          </mc:Choice>
-          <mc:Fallback xmlns="">
-            <p:pic>
-              <p:nvPicPr>
-                <p:cNvPr id="64" name="Ink 63">
-                  <a:extLst>
-                    <a:ext uri="{FF2B5EF4-FFF2-40B4-BE49-F238E27FC236}">
-                      <a16:creationId xmlns:a16="http://schemas.microsoft.com/office/drawing/2014/main" id="{B0799794-62E9-2972-45EB-2674B1D7B66E}"/>
-                    </a:ext>
-                  </a:extLst>
-                </p:cNvPr>
-                <p:cNvPicPr/>
-                <p:nvPr/>
-              </p:nvPicPr>
-              <p:blipFill>
-                <a:blip r:embed="rId32"/>
-                <a:stretch>
-                  <a:fillRect/>
-                </a:stretch>
-              </p:blipFill>
-              <p:spPr>
-                <a:xfrm>
-                  <a:off x="4290680" y="7015722"/>
-                  <a:ext cx="229746" cy="162720"/>
-                </a:xfrm>
-                <a:prstGeom prst="rect">
-                  <a:avLst/>
-                </a:prstGeom>
-              </p:spPr>
-            </p:pic>
-          </mc:Fallback>
-        </mc:AlternateContent>
-      </p:grpSp>
-      <p:grpSp>
-        <p:nvGrpSpPr>
-          <p:cNvPr id="65" name="Group 64">
-            <a:extLst>
-              <a:ext uri="{FF2B5EF4-FFF2-40B4-BE49-F238E27FC236}">
-                <a16:creationId xmlns:a16="http://schemas.microsoft.com/office/drawing/2014/main" id="{4DD7087C-43F5-4754-B883-16F8FD28BE43}"/>
-              </a:ext>
-            </a:extLst>
-          </p:cNvPr>
-          <p:cNvGrpSpPr/>
-          <p:nvPr/>
-        </p:nvGrpSpPr>
-        <p:grpSpPr>
-          <a:xfrm>
-            <a:off x="6028564" y="5638627"/>
-            <a:ext cx="428040" cy="590040"/>
-            <a:chOff x="5725680" y="6722280"/>
-            <a:chExt cx="428040" cy="590040"/>
-          </a:xfrm>
-        </p:grpSpPr>
-        <mc:AlternateContent xmlns:mc="http://schemas.openxmlformats.org/markup-compatibility/2006" xmlns:p14="http://schemas.microsoft.com/office/powerpoint/2010/main">
-          <mc:Choice Requires="p14">
-            <p:contentPart p14:bwMode="auto" r:id="rId46">
-              <p14:nvContentPartPr>
-                <p14:cNvPr id="66" name="Ink 65">
-                  <a:extLst>
-                    <a:ext uri="{FF2B5EF4-FFF2-40B4-BE49-F238E27FC236}">
-                      <a16:creationId xmlns:a16="http://schemas.microsoft.com/office/drawing/2014/main" id="{8D284321-0A33-78F7-3EC3-90DE092B3D39}"/>
-                    </a:ext>
-                  </a:extLst>
-                </p14:cNvPr>
-                <p14:cNvContentPartPr/>
-                <p14:nvPr/>
-              </p14:nvContentPartPr>
-              <p14:xfrm>
-                <a:off x="5875080" y="6722280"/>
-                <a:ext cx="39240" cy="367560"/>
-              </p14:xfrm>
-            </p:contentPart>
-          </mc:Choice>
-          <mc:Fallback xmlns="">
-            <p:pic>
-              <p:nvPicPr>
-                <p:cNvPr id="66" name="Ink 65">
-                  <a:extLst>
-                    <a:ext uri="{FF2B5EF4-FFF2-40B4-BE49-F238E27FC236}">
-                      <a16:creationId xmlns:a16="http://schemas.microsoft.com/office/drawing/2014/main" id="{8D284321-0A33-78F7-3EC3-90DE092B3D39}"/>
-                    </a:ext>
-                  </a:extLst>
-                </p:cNvPr>
-                <p:cNvPicPr/>
-                <p:nvPr/>
-              </p:nvPicPr>
-              <p:blipFill>
-                <a:blip r:embed="rId20"/>
-                <a:stretch>
-                  <a:fillRect/>
-                </a:stretch>
-              </p:blipFill>
-              <p:spPr>
-                <a:xfrm>
-                  <a:off x="5857080" y="6704280"/>
-                  <a:ext cx="74880" cy="403200"/>
-                </a:xfrm>
-                <a:prstGeom prst="rect">
-                  <a:avLst/>
-                </a:prstGeom>
-              </p:spPr>
-            </p:pic>
-          </mc:Fallback>
-        </mc:AlternateContent>
-        <mc:AlternateContent xmlns:mc="http://schemas.openxmlformats.org/markup-compatibility/2006" xmlns:p14="http://schemas.microsoft.com/office/powerpoint/2010/main">
-          <mc:Choice Requires="p14">
-            <p:contentPart p14:bwMode="auto" r:id="rId47">
-              <p14:nvContentPartPr>
-                <p14:cNvPr id="67" name="Ink 66">
-                  <a:extLst>
-                    <a:ext uri="{FF2B5EF4-FFF2-40B4-BE49-F238E27FC236}">
-                      <a16:creationId xmlns:a16="http://schemas.microsoft.com/office/drawing/2014/main" id="{B831C250-95A0-4898-B7EE-24A334F55E79}"/>
-                    </a:ext>
-                  </a:extLst>
-                </p14:cNvPr>
-                <p14:cNvContentPartPr/>
-                <p14:nvPr/>
-              </p14:nvContentPartPr>
-              <p14:xfrm>
-                <a:off x="5877960" y="6936120"/>
-                <a:ext cx="275760" cy="169560"/>
-              </p14:xfrm>
-            </p:contentPart>
-          </mc:Choice>
-          <mc:Fallback xmlns="">
-            <p:pic>
-              <p:nvPicPr>
-                <p:cNvPr id="67" name="Ink 66">
-                  <a:extLst>
-                    <a:ext uri="{FF2B5EF4-FFF2-40B4-BE49-F238E27FC236}">
-                      <a16:creationId xmlns:a16="http://schemas.microsoft.com/office/drawing/2014/main" id="{B831C250-95A0-4898-B7EE-24A334F55E79}"/>
-                    </a:ext>
-                  </a:extLst>
-                </p:cNvPr>
-                <p:cNvPicPr/>
-                <p:nvPr/>
-              </p:nvPicPr>
-              <p:blipFill>
-                <a:blip r:embed="rId22"/>
-                <a:stretch>
-                  <a:fillRect/>
-                </a:stretch>
-              </p:blipFill>
-              <p:spPr>
-                <a:xfrm>
-                  <a:off x="5859960" y="6918158"/>
-                  <a:ext cx="311400" cy="205124"/>
-                </a:xfrm>
-                <a:prstGeom prst="rect">
-                  <a:avLst/>
-                </a:prstGeom>
-              </p:spPr>
-            </p:pic>
-          </mc:Fallback>
-        </mc:AlternateContent>
-        <mc:AlternateContent xmlns:mc="http://schemas.openxmlformats.org/markup-compatibility/2006" xmlns:p14="http://schemas.microsoft.com/office/powerpoint/2010/main">
-          <mc:Choice Requires="p14">
-            <p:contentPart p14:bwMode="auto" r:id="rId48">
-              <p14:nvContentPartPr>
-                <p14:cNvPr id="68" name="Ink 67">
-                  <a:extLst>
-                    <a:ext uri="{FF2B5EF4-FFF2-40B4-BE49-F238E27FC236}">
-                      <a16:creationId xmlns:a16="http://schemas.microsoft.com/office/drawing/2014/main" id="{5769C5AD-9CBE-EFE3-1EA4-B85E6B6D2B84}"/>
-                    </a:ext>
-                  </a:extLst>
-                </p14:cNvPr>
-                <p14:cNvContentPartPr/>
-                <p14:nvPr/>
-              </p14:nvContentPartPr>
-              <p14:xfrm>
-                <a:off x="5725680" y="7133040"/>
-                <a:ext cx="229320" cy="179280"/>
-              </p14:xfrm>
-            </p:contentPart>
-          </mc:Choice>
-          <mc:Fallback xmlns="">
-            <p:pic>
-              <p:nvPicPr>
-                <p:cNvPr id="68" name="Ink 67">
-                  <a:extLst>
-                    <a:ext uri="{FF2B5EF4-FFF2-40B4-BE49-F238E27FC236}">
-                      <a16:creationId xmlns:a16="http://schemas.microsoft.com/office/drawing/2014/main" id="{5769C5AD-9CBE-EFE3-1EA4-B85E6B6D2B84}"/>
-                    </a:ext>
-                  </a:extLst>
-                </p:cNvPr>
-                <p:cNvPicPr/>
-                <p:nvPr/>
-              </p:nvPicPr>
-              <p:blipFill>
-                <a:blip r:embed="rId24"/>
-                <a:stretch>
-                  <a:fillRect/>
-                </a:stretch>
-              </p:blipFill>
-              <p:spPr>
-                <a:xfrm>
-                  <a:off x="5707680" y="7115040"/>
-                  <a:ext cx="264960" cy="214920"/>
-                </a:xfrm>
-                <a:prstGeom prst="rect">
-                  <a:avLst/>
-                </a:prstGeom>
-              </p:spPr>
-            </p:pic>
-          </mc:Fallback>
-        </mc:AlternateContent>
-      </p:grpSp>
+      <mc:AlternateContent xmlns:mc="http://schemas.openxmlformats.org/markup-compatibility/2006">
+        <mc:Choice xmlns:p14="http://schemas.microsoft.com/office/powerpoint/2010/main" Requires="p14">
+          <p:contentPart p14:bwMode="auto" r:id="rId43">
+            <p14:nvContentPartPr>
+              <p14:cNvPr id="59" name="Ink 58">
+                <a:extLst>
+                  <a:ext uri="{FF2B5EF4-FFF2-40B4-BE49-F238E27FC236}">
+                    <a16:creationId xmlns:a16="http://schemas.microsoft.com/office/drawing/2014/main" id="{B58FB56F-918D-F642-23F6-11903582FCBB}"/>
+                  </a:ext>
+                </a:extLst>
+              </p14:cNvPr>
+              <p14:cNvContentPartPr/>
+              <p14:nvPr/>
+            </p14:nvContentPartPr>
+            <p14:xfrm>
+              <a:off x="3535178" y="5987395"/>
+              <a:ext cx="329400" cy="191160"/>
+            </p14:xfrm>
+          </p:contentPart>
+        </mc:Choice>
+        <mc:Fallback>
+          <p:pic>
+            <p:nvPicPr>
+              <p:cNvPr id="59" name="Ink 58">
+                <a:extLst>
+                  <a:ext uri="{FF2B5EF4-FFF2-40B4-BE49-F238E27FC236}">
+                    <a16:creationId xmlns:a16="http://schemas.microsoft.com/office/drawing/2014/main" id="{B58FB56F-918D-F642-23F6-11903582FCBB}"/>
+                  </a:ext>
+                </a:extLst>
+              </p:cNvPr>
+              <p:cNvPicPr/>
+              <p:nvPr/>
+            </p:nvPicPr>
+            <p:blipFill>
+              <a:blip r:embed="rId29"/>
+              <a:stretch>
+                <a:fillRect/>
+              </a:stretch>
+            </p:blipFill>
+            <p:spPr>
+              <a:xfrm>
+                <a:off x="3517178" y="5969395"/>
+                <a:ext cx="365040" cy="226800"/>
+              </a:xfrm>
+              <a:prstGeom prst="rect">
+                <a:avLst/>
+              </a:prstGeom>
+            </p:spPr>
+          </p:pic>
+        </mc:Fallback>
+      </mc:AlternateContent>
+      <mc:AlternateContent xmlns:mc="http://schemas.openxmlformats.org/markup-compatibility/2006">
+        <mc:Choice xmlns:p14="http://schemas.microsoft.com/office/powerpoint/2010/main" Requires="p14">
+          <p:contentPart p14:bwMode="auto" r:id="rId44">
+            <p14:nvContentPartPr>
+              <p14:cNvPr id="64" name="Ink 63">
+                <a:extLst>
+                  <a:ext uri="{FF2B5EF4-FFF2-40B4-BE49-F238E27FC236}">
+                    <a16:creationId xmlns:a16="http://schemas.microsoft.com/office/drawing/2014/main" id="{B0799794-62E9-2972-45EB-2674B1D7B66E}"/>
+                  </a:ext>
+                </a:extLst>
+              </p14:cNvPr>
+              <p14:cNvContentPartPr/>
+              <p14:nvPr/>
+            </p14:nvContentPartPr>
+            <p14:xfrm>
+              <a:off x="3900931" y="6137197"/>
+              <a:ext cx="194040" cy="127080"/>
+            </p14:xfrm>
+          </p:contentPart>
+        </mc:Choice>
+        <mc:Fallback>
+          <p:pic>
+            <p:nvPicPr>
+              <p:cNvPr id="64" name="Ink 63">
+                <a:extLst>
+                  <a:ext uri="{FF2B5EF4-FFF2-40B4-BE49-F238E27FC236}">
+                    <a16:creationId xmlns:a16="http://schemas.microsoft.com/office/drawing/2014/main" id="{B0799794-62E9-2972-45EB-2674B1D7B66E}"/>
+                  </a:ext>
+                </a:extLst>
+              </p:cNvPr>
+              <p:cNvPicPr/>
+              <p:nvPr/>
+            </p:nvPicPr>
+            <p:blipFill>
+              <a:blip r:embed="rId31"/>
+              <a:stretch>
+                <a:fillRect/>
+              </a:stretch>
+            </p:blipFill>
+            <p:spPr>
+              <a:xfrm>
+                <a:off x="3882898" y="6119197"/>
+                <a:ext cx="229746" cy="162720"/>
+              </a:xfrm>
+              <a:prstGeom prst="rect">
+                <a:avLst/>
+              </a:prstGeom>
+            </p:spPr>
+          </p:pic>
+        </mc:Fallback>
+      </mc:AlternateContent>
+      <mc:AlternateContent xmlns:mc="http://schemas.openxmlformats.org/markup-compatibility/2006">
+        <mc:Choice xmlns:p14="http://schemas.microsoft.com/office/powerpoint/2010/main" Requires="p14">
+          <p:contentPart p14:bwMode="auto" r:id="rId45">
+            <p14:nvContentPartPr>
+              <p14:cNvPr id="66" name="Ink 65">
+                <a:extLst>
+                  <a:ext uri="{FF2B5EF4-FFF2-40B4-BE49-F238E27FC236}">
+                    <a16:creationId xmlns:a16="http://schemas.microsoft.com/office/drawing/2014/main" id="{8D284321-0A33-78F7-3EC3-90DE092B3D39}"/>
+                  </a:ext>
+                </a:extLst>
+              </p14:cNvPr>
+              <p14:cNvContentPartPr/>
+              <p14:nvPr/>
+            </p14:nvContentPartPr>
+            <p14:xfrm>
+              <a:off x="6177964" y="5638627"/>
+              <a:ext cx="39240" cy="367560"/>
+            </p14:xfrm>
+          </p:contentPart>
+        </mc:Choice>
+        <mc:Fallback>
+          <p:pic>
+            <p:nvPicPr>
+              <p:cNvPr id="66" name="Ink 65">
+                <a:extLst>
+                  <a:ext uri="{FF2B5EF4-FFF2-40B4-BE49-F238E27FC236}">
+                    <a16:creationId xmlns:a16="http://schemas.microsoft.com/office/drawing/2014/main" id="{8D284321-0A33-78F7-3EC3-90DE092B3D39}"/>
+                  </a:ext>
+                </a:extLst>
+              </p:cNvPr>
+              <p:cNvPicPr/>
+              <p:nvPr/>
+            </p:nvPicPr>
+            <p:blipFill>
+              <a:blip r:embed="rId23"/>
+              <a:stretch>
+                <a:fillRect/>
+              </a:stretch>
+            </p:blipFill>
+            <p:spPr>
+              <a:xfrm>
+                <a:off x="6159964" y="5620627"/>
+                <a:ext cx="74880" cy="403200"/>
+              </a:xfrm>
+              <a:prstGeom prst="rect">
+                <a:avLst/>
+              </a:prstGeom>
+            </p:spPr>
+          </p:pic>
+        </mc:Fallback>
+      </mc:AlternateContent>
+      <mc:AlternateContent xmlns:mc="http://schemas.openxmlformats.org/markup-compatibility/2006">
+        <mc:Choice xmlns:p14="http://schemas.microsoft.com/office/powerpoint/2010/main" Requires="p14">
+          <p:contentPart p14:bwMode="auto" r:id="rId46">
+            <p14:nvContentPartPr>
+              <p14:cNvPr id="68" name="Ink 67">
+                <a:extLst>
+                  <a:ext uri="{FF2B5EF4-FFF2-40B4-BE49-F238E27FC236}">
+                    <a16:creationId xmlns:a16="http://schemas.microsoft.com/office/drawing/2014/main" id="{5769C5AD-9CBE-EFE3-1EA4-B85E6B6D2B84}"/>
+                  </a:ext>
+                </a:extLst>
+              </p14:cNvPr>
+              <p14:cNvContentPartPr/>
+              <p14:nvPr/>
+            </p14:nvContentPartPr>
+            <p14:xfrm>
+              <a:off x="6028564" y="6049387"/>
+              <a:ext cx="229320" cy="179280"/>
+            </p14:xfrm>
+          </p:contentPart>
+        </mc:Choice>
+        <mc:Fallback>
+          <p:pic>
+            <p:nvPicPr>
+              <p:cNvPr id="68" name="Ink 67">
+                <a:extLst>
+                  <a:ext uri="{FF2B5EF4-FFF2-40B4-BE49-F238E27FC236}">
+                    <a16:creationId xmlns:a16="http://schemas.microsoft.com/office/drawing/2014/main" id="{5769C5AD-9CBE-EFE3-1EA4-B85E6B6D2B84}"/>
+                  </a:ext>
+                </a:extLst>
+              </p:cNvPr>
+              <p:cNvPicPr/>
+              <p:nvPr/>
+            </p:nvPicPr>
+            <p:blipFill>
+              <a:blip r:embed="rId25"/>
+              <a:stretch>
+                <a:fillRect/>
+              </a:stretch>
+            </p:blipFill>
+            <p:spPr>
+              <a:xfrm>
+                <a:off x="6010564" y="6031387"/>
+                <a:ext cx="264960" cy="214920"/>
+              </a:xfrm>
+              <a:prstGeom prst="rect">
+                <a:avLst/>
+              </a:prstGeom>
+            </p:spPr>
+          </p:pic>
+        </mc:Fallback>
+      </mc:AlternateContent>
     </p:spTree>
     <p:extLst>
       <p:ext uri="{BB962C8B-B14F-4D97-AF65-F5344CB8AC3E}">
@@ -12699,9 +12215,60 @@
           <a:chExt cx="0" cy="0"/>
         </a:xfrm>
       </p:grpSpPr>
+      <mc:AlternateContent xmlns:mc="http://schemas.openxmlformats.org/markup-compatibility/2006">
+        <mc:Choice xmlns:p14="http://schemas.microsoft.com/office/powerpoint/2010/main" Requires="p14">
+          <p:contentPart p14:bwMode="auto" r:id="rId2">
+            <p14:nvContentPartPr>
+              <p14:cNvPr id="9" name="Ink 8">
+                <a:extLst>
+                  <a:ext uri="{FF2B5EF4-FFF2-40B4-BE49-F238E27FC236}">
+                    <a16:creationId xmlns:a16="http://schemas.microsoft.com/office/drawing/2014/main" id="{BCE62E94-0E9E-9D6F-D633-5D785B291ABA}"/>
+                  </a:ext>
+                </a:extLst>
+              </p14:cNvPr>
+              <p14:cNvContentPartPr/>
+              <p14:nvPr/>
+            </p14:nvContentPartPr>
+            <p14:xfrm>
+              <a:off x="5877960" y="5450220"/>
+              <a:ext cx="275760" cy="169560"/>
+            </p14:xfrm>
+          </p:contentPart>
+        </mc:Choice>
+        <mc:Fallback>
+          <p:pic>
+            <p:nvPicPr>
+              <p:cNvPr id="9" name="Ink 8">
+                <a:extLst>
+                  <a:ext uri="{FF2B5EF4-FFF2-40B4-BE49-F238E27FC236}">
+                    <a16:creationId xmlns:a16="http://schemas.microsoft.com/office/drawing/2014/main" id="{BCE62E94-0E9E-9D6F-D633-5D785B291ABA}"/>
+                  </a:ext>
+                </a:extLst>
+              </p:cNvPr>
+              <p:cNvPicPr/>
+              <p:nvPr/>
+            </p:nvPicPr>
+            <p:blipFill>
+              <a:blip r:embed="rId3"/>
+              <a:stretch>
+                <a:fillRect/>
+              </a:stretch>
+            </p:blipFill>
+            <p:spPr>
+              <a:xfrm>
+                <a:off x="5859960" y="5432258"/>
+                <a:ext cx="311400" cy="205124"/>
+              </a:xfrm>
+              <a:prstGeom prst="rect">
+                <a:avLst/>
+              </a:prstGeom>
+            </p:spPr>
+          </p:pic>
+        </mc:Fallback>
+      </mc:AlternateContent>
       <mc:AlternateContent xmlns:mc="http://schemas.openxmlformats.org/markup-compatibility/2006" xmlns:p14="http://schemas.microsoft.com/office/powerpoint/2010/main">
         <mc:Choice Requires="p14">
-          <p:contentPart p14:bwMode="auto" r:id="rId2">
+          <p:contentPart p14:bwMode="auto" r:id="rId4">
             <p14:nvContentPartPr>
               <p14:cNvPr id="37" name="Ink 36">
                 <a:extLst>
@@ -12733,7 +12300,7 @@
               <p:nvPr/>
             </p:nvPicPr>
             <p:blipFill>
-              <a:blip r:embed="rId3"/>
+              <a:blip r:embed="rId5"/>
               <a:stretch>
                 <a:fillRect/>
               </a:stretch>
@@ -12752,7 +12319,7 @@
       </mc:AlternateContent>
       <mc:AlternateContent xmlns:mc="http://schemas.openxmlformats.org/markup-compatibility/2006" xmlns:p14="http://schemas.microsoft.com/office/powerpoint/2010/main">
         <mc:Choice Requires="p14">
-          <p:contentPart p14:bwMode="auto" r:id="rId4">
+          <p:contentPart p14:bwMode="auto" r:id="rId6">
             <p14:nvContentPartPr>
               <p14:cNvPr id="40" name="Ink 39">
                 <a:extLst>
@@ -12784,7 +12351,7 @@
               <p:nvPr/>
             </p:nvPicPr>
             <p:blipFill>
-              <a:blip r:embed="rId3"/>
+              <a:blip r:embed="rId5"/>
               <a:stretch>
                 <a:fillRect/>
               </a:stretch>
@@ -12881,7 +12448,7 @@
       </p:sp>
       <mc:AlternateContent xmlns:mc="http://schemas.openxmlformats.org/markup-compatibility/2006" xmlns:p14="http://schemas.microsoft.com/office/powerpoint/2010/main">
         <mc:Choice Requires="p14">
-          <p:contentPart p14:bwMode="auto" r:id="rId5">
+          <p:contentPart p14:bwMode="auto" r:id="rId7">
             <p14:nvContentPartPr>
               <p14:cNvPr id="43" name="Ink 42">
                 <a:extLst>
@@ -12913,7 +12480,7 @@
               <p:nvPr/>
             </p:nvPicPr>
             <p:blipFill>
-              <a:blip r:embed="rId3"/>
+              <a:blip r:embed="rId5"/>
               <a:stretch>
                 <a:fillRect/>
               </a:stretch>
@@ -12991,7 +12558,7 @@
         </p:grpSpPr>
         <mc:AlternateContent xmlns:mc="http://schemas.openxmlformats.org/markup-compatibility/2006" xmlns:p14="http://schemas.microsoft.com/office/powerpoint/2010/main">
           <mc:Choice Requires="p14">
-            <p:contentPart p14:bwMode="auto" r:id="rId6">
+            <p:contentPart p14:bwMode="auto" r:id="rId8">
               <p14:nvContentPartPr>
                 <p14:cNvPr id="45" name="Ink 44">
                   <a:extLst>
@@ -13023,7 +12590,7 @@
                 <p:nvPr/>
               </p:nvPicPr>
               <p:blipFill>
-                <a:blip r:embed="rId7"/>
+                <a:blip r:embed="rId9"/>
                 <a:stretch>
                   <a:fillRect/>
                 </a:stretch>
@@ -13042,7 +12609,7 @@
         </mc:AlternateContent>
         <mc:AlternateContent xmlns:mc="http://schemas.openxmlformats.org/markup-compatibility/2006" xmlns:p14="http://schemas.microsoft.com/office/powerpoint/2010/main">
           <mc:Choice Requires="p14">
-            <p:contentPart p14:bwMode="auto" r:id="rId8">
+            <p:contentPart p14:bwMode="auto" r:id="rId10">
               <p14:nvContentPartPr>
                 <p14:cNvPr id="46" name="Ink 45">
                   <a:extLst>
@@ -13074,7 +12641,7 @@
                 <p:nvPr/>
               </p:nvPicPr>
               <p:blipFill>
-                <a:blip r:embed="rId9"/>
+                <a:blip r:embed="rId11"/>
                 <a:stretch>
                   <a:fillRect/>
                 </a:stretch>
@@ -13114,7 +12681,7 @@
         </p:grpSpPr>
         <mc:AlternateContent xmlns:mc="http://schemas.openxmlformats.org/markup-compatibility/2006" xmlns:p14="http://schemas.microsoft.com/office/powerpoint/2010/main">
           <mc:Choice Requires="p14">
-            <p:contentPart p14:bwMode="auto" r:id="rId10">
+            <p:contentPart p14:bwMode="auto" r:id="rId12">
               <p14:nvContentPartPr>
                 <p14:cNvPr id="48" name="Ink 47">
                   <a:extLst>
@@ -13146,7 +12713,7 @@
                 <p:nvPr/>
               </p:nvPicPr>
               <p:blipFill>
-                <a:blip r:embed="rId11"/>
+                <a:blip r:embed="rId13"/>
                 <a:stretch>
                   <a:fillRect/>
                 </a:stretch>
@@ -13165,7 +12732,7 @@
         </mc:AlternateContent>
         <mc:AlternateContent xmlns:mc="http://schemas.openxmlformats.org/markup-compatibility/2006" xmlns:p14="http://schemas.microsoft.com/office/powerpoint/2010/main">
           <mc:Choice Requires="p14">
-            <p:contentPart p14:bwMode="auto" r:id="rId12">
+            <p:contentPart p14:bwMode="auto" r:id="rId14">
               <p14:nvContentPartPr>
                 <p14:cNvPr id="49" name="Ink 48">
                   <a:extLst>
@@ -13197,7 +12764,7 @@
                 <p:nvPr/>
               </p:nvPicPr>
               <p:blipFill>
-                <a:blip r:embed="rId13"/>
+                <a:blip r:embed="rId15"/>
                 <a:stretch>
                   <a:fillRect/>
                 </a:stretch>
@@ -13293,7 +12860,7 @@
       </p:sp>
       <mc:AlternateContent xmlns:mc="http://schemas.openxmlformats.org/markup-compatibility/2006" xmlns:p14="http://schemas.microsoft.com/office/powerpoint/2010/main">
         <mc:Choice Requires="p14">
-          <p:contentPart p14:bwMode="auto" r:id="rId14">
+          <p:contentPart p14:bwMode="auto" r:id="rId16">
             <p14:nvContentPartPr>
               <p14:cNvPr id="2" name="Ink 1">
                 <a:extLst>
@@ -13325,7 +12892,7 @@
               <p:nvPr/>
             </p:nvPicPr>
             <p:blipFill>
-              <a:blip r:embed="rId15"/>
+              <a:blip r:embed="rId17"/>
               <a:stretch>
                 <a:fillRect/>
               </a:stretch>
@@ -13364,7 +12931,7 @@
         </p:grpSpPr>
         <mc:AlternateContent xmlns:mc="http://schemas.openxmlformats.org/markup-compatibility/2006" xmlns:p14="http://schemas.microsoft.com/office/powerpoint/2010/main">
           <mc:Choice Requires="p14">
-            <p:contentPart p14:bwMode="auto" r:id="rId16">
+            <p:contentPart p14:bwMode="auto" r:id="rId18">
               <p14:nvContentPartPr>
                 <p14:cNvPr id="3" name="Ink 2">
                   <a:extLst>
@@ -13396,7 +12963,7 @@
                 <p:nvPr/>
               </p:nvPicPr>
               <p:blipFill>
-                <a:blip r:embed="rId17"/>
+                <a:blip r:embed="rId19"/>
                 <a:stretch>
                   <a:fillRect/>
                 </a:stretch>
@@ -13415,7 +12982,7 @@
         </mc:AlternateContent>
         <mc:AlternateContent xmlns:mc="http://schemas.openxmlformats.org/markup-compatibility/2006" xmlns:p14="http://schemas.microsoft.com/office/powerpoint/2010/main">
           <mc:Choice Requires="p14">
-            <p:contentPart p14:bwMode="auto" r:id="rId18">
+            <p:contentPart p14:bwMode="auto" r:id="rId20">
               <p14:nvContentPartPr>
                 <p14:cNvPr id="4" name="Ink 3">
                   <a:extLst>
@@ -13447,7 +13014,7 @@
                 <p:nvPr/>
               </p:nvPicPr>
               <p:blipFill>
-                <a:blip r:embed="rId17"/>
+                <a:blip r:embed="rId19"/>
                 <a:stretch>
                   <a:fillRect/>
                 </a:stretch>
@@ -13465,183 +13032,111 @@
           </mc:Fallback>
         </mc:AlternateContent>
       </p:grpSp>
-      <p:grpSp>
-        <p:nvGrpSpPr>
-          <p:cNvPr id="12" name="Group 11">
-            <a:extLst>
-              <a:ext uri="{FF2B5EF4-FFF2-40B4-BE49-F238E27FC236}">
-                <a16:creationId xmlns:a16="http://schemas.microsoft.com/office/drawing/2014/main" id="{3BBE3966-8251-5B37-32E4-F6F9733363A6}"/>
-              </a:ext>
-            </a:extLst>
-          </p:cNvPr>
-          <p:cNvGrpSpPr/>
-          <p:nvPr/>
-        </p:nvGrpSpPr>
-        <p:grpSpPr>
-          <a:xfrm>
-            <a:off x="5725680" y="5236380"/>
-            <a:ext cx="428040" cy="590040"/>
-            <a:chOff x="5725680" y="6722280"/>
-            <a:chExt cx="428040" cy="590040"/>
-          </a:xfrm>
-        </p:grpSpPr>
-        <mc:AlternateContent xmlns:mc="http://schemas.openxmlformats.org/markup-compatibility/2006" xmlns:p14="http://schemas.microsoft.com/office/powerpoint/2010/main">
-          <mc:Choice Requires="p14">
-            <p:contentPart p14:bwMode="auto" r:id="rId19">
-              <p14:nvContentPartPr>
-                <p14:cNvPr id="8" name="Ink 7">
-                  <a:extLst>
-                    <a:ext uri="{FF2B5EF4-FFF2-40B4-BE49-F238E27FC236}">
-                      <a16:creationId xmlns:a16="http://schemas.microsoft.com/office/drawing/2014/main" id="{90232097-83E1-8BD5-0F63-A7E7E427A3DB}"/>
-                    </a:ext>
-                  </a:extLst>
-                </p14:cNvPr>
-                <p14:cNvContentPartPr/>
-                <p14:nvPr/>
-              </p14:nvContentPartPr>
-              <p14:xfrm>
-                <a:off x="5875080" y="6722280"/>
-                <a:ext cx="39240" cy="367560"/>
-              </p14:xfrm>
-            </p:contentPart>
-          </mc:Choice>
-          <mc:Fallback xmlns="">
-            <p:pic>
-              <p:nvPicPr>
-                <p:cNvPr id="8" name="Ink 7">
-                  <a:extLst>
-                    <a:ext uri="{FF2B5EF4-FFF2-40B4-BE49-F238E27FC236}">
-                      <a16:creationId xmlns:a16="http://schemas.microsoft.com/office/drawing/2014/main" id="{90232097-83E1-8BD5-0F63-A7E7E427A3DB}"/>
-                    </a:ext>
-                  </a:extLst>
-                </p:cNvPr>
-                <p:cNvPicPr/>
-                <p:nvPr/>
-              </p:nvPicPr>
-              <p:blipFill>
-                <a:blip r:embed="rId20"/>
-                <a:stretch>
-                  <a:fillRect/>
-                </a:stretch>
-              </p:blipFill>
-              <p:spPr>
-                <a:xfrm>
-                  <a:off x="5857440" y="6704640"/>
-                  <a:ext cx="74880" cy="403200"/>
-                </a:xfrm>
-                <a:prstGeom prst="rect">
-                  <a:avLst/>
-                </a:prstGeom>
-              </p:spPr>
-            </p:pic>
-          </mc:Fallback>
-        </mc:AlternateContent>
-        <mc:AlternateContent xmlns:mc="http://schemas.openxmlformats.org/markup-compatibility/2006" xmlns:p14="http://schemas.microsoft.com/office/powerpoint/2010/main">
-          <mc:Choice Requires="p14">
-            <p:contentPart p14:bwMode="auto" r:id="rId21">
-              <p14:nvContentPartPr>
-                <p14:cNvPr id="9" name="Ink 8">
-                  <a:extLst>
-                    <a:ext uri="{FF2B5EF4-FFF2-40B4-BE49-F238E27FC236}">
-                      <a16:creationId xmlns:a16="http://schemas.microsoft.com/office/drawing/2014/main" id="{BCE62E94-0E9E-9D6F-D633-5D785B291ABA}"/>
-                    </a:ext>
-                  </a:extLst>
-                </p14:cNvPr>
-                <p14:cNvContentPartPr/>
-                <p14:nvPr/>
-              </p14:nvContentPartPr>
-              <p14:xfrm>
-                <a:off x="5877960" y="6936120"/>
-                <a:ext cx="275760" cy="169560"/>
-              </p14:xfrm>
-            </p:contentPart>
-          </mc:Choice>
-          <mc:Fallback xmlns="">
-            <p:pic>
-              <p:nvPicPr>
-                <p:cNvPr id="9" name="Ink 8">
-                  <a:extLst>
-                    <a:ext uri="{FF2B5EF4-FFF2-40B4-BE49-F238E27FC236}">
-                      <a16:creationId xmlns:a16="http://schemas.microsoft.com/office/drawing/2014/main" id="{BCE62E94-0E9E-9D6F-D633-5D785B291ABA}"/>
-                    </a:ext>
-                  </a:extLst>
-                </p:cNvPr>
-                <p:cNvPicPr/>
-                <p:nvPr/>
-              </p:nvPicPr>
-              <p:blipFill>
-                <a:blip r:embed="rId22"/>
-                <a:stretch>
-                  <a:fillRect/>
-                </a:stretch>
-              </p:blipFill>
-              <p:spPr>
-                <a:xfrm>
-                  <a:off x="5860320" y="6918120"/>
-                  <a:ext cx="311400" cy="205200"/>
-                </a:xfrm>
-                <a:prstGeom prst="rect">
-                  <a:avLst/>
-                </a:prstGeom>
-              </p:spPr>
-            </p:pic>
-          </mc:Fallback>
-        </mc:AlternateContent>
-        <mc:AlternateContent xmlns:mc="http://schemas.openxmlformats.org/markup-compatibility/2006" xmlns:p14="http://schemas.microsoft.com/office/powerpoint/2010/main">
-          <mc:Choice Requires="p14">
-            <p:contentPart p14:bwMode="auto" r:id="rId23">
-              <p14:nvContentPartPr>
-                <p14:cNvPr id="11" name="Ink 10">
-                  <a:extLst>
-                    <a:ext uri="{FF2B5EF4-FFF2-40B4-BE49-F238E27FC236}">
-                      <a16:creationId xmlns:a16="http://schemas.microsoft.com/office/drawing/2014/main" id="{6F5C41E4-5790-3BA3-3708-2A70214CCA73}"/>
-                    </a:ext>
-                  </a:extLst>
-                </p14:cNvPr>
-                <p14:cNvContentPartPr/>
-                <p14:nvPr/>
-              </p14:nvContentPartPr>
-              <p14:xfrm>
-                <a:off x="5725680" y="7133040"/>
-                <a:ext cx="229320" cy="179280"/>
-              </p14:xfrm>
-            </p:contentPart>
-          </mc:Choice>
-          <mc:Fallback xmlns="">
-            <p:pic>
-              <p:nvPicPr>
-                <p:cNvPr id="11" name="Ink 10">
-                  <a:extLst>
-                    <a:ext uri="{FF2B5EF4-FFF2-40B4-BE49-F238E27FC236}">
-                      <a16:creationId xmlns:a16="http://schemas.microsoft.com/office/drawing/2014/main" id="{6F5C41E4-5790-3BA3-3708-2A70214CCA73}"/>
-                    </a:ext>
-                  </a:extLst>
-                </p:cNvPr>
-                <p:cNvPicPr/>
-                <p:nvPr/>
-              </p:nvPicPr>
-              <p:blipFill>
-                <a:blip r:embed="rId24"/>
-                <a:stretch>
-                  <a:fillRect/>
-                </a:stretch>
-              </p:blipFill>
-              <p:spPr>
-                <a:xfrm>
-                  <a:off x="5707680" y="7115040"/>
-                  <a:ext cx="264960" cy="214920"/>
-                </a:xfrm>
-                <a:prstGeom prst="rect">
-                  <a:avLst/>
-                </a:prstGeom>
-              </p:spPr>
-            </p:pic>
-          </mc:Fallback>
-        </mc:AlternateContent>
-      </p:grpSp>
+      <mc:AlternateContent xmlns:mc="http://schemas.openxmlformats.org/markup-compatibility/2006">
+        <mc:Choice xmlns:p14="http://schemas.microsoft.com/office/powerpoint/2010/main" Requires="p14">
+          <p:contentPart p14:bwMode="auto" r:id="rId21">
+            <p14:nvContentPartPr>
+              <p14:cNvPr id="8" name="Ink 7">
+                <a:extLst>
+                  <a:ext uri="{FF2B5EF4-FFF2-40B4-BE49-F238E27FC236}">
+                    <a16:creationId xmlns:a16="http://schemas.microsoft.com/office/drawing/2014/main" id="{90232097-83E1-8BD5-0F63-A7E7E427A3DB}"/>
+                  </a:ext>
+                </a:extLst>
+              </p14:cNvPr>
+              <p14:cNvContentPartPr/>
+              <p14:nvPr/>
+            </p14:nvContentPartPr>
+            <p14:xfrm>
+              <a:off x="5875080" y="5236380"/>
+              <a:ext cx="39240" cy="367560"/>
+            </p14:xfrm>
+          </p:contentPart>
+        </mc:Choice>
+        <mc:Fallback>
+          <p:pic>
+            <p:nvPicPr>
+              <p:cNvPr id="8" name="Ink 7">
+                <a:extLst>
+                  <a:ext uri="{FF2B5EF4-FFF2-40B4-BE49-F238E27FC236}">
+                    <a16:creationId xmlns:a16="http://schemas.microsoft.com/office/drawing/2014/main" id="{90232097-83E1-8BD5-0F63-A7E7E427A3DB}"/>
+                  </a:ext>
+                </a:extLst>
+              </p:cNvPr>
+              <p:cNvPicPr/>
+              <p:nvPr/>
+            </p:nvPicPr>
+            <p:blipFill>
+              <a:blip r:embed="rId19"/>
+              <a:stretch>
+                <a:fillRect/>
+              </a:stretch>
+            </p:blipFill>
+            <p:spPr>
+              <a:xfrm>
+                <a:off x="5857080" y="5218380"/>
+                <a:ext cx="74880" cy="403200"/>
+              </a:xfrm>
+              <a:prstGeom prst="rect">
+                <a:avLst/>
+              </a:prstGeom>
+            </p:spPr>
+          </p:pic>
+        </mc:Fallback>
+      </mc:AlternateContent>
+      <mc:AlternateContent xmlns:mc="http://schemas.openxmlformats.org/markup-compatibility/2006">
+        <mc:Choice xmlns:p14="http://schemas.microsoft.com/office/powerpoint/2010/main" Requires="p14">
+          <p:contentPart p14:bwMode="auto" r:id="rId22">
+            <p14:nvContentPartPr>
+              <p14:cNvPr id="11" name="Ink 10">
+                <a:extLst>
+                  <a:ext uri="{FF2B5EF4-FFF2-40B4-BE49-F238E27FC236}">
+                    <a16:creationId xmlns:a16="http://schemas.microsoft.com/office/drawing/2014/main" id="{6F5C41E4-5790-3BA3-3708-2A70214CCA73}"/>
+                  </a:ext>
+                </a:extLst>
+              </p14:cNvPr>
+              <p14:cNvContentPartPr/>
+              <p14:nvPr/>
+            </p14:nvContentPartPr>
+            <p14:xfrm>
+              <a:off x="5725680" y="5647140"/>
+              <a:ext cx="229320" cy="179280"/>
+            </p14:xfrm>
+          </p:contentPart>
+        </mc:Choice>
+        <mc:Fallback>
+          <p:pic>
+            <p:nvPicPr>
+              <p:cNvPr id="11" name="Ink 10">
+                <a:extLst>
+                  <a:ext uri="{FF2B5EF4-FFF2-40B4-BE49-F238E27FC236}">
+                    <a16:creationId xmlns:a16="http://schemas.microsoft.com/office/drawing/2014/main" id="{6F5C41E4-5790-3BA3-3708-2A70214CCA73}"/>
+                  </a:ext>
+                </a:extLst>
+              </p:cNvPr>
+              <p:cNvPicPr/>
+              <p:nvPr/>
+            </p:nvPicPr>
+            <p:blipFill>
+              <a:blip r:embed="rId23"/>
+              <a:stretch>
+                <a:fillRect/>
+              </a:stretch>
+            </p:blipFill>
+            <p:spPr>
+              <a:xfrm>
+                <a:off x="5707680" y="5629140"/>
+                <a:ext cx="264960" cy="214920"/>
+              </a:xfrm>
+              <a:prstGeom prst="rect">
+                <a:avLst/>
+              </a:prstGeom>
+            </p:spPr>
+          </p:pic>
+        </mc:Fallback>
+      </mc:AlternateContent>
       <mc:AlternateContent xmlns:mc="http://schemas.openxmlformats.org/markup-compatibility/2006" xmlns:p14="http://schemas.microsoft.com/office/powerpoint/2010/main">
         <mc:Choice Requires="p14">
-          <p:contentPart p14:bwMode="auto" r:id="rId25">
+          <p:contentPart p14:bwMode="auto" r:id="rId24">
             <p14:nvContentPartPr>
               <p14:cNvPr id="60" name="Ink 59">
                 <a:extLst>

--- a/images/experiments/src/money.pptx
+++ b/images/experiments/src/money.pptx
@@ -1523,7 +1523,7 @@
     <inkml:brush xml:id="br0">
       <inkml:brushProperty name="width" value="0.1" units="cm"/>
       <inkml:brushProperty name="height" value="0.1" units="cm"/>
-      <inkml:brushProperty name="color" value="#E71224"/>
+      <inkml:brushProperty name="color" value="#C93431"/>
     </inkml:brush>
   </inkml:definitions>
   <inkml:trace contextRef="#ctx0" brushRef="#br0">10 1 24575,'0'14'0,"0"4"0,0-2 0,-5-4 0,4 2 0,-3-9 0,4 5 0,0-1 0,0 1 0,0-1 0,0 0 0,0 0 0,0 0 0,0 0 0,0 0 0,0 0 0,0 6 0,0-4 0,0 9 0,0-4 0,0 5 0,0 1 0,0-1 0,0 0 0,0-5 0,0-1 0,0-5 0,0 0 0,4-1 0,1 0 0,4 0 0,1 1 0,0 0 0,-1-1 0,1 1 0,0 0 0,-1-1 0,-3 1 0,2-5 0,-3 0 0,5-5 0,-1 0 0,1 0 0,0 0 0,4 0 0,-3 0 0,9 0 0,-9 0 0,4 0 0,-5 0 0,5 0 0,-4 0 0,3 0 0,-4 0 0,0 0 0,-1 0 0,1 0 0,0 0 0,-1 0 0,1 0 0,-1 0 0,1 0 0,-2 0 0,1 0 0,-4-9 0,-1 3 0,-4-7 0,0-2 0,5-1 0,-4 0 0,4 1 0,-5 0 0,0 4 0,0-3 0,-4 8 0,3-2 0,-7-2 0,-3-2 0,-1-8 0,-3 3 0,5 1 0,-6-4 0,5 9 0,-4-9 0,5 9 0,0-4 0,0 6 0,1-1 0,-1 1 0,1-1 0,-1 5 0,0-4 0,1 4 0,-1-1 0,0-2 0,1 2 0,-1-3 0,0 3 0,1-2 0,-1 2 0,1 1 0,-1 1 0,5 0 0,-2 2 0,6-10 0,-3 11 0,4-7 0</inkml:trace>
@@ -8389,8 +8389,8 @@
           <a:chExt cx="0" cy="0"/>
         </a:xfrm>
       </p:grpSpPr>
-      <mc:AlternateContent xmlns:mc="http://schemas.openxmlformats.org/markup-compatibility/2006">
-        <mc:Choice xmlns:p14="http://schemas.microsoft.com/office/powerpoint/2010/main" Requires="p14">
+      <mc:AlternateContent xmlns:mc="http://schemas.openxmlformats.org/markup-compatibility/2006" xmlns:p14="http://schemas.microsoft.com/office/powerpoint/2010/main">
+        <mc:Choice Requires="p14">
           <p:contentPart p14:bwMode="auto" r:id="rId2">
             <p14:nvContentPartPr>
               <p14:cNvPr id="14" name="Ink 13">
@@ -8409,7 +8409,7 @@
             </p14:xfrm>
           </p:contentPart>
         </mc:Choice>
-        <mc:Fallback>
+        <mc:Fallback xmlns="">
           <p:pic>
             <p:nvPicPr>
               <p:cNvPr id="14" name="Ink 13">
@@ -8440,8 +8440,8 @@
           </p:pic>
         </mc:Fallback>
       </mc:AlternateContent>
-      <mc:AlternateContent xmlns:mc="http://schemas.openxmlformats.org/markup-compatibility/2006">
-        <mc:Choice xmlns:p14="http://schemas.microsoft.com/office/powerpoint/2010/main" Requires="p14">
+      <mc:AlternateContent xmlns:mc="http://schemas.openxmlformats.org/markup-compatibility/2006" xmlns:p14="http://schemas.microsoft.com/office/powerpoint/2010/main">
+        <mc:Choice Requires="p14">
           <p:contentPart p14:bwMode="auto" r:id="rId4">
             <p14:nvContentPartPr>
               <p14:cNvPr id="9" name="Ink 8">
@@ -8460,7 +8460,7 @@
             </p14:xfrm>
           </p:contentPart>
         </mc:Choice>
-        <mc:Fallback>
+        <mc:Fallback xmlns="">
           <p:pic>
             <p:nvPicPr>
               <p:cNvPr id="9" name="Ink 8">
@@ -9134,8 +9134,8 @@
           </p:pic>
         </mc:Fallback>
       </mc:AlternateContent>
-      <mc:AlternateContent xmlns:mc="http://schemas.openxmlformats.org/markup-compatibility/2006">
-        <mc:Choice xmlns:p14="http://schemas.microsoft.com/office/powerpoint/2010/main" Requires="p14">
+      <mc:AlternateContent xmlns:mc="http://schemas.openxmlformats.org/markup-compatibility/2006" xmlns:p14="http://schemas.microsoft.com/office/powerpoint/2010/main">
+        <mc:Choice Requires="p14">
           <p:contentPart p14:bwMode="auto" r:id="rId20">
             <p14:nvContentPartPr>
               <p14:cNvPr id="8" name="Ink 7">
@@ -9154,7 +9154,7 @@
             </p14:xfrm>
           </p:contentPart>
         </mc:Choice>
-        <mc:Fallback>
+        <mc:Fallback xmlns="">
           <p:pic>
             <p:nvPicPr>
               <p:cNvPr id="8" name="Ink 7">
@@ -9185,8 +9185,8 @@
           </p:pic>
         </mc:Fallback>
       </mc:AlternateContent>
-      <mc:AlternateContent xmlns:mc="http://schemas.openxmlformats.org/markup-compatibility/2006">
-        <mc:Choice xmlns:p14="http://schemas.microsoft.com/office/powerpoint/2010/main" Requires="p14">
+      <mc:AlternateContent xmlns:mc="http://schemas.openxmlformats.org/markup-compatibility/2006" xmlns:p14="http://schemas.microsoft.com/office/powerpoint/2010/main">
+        <mc:Choice Requires="p14">
           <p:contentPart p14:bwMode="auto" r:id="rId22">
             <p14:nvContentPartPr>
               <p14:cNvPr id="11" name="Ink 10">
@@ -9205,7 +9205,7 @@
             </p14:xfrm>
           </p:contentPart>
         </mc:Choice>
-        <mc:Fallback>
+        <mc:Fallback xmlns="">
           <p:pic>
             <p:nvPicPr>
               <p:cNvPr id="11" name="Ink 10">
@@ -9236,8 +9236,8 @@
           </p:pic>
         </mc:Fallback>
       </mc:AlternateContent>
-      <mc:AlternateContent xmlns:mc="http://schemas.openxmlformats.org/markup-compatibility/2006" xmlns:p14="http://schemas.microsoft.com/office/powerpoint/2010/main">
-        <mc:Choice Requires="p14">
+      <mc:AlternateContent xmlns:mc="http://schemas.openxmlformats.org/markup-compatibility/2006">
+        <mc:Choice xmlns:p14="http://schemas.microsoft.com/office/powerpoint/2010/main" Requires="p14">
           <p:contentPart p14:bwMode="auto" r:id="rId24">
             <p14:nvContentPartPr>
               <p14:cNvPr id="60" name="Ink 59">
@@ -9256,7 +9256,7 @@
             </p14:xfrm>
           </p:contentPart>
         </mc:Choice>
-        <mc:Fallback xmlns="">
+        <mc:Fallback>
           <p:pic>
             <p:nvPicPr>
               <p:cNvPr id="60" name="Ink 59">
@@ -9270,7 +9270,7 @@
               <p:nvPr/>
             </p:nvPicPr>
             <p:blipFill>
-              <a:blip r:embed="rId26"/>
+              <a:blip r:embed="rId25"/>
               <a:stretch>
                 <a:fillRect/>
               </a:stretch>
@@ -9287,9 +9287,9 @@
           </p:pic>
         </mc:Fallback>
       </mc:AlternateContent>
-      <mc:AlternateContent xmlns:mc="http://schemas.openxmlformats.org/markup-compatibility/2006">
-        <mc:Choice xmlns:p14="http://schemas.microsoft.com/office/powerpoint/2010/main" Requires="p14">
-          <p:contentPart p14:bwMode="auto" r:id="rId27">
+      <mc:AlternateContent xmlns:mc="http://schemas.openxmlformats.org/markup-compatibility/2006" xmlns:p14="http://schemas.microsoft.com/office/powerpoint/2010/main">
+        <mc:Choice Requires="p14">
+          <p:contentPart p14:bwMode="auto" r:id="rId26">
             <p14:nvContentPartPr>
               <p14:cNvPr id="13" name="Ink 12">
                 <a:extLst>
@@ -9307,7 +9307,7 @@
             </p14:xfrm>
           </p:contentPart>
         </mc:Choice>
-        <mc:Fallback>
+        <mc:Fallback xmlns="">
           <p:pic>
             <p:nvPicPr>
               <p:cNvPr id="13" name="Ink 12">
@@ -9338,8 +9338,8 @@
           </p:pic>
         </mc:Fallback>
       </mc:AlternateContent>
-      <mc:AlternateContent xmlns:mc="http://schemas.openxmlformats.org/markup-compatibility/2006">
-        <mc:Choice xmlns:p14="http://schemas.microsoft.com/office/powerpoint/2010/main" Requires="p14">
+      <mc:AlternateContent xmlns:mc="http://schemas.openxmlformats.org/markup-compatibility/2006" xmlns:p14="http://schemas.microsoft.com/office/powerpoint/2010/main">
+        <mc:Choice Requires="p14">
           <p:contentPart p14:bwMode="auto" r:id="rId29">
             <p14:nvContentPartPr>
               <p14:cNvPr id="62" name="Ink 61">
@@ -9358,7 +9358,7 @@
             </p14:xfrm>
           </p:contentPart>
         </mc:Choice>
-        <mc:Fallback>
+        <mc:Fallback xmlns="">
           <p:pic>
             <p:nvPicPr>
               <p:cNvPr id="62" name="Ink 61">
@@ -10221,7 +10221,7 @@
               <p:nvPr/>
             </p:nvPicPr>
             <p:blipFill>
-              <a:blip r:embed="rId26"/>
+              <a:blip r:embed="rId53"/>
               <a:stretch>
                 <a:fillRect/>
               </a:stretch>
@@ -10260,7 +10260,7 @@
         </p:grpSpPr>
         <mc:AlternateContent xmlns:mc="http://schemas.openxmlformats.org/markup-compatibility/2006" xmlns:p14="http://schemas.microsoft.com/office/powerpoint/2010/main">
           <mc:Choice Requires="p14">
-            <p:contentPart p14:bwMode="auto" r:id="rId53">
+            <p:contentPart p14:bwMode="auto" r:id="rId54">
               <p14:nvContentPartPr>
                 <p14:cNvPr id="67" name="Ink 66">
                   <a:extLst>
@@ -10292,7 +10292,7 @@
                 <p:nvPr/>
               </p:nvPicPr>
               <p:blipFill>
-                <a:blip r:embed="rId54"/>
+                <a:blip r:embed="rId55"/>
                 <a:stretch>
                   <a:fillRect/>
                 </a:stretch>
@@ -10311,7 +10311,7 @@
         </mc:AlternateContent>
         <mc:AlternateContent xmlns:mc="http://schemas.openxmlformats.org/markup-compatibility/2006" xmlns:p14="http://schemas.microsoft.com/office/powerpoint/2010/main">
           <mc:Choice Requires="p14">
-            <p:contentPart p14:bwMode="auto" r:id="rId55">
+            <p:contentPart p14:bwMode="auto" r:id="rId56">
               <p14:nvContentPartPr>
                 <p14:cNvPr id="68" name="Ink 67">
                   <a:extLst>
@@ -10343,7 +10343,7 @@
                 <p:nvPr/>
               </p:nvPicPr>
               <p:blipFill>
-                <a:blip r:embed="rId56"/>
+                <a:blip r:embed="rId57"/>
                 <a:stretch>
                   <a:fillRect/>
                 </a:stretch>
@@ -10362,7 +10362,7 @@
         </mc:AlternateContent>
         <mc:AlternateContent xmlns:mc="http://schemas.openxmlformats.org/markup-compatibility/2006" xmlns:p14="http://schemas.microsoft.com/office/powerpoint/2010/main">
           <mc:Choice Requires="p14">
-            <p:contentPart p14:bwMode="auto" r:id="rId57">
+            <p:contentPart p14:bwMode="auto" r:id="rId58">
               <p14:nvContentPartPr>
                 <p14:cNvPr id="69" name="Ink 68">
                   <a:extLst>
@@ -10481,8 +10481,8 @@
           <a:chExt cx="0" cy="0"/>
         </a:xfrm>
       </p:grpSpPr>
-      <mc:AlternateContent xmlns:mc="http://schemas.openxmlformats.org/markup-compatibility/2006">
-        <mc:Choice xmlns:p14="http://schemas.microsoft.com/office/powerpoint/2010/main" Requires="p14">
+      <mc:AlternateContent xmlns:mc="http://schemas.openxmlformats.org/markup-compatibility/2006" xmlns:p14="http://schemas.microsoft.com/office/powerpoint/2010/main">
+        <mc:Choice Requires="p14">
           <p:contentPart p14:bwMode="auto" r:id="rId2">
             <p14:nvContentPartPr>
               <p14:cNvPr id="9" name="Ink 8">
@@ -10501,7 +10501,7 @@
             </p14:xfrm>
           </p:contentPart>
         </mc:Choice>
-        <mc:Fallback>
+        <mc:Fallback xmlns="">
           <p:pic>
             <p:nvPicPr>
               <p:cNvPr id="9" name="Ink 8">
@@ -10532,8 +10532,8 @@
           </p:pic>
         </mc:Fallback>
       </mc:AlternateContent>
-      <mc:AlternateContent xmlns:mc="http://schemas.openxmlformats.org/markup-compatibility/2006">
-        <mc:Choice xmlns:p14="http://schemas.microsoft.com/office/powerpoint/2010/main" Requires="p14">
+      <mc:AlternateContent xmlns:mc="http://schemas.openxmlformats.org/markup-compatibility/2006" xmlns:p14="http://schemas.microsoft.com/office/powerpoint/2010/main">
+        <mc:Choice Requires="p14">
           <p:contentPart p14:bwMode="auto" r:id="rId4">
             <p14:nvContentPartPr>
               <p14:cNvPr id="14" name="Ink 13">
@@ -10552,7 +10552,7 @@
             </p14:xfrm>
           </p:contentPart>
         </mc:Choice>
-        <mc:Fallback>
+        <mc:Fallback xmlns="">
           <p:pic>
             <p:nvPicPr>
               <p:cNvPr id="14" name="Ink 13">
@@ -10583,8 +10583,8 @@
           </p:pic>
         </mc:Fallback>
       </mc:AlternateContent>
-      <mc:AlternateContent xmlns:mc="http://schemas.openxmlformats.org/markup-compatibility/2006">
-        <mc:Choice xmlns:p14="http://schemas.microsoft.com/office/powerpoint/2010/main" Requires="p14">
+      <mc:AlternateContent xmlns:mc="http://schemas.openxmlformats.org/markup-compatibility/2006" xmlns:p14="http://schemas.microsoft.com/office/powerpoint/2010/main">
+        <mc:Choice Requires="p14">
           <p:contentPart p14:bwMode="auto" r:id="rId6">
             <p14:nvContentPartPr>
               <p14:cNvPr id="67" name="Ink 66">
@@ -10603,7 +10603,7 @@
             </p14:xfrm>
           </p:contentPart>
         </mc:Choice>
-        <mc:Fallback>
+        <mc:Fallback xmlns="">
           <p:pic>
             <p:nvPicPr>
               <p:cNvPr id="67" name="Ink 66">
@@ -10634,8 +10634,8 @@
           </p:pic>
         </mc:Fallback>
       </mc:AlternateContent>
-      <mc:AlternateContent xmlns:mc="http://schemas.openxmlformats.org/markup-compatibility/2006">
-        <mc:Choice xmlns:p14="http://schemas.microsoft.com/office/powerpoint/2010/main" Requires="p14">
+      <mc:AlternateContent xmlns:mc="http://schemas.openxmlformats.org/markup-compatibility/2006" xmlns:p14="http://schemas.microsoft.com/office/powerpoint/2010/main">
+        <mc:Choice Requires="p14">
           <p:contentPart p14:bwMode="auto" r:id="rId7">
             <p14:nvContentPartPr>
               <p14:cNvPr id="61" name="Ink 60">
@@ -10654,7 +10654,7 @@
             </p14:xfrm>
           </p:contentPart>
         </mc:Choice>
-        <mc:Fallback>
+        <mc:Fallback xmlns="">
           <p:pic>
             <p:nvPicPr>
               <p:cNvPr id="61" name="Ink 60">
@@ -11328,8 +11328,8 @@
           </p:pic>
         </mc:Fallback>
       </mc:AlternateContent>
-      <mc:AlternateContent xmlns:mc="http://schemas.openxmlformats.org/markup-compatibility/2006">
-        <mc:Choice xmlns:p14="http://schemas.microsoft.com/office/powerpoint/2010/main" Requires="p14">
+      <mc:AlternateContent xmlns:mc="http://schemas.openxmlformats.org/markup-compatibility/2006" xmlns:p14="http://schemas.microsoft.com/office/powerpoint/2010/main">
+        <mc:Choice Requires="p14">
           <p:contentPart p14:bwMode="auto" r:id="rId22">
             <p14:nvContentPartPr>
               <p14:cNvPr id="8" name="Ink 7">
@@ -11348,7 +11348,7 @@
             </p14:xfrm>
           </p:contentPart>
         </mc:Choice>
-        <mc:Fallback>
+        <mc:Fallback xmlns="">
           <p:pic>
             <p:nvPicPr>
               <p:cNvPr id="8" name="Ink 7">
@@ -11379,8 +11379,8 @@
           </p:pic>
         </mc:Fallback>
       </mc:AlternateContent>
-      <mc:AlternateContent xmlns:mc="http://schemas.openxmlformats.org/markup-compatibility/2006">
-        <mc:Choice xmlns:p14="http://schemas.microsoft.com/office/powerpoint/2010/main" Requires="p14">
+      <mc:AlternateContent xmlns:mc="http://schemas.openxmlformats.org/markup-compatibility/2006" xmlns:p14="http://schemas.microsoft.com/office/powerpoint/2010/main">
+        <mc:Choice Requires="p14">
           <p:contentPart p14:bwMode="auto" r:id="rId24">
             <p14:nvContentPartPr>
               <p14:cNvPr id="11" name="Ink 10">
@@ -11399,7 +11399,7 @@
             </p14:xfrm>
           </p:contentPart>
         </mc:Choice>
-        <mc:Fallback>
+        <mc:Fallback xmlns="">
           <p:pic>
             <p:nvPicPr>
               <p:cNvPr id="11" name="Ink 10">
@@ -11481,8 +11481,8 @@
           </p:pic>
         </mc:Fallback>
       </mc:AlternateContent>
-      <mc:AlternateContent xmlns:mc="http://schemas.openxmlformats.org/markup-compatibility/2006">
-        <mc:Choice xmlns:p14="http://schemas.microsoft.com/office/powerpoint/2010/main" Requires="p14">
+      <mc:AlternateContent xmlns:mc="http://schemas.openxmlformats.org/markup-compatibility/2006" xmlns:p14="http://schemas.microsoft.com/office/powerpoint/2010/main">
+        <mc:Choice Requires="p14">
           <p:contentPart p14:bwMode="auto" r:id="rId28">
             <p14:nvContentPartPr>
               <p14:cNvPr id="13" name="Ink 12">
@@ -11501,7 +11501,7 @@
             </p14:xfrm>
           </p:contentPart>
         </mc:Choice>
-        <mc:Fallback>
+        <mc:Fallback xmlns="">
           <p:pic>
             <p:nvPicPr>
               <p:cNvPr id="13" name="Ink 12">
@@ -11532,8 +11532,8 @@
           </p:pic>
         </mc:Fallback>
       </mc:AlternateContent>
-      <mc:AlternateContent xmlns:mc="http://schemas.openxmlformats.org/markup-compatibility/2006">
-        <mc:Choice xmlns:p14="http://schemas.microsoft.com/office/powerpoint/2010/main" Requires="p14">
+      <mc:AlternateContent xmlns:mc="http://schemas.openxmlformats.org/markup-compatibility/2006" xmlns:p14="http://schemas.microsoft.com/office/powerpoint/2010/main">
+        <mc:Choice Requires="p14">
           <p:contentPart p14:bwMode="auto" r:id="rId30">
             <p14:nvContentPartPr>
               <p14:cNvPr id="62" name="Ink 61">
@@ -11552,7 +11552,7 @@
             </p14:xfrm>
           </p:contentPart>
         </mc:Choice>
-        <mc:Fallback>
+        <mc:Fallback xmlns="">
           <p:pic>
             <p:nvPicPr>
               <p:cNvPr id="62" name="Ink 61">
@@ -11981,8 +11981,8 @@
           </p:pic>
         </mc:Fallback>
       </mc:AlternateContent>
-      <mc:AlternateContent xmlns:mc="http://schemas.openxmlformats.org/markup-compatibility/2006">
-        <mc:Choice xmlns:p14="http://schemas.microsoft.com/office/powerpoint/2010/main" Requires="p14">
+      <mc:AlternateContent xmlns:mc="http://schemas.openxmlformats.org/markup-compatibility/2006" xmlns:p14="http://schemas.microsoft.com/office/powerpoint/2010/main">
+        <mc:Choice Requires="p14">
           <p:contentPart p14:bwMode="auto" r:id="rId43">
             <p14:nvContentPartPr>
               <p14:cNvPr id="59" name="Ink 58">
@@ -12001,7 +12001,7 @@
             </p14:xfrm>
           </p:contentPart>
         </mc:Choice>
-        <mc:Fallback>
+        <mc:Fallback xmlns="">
           <p:pic>
             <p:nvPicPr>
               <p:cNvPr id="59" name="Ink 58">
@@ -12032,8 +12032,8 @@
           </p:pic>
         </mc:Fallback>
       </mc:AlternateContent>
-      <mc:AlternateContent xmlns:mc="http://schemas.openxmlformats.org/markup-compatibility/2006">
-        <mc:Choice xmlns:p14="http://schemas.microsoft.com/office/powerpoint/2010/main" Requires="p14">
+      <mc:AlternateContent xmlns:mc="http://schemas.openxmlformats.org/markup-compatibility/2006" xmlns:p14="http://schemas.microsoft.com/office/powerpoint/2010/main">
+        <mc:Choice Requires="p14">
           <p:contentPart p14:bwMode="auto" r:id="rId44">
             <p14:nvContentPartPr>
               <p14:cNvPr id="64" name="Ink 63">
@@ -12052,7 +12052,7 @@
             </p14:xfrm>
           </p:contentPart>
         </mc:Choice>
-        <mc:Fallback>
+        <mc:Fallback xmlns="">
           <p:pic>
             <p:nvPicPr>
               <p:cNvPr id="64" name="Ink 63">
@@ -12083,8 +12083,8 @@
           </p:pic>
         </mc:Fallback>
       </mc:AlternateContent>
-      <mc:AlternateContent xmlns:mc="http://schemas.openxmlformats.org/markup-compatibility/2006">
-        <mc:Choice xmlns:p14="http://schemas.microsoft.com/office/powerpoint/2010/main" Requires="p14">
+      <mc:AlternateContent xmlns:mc="http://schemas.openxmlformats.org/markup-compatibility/2006" xmlns:p14="http://schemas.microsoft.com/office/powerpoint/2010/main">
+        <mc:Choice Requires="p14">
           <p:contentPart p14:bwMode="auto" r:id="rId45">
             <p14:nvContentPartPr>
               <p14:cNvPr id="66" name="Ink 65">
@@ -12103,7 +12103,7 @@
             </p14:xfrm>
           </p:contentPart>
         </mc:Choice>
-        <mc:Fallback>
+        <mc:Fallback xmlns="">
           <p:pic>
             <p:nvPicPr>
               <p:cNvPr id="66" name="Ink 65">
@@ -12134,8 +12134,8 @@
           </p:pic>
         </mc:Fallback>
       </mc:AlternateContent>
-      <mc:AlternateContent xmlns:mc="http://schemas.openxmlformats.org/markup-compatibility/2006">
-        <mc:Choice xmlns:p14="http://schemas.microsoft.com/office/powerpoint/2010/main" Requires="p14">
+      <mc:AlternateContent xmlns:mc="http://schemas.openxmlformats.org/markup-compatibility/2006" xmlns:p14="http://schemas.microsoft.com/office/powerpoint/2010/main">
+        <mc:Choice Requires="p14">
           <p:contentPart p14:bwMode="auto" r:id="rId46">
             <p14:nvContentPartPr>
               <p14:cNvPr id="68" name="Ink 67">
@@ -12154,7 +12154,7 @@
             </p14:xfrm>
           </p:contentPart>
         </mc:Choice>
-        <mc:Fallback>
+        <mc:Fallback xmlns="">
           <p:pic>
             <p:nvPicPr>
               <p:cNvPr id="68" name="Ink 67">
@@ -12215,8 +12215,8 @@
           <a:chExt cx="0" cy="0"/>
         </a:xfrm>
       </p:grpSpPr>
-      <mc:AlternateContent xmlns:mc="http://schemas.openxmlformats.org/markup-compatibility/2006">
-        <mc:Choice xmlns:p14="http://schemas.microsoft.com/office/powerpoint/2010/main" Requires="p14">
+      <mc:AlternateContent xmlns:mc="http://schemas.openxmlformats.org/markup-compatibility/2006" xmlns:p14="http://schemas.microsoft.com/office/powerpoint/2010/main">
+        <mc:Choice Requires="p14">
           <p:contentPart p14:bwMode="auto" r:id="rId2">
             <p14:nvContentPartPr>
               <p14:cNvPr id="9" name="Ink 8">
@@ -12235,7 +12235,7 @@
             </p14:xfrm>
           </p:contentPart>
         </mc:Choice>
-        <mc:Fallback>
+        <mc:Fallback xmlns="">
           <p:pic>
             <p:nvPicPr>
               <p:cNvPr id="9" name="Ink 8">
@@ -13032,8 +13032,8 @@
           </mc:Fallback>
         </mc:AlternateContent>
       </p:grpSp>
-      <mc:AlternateContent xmlns:mc="http://schemas.openxmlformats.org/markup-compatibility/2006">
-        <mc:Choice xmlns:p14="http://schemas.microsoft.com/office/powerpoint/2010/main" Requires="p14">
+      <mc:AlternateContent xmlns:mc="http://schemas.openxmlformats.org/markup-compatibility/2006" xmlns:p14="http://schemas.microsoft.com/office/powerpoint/2010/main">
+        <mc:Choice Requires="p14">
           <p:contentPart p14:bwMode="auto" r:id="rId21">
             <p14:nvContentPartPr>
               <p14:cNvPr id="8" name="Ink 7">
@@ -13052,7 +13052,7 @@
             </p14:xfrm>
           </p:contentPart>
         </mc:Choice>
-        <mc:Fallback>
+        <mc:Fallback xmlns="">
           <p:pic>
             <p:nvPicPr>
               <p:cNvPr id="8" name="Ink 7">
@@ -13083,8 +13083,8 @@
           </p:pic>
         </mc:Fallback>
       </mc:AlternateContent>
-      <mc:AlternateContent xmlns:mc="http://schemas.openxmlformats.org/markup-compatibility/2006">
-        <mc:Choice xmlns:p14="http://schemas.microsoft.com/office/powerpoint/2010/main" Requires="p14">
+      <mc:AlternateContent xmlns:mc="http://schemas.openxmlformats.org/markup-compatibility/2006" xmlns:p14="http://schemas.microsoft.com/office/powerpoint/2010/main">
+        <mc:Choice Requires="p14">
           <p:contentPart p14:bwMode="auto" r:id="rId22">
             <p14:nvContentPartPr>
               <p14:cNvPr id="11" name="Ink 10">
@@ -13103,7 +13103,7 @@
             </p14:xfrm>
           </p:contentPart>
         </mc:Choice>
-        <mc:Fallback>
+        <mc:Fallback xmlns="">
           <p:pic>
             <p:nvPicPr>
               <p:cNvPr id="11" name="Ink 10">
